--- a/이미지작업.pptx
+++ b/이미지작업.pptx
@@ -15,7 +15,10 @@
     <p:sldId id="265" r:id="rId9"/>
     <p:sldId id="266" r:id="rId10"/>
     <p:sldId id="267" r:id="rId11"/>
-    <p:sldId id="263" r:id="rId12"/>
+    <p:sldId id="268" r:id="rId12"/>
+    <p:sldId id="269" r:id="rId13"/>
+    <p:sldId id="270" r:id="rId14"/>
+    <p:sldId id="263" r:id="rId15"/>
   </p:sldIdLst>
   <p:sldSz cx="9144000" cy="6858000" type="screen4x3"/>
   <p:notesSz cx="6858000" cy="9144000"/>
@@ -298,7 +301,7 @@
           <a:p>
             <a:fld id="{E5D26CBB-EF44-493E-8030-6EA34AA7A64B}" type="datetimeFigureOut">
               <a:rPr lang="ko-KR" altLang="en-US" smtClean="0"/>
-              <a:t>2020-04-15</a:t>
+              <a:t>2020-04-19</a:t>
             </a:fld>
             <a:endParaRPr lang="ko-KR" altLang="en-US"/>
           </a:p>
@@ -468,7 +471,7 @@
           <a:p>
             <a:fld id="{E5D26CBB-EF44-493E-8030-6EA34AA7A64B}" type="datetimeFigureOut">
               <a:rPr lang="ko-KR" altLang="en-US" smtClean="0"/>
-              <a:t>2020-04-15</a:t>
+              <a:t>2020-04-19</a:t>
             </a:fld>
             <a:endParaRPr lang="ko-KR" altLang="en-US"/>
           </a:p>
@@ -648,7 +651,7 @@
           <a:p>
             <a:fld id="{E5D26CBB-EF44-493E-8030-6EA34AA7A64B}" type="datetimeFigureOut">
               <a:rPr lang="ko-KR" altLang="en-US" smtClean="0"/>
-              <a:t>2020-04-15</a:t>
+              <a:t>2020-04-19</a:t>
             </a:fld>
             <a:endParaRPr lang="ko-KR" altLang="en-US"/>
           </a:p>
@@ -818,7 +821,7 @@
           <a:p>
             <a:fld id="{E5D26CBB-EF44-493E-8030-6EA34AA7A64B}" type="datetimeFigureOut">
               <a:rPr lang="ko-KR" altLang="en-US" smtClean="0"/>
-              <a:t>2020-04-15</a:t>
+              <a:t>2020-04-19</a:t>
             </a:fld>
             <a:endParaRPr lang="ko-KR" altLang="en-US"/>
           </a:p>
@@ -1064,7 +1067,7 @@
           <a:p>
             <a:fld id="{E5D26CBB-EF44-493E-8030-6EA34AA7A64B}" type="datetimeFigureOut">
               <a:rPr lang="ko-KR" altLang="en-US" smtClean="0"/>
-              <a:t>2020-04-15</a:t>
+              <a:t>2020-04-19</a:t>
             </a:fld>
             <a:endParaRPr lang="ko-KR" altLang="en-US"/>
           </a:p>
@@ -1352,7 +1355,7 @@
           <a:p>
             <a:fld id="{E5D26CBB-EF44-493E-8030-6EA34AA7A64B}" type="datetimeFigureOut">
               <a:rPr lang="ko-KR" altLang="en-US" smtClean="0"/>
-              <a:t>2020-04-15</a:t>
+              <a:t>2020-04-19</a:t>
             </a:fld>
             <a:endParaRPr lang="ko-KR" altLang="en-US"/>
           </a:p>
@@ -1774,7 +1777,7 @@
           <a:p>
             <a:fld id="{E5D26CBB-EF44-493E-8030-6EA34AA7A64B}" type="datetimeFigureOut">
               <a:rPr lang="ko-KR" altLang="en-US" smtClean="0"/>
-              <a:t>2020-04-15</a:t>
+              <a:t>2020-04-19</a:t>
             </a:fld>
             <a:endParaRPr lang="ko-KR" altLang="en-US"/>
           </a:p>
@@ -1892,7 +1895,7 @@
           <a:p>
             <a:fld id="{E5D26CBB-EF44-493E-8030-6EA34AA7A64B}" type="datetimeFigureOut">
               <a:rPr lang="ko-KR" altLang="en-US" smtClean="0"/>
-              <a:t>2020-04-15</a:t>
+              <a:t>2020-04-19</a:t>
             </a:fld>
             <a:endParaRPr lang="ko-KR" altLang="en-US"/>
           </a:p>
@@ -1987,7 +1990,7 @@
           <a:p>
             <a:fld id="{E5D26CBB-EF44-493E-8030-6EA34AA7A64B}" type="datetimeFigureOut">
               <a:rPr lang="ko-KR" altLang="en-US" smtClean="0"/>
-              <a:t>2020-04-15</a:t>
+              <a:t>2020-04-19</a:t>
             </a:fld>
             <a:endParaRPr lang="ko-KR" altLang="en-US"/>
           </a:p>
@@ -2264,7 +2267,7 @@
           <a:p>
             <a:fld id="{E5D26CBB-EF44-493E-8030-6EA34AA7A64B}" type="datetimeFigureOut">
               <a:rPr lang="ko-KR" altLang="en-US" smtClean="0"/>
-              <a:t>2020-04-15</a:t>
+              <a:t>2020-04-19</a:t>
             </a:fld>
             <a:endParaRPr lang="ko-KR" altLang="en-US"/>
           </a:p>
@@ -2517,7 +2520,7 @@
           <a:p>
             <a:fld id="{E5D26CBB-EF44-493E-8030-6EA34AA7A64B}" type="datetimeFigureOut">
               <a:rPr lang="ko-KR" altLang="en-US" smtClean="0"/>
-              <a:t>2020-04-15</a:t>
+              <a:t>2020-04-19</a:t>
             </a:fld>
             <a:endParaRPr lang="ko-KR" altLang="en-US"/>
           </a:p>
@@ -2730,7 +2733,7 @@
           <a:p>
             <a:fld id="{E5D26CBB-EF44-493E-8030-6EA34AA7A64B}" type="datetimeFigureOut">
               <a:rPr lang="ko-KR" altLang="en-US" smtClean="0"/>
-              <a:t>2020-04-15</a:t>
+              <a:t>2020-04-19</a:t>
             </a:fld>
             <a:endParaRPr lang="ko-KR" altLang="en-US"/>
           </a:p>
@@ -4025,6 +4028,1606 @@
 </file>
 
 <file path=ppt/slides/slide11.xml><?xml version="1.0" encoding="utf-8"?>
+<p:sld xmlns:a="http://schemas.openxmlformats.org/drawingml/2006/main" xmlns:r="http://schemas.openxmlformats.org/officeDocument/2006/relationships" xmlns:p="http://schemas.openxmlformats.org/presentationml/2006/main">
+  <p:cSld>
+    <p:spTree>
+      <p:nvGrpSpPr>
+        <p:cNvPr id="1" name=""/>
+        <p:cNvGrpSpPr/>
+        <p:nvPr/>
+      </p:nvGrpSpPr>
+      <p:grpSpPr>
+        <a:xfrm>
+          <a:off x="0" y="0"/>
+          <a:ext cx="0" cy="0"/>
+          <a:chOff x="0" y="0"/>
+          <a:chExt cx="0" cy="0"/>
+        </a:xfrm>
+      </p:grpSpPr>
+      <p:sp>
+        <p:nvSpPr>
+          <p:cNvPr id="3" name="타원 2"/>
+          <p:cNvSpPr/>
+          <p:nvPr/>
+        </p:nvSpPr>
+        <p:spPr>
+          <a:xfrm>
+            <a:off x="1763688" y="2996952"/>
+            <a:ext cx="937245" cy="875025"/>
+          </a:xfrm>
+          <a:prstGeom prst="ellipse">
+            <a:avLst/>
+          </a:prstGeom>
+        </p:spPr>
+        <p:style>
+          <a:lnRef idx="2">
+            <a:schemeClr val="accent1">
+              <a:shade val="50000"/>
+            </a:schemeClr>
+          </a:lnRef>
+          <a:fillRef idx="1">
+            <a:schemeClr val="accent1"/>
+          </a:fillRef>
+          <a:effectRef idx="0">
+            <a:schemeClr val="accent1"/>
+          </a:effectRef>
+          <a:fontRef idx="minor">
+            <a:schemeClr val="lt1"/>
+          </a:fontRef>
+        </p:style>
+        <p:txBody>
+          <a:bodyPr rtlCol="0" anchor="ctr"/>
+          <a:lstStyle/>
+          <a:p>
+            <a:pPr algn="ctr"/>
+            <a:r>
+              <a:rPr lang="ko-KR" altLang="en-US" sz="1400" dirty="0" err="1" smtClean="0"/>
+              <a:t>커밋</a:t>
+            </a:r>
+            <a:r>
+              <a:rPr lang="en-US" altLang="ko-KR" sz="1400" dirty="0" smtClean="0"/>
+              <a:t>1</a:t>
+            </a:r>
+            <a:endParaRPr lang="ko-KR" altLang="en-US" sz="1400" dirty="0"/>
+          </a:p>
+        </p:txBody>
+      </p:sp>
+      <p:sp>
+        <p:nvSpPr>
+          <p:cNvPr id="4" name="타원 3"/>
+          <p:cNvSpPr/>
+          <p:nvPr/>
+        </p:nvSpPr>
+        <p:spPr>
+          <a:xfrm>
+            <a:off x="3131839" y="1556792"/>
+            <a:ext cx="937245" cy="875025"/>
+          </a:xfrm>
+          <a:prstGeom prst="ellipse">
+            <a:avLst/>
+          </a:prstGeom>
+        </p:spPr>
+        <p:style>
+          <a:lnRef idx="2">
+            <a:schemeClr val="accent1">
+              <a:shade val="50000"/>
+            </a:schemeClr>
+          </a:lnRef>
+          <a:fillRef idx="1">
+            <a:schemeClr val="accent1"/>
+          </a:fillRef>
+          <a:effectRef idx="0">
+            <a:schemeClr val="accent1"/>
+          </a:effectRef>
+          <a:fontRef idx="minor">
+            <a:schemeClr val="lt1"/>
+          </a:fontRef>
+        </p:style>
+        <p:txBody>
+          <a:bodyPr rtlCol="0" anchor="ctr"/>
+          <a:lstStyle/>
+          <a:p>
+            <a:pPr algn="ctr"/>
+            <a:r>
+              <a:rPr lang="ko-KR" altLang="en-US" sz="1400" dirty="0" err="1" smtClean="0"/>
+              <a:t>커밋</a:t>
+            </a:r>
+            <a:r>
+              <a:rPr lang="en-US" altLang="ko-KR" sz="1400" dirty="0" smtClean="0"/>
+              <a:t>2</a:t>
+            </a:r>
+            <a:endParaRPr lang="ko-KR" altLang="en-US" sz="1400" dirty="0"/>
+          </a:p>
+        </p:txBody>
+      </p:sp>
+      <p:sp>
+        <p:nvSpPr>
+          <p:cNvPr id="5" name="타원 4"/>
+          <p:cNvSpPr/>
+          <p:nvPr/>
+        </p:nvSpPr>
+        <p:spPr>
+          <a:xfrm>
+            <a:off x="4991472" y="1556792"/>
+            <a:ext cx="937245" cy="875025"/>
+          </a:xfrm>
+          <a:prstGeom prst="ellipse">
+            <a:avLst/>
+          </a:prstGeom>
+        </p:spPr>
+        <p:style>
+          <a:lnRef idx="2">
+            <a:schemeClr val="accent1">
+              <a:shade val="50000"/>
+            </a:schemeClr>
+          </a:lnRef>
+          <a:fillRef idx="1">
+            <a:schemeClr val="accent1"/>
+          </a:fillRef>
+          <a:effectRef idx="0">
+            <a:schemeClr val="accent1"/>
+          </a:effectRef>
+          <a:fontRef idx="minor">
+            <a:schemeClr val="lt1"/>
+          </a:fontRef>
+        </p:style>
+        <p:txBody>
+          <a:bodyPr rtlCol="0" anchor="ctr"/>
+          <a:lstStyle/>
+          <a:p>
+            <a:pPr algn="ctr"/>
+            <a:r>
+              <a:rPr lang="ko-KR" altLang="en-US" sz="1400" dirty="0" err="1" smtClean="0"/>
+              <a:t>커밋</a:t>
+            </a:r>
+            <a:r>
+              <a:rPr lang="en-US" altLang="ko-KR" sz="1400" dirty="0" smtClean="0"/>
+              <a:t>3</a:t>
+            </a:r>
+            <a:endParaRPr lang="ko-KR" altLang="en-US" sz="1400" dirty="0"/>
+          </a:p>
+        </p:txBody>
+      </p:sp>
+      <p:sp>
+        <p:nvSpPr>
+          <p:cNvPr id="6" name="타원 5"/>
+          <p:cNvSpPr/>
+          <p:nvPr/>
+        </p:nvSpPr>
+        <p:spPr>
+          <a:xfrm>
+            <a:off x="4935990" y="2996952"/>
+            <a:ext cx="937245" cy="875025"/>
+          </a:xfrm>
+          <a:prstGeom prst="ellipse">
+            <a:avLst/>
+          </a:prstGeom>
+        </p:spPr>
+        <p:style>
+          <a:lnRef idx="2">
+            <a:schemeClr val="accent1">
+              <a:shade val="50000"/>
+            </a:schemeClr>
+          </a:lnRef>
+          <a:fillRef idx="1">
+            <a:schemeClr val="accent1"/>
+          </a:fillRef>
+          <a:effectRef idx="0">
+            <a:schemeClr val="accent1"/>
+          </a:effectRef>
+          <a:fontRef idx="minor">
+            <a:schemeClr val="lt1"/>
+          </a:fontRef>
+        </p:style>
+        <p:txBody>
+          <a:bodyPr rtlCol="0" anchor="ctr"/>
+          <a:lstStyle/>
+          <a:p>
+            <a:pPr algn="ctr"/>
+            <a:r>
+              <a:rPr lang="ko-KR" altLang="en-US" sz="1400" dirty="0" err="1" smtClean="0"/>
+              <a:t>커밋</a:t>
+            </a:r>
+            <a:r>
+              <a:rPr lang="en-US" altLang="ko-KR" sz="1400" dirty="0" smtClean="0"/>
+              <a:t>4</a:t>
+            </a:r>
+            <a:endParaRPr lang="ko-KR" altLang="en-US" sz="1400" dirty="0"/>
+          </a:p>
+        </p:txBody>
+      </p:sp>
+      <p:cxnSp>
+        <p:nvCxnSpPr>
+          <p:cNvPr id="10" name="직선 화살표 연결선 9"/>
+          <p:cNvCxnSpPr>
+            <a:stCxn id="4" idx="3"/>
+            <a:endCxn id="3" idx="7"/>
+          </p:cNvCxnSpPr>
+          <p:nvPr/>
+        </p:nvCxnSpPr>
+        <p:spPr>
+          <a:xfrm flipH="1">
+            <a:off x="2563677" y="2303673"/>
+            <a:ext cx="705418" cy="821423"/>
+          </a:xfrm>
+          <a:prstGeom prst="straightConnector1">
+            <a:avLst/>
+          </a:prstGeom>
+          <a:ln w="28575">
+            <a:solidFill>
+              <a:srgbClr val="FF0000"/>
+            </a:solidFill>
+            <a:tailEnd type="arrow"/>
+          </a:ln>
+        </p:spPr>
+        <p:style>
+          <a:lnRef idx="1">
+            <a:schemeClr val="accent1"/>
+          </a:lnRef>
+          <a:fillRef idx="0">
+            <a:schemeClr val="accent1"/>
+          </a:fillRef>
+          <a:effectRef idx="0">
+            <a:schemeClr val="accent1"/>
+          </a:effectRef>
+          <a:fontRef idx="minor">
+            <a:schemeClr val="tx1"/>
+          </a:fontRef>
+        </p:style>
+      </p:cxnSp>
+      <p:cxnSp>
+        <p:nvCxnSpPr>
+          <p:cNvPr id="12" name="직선 화살표 연결선 11"/>
+          <p:cNvCxnSpPr>
+            <a:stCxn id="5" idx="2"/>
+            <a:endCxn id="4" idx="6"/>
+          </p:cNvCxnSpPr>
+          <p:nvPr/>
+        </p:nvCxnSpPr>
+        <p:spPr>
+          <a:xfrm flipH="1">
+            <a:off x="4069084" y="1994305"/>
+            <a:ext cx="922388" cy="0"/>
+          </a:xfrm>
+          <a:prstGeom prst="straightConnector1">
+            <a:avLst/>
+          </a:prstGeom>
+          <a:ln w="28575">
+            <a:solidFill>
+              <a:srgbClr val="FF0000"/>
+            </a:solidFill>
+            <a:tailEnd type="arrow"/>
+          </a:ln>
+        </p:spPr>
+        <p:style>
+          <a:lnRef idx="1">
+            <a:schemeClr val="accent1"/>
+          </a:lnRef>
+          <a:fillRef idx="0">
+            <a:schemeClr val="accent1"/>
+          </a:fillRef>
+          <a:effectRef idx="0">
+            <a:schemeClr val="accent1"/>
+          </a:effectRef>
+          <a:fontRef idx="minor">
+            <a:schemeClr val="tx1"/>
+          </a:fontRef>
+        </p:style>
+      </p:cxnSp>
+      <p:cxnSp>
+        <p:nvCxnSpPr>
+          <p:cNvPr id="14" name="직선 화살표 연결선 13"/>
+          <p:cNvCxnSpPr>
+            <a:stCxn id="6" idx="2"/>
+            <a:endCxn id="3" idx="6"/>
+          </p:cNvCxnSpPr>
+          <p:nvPr/>
+        </p:nvCxnSpPr>
+        <p:spPr>
+          <a:xfrm flipH="1">
+            <a:off x="2700933" y="3434465"/>
+            <a:ext cx="2235057" cy="0"/>
+          </a:xfrm>
+          <a:prstGeom prst="straightConnector1">
+            <a:avLst/>
+          </a:prstGeom>
+          <a:ln w="28575">
+            <a:solidFill>
+              <a:srgbClr val="FF0000"/>
+            </a:solidFill>
+            <a:tailEnd type="arrow"/>
+          </a:ln>
+        </p:spPr>
+        <p:style>
+          <a:lnRef idx="1">
+            <a:schemeClr val="accent1"/>
+          </a:lnRef>
+          <a:fillRef idx="0">
+            <a:schemeClr val="accent1"/>
+          </a:fillRef>
+          <a:effectRef idx="0">
+            <a:schemeClr val="accent1"/>
+          </a:effectRef>
+          <a:fontRef idx="minor">
+            <a:schemeClr val="tx1"/>
+          </a:fontRef>
+        </p:style>
+      </p:cxnSp>
+      <p:sp>
+        <p:nvSpPr>
+          <p:cNvPr id="16" name="위쪽 화살표 설명선 15"/>
+          <p:cNvSpPr/>
+          <p:nvPr/>
+        </p:nvSpPr>
+        <p:spPr>
+          <a:xfrm>
+            <a:off x="7021412" y="4025974"/>
+            <a:ext cx="1651703" cy="864096"/>
+          </a:xfrm>
+          <a:prstGeom prst="upArrowCallout">
+            <a:avLst/>
+          </a:prstGeom>
+        </p:spPr>
+        <p:style>
+          <a:lnRef idx="2">
+            <a:schemeClr val="accent1">
+              <a:shade val="50000"/>
+            </a:schemeClr>
+          </a:lnRef>
+          <a:fillRef idx="1">
+            <a:schemeClr val="accent1"/>
+          </a:fillRef>
+          <a:effectRef idx="0">
+            <a:schemeClr val="accent1"/>
+          </a:effectRef>
+          <a:fontRef idx="minor">
+            <a:schemeClr val="lt1"/>
+          </a:fontRef>
+        </p:style>
+        <p:txBody>
+          <a:bodyPr rtlCol="0" anchor="ctr"/>
+          <a:lstStyle/>
+          <a:p>
+            <a:pPr algn="ctr"/>
+            <a:r>
+              <a:rPr lang="en-US" altLang="ko-KR" dirty="0" smtClean="0"/>
+              <a:t>(</a:t>
+            </a:r>
+            <a:r>
+              <a:rPr lang="ko-KR" altLang="en-US" dirty="0" smtClean="0"/>
+              <a:t>너구리</a:t>
+            </a:r>
+            <a:r>
+              <a:rPr lang="en-US" altLang="ko-KR" dirty="0" smtClean="0"/>
+              <a:t>)</a:t>
+            </a:r>
+            <a:r>
+              <a:rPr lang="en-US" altLang="ko-KR" dirty="0" smtClean="0"/>
+              <a:t/>
+            </a:r>
+            <a:br>
+              <a:rPr lang="en-US" altLang="ko-KR" dirty="0" smtClean="0"/>
+            </a:br>
+            <a:r>
+              <a:rPr lang="en-US" altLang="ko-KR" dirty="0" smtClean="0"/>
+              <a:t>master</a:t>
+            </a:r>
+            <a:endParaRPr lang="ko-KR" altLang="en-US" dirty="0"/>
+          </a:p>
+        </p:txBody>
+      </p:sp>
+      <p:sp>
+        <p:nvSpPr>
+          <p:cNvPr id="17" name="아래쪽 화살표 설명선 16"/>
+          <p:cNvSpPr/>
+          <p:nvPr/>
+        </p:nvSpPr>
+        <p:spPr>
+          <a:xfrm>
+            <a:off x="4038190" y="548680"/>
+            <a:ext cx="2843808" cy="864096"/>
+          </a:xfrm>
+          <a:prstGeom prst="downArrowCallout">
+            <a:avLst/>
+          </a:prstGeom>
+        </p:spPr>
+        <p:style>
+          <a:lnRef idx="2">
+            <a:schemeClr val="accent1">
+              <a:shade val="50000"/>
+            </a:schemeClr>
+          </a:lnRef>
+          <a:fillRef idx="1">
+            <a:schemeClr val="accent1"/>
+          </a:fillRef>
+          <a:effectRef idx="0">
+            <a:schemeClr val="accent1"/>
+          </a:effectRef>
+          <a:fontRef idx="minor">
+            <a:schemeClr val="lt1"/>
+          </a:fontRef>
+        </p:style>
+        <p:txBody>
+          <a:bodyPr rtlCol="0" anchor="ctr"/>
+          <a:lstStyle/>
+          <a:p>
+            <a:pPr algn="ctr"/>
+            <a:r>
+              <a:rPr lang="en-US" altLang="ko-KR" dirty="0" smtClean="0"/>
+              <a:t>(</a:t>
+            </a:r>
+            <a:r>
+              <a:rPr lang="ko-KR" altLang="en-US" dirty="0" smtClean="0"/>
+              <a:t>고양이</a:t>
+            </a:r>
+            <a:r>
+              <a:rPr lang="en-US" altLang="ko-KR" dirty="0" smtClean="0"/>
+              <a:t>)upstream/</a:t>
+            </a:r>
+            <a:r>
+              <a:rPr lang="en-US" altLang="ko-KR" dirty="0" smtClean="0"/>
+              <a:t>master</a:t>
+            </a:r>
+            <a:endParaRPr lang="ko-KR" altLang="en-US" dirty="0"/>
+          </a:p>
+        </p:txBody>
+      </p:sp>
+      <p:sp>
+        <p:nvSpPr>
+          <p:cNvPr id="15" name="타원 14"/>
+          <p:cNvSpPr/>
+          <p:nvPr/>
+        </p:nvSpPr>
+        <p:spPr>
+          <a:xfrm>
+            <a:off x="7378642" y="2996208"/>
+            <a:ext cx="937245" cy="875025"/>
+          </a:xfrm>
+          <a:prstGeom prst="ellipse">
+            <a:avLst/>
+          </a:prstGeom>
+        </p:spPr>
+        <p:style>
+          <a:lnRef idx="2">
+            <a:schemeClr val="accent1">
+              <a:shade val="50000"/>
+            </a:schemeClr>
+          </a:lnRef>
+          <a:fillRef idx="1">
+            <a:schemeClr val="accent1"/>
+          </a:fillRef>
+          <a:effectRef idx="0">
+            <a:schemeClr val="accent1"/>
+          </a:effectRef>
+          <a:fontRef idx="minor">
+            <a:schemeClr val="lt1"/>
+          </a:fontRef>
+        </p:style>
+        <p:txBody>
+          <a:bodyPr rtlCol="0" anchor="ctr"/>
+          <a:lstStyle/>
+          <a:p>
+            <a:pPr algn="ctr"/>
+            <a:r>
+              <a:rPr lang="ko-KR" altLang="en-US" sz="1400" dirty="0" err="1" smtClean="0"/>
+              <a:t>병</a:t>
+            </a:r>
+            <a:r>
+              <a:rPr lang="ko-KR" altLang="en-US" sz="1400" dirty="0" err="1"/>
+              <a:t>합</a:t>
+            </a:r>
+            <a:r>
+              <a:rPr lang="ko-KR" altLang="en-US" sz="1400" dirty="0" err="1" smtClean="0"/>
+              <a:t>커밋</a:t>
+            </a:r>
+            <a:endParaRPr lang="ko-KR" altLang="en-US" sz="1400" dirty="0"/>
+          </a:p>
+        </p:txBody>
+      </p:sp>
+      <p:cxnSp>
+        <p:nvCxnSpPr>
+          <p:cNvPr id="18" name="직선 화살표 연결선 17"/>
+          <p:cNvCxnSpPr>
+            <a:stCxn id="15" idx="1"/>
+          </p:cNvCxnSpPr>
+          <p:nvPr/>
+        </p:nvCxnSpPr>
+        <p:spPr>
+          <a:xfrm flipH="1" flipV="1">
+            <a:off x="5928717" y="2151906"/>
+            <a:ext cx="1587181" cy="972446"/>
+          </a:xfrm>
+          <a:prstGeom prst="straightConnector1">
+            <a:avLst/>
+          </a:prstGeom>
+          <a:ln w="28575">
+            <a:solidFill>
+              <a:srgbClr val="FF0000"/>
+            </a:solidFill>
+            <a:tailEnd type="arrow"/>
+          </a:ln>
+        </p:spPr>
+        <p:style>
+          <a:lnRef idx="1">
+            <a:schemeClr val="accent1"/>
+          </a:lnRef>
+          <a:fillRef idx="0">
+            <a:schemeClr val="accent1"/>
+          </a:fillRef>
+          <a:effectRef idx="0">
+            <a:schemeClr val="accent1"/>
+          </a:effectRef>
+          <a:fontRef idx="minor">
+            <a:schemeClr val="tx1"/>
+          </a:fontRef>
+        </p:style>
+      </p:cxnSp>
+      <p:cxnSp>
+        <p:nvCxnSpPr>
+          <p:cNvPr id="19" name="직선 화살표 연결선 18"/>
+          <p:cNvCxnSpPr>
+            <a:stCxn id="15" idx="2"/>
+            <a:endCxn id="6" idx="6"/>
+          </p:cNvCxnSpPr>
+          <p:nvPr/>
+        </p:nvCxnSpPr>
+        <p:spPr>
+          <a:xfrm flipH="1">
+            <a:off x="5873235" y="3433721"/>
+            <a:ext cx="1505407" cy="744"/>
+          </a:xfrm>
+          <a:prstGeom prst="straightConnector1">
+            <a:avLst/>
+          </a:prstGeom>
+          <a:ln w="28575">
+            <a:solidFill>
+              <a:srgbClr val="FF0000"/>
+            </a:solidFill>
+            <a:tailEnd type="arrow"/>
+          </a:ln>
+        </p:spPr>
+        <p:style>
+          <a:lnRef idx="1">
+            <a:schemeClr val="accent1"/>
+          </a:lnRef>
+          <a:fillRef idx="0">
+            <a:schemeClr val="accent1"/>
+          </a:fillRef>
+          <a:effectRef idx="0">
+            <a:schemeClr val="accent1"/>
+          </a:effectRef>
+          <a:fontRef idx="minor">
+            <a:schemeClr val="tx1"/>
+          </a:fontRef>
+        </p:style>
+      </p:cxnSp>
+    </p:spTree>
+    <p:extLst>
+      <p:ext uri="{BB962C8B-B14F-4D97-AF65-F5344CB8AC3E}">
+        <p14:creationId xmlns:p14="http://schemas.microsoft.com/office/powerpoint/2010/main" val="4132388182"/>
+      </p:ext>
+    </p:extLst>
+  </p:cSld>
+  <p:clrMapOvr>
+    <a:masterClrMapping/>
+  </p:clrMapOvr>
+  <p:timing>
+    <p:tnLst>
+      <p:par>
+        <p:cTn id="1" dur="indefinite" restart="never" nodeType="tmRoot"/>
+      </p:par>
+    </p:tnLst>
+  </p:timing>
+</p:sld>
+</file>
+
+<file path=ppt/slides/slide12.xml><?xml version="1.0" encoding="utf-8"?>
+<p:sld xmlns:a="http://schemas.openxmlformats.org/drawingml/2006/main" xmlns:r="http://schemas.openxmlformats.org/officeDocument/2006/relationships" xmlns:p="http://schemas.openxmlformats.org/presentationml/2006/main">
+  <p:cSld>
+    <p:spTree>
+      <p:nvGrpSpPr>
+        <p:cNvPr id="1" name=""/>
+        <p:cNvGrpSpPr/>
+        <p:nvPr/>
+      </p:nvGrpSpPr>
+      <p:grpSpPr>
+        <a:xfrm>
+          <a:off x="0" y="0"/>
+          <a:ext cx="0" cy="0"/>
+          <a:chOff x="0" y="0"/>
+          <a:chExt cx="0" cy="0"/>
+        </a:xfrm>
+      </p:grpSpPr>
+      <p:sp>
+        <p:nvSpPr>
+          <p:cNvPr id="3" name="타원 2"/>
+          <p:cNvSpPr/>
+          <p:nvPr/>
+        </p:nvSpPr>
+        <p:spPr>
+          <a:xfrm>
+            <a:off x="1763688" y="2996952"/>
+            <a:ext cx="937245" cy="875025"/>
+          </a:xfrm>
+          <a:prstGeom prst="ellipse">
+            <a:avLst/>
+          </a:prstGeom>
+        </p:spPr>
+        <p:style>
+          <a:lnRef idx="2">
+            <a:schemeClr val="accent1">
+              <a:shade val="50000"/>
+            </a:schemeClr>
+          </a:lnRef>
+          <a:fillRef idx="1">
+            <a:schemeClr val="accent1"/>
+          </a:fillRef>
+          <a:effectRef idx="0">
+            <a:schemeClr val="accent1"/>
+          </a:effectRef>
+          <a:fontRef idx="minor">
+            <a:schemeClr val="lt1"/>
+          </a:fontRef>
+        </p:style>
+        <p:txBody>
+          <a:bodyPr rtlCol="0" anchor="ctr"/>
+          <a:lstStyle/>
+          <a:p>
+            <a:pPr algn="ctr"/>
+            <a:r>
+              <a:rPr lang="ko-KR" altLang="en-US" sz="1400" dirty="0" err="1" smtClean="0"/>
+              <a:t>커밋</a:t>
+            </a:r>
+            <a:r>
+              <a:rPr lang="en-US" altLang="ko-KR" sz="1400" dirty="0" smtClean="0"/>
+              <a:t>1</a:t>
+            </a:r>
+            <a:endParaRPr lang="ko-KR" altLang="en-US" sz="1400" dirty="0"/>
+          </a:p>
+        </p:txBody>
+      </p:sp>
+      <p:sp>
+        <p:nvSpPr>
+          <p:cNvPr id="4" name="타원 3"/>
+          <p:cNvSpPr/>
+          <p:nvPr/>
+        </p:nvSpPr>
+        <p:spPr>
+          <a:xfrm>
+            <a:off x="3131839" y="1556792"/>
+            <a:ext cx="937245" cy="875025"/>
+          </a:xfrm>
+          <a:prstGeom prst="ellipse">
+            <a:avLst/>
+          </a:prstGeom>
+        </p:spPr>
+        <p:style>
+          <a:lnRef idx="2">
+            <a:schemeClr val="accent1">
+              <a:shade val="50000"/>
+            </a:schemeClr>
+          </a:lnRef>
+          <a:fillRef idx="1">
+            <a:schemeClr val="accent1"/>
+          </a:fillRef>
+          <a:effectRef idx="0">
+            <a:schemeClr val="accent1"/>
+          </a:effectRef>
+          <a:fontRef idx="minor">
+            <a:schemeClr val="lt1"/>
+          </a:fontRef>
+        </p:style>
+        <p:txBody>
+          <a:bodyPr rtlCol="0" anchor="ctr"/>
+          <a:lstStyle/>
+          <a:p>
+            <a:pPr algn="ctr"/>
+            <a:r>
+              <a:rPr lang="ko-KR" altLang="en-US" sz="1400" dirty="0" err="1" smtClean="0"/>
+              <a:t>커밋</a:t>
+            </a:r>
+            <a:r>
+              <a:rPr lang="en-US" altLang="ko-KR" sz="1400" dirty="0" smtClean="0"/>
+              <a:t>2</a:t>
+            </a:r>
+            <a:endParaRPr lang="ko-KR" altLang="en-US" sz="1400" dirty="0"/>
+          </a:p>
+        </p:txBody>
+      </p:sp>
+      <p:sp>
+        <p:nvSpPr>
+          <p:cNvPr id="6" name="타원 5"/>
+          <p:cNvSpPr/>
+          <p:nvPr/>
+        </p:nvSpPr>
+        <p:spPr>
+          <a:xfrm>
+            <a:off x="4283968" y="2989734"/>
+            <a:ext cx="937245" cy="875025"/>
+          </a:xfrm>
+          <a:prstGeom prst="ellipse">
+            <a:avLst/>
+          </a:prstGeom>
+        </p:spPr>
+        <p:style>
+          <a:lnRef idx="2">
+            <a:schemeClr val="accent1">
+              <a:shade val="50000"/>
+            </a:schemeClr>
+          </a:lnRef>
+          <a:fillRef idx="1">
+            <a:schemeClr val="accent1"/>
+          </a:fillRef>
+          <a:effectRef idx="0">
+            <a:schemeClr val="accent1"/>
+          </a:effectRef>
+          <a:fontRef idx="minor">
+            <a:schemeClr val="lt1"/>
+          </a:fontRef>
+        </p:style>
+        <p:txBody>
+          <a:bodyPr rtlCol="0" anchor="ctr"/>
+          <a:lstStyle/>
+          <a:p>
+            <a:pPr algn="ctr"/>
+            <a:r>
+              <a:rPr lang="ko-KR" altLang="en-US" sz="1400" dirty="0" err="1" smtClean="0"/>
+              <a:t>커밋</a:t>
+            </a:r>
+            <a:r>
+              <a:rPr lang="en-US" altLang="ko-KR" sz="1400" dirty="0" smtClean="0"/>
+              <a:t>4</a:t>
+            </a:r>
+            <a:endParaRPr lang="ko-KR" altLang="en-US" sz="1400" dirty="0"/>
+          </a:p>
+        </p:txBody>
+      </p:sp>
+      <p:cxnSp>
+        <p:nvCxnSpPr>
+          <p:cNvPr id="10" name="직선 화살표 연결선 9"/>
+          <p:cNvCxnSpPr>
+            <a:stCxn id="4" idx="3"/>
+            <a:endCxn id="3" idx="7"/>
+          </p:cNvCxnSpPr>
+          <p:nvPr/>
+        </p:nvCxnSpPr>
+        <p:spPr>
+          <a:xfrm flipH="1">
+            <a:off x="2563677" y="2303673"/>
+            <a:ext cx="705418" cy="821423"/>
+          </a:xfrm>
+          <a:prstGeom prst="straightConnector1">
+            <a:avLst/>
+          </a:prstGeom>
+          <a:ln w="28575">
+            <a:solidFill>
+              <a:srgbClr val="FF0000"/>
+            </a:solidFill>
+            <a:tailEnd type="arrow"/>
+          </a:ln>
+        </p:spPr>
+        <p:style>
+          <a:lnRef idx="1">
+            <a:schemeClr val="accent1"/>
+          </a:lnRef>
+          <a:fillRef idx="0">
+            <a:schemeClr val="accent1"/>
+          </a:fillRef>
+          <a:effectRef idx="0">
+            <a:schemeClr val="accent1"/>
+          </a:effectRef>
+          <a:fontRef idx="minor">
+            <a:schemeClr val="tx1"/>
+          </a:fontRef>
+        </p:style>
+      </p:cxnSp>
+      <p:cxnSp>
+        <p:nvCxnSpPr>
+          <p:cNvPr id="14" name="직선 화살표 연결선 13"/>
+          <p:cNvCxnSpPr>
+            <a:stCxn id="6" idx="2"/>
+            <a:endCxn id="3" idx="6"/>
+          </p:cNvCxnSpPr>
+          <p:nvPr/>
+        </p:nvCxnSpPr>
+        <p:spPr>
+          <a:xfrm flipH="1">
+            <a:off x="2700933" y="3427247"/>
+            <a:ext cx="1583035" cy="7218"/>
+          </a:xfrm>
+          <a:prstGeom prst="straightConnector1">
+            <a:avLst/>
+          </a:prstGeom>
+          <a:ln w="28575">
+            <a:solidFill>
+              <a:srgbClr val="FF0000"/>
+            </a:solidFill>
+            <a:tailEnd type="arrow"/>
+          </a:ln>
+        </p:spPr>
+        <p:style>
+          <a:lnRef idx="1">
+            <a:schemeClr val="accent1"/>
+          </a:lnRef>
+          <a:fillRef idx="0">
+            <a:schemeClr val="accent1"/>
+          </a:fillRef>
+          <a:effectRef idx="0">
+            <a:schemeClr val="accent1"/>
+          </a:effectRef>
+          <a:fontRef idx="minor">
+            <a:schemeClr val="tx1"/>
+          </a:fontRef>
+        </p:style>
+      </p:cxnSp>
+      <p:sp>
+        <p:nvSpPr>
+          <p:cNvPr id="16" name="위쪽 화살표 설명선 15"/>
+          <p:cNvSpPr/>
+          <p:nvPr/>
+        </p:nvSpPr>
+        <p:spPr>
+          <a:xfrm>
+            <a:off x="6375010" y="4073921"/>
+            <a:ext cx="1651703" cy="864096"/>
+          </a:xfrm>
+          <a:prstGeom prst="upArrowCallout">
+            <a:avLst/>
+          </a:prstGeom>
+        </p:spPr>
+        <p:style>
+          <a:lnRef idx="2">
+            <a:schemeClr val="accent1">
+              <a:shade val="50000"/>
+            </a:schemeClr>
+          </a:lnRef>
+          <a:fillRef idx="1">
+            <a:schemeClr val="accent1"/>
+          </a:fillRef>
+          <a:effectRef idx="0">
+            <a:schemeClr val="accent1"/>
+          </a:effectRef>
+          <a:fontRef idx="minor">
+            <a:schemeClr val="lt1"/>
+          </a:fontRef>
+        </p:style>
+        <p:txBody>
+          <a:bodyPr rtlCol="0" anchor="ctr"/>
+          <a:lstStyle/>
+          <a:p>
+            <a:pPr algn="ctr"/>
+            <a:r>
+              <a:rPr lang="en-US" altLang="ko-KR" dirty="0" smtClean="0"/>
+              <a:t>(</a:t>
+            </a:r>
+            <a:r>
+              <a:rPr lang="ko-KR" altLang="en-US" dirty="0" smtClean="0"/>
+              <a:t>너구리</a:t>
+            </a:r>
+            <a:r>
+              <a:rPr lang="en-US" altLang="ko-KR" dirty="0" smtClean="0"/>
+              <a:t>)</a:t>
+            </a:r>
+            <a:r>
+              <a:rPr lang="en-US" altLang="ko-KR" dirty="0" smtClean="0"/>
+              <a:t/>
+            </a:r>
+            <a:br>
+              <a:rPr lang="en-US" altLang="ko-KR" dirty="0" smtClean="0"/>
+            </a:br>
+            <a:r>
+              <a:rPr lang="en-US" altLang="ko-KR" dirty="0" smtClean="0"/>
+              <a:t>master</a:t>
+            </a:r>
+            <a:endParaRPr lang="ko-KR" altLang="en-US" dirty="0"/>
+          </a:p>
+        </p:txBody>
+      </p:sp>
+      <p:sp>
+        <p:nvSpPr>
+          <p:cNvPr id="17" name="아래쪽 화살표 설명선 16"/>
+          <p:cNvSpPr/>
+          <p:nvPr/>
+        </p:nvSpPr>
+        <p:spPr>
+          <a:xfrm>
+            <a:off x="2167544" y="620688"/>
+            <a:ext cx="2843808" cy="864096"/>
+          </a:xfrm>
+          <a:prstGeom prst="downArrowCallout">
+            <a:avLst/>
+          </a:prstGeom>
+        </p:spPr>
+        <p:style>
+          <a:lnRef idx="2">
+            <a:schemeClr val="accent1">
+              <a:shade val="50000"/>
+            </a:schemeClr>
+          </a:lnRef>
+          <a:fillRef idx="1">
+            <a:schemeClr val="accent1"/>
+          </a:fillRef>
+          <a:effectRef idx="0">
+            <a:schemeClr val="accent1"/>
+          </a:effectRef>
+          <a:fontRef idx="minor">
+            <a:schemeClr val="lt1"/>
+          </a:fontRef>
+        </p:style>
+        <p:txBody>
+          <a:bodyPr rtlCol="0" anchor="ctr"/>
+          <a:lstStyle/>
+          <a:p>
+            <a:pPr algn="ctr"/>
+            <a:r>
+              <a:rPr lang="en-US" altLang="ko-KR" dirty="0" smtClean="0"/>
+              <a:t>(</a:t>
+            </a:r>
+            <a:r>
+              <a:rPr lang="ko-KR" altLang="en-US" dirty="0" smtClean="0"/>
+              <a:t>고양이</a:t>
+            </a:r>
+            <a:r>
+              <a:rPr lang="en-US" altLang="ko-KR" dirty="0" smtClean="0"/>
+              <a:t>)upstream/</a:t>
+            </a:r>
+            <a:r>
+              <a:rPr lang="en-US" altLang="ko-KR" dirty="0" smtClean="0"/>
+              <a:t>master</a:t>
+            </a:r>
+            <a:endParaRPr lang="ko-KR" altLang="en-US" dirty="0"/>
+          </a:p>
+        </p:txBody>
+      </p:sp>
+      <p:sp>
+        <p:nvSpPr>
+          <p:cNvPr id="15" name="타원 14"/>
+          <p:cNvSpPr/>
+          <p:nvPr/>
+        </p:nvSpPr>
+        <p:spPr>
+          <a:xfrm>
+            <a:off x="6732240" y="2996208"/>
+            <a:ext cx="937245" cy="875025"/>
+          </a:xfrm>
+          <a:prstGeom prst="ellipse">
+            <a:avLst/>
+          </a:prstGeom>
+        </p:spPr>
+        <p:style>
+          <a:lnRef idx="2">
+            <a:schemeClr val="accent1">
+              <a:shade val="50000"/>
+            </a:schemeClr>
+          </a:lnRef>
+          <a:fillRef idx="1">
+            <a:schemeClr val="accent1"/>
+          </a:fillRef>
+          <a:effectRef idx="0">
+            <a:schemeClr val="accent1"/>
+          </a:effectRef>
+          <a:fontRef idx="minor">
+            <a:schemeClr val="lt1"/>
+          </a:fontRef>
+        </p:style>
+        <p:txBody>
+          <a:bodyPr rtlCol="0" anchor="ctr"/>
+          <a:lstStyle/>
+          <a:p>
+            <a:pPr algn="ctr"/>
+            <a:r>
+              <a:rPr lang="ko-KR" altLang="en-US" sz="1400" dirty="0" err="1" smtClean="0"/>
+              <a:t>커밋</a:t>
+            </a:r>
+            <a:r>
+              <a:rPr lang="en-US" altLang="ko-KR" sz="1400" dirty="0" smtClean="0"/>
+              <a:t>5</a:t>
+            </a:r>
+            <a:endParaRPr lang="ko-KR" altLang="en-US" sz="1400" dirty="0"/>
+          </a:p>
+        </p:txBody>
+      </p:sp>
+      <p:cxnSp>
+        <p:nvCxnSpPr>
+          <p:cNvPr id="19" name="직선 화살표 연결선 18"/>
+          <p:cNvCxnSpPr>
+            <a:stCxn id="15" idx="2"/>
+            <a:endCxn id="6" idx="6"/>
+          </p:cNvCxnSpPr>
+          <p:nvPr/>
+        </p:nvCxnSpPr>
+        <p:spPr>
+          <a:xfrm flipH="1" flipV="1">
+            <a:off x="5221213" y="3427247"/>
+            <a:ext cx="1511027" cy="6474"/>
+          </a:xfrm>
+          <a:prstGeom prst="straightConnector1">
+            <a:avLst/>
+          </a:prstGeom>
+          <a:ln w="28575">
+            <a:solidFill>
+              <a:srgbClr val="FF0000"/>
+            </a:solidFill>
+            <a:tailEnd type="arrow"/>
+          </a:ln>
+        </p:spPr>
+        <p:style>
+          <a:lnRef idx="1">
+            <a:schemeClr val="accent1"/>
+          </a:lnRef>
+          <a:fillRef idx="0">
+            <a:schemeClr val="accent1"/>
+          </a:fillRef>
+          <a:effectRef idx="0">
+            <a:schemeClr val="accent1"/>
+          </a:effectRef>
+          <a:fontRef idx="minor">
+            <a:schemeClr val="tx1"/>
+          </a:fontRef>
+        </p:style>
+      </p:cxnSp>
+      <p:cxnSp>
+        <p:nvCxnSpPr>
+          <p:cNvPr id="20" name="직선 화살표 연결선 19"/>
+          <p:cNvCxnSpPr>
+            <a:stCxn id="3" idx="2"/>
+          </p:cNvCxnSpPr>
+          <p:nvPr/>
+        </p:nvCxnSpPr>
+        <p:spPr>
+          <a:xfrm flipH="1">
+            <a:off x="323528" y="3434465"/>
+            <a:ext cx="1440160" cy="9886"/>
+          </a:xfrm>
+          <a:prstGeom prst="straightConnector1">
+            <a:avLst/>
+          </a:prstGeom>
+          <a:ln w="28575">
+            <a:solidFill>
+              <a:srgbClr val="FF0000"/>
+            </a:solidFill>
+            <a:tailEnd type="arrow"/>
+          </a:ln>
+        </p:spPr>
+        <p:style>
+          <a:lnRef idx="1">
+            <a:schemeClr val="accent1"/>
+          </a:lnRef>
+          <a:fillRef idx="0">
+            <a:schemeClr val="accent1"/>
+          </a:fillRef>
+          <a:effectRef idx="0">
+            <a:schemeClr val="accent1"/>
+          </a:effectRef>
+          <a:fontRef idx="minor">
+            <a:schemeClr val="tx1"/>
+          </a:fontRef>
+        </p:style>
+      </p:cxnSp>
+    </p:spTree>
+    <p:extLst>
+      <p:ext uri="{BB962C8B-B14F-4D97-AF65-F5344CB8AC3E}">
+        <p14:creationId xmlns:p14="http://schemas.microsoft.com/office/powerpoint/2010/main" val="372223239"/>
+      </p:ext>
+    </p:extLst>
+  </p:cSld>
+  <p:clrMapOvr>
+    <a:masterClrMapping/>
+  </p:clrMapOvr>
+  <p:timing>
+    <p:tnLst>
+      <p:par>
+        <p:cTn id="1" dur="indefinite" restart="never" nodeType="tmRoot"/>
+      </p:par>
+    </p:tnLst>
+  </p:timing>
+</p:sld>
+</file>
+
+<file path=ppt/slides/slide13.xml><?xml version="1.0" encoding="utf-8"?>
+<p:sld xmlns:a="http://schemas.openxmlformats.org/drawingml/2006/main" xmlns:r="http://schemas.openxmlformats.org/officeDocument/2006/relationships" xmlns:p="http://schemas.openxmlformats.org/presentationml/2006/main">
+  <p:cSld>
+    <p:spTree>
+      <p:nvGrpSpPr>
+        <p:cNvPr id="1" name=""/>
+        <p:cNvGrpSpPr/>
+        <p:nvPr/>
+      </p:nvGrpSpPr>
+      <p:grpSpPr>
+        <a:xfrm>
+          <a:off x="0" y="0"/>
+          <a:ext cx="0" cy="0"/>
+          <a:chOff x="0" y="0"/>
+          <a:chExt cx="0" cy="0"/>
+        </a:xfrm>
+      </p:grpSpPr>
+      <p:sp>
+        <p:nvSpPr>
+          <p:cNvPr id="3" name="타원 2"/>
+          <p:cNvSpPr/>
+          <p:nvPr/>
+        </p:nvSpPr>
+        <p:spPr>
+          <a:xfrm>
+            <a:off x="1763688" y="2996952"/>
+            <a:ext cx="937245" cy="875025"/>
+          </a:xfrm>
+          <a:prstGeom prst="ellipse">
+            <a:avLst/>
+          </a:prstGeom>
+        </p:spPr>
+        <p:style>
+          <a:lnRef idx="2">
+            <a:schemeClr val="accent1">
+              <a:shade val="50000"/>
+            </a:schemeClr>
+          </a:lnRef>
+          <a:fillRef idx="1">
+            <a:schemeClr val="accent1"/>
+          </a:fillRef>
+          <a:effectRef idx="0">
+            <a:schemeClr val="accent1"/>
+          </a:effectRef>
+          <a:fontRef idx="minor">
+            <a:schemeClr val="lt1"/>
+          </a:fontRef>
+        </p:style>
+        <p:txBody>
+          <a:bodyPr rtlCol="0" anchor="ctr"/>
+          <a:lstStyle/>
+          <a:p>
+            <a:pPr algn="ctr"/>
+            <a:r>
+              <a:rPr lang="ko-KR" altLang="en-US" sz="1400" dirty="0" err="1" smtClean="0"/>
+              <a:t>커밋</a:t>
+            </a:r>
+            <a:r>
+              <a:rPr lang="en-US" altLang="ko-KR" sz="1400" dirty="0" smtClean="0"/>
+              <a:t>1</a:t>
+            </a:r>
+            <a:endParaRPr lang="ko-KR" altLang="en-US" sz="1400" dirty="0"/>
+          </a:p>
+        </p:txBody>
+      </p:sp>
+      <p:sp>
+        <p:nvSpPr>
+          <p:cNvPr id="4" name="타원 3"/>
+          <p:cNvSpPr/>
+          <p:nvPr/>
+        </p:nvSpPr>
+        <p:spPr>
+          <a:xfrm>
+            <a:off x="3131839" y="1556792"/>
+            <a:ext cx="937245" cy="875025"/>
+          </a:xfrm>
+          <a:prstGeom prst="ellipse">
+            <a:avLst/>
+          </a:prstGeom>
+        </p:spPr>
+        <p:style>
+          <a:lnRef idx="2">
+            <a:schemeClr val="accent1">
+              <a:shade val="50000"/>
+            </a:schemeClr>
+          </a:lnRef>
+          <a:fillRef idx="1">
+            <a:schemeClr val="accent1"/>
+          </a:fillRef>
+          <a:effectRef idx="0">
+            <a:schemeClr val="accent1"/>
+          </a:effectRef>
+          <a:fontRef idx="minor">
+            <a:schemeClr val="lt1"/>
+          </a:fontRef>
+        </p:style>
+        <p:txBody>
+          <a:bodyPr rtlCol="0" anchor="ctr"/>
+          <a:lstStyle/>
+          <a:p>
+            <a:pPr algn="ctr"/>
+            <a:r>
+              <a:rPr lang="ko-KR" altLang="en-US" sz="1400" dirty="0" err="1" smtClean="0"/>
+              <a:t>커밋</a:t>
+            </a:r>
+            <a:r>
+              <a:rPr lang="en-US" altLang="ko-KR" sz="1400" dirty="0" smtClean="0"/>
+              <a:t>2</a:t>
+            </a:r>
+            <a:endParaRPr lang="ko-KR" altLang="en-US" sz="1400" dirty="0"/>
+          </a:p>
+        </p:txBody>
+      </p:sp>
+      <p:sp>
+        <p:nvSpPr>
+          <p:cNvPr id="6" name="타원 5"/>
+          <p:cNvSpPr/>
+          <p:nvPr/>
+        </p:nvSpPr>
+        <p:spPr>
+          <a:xfrm>
+            <a:off x="5179304" y="1556791"/>
+            <a:ext cx="937245" cy="875025"/>
+          </a:xfrm>
+          <a:prstGeom prst="ellipse">
+            <a:avLst/>
+          </a:prstGeom>
+        </p:spPr>
+        <p:style>
+          <a:lnRef idx="2">
+            <a:schemeClr val="accent1">
+              <a:shade val="50000"/>
+            </a:schemeClr>
+          </a:lnRef>
+          <a:fillRef idx="1">
+            <a:schemeClr val="accent1"/>
+          </a:fillRef>
+          <a:effectRef idx="0">
+            <a:schemeClr val="accent1"/>
+          </a:effectRef>
+          <a:fontRef idx="minor">
+            <a:schemeClr val="lt1"/>
+          </a:fontRef>
+        </p:style>
+        <p:txBody>
+          <a:bodyPr rtlCol="0" anchor="ctr"/>
+          <a:lstStyle/>
+          <a:p>
+            <a:pPr algn="ctr"/>
+            <a:r>
+              <a:rPr lang="ko-KR" altLang="en-US" sz="1400" dirty="0" err="1" smtClean="0"/>
+              <a:t>커밋</a:t>
+            </a:r>
+            <a:r>
+              <a:rPr lang="en-US" altLang="ko-KR" sz="1400" dirty="0" smtClean="0"/>
+              <a:t>4</a:t>
+            </a:r>
+            <a:endParaRPr lang="ko-KR" altLang="en-US" sz="1400" dirty="0"/>
+          </a:p>
+        </p:txBody>
+      </p:sp>
+      <p:cxnSp>
+        <p:nvCxnSpPr>
+          <p:cNvPr id="10" name="직선 화살표 연결선 9"/>
+          <p:cNvCxnSpPr>
+            <a:stCxn id="4" idx="3"/>
+            <a:endCxn id="3" idx="7"/>
+          </p:cNvCxnSpPr>
+          <p:nvPr/>
+        </p:nvCxnSpPr>
+        <p:spPr>
+          <a:xfrm flipH="1">
+            <a:off x="2563677" y="2303673"/>
+            <a:ext cx="705418" cy="821423"/>
+          </a:xfrm>
+          <a:prstGeom prst="straightConnector1">
+            <a:avLst/>
+          </a:prstGeom>
+          <a:ln w="28575">
+            <a:solidFill>
+              <a:srgbClr val="FF0000"/>
+            </a:solidFill>
+            <a:tailEnd type="arrow"/>
+          </a:ln>
+        </p:spPr>
+        <p:style>
+          <a:lnRef idx="1">
+            <a:schemeClr val="accent1"/>
+          </a:lnRef>
+          <a:fillRef idx="0">
+            <a:schemeClr val="accent1"/>
+          </a:fillRef>
+          <a:effectRef idx="0">
+            <a:schemeClr val="accent1"/>
+          </a:effectRef>
+          <a:fontRef idx="minor">
+            <a:schemeClr val="tx1"/>
+          </a:fontRef>
+        </p:style>
+      </p:cxnSp>
+      <p:cxnSp>
+        <p:nvCxnSpPr>
+          <p:cNvPr id="14" name="직선 화살표 연결선 13"/>
+          <p:cNvCxnSpPr>
+            <a:stCxn id="6" idx="2"/>
+            <a:endCxn id="4" idx="6"/>
+          </p:cNvCxnSpPr>
+          <p:nvPr/>
+        </p:nvCxnSpPr>
+        <p:spPr>
+          <a:xfrm flipH="1">
+            <a:off x="4069084" y="1994304"/>
+            <a:ext cx="1110220" cy="1"/>
+          </a:xfrm>
+          <a:prstGeom prst="straightConnector1">
+            <a:avLst/>
+          </a:prstGeom>
+          <a:ln w="28575">
+            <a:solidFill>
+              <a:srgbClr val="FF0000"/>
+            </a:solidFill>
+            <a:tailEnd type="arrow"/>
+          </a:ln>
+        </p:spPr>
+        <p:style>
+          <a:lnRef idx="1">
+            <a:schemeClr val="accent1"/>
+          </a:lnRef>
+          <a:fillRef idx="0">
+            <a:schemeClr val="accent1"/>
+          </a:fillRef>
+          <a:effectRef idx="0">
+            <a:schemeClr val="accent1"/>
+          </a:effectRef>
+          <a:fontRef idx="minor">
+            <a:schemeClr val="tx1"/>
+          </a:fontRef>
+        </p:style>
+      </p:cxnSp>
+      <p:sp>
+        <p:nvSpPr>
+          <p:cNvPr id="16" name="위쪽 화살표 설명선 15"/>
+          <p:cNvSpPr/>
+          <p:nvPr/>
+        </p:nvSpPr>
+        <p:spPr>
+          <a:xfrm>
+            <a:off x="6585172" y="2580255"/>
+            <a:ext cx="1651703" cy="864096"/>
+          </a:xfrm>
+          <a:prstGeom prst="upArrowCallout">
+            <a:avLst/>
+          </a:prstGeom>
+        </p:spPr>
+        <p:style>
+          <a:lnRef idx="2">
+            <a:schemeClr val="accent1">
+              <a:shade val="50000"/>
+            </a:schemeClr>
+          </a:lnRef>
+          <a:fillRef idx="1">
+            <a:schemeClr val="accent1"/>
+          </a:fillRef>
+          <a:effectRef idx="0">
+            <a:schemeClr val="accent1"/>
+          </a:effectRef>
+          <a:fontRef idx="minor">
+            <a:schemeClr val="lt1"/>
+          </a:fontRef>
+        </p:style>
+        <p:txBody>
+          <a:bodyPr rtlCol="0" anchor="ctr"/>
+          <a:lstStyle/>
+          <a:p>
+            <a:pPr algn="ctr"/>
+            <a:r>
+              <a:rPr lang="en-US" altLang="ko-KR" dirty="0" smtClean="0"/>
+              <a:t>(</a:t>
+            </a:r>
+            <a:r>
+              <a:rPr lang="ko-KR" altLang="en-US" dirty="0" smtClean="0"/>
+              <a:t>너구리</a:t>
+            </a:r>
+            <a:r>
+              <a:rPr lang="en-US" altLang="ko-KR" dirty="0" smtClean="0"/>
+              <a:t>)</a:t>
+            </a:r>
+            <a:r>
+              <a:rPr lang="en-US" altLang="ko-KR" dirty="0" smtClean="0"/>
+              <a:t/>
+            </a:r>
+            <a:br>
+              <a:rPr lang="en-US" altLang="ko-KR" dirty="0" smtClean="0"/>
+            </a:br>
+            <a:r>
+              <a:rPr lang="en-US" altLang="ko-KR" dirty="0" smtClean="0"/>
+              <a:t>master</a:t>
+            </a:r>
+            <a:endParaRPr lang="ko-KR" altLang="en-US" dirty="0"/>
+          </a:p>
+        </p:txBody>
+      </p:sp>
+      <p:sp>
+        <p:nvSpPr>
+          <p:cNvPr id="17" name="아래쪽 화살표 설명선 16"/>
+          <p:cNvSpPr/>
+          <p:nvPr/>
+        </p:nvSpPr>
+        <p:spPr>
+          <a:xfrm>
+            <a:off x="2167544" y="620688"/>
+            <a:ext cx="2843808" cy="864096"/>
+          </a:xfrm>
+          <a:prstGeom prst="downArrowCallout">
+            <a:avLst/>
+          </a:prstGeom>
+        </p:spPr>
+        <p:style>
+          <a:lnRef idx="2">
+            <a:schemeClr val="accent1">
+              <a:shade val="50000"/>
+            </a:schemeClr>
+          </a:lnRef>
+          <a:fillRef idx="1">
+            <a:schemeClr val="accent1"/>
+          </a:fillRef>
+          <a:effectRef idx="0">
+            <a:schemeClr val="accent1"/>
+          </a:effectRef>
+          <a:fontRef idx="minor">
+            <a:schemeClr val="lt1"/>
+          </a:fontRef>
+        </p:style>
+        <p:txBody>
+          <a:bodyPr rtlCol="0" anchor="ctr"/>
+          <a:lstStyle/>
+          <a:p>
+            <a:pPr algn="ctr"/>
+            <a:r>
+              <a:rPr lang="en-US" altLang="ko-KR" dirty="0" smtClean="0"/>
+              <a:t>(</a:t>
+            </a:r>
+            <a:r>
+              <a:rPr lang="ko-KR" altLang="en-US" dirty="0" smtClean="0"/>
+              <a:t>고양이</a:t>
+            </a:r>
+            <a:r>
+              <a:rPr lang="en-US" altLang="ko-KR" dirty="0" smtClean="0"/>
+              <a:t>)upstream/</a:t>
+            </a:r>
+            <a:r>
+              <a:rPr lang="en-US" altLang="ko-KR" dirty="0" smtClean="0"/>
+              <a:t>master</a:t>
+            </a:r>
+            <a:endParaRPr lang="ko-KR" altLang="en-US" dirty="0"/>
+          </a:p>
+        </p:txBody>
+      </p:sp>
+      <p:sp>
+        <p:nvSpPr>
+          <p:cNvPr id="15" name="타원 14"/>
+          <p:cNvSpPr/>
+          <p:nvPr/>
+        </p:nvSpPr>
+        <p:spPr>
+          <a:xfrm>
+            <a:off x="6942400" y="1565573"/>
+            <a:ext cx="937245" cy="875025"/>
+          </a:xfrm>
+          <a:prstGeom prst="ellipse">
+            <a:avLst/>
+          </a:prstGeom>
+        </p:spPr>
+        <p:style>
+          <a:lnRef idx="2">
+            <a:schemeClr val="accent1">
+              <a:shade val="50000"/>
+            </a:schemeClr>
+          </a:lnRef>
+          <a:fillRef idx="1">
+            <a:schemeClr val="accent1"/>
+          </a:fillRef>
+          <a:effectRef idx="0">
+            <a:schemeClr val="accent1"/>
+          </a:effectRef>
+          <a:fontRef idx="minor">
+            <a:schemeClr val="lt1"/>
+          </a:fontRef>
+        </p:style>
+        <p:txBody>
+          <a:bodyPr rtlCol="0" anchor="ctr"/>
+          <a:lstStyle/>
+          <a:p>
+            <a:pPr algn="ctr"/>
+            <a:r>
+              <a:rPr lang="ko-KR" altLang="en-US" sz="1400" dirty="0" err="1" smtClean="0"/>
+              <a:t>커밋</a:t>
+            </a:r>
+            <a:r>
+              <a:rPr lang="en-US" altLang="ko-KR" sz="1400" dirty="0" smtClean="0"/>
+              <a:t>5</a:t>
+            </a:r>
+            <a:endParaRPr lang="ko-KR" altLang="en-US" sz="1400" dirty="0"/>
+          </a:p>
+        </p:txBody>
+      </p:sp>
+      <p:cxnSp>
+        <p:nvCxnSpPr>
+          <p:cNvPr id="19" name="직선 화살표 연결선 18"/>
+          <p:cNvCxnSpPr>
+            <a:stCxn id="15" idx="2"/>
+            <a:endCxn id="6" idx="6"/>
+          </p:cNvCxnSpPr>
+          <p:nvPr/>
+        </p:nvCxnSpPr>
+        <p:spPr>
+          <a:xfrm flipH="1" flipV="1">
+            <a:off x="6116549" y="1994304"/>
+            <a:ext cx="825851" cy="8782"/>
+          </a:xfrm>
+          <a:prstGeom prst="straightConnector1">
+            <a:avLst/>
+          </a:prstGeom>
+          <a:ln w="28575">
+            <a:solidFill>
+              <a:srgbClr val="FF0000"/>
+            </a:solidFill>
+            <a:tailEnd type="arrow"/>
+          </a:ln>
+        </p:spPr>
+        <p:style>
+          <a:lnRef idx="1">
+            <a:schemeClr val="accent1"/>
+          </a:lnRef>
+          <a:fillRef idx="0">
+            <a:schemeClr val="accent1"/>
+          </a:fillRef>
+          <a:effectRef idx="0">
+            <a:schemeClr val="accent1"/>
+          </a:effectRef>
+          <a:fontRef idx="minor">
+            <a:schemeClr val="tx1"/>
+          </a:fontRef>
+        </p:style>
+      </p:cxnSp>
+      <p:cxnSp>
+        <p:nvCxnSpPr>
+          <p:cNvPr id="20" name="직선 화살표 연결선 19"/>
+          <p:cNvCxnSpPr>
+            <a:stCxn id="3" idx="2"/>
+          </p:cNvCxnSpPr>
+          <p:nvPr/>
+        </p:nvCxnSpPr>
+        <p:spPr>
+          <a:xfrm flipH="1">
+            <a:off x="323528" y="3434465"/>
+            <a:ext cx="1440160" cy="9886"/>
+          </a:xfrm>
+          <a:prstGeom prst="straightConnector1">
+            <a:avLst/>
+          </a:prstGeom>
+          <a:ln w="28575">
+            <a:solidFill>
+              <a:srgbClr val="FF0000"/>
+            </a:solidFill>
+            <a:tailEnd type="arrow"/>
+          </a:ln>
+        </p:spPr>
+        <p:style>
+          <a:lnRef idx="1">
+            <a:schemeClr val="accent1"/>
+          </a:lnRef>
+          <a:fillRef idx="0">
+            <a:schemeClr val="accent1"/>
+          </a:fillRef>
+          <a:effectRef idx="0">
+            <a:schemeClr val="accent1"/>
+          </a:effectRef>
+          <a:fontRef idx="minor">
+            <a:schemeClr val="tx1"/>
+          </a:fontRef>
+        </p:style>
+      </p:cxnSp>
+    </p:spTree>
+    <p:extLst>
+      <p:ext uri="{BB962C8B-B14F-4D97-AF65-F5344CB8AC3E}">
+        <p14:creationId xmlns:p14="http://schemas.microsoft.com/office/powerpoint/2010/main" val="4067600964"/>
+      </p:ext>
+    </p:extLst>
+  </p:cSld>
+  <p:clrMapOvr>
+    <a:masterClrMapping/>
+  </p:clrMapOvr>
+  <p:timing>
+    <p:tnLst>
+      <p:par>
+        <p:cTn id="1" dur="indefinite" restart="never" nodeType="tmRoot"/>
+      </p:par>
+    </p:tnLst>
+  </p:timing>
+</p:sld>
+</file>
+
+<file path=ppt/slides/slide14.xml><?xml version="1.0" encoding="utf-8"?>
 <p:sld xmlns:a="http://schemas.openxmlformats.org/drawingml/2006/main" xmlns:r="http://schemas.openxmlformats.org/officeDocument/2006/relationships" xmlns:p="http://schemas.openxmlformats.org/presentationml/2006/main">
   <p:cSld>
     <p:spTree>

--- a/이미지작업.pptx
+++ b/이미지작업.pptx
@@ -19,6 +19,7 @@
     <p:sldId id="269" r:id="rId13"/>
     <p:sldId id="270" r:id="rId14"/>
     <p:sldId id="263" r:id="rId15"/>
+    <p:sldId id="271" r:id="rId16"/>
   </p:sldIdLst>
   <p:sldSz cx="9144000" cy="6858000" type="screen4x3"/>
   <p:notesSz cx="6858000" cy="9144000"/>
@@ -301,7 +302,7 @@
           <a:p>
             <a:fld id="{E5D26CBB-EF44-493E-8030-6EA34AA7A64B}" type="datetimeFigureOut">
               <a:rPr lang="ko-KR" altLang="en-US" smtClean="0"/>
-              <a:t>2020-04-19</a:t>
+              <a:t>2020-04-26</a:t>
             </a:fld>
             <a:endParaRPr lang="ko-KR" altLang="en-US"/>
           </a:p>
@@ -471,7 +472,7 @@
           <a:p>
             <a:fld id="{E5D26CBB-EF44-493E-8030-6EA34AA7A64B}" type="datetimeFigureOut">
               <a:rPr lang="ko-KR" altLang="en-US" smtClean="0"/>
-              <a:t>2020-04-19</a:t>
+              <a:t>2020-04-26</a:t>
             </a:fld>
             <a:endParaRPr lang="ko-KR" altLang="en-US"/>
           </a:p>
@@ -651,7 +652,7 @@
           <a:p>
             <a:fld id="{E5D26CBB-EF44-493E-8030-6EA34AA7A64B}" type="datetimeFigureOut">
               <a:rPr lang="ko-KR" altLang="en-US" smtClean="0"/>
-              <a:t>2020-04-19</a:t>
+              <a:t>2020-04-26</a:t>
             </a:fld>
             <a:endParaRPr lang="ko-KR" altLang="en-US"/>
           </a:p>
@@ -821,7 +822,7 @@
           <a:p>
             <a:fld id="{E5D26CBB-EF44-493E-8030-6EA34AA7A64B}" type="datetimeFigureOut">
               <a:rPr lang="ko-KR" altLang="en-US" smtClean="0"/>
-              <a:t>2020-04-19</a:t>
+              <a:t>2020-04-26</a:t>
             </a:fld>
             <a:endParaRPr lang="ko-KR" altLang="en-US"/>
           </a:p>
@@ -1067,7 +1068,7 @@
           <a:p>
             <a:fld id="{E5D26CBB-EF44-493E-8030-6EA34AA7A64B}" type="datetimeFigureOut">
               <a:rPr lang="ko-KR" altLang="en-US" smtClean="0"/>
-              <a:t>2020-04-19</a:t>
+              <a:t>2020-04-26</a:t>
             </a:fld>
             <a:endParaRPr lang="ko-KR" altLang="en-US"/>
           </a:p>
@@ -1355,7 +1356,7 @@
           <a:p>
             <a:fld id="{E5D26CBB-EF44-493E-8030-6EA34AA7A64B}" type="datetimeFigureOut">
               <a:rPr lang="ko-KR" altLang="en-US" smtClean="0"/>
-              <a:t>2020-04-19</a:t>
+              <a:t>2020-04-26</a:t>
             </a:fld>
             <a:endParaRPr lang="ko-KR" altLang="en-US"/>
           </a:p>
@@ -1777,7 +1778,7 @@
           <a:p>
             <a:fld id="{E5D26CBB-EF44-493E-8030-6EA34AA7A64B}" type="datetimeFigureOut">
               <a:rPr lang="ko-KR" altLang="en-US" smtClean="0"/>
-              <a:t>2020-04-19</a:t>
+              <a:t>2020-04-26</a:t>
             </a:fld>
             <a:endParaRPr lang="ko-KR" altLang="en-US"/>
           </a:p>
@@ -1895,7 +1896,7 @@
           <a:p>
             <a:fld id="{E5D26CBB-EF44-493E-8030-6EA34AA7A64B}" type="datetimeFigureOut">
               <a:rPr lang="ko-KR" altLang="en-US" smtClean="0"/>
-              <a:t>2020-04-19</a:t>
+              <a:t>2020-04-26</a:t>
             </a:fld>
             <a:endParaRPr lang="ko-KR" altLang="en-US"/>
           </a:p>
@@ -1990,7 +1991,7 @@
           <a:p>
             <a:fld id="{E5D26CBB-EF44-493E-8030-6EA34AA7A64B}" type="datetimeFigureOut">
               <a:rPr lang="ko-KR" altLang="en-US" smtClean="0"/>
-              <a:t>2020-04-19</a:t>
+              <a:t>2020-04-26</a:t>
             </a:fld>
             <a:endParaRPr lang="ko-KR" altLang="en-US"/>
           </a:p>
@@ -2267,7 +2268,7 @@
           <a:p>
             <a:fld id="{E5D26CBB-EF44-493E-8030-6EA34AA7A64B}" type="datetimeFigureOut">
               <a:rPr lang="ko-KR" altLang="en-US" smtClean="0"/>
-              <a:t>2020-04-19</a:t>
+              <a:t>2020-04-26</a:t>
             </a:fld>
             <a:endParaRPr lang="ko-KR" altLang="en-US"/>
           </a:p>
@@ -2520,7 +2521,7 @@
           <a:p>
             <a:fld id="{E5D26CBB-EF44-493E-8030-6EA34AA7A64B}" type="datetimeFigureOut">
               <a:rPr lang="ko-KR" altLang="en-US" smtClean="0"/>
-              <a:t>2020-04-19</a:t>
+              <a:t>2020-04-26</a:t>
             </a:fld>
             <a:endParaRPr lang="ko-KR" altLang="en-US"/>
           </a:p>
@@ -2733,7 +2734,7 @@
           <a:p>
             <a:fld id="{E5D26CBB-EF44-493E-8030-6EA34AA7A64B}" type="datetimeFigureOut">
               <a:rPr lang="ko-KR" altLang="en-US" smtClean="0"/>
-              <a:t>2020-04-19</a:t>
+              <a:t>2020-04-26</a:t>
             </a:fld>
             <a:endParaRPr lang="ko-KR" altLang="en-US"/>
           </a:p>
@@ -4401,10 +4402,6 @@
               <a:rPr lang="en-US" altLang="ko-KR" dirty="0" smtClean="0"/>
               <a:t>)</a:t>
             </a:r>
-            <a:r>
-              <a:rPr lang="en-US" altLang="ko-KR" dirty="0" smtClean="0"/>
-              <a:t/>
-            </a:r>
             <a:br>
               <a:rPr lang="en-US" altLang="ko-KR" dirty="0" smtClean="0"/>
             </a:br>
@@ -4462,11 +4459,7 @@
             </a:r>
             <a:r>
               <a:rPr lang="en-US" altLang="ko-KR" dirty="0" smtClean="0"/>
-              <a:t>)upstream/</a:t>
-            </a:r>
-            <a:r>
-              <a:rPr lang="en-US" altLang="ko-KR" dirty="0" smtClean="0"/>
-              <a:t>master</a:t>
+              <a:t>)upstream/master</a:t>
             </a:r>
             <a:endParaRPr lang="ko-KR" altLang="en-US" dirty="0"/>
           </a:p>
@@ -4908,10 +4901,6 @@
               <a:rPr lang="en-US" altLang="ko-KR" dirty="0" smtClean="0"/>
               <a:t>)</a:t>
             </a:r>
-            <a:r>
-              <a:rPr lang="en-US" altLang="ko-KR" dirty="0" smtClean="0"/>
-              <a:t/>
-            </a:r>
             <a:br>
               <a:rPr lang="en-US" altLang="ko-KR" dirty="0" smtClean="0"/>
             </a:br>
@@ -4969,11 +4958,7 @@
             </a:r>
             <a:r>
               <a:rPr lang="en-US" altLang="ko-KR" dirty="0" smtClean="0"/>
-              <a:t>)upstream/</a:t>
-            </a:r>
-            <a:r>
-              <a:rPr lang="en-US" altLang="ko-KR" dirty="0" smtClean="0"/>
-              <a:t>master</a:t>
+              <a:t>)upstream/master</a:t>
             </a:r>
             <a:endParaRPr lang="ko-KR" altLang="en-US" dirty="0"/>
           </a:p>
@@ -5411,10 +5396,6 @@
               <a:rPr lang="en-US" altLang="ko-KR" dirty="0" smtClean="0"/>
               <a:t>)</a:t>
             </a:r>
-            <a:r>
-              <a:rPr lang="en-US" altLang="ko-KR" dirty="0" smtClean="0"/>
-              <a:t/>
-            </a:r>
             <a:br>
               <a:rPr lang="en-US" altLang="ko-KR" dirty="0" smtClean="0"/>
             </a:br>
@@ -5472,11 +5453,7 @@
             </a:r>
             <a:r>
               <a:rPr lang="en-US" altLang="ko-KR" dirty="0" smtClean="0"/>
-              <a:t>)upstream/</a:t>
-            </a:r>
-            <a:r>
-              <a:rPr lang="en-US" altLang="ko-KR" dirty="0" smtClean="0"/>
-              <a:t>master</a:t>
+              <a:t>)upstream/master</a:t>
             </a:r>
             <a:endParaRPr lang="ko-KR" altLang="en-US" dirty="0"/>
           </a:p>
@@ -5644,10 +5621,1609 @@
           <a:chExt cx="0" cy="0"/>
         </a:xfrm>
       </p:grpSpPr>
+      <p:cxnSp>
+        <p:nvCxnSpPr>
+          <p:cNvPr id="24" name="직선 연결선 23"/>
+          <p:cNvCxnSpPr>
+            <a:stCxn id="12" idx="6"/>
+            <a:endCxn id="3" idx="2"/>
+          </p:cNvCxnSpPr>
+          <p:nvPr/>
+        </p:nvCxnSpPr>
+        <p:spPr>
+          <a:xfrm flipV="1">
+            <a:off x="4298825" y="4597522"/>
+            <a:ext cx="3369519" cy="421119"/>
+          </a:xfrm>
+          <a:prstGeom prst="line">
+            <a:avLst/>
+          </a:prstGeom>
+          <a:ln w="38100"/>
+        </p:spPr>
+        <p:style>
+          <a:lnRef idx="1">
+            <a:schemeClr val="dk1"/>
+          </a:lnRef>
+          <a:fillRef idx="0">
+            <a:schemeClr val="dk1"/>
+          </a:fillRef>
+          <a:effectRef idx="0">
+            <a:schemeClr val="dk1"/>
+          </a:effectRef>
+          <a:fontRef idx="minor">
+            <a:schemeClr val="tx1"/>
+          </a:fontRef>
+        </p:style>
+      </p:cxnSp>
+      <p:cxnSp>
+        <p:nvCxnSpPr>
+          <p:cNvPr id="26" name="직선 연결선 25"/>
+          <p:cNvCxnSpPr>
+            <a:stCxn id="9" idx="2"/>
+            <a:endCxn id="3" idx="0"/>
+          </p:cNvCxnSpPr>
+          <p:nvPr/>
+        </p:nvCxnSpPr>
+        <p:spPr>
+          <a:xfrm>
+            <a:off x="8136966" y="2503825"/>
+            <a:ext cx="1" cy="1656184"/>
+          </a:xfrm>
+          <a:prstGeom prst="line">
+            <a:avLst/>
+          </a:prstGeom>
+          <a:ln w="38100"/>
+        </p:spPr>
+        <p:style>
+          <a:lnRef idx="1">
+            <a:schemeClr val="dk1"/>
+          </a:lnRef>
+          <a:fillRef idx="0">
+            <a:schemeClr val="dk1"/>
+          </a:fillRef>
+          <a:effectRef idx="0">
+            <a:schemeClr val="dk1"/>
+          </a:effectRef>
+          <a:fontRef idx="minor">
+            <a:schemeClr val="tx1"/>
+          </a:fontRef>
+        </p:style>
+      </p:cxnSp>
+      <p:cxnSp>
+        <p:nvCxnSpPr>
+          <p:cNvPr id="28" name="직선 연결선 27"/>
+          <p:cNvCxnSpPr>
+            <a:stCxn id="5" idx="2"/>
+            <a:endCxn id="19" idx="0"/>
+          </p:cNvCxnSpPr>
+          <p:nvPr/>
+        </p:nvCxnSpPr>
+        <p:spPr>
+          <a:xfrm>
+            <a:off x="6048734" y="1548061"/>
+            <a:ext cx="1" cy="1547673"/>
+          </a:xfrm>
+          <a:prstGeom prst="line">
+            <a:avLst/>
+          </a:prstGeom>
+          <a:ln w="38100"/>
+        </p:spPr>
+        <p:style>
+          <a:lnRef idx="1">
+            <a:schemeClr val="dk1"/>
+          </a:lnRef>
+          <a:fillRef idx="0">
+            <a:schemeClr val="dk1"/>
+          </a:fillRef>
+          <a:effectRef idx="0">
+            <a:schemeClr val="dk1"/>
+          </a:effectRef>
+          <a:fontRef idx="minor">
+            <a:schemeClr val="tx1"/>
+          </a:fontRef>
+        </p:style>
+      </p:cxnSp>
+      <p:cxnSp>
+        <p:nvCxnSpPr>
+          <p:cNvPr id="36" name="직선 연결선 35"/>
+          <p:cNvCxnSpPr>
+            <a:stCxn id="17" idx="5"/>
+            <a:endCxn id="14" idx="2"/>
+          </p:cNvCxnSpPr>
+          <p:nvPr/>
+        </p:nvCxnSpPr>
+        <p:spPr>
+          <a:xfrm>
+            <a:off x="1555565" y="4717640"/>
+            <a:ext cx="1806015" cy="1453129"/>
+          </a:xfrm>
+          <a:prstGeom prst="line">
+            <a:avLst/>
+          </a:prstGeom>
+          <a:ln w="38100"/>
+        </p:spPr>
+        <p:style>
+          <a:lnRef idx="1">
+            <a:schemeClr val="dk1"/>
+          </a:lnRef>
+          <a:fillRef idx="0">
+            <a:schemeClr val="dk1"/>
+          </a:fillRef>
+          <a:effectRef idx="0">
+            <a:schemeClr val="dk1"/>
+          </a:effectRef>
+          <a:fontRef idx="minor">
+            <a:schemeClr val="tx1"/>
+          </a:fontRef>
+        </p:style>
+      </p:cxnSp>
+      <p:cxnSp>
+        <p:nvCxnSpPr>
+          <p:cNvPr id="38" name="직선 연결선 37"/>
+          <p:cNvCxnSpPr>
+            <a:stCxn id="13" idx="2"/>
+            <a:endCxn id="4" idx="6"/>
+          </p:cNvCxnSpPr>
+          <p:nvPr/>
+        </p:nvCxnSpPr>
+        <p:spPr>
+          <a:xfrm flipH="1" flipV="1">
+            <a:off x="1692821" y="2586762"/>
+            <a:ext cx="1668759" cy="1312694"/>
+          </a:xfrm>
+          <a:prstGeom prst="line">
+            <a:avLst/>
+          </a:prstGeom>
+          <a:ln w="38100"/>
+        </p:spPr>
+        <p:style>
+          <a:lnRef idx="1">
+            <a:schemeClr val="dk1"/>
+          </a:lnRef>
+          <a:fillRef idx="0">
+            <a:schemeClr val="dk1"/>
+          </a:fillRef>
+          <a:effectRef idx="0">
+            <a:schemeClr val="dk1"/>
+          </a:effectRef>
+          <a:fontRef idx="minor">
+            <a:schemeClr val="tx1"/>
+          </a:fontRef>
+        </p:style>
+      </p:cxnSp>
+      <p:cxnSp>
+        <p:nvCxnSpPr>
+          <p:cNvPr id="43" name="직선 연결선 42"/>
+          <p:cNvCxnSpPr>
+            <a:stCxn id="10" idx="2"/>
+            <a:endCxn id="17" idx="0"/>
+          </p:cNvCxnSpPr>
+          <p:nvPr/>
+        </p:nvCxnSpPr>
+        <p:spPr>
+          <a:xfrm>
+            <a:off x="1224198" y="2001387"/>
+            <a:ext cx="1" cy="1969372"/>
+          </a:xfrm>
+          <a:prstGeom prst="line">
+            <a:avLst/>
+          </a:prstGeom>
+          <a:ln w="38100"/>
+        </p:spPr>
+        <p:style>
+          <a:lnRef idx="1">
+            <a:schemeClr val="dk1"/>
+          </a:lnRef>
+          <a:fillRef idx="0">
+            <a:schemeClr val="dk1"/>
+          </a:fillRef>
+          <a:effectRef idx="0">
+            <a:schemeClr val="dk1"/>
+          </a:effectRef>
+          <a:fontRef idx="minor">
+            <a:schemeClr val="tx1"/>
+          </a:fontRef>
+        </p:style>
+      </p:cxnSp>
+      <p:cxnSp>
+        <p:nvCxnSpPr>
+          <p:cNvPr id="22" name="직선 연결선 21"/>
+          <p:cNvCxnSpPr>
+            <a:stCxn id="8" idx="2"/>
+            <a:endCxn id="14" idx="0"/>
+          </p:cNvCxnSpPr>
+          <p:nvPr/>
+        </p:nvCxnSpPr>
+        <p:spPr>
+          <a:xfrm>
+            <a:off x="3806192" y="954485"/>
+            <a:ext cx="24011" cy="4778771"/>
+          </a:xfrm>
+          <a:prstGeom prst="line">
+            <a:avLst/>
+          </a:prstGeom>
+          <a:ln w="38100"/>
+        </p:spPr>
+        <p:style>
+          <a:lnRef idx="1">
+            <a:schemeClr val="dk1"/>
+          </a:lnRef>
+          <a:fillRef idx="0">
+            <a:schemeClr val="dk1"/>
+          </a:fillRef>
+          <a:effectRef idx="0">
+            <a:schemeClr val="dk1"/>
+          </a:effectRef>
+          <a:fontRef idx="minor">
+            <a:schemeClr val="tx1"/>
+          </a:fontRef>
+        </p:style>
+      </p:cxnSp>
+      <p:sp>
+        <p:nvSpPr>
+          <p:cNvPr id="2" name="타원 1"/>
+          <p:cNvSpPr/>
+          <p:nvPr/>
+        </p:nvSpPr>
+        <p:spPr>
+          <a:xfrm>
+            <a:off x="3361580" y="1196752"/>
+            <a:ext cx="937245" cy="875025"/>
+          </a:xfrm>
+          <a:prstGeom prst="ellipse">
+            <a:avLst/>
+          </a:prstGeom>
+        </p:spPr>
+        <p:style>
+          <a:lnRef idx="2">
+            <a:schemeClr val="accent1">
+              <a:shade val="50000"/>
+            </a:schemeClr>
+          </a:lnRef>
+          <a:fillRef idx="1">
+            <a:schemeClr val="accent1"/>
+          </a:fillRef>
+          <a:effectRef idx="0">
+            <a:schemeClr val="accent1"/>
+          </a:effectRef>
+          <a:fontRef idx="minor">
+            <a:schemeClr val="lt1"/>
+          </a:fontRef>
+        </p:style>
+        <p:txBody>
+          <a:bodyPr rtlCol="0" anchor="ctr"/>
+          <a:lstStyle/>
+          <a:p>
+            <a:pPr algn="ctr"/>
+            <a:endParaRPr lang="ko-KR" altLang="en-US" sz="1400" dirty="0"/>
+          </a:p>
+        </p:txBody>
+      </p:sp>
+      <p:sp>
+        <p:nvSpPr>
+          <p:cNvPr id="3" name="타원 2"/>
+          <p:cNvSpPr/>
+          <p:nvPr/>
+        </p:nvSpPr>
+        <p:spPr>
+          <a:xfrm>
+            <a:off x="7668344" y="4160009"/>
+            <a:ext cx="937245" cy="875025"/>
+          </a:xfrm>
+          <a:prstGeom prst="ellipse">
+            <a:avLst/>
+          </a:prstGeom>
+        </p:spPr>
+        <p:style>
+          <a:lnRef idx="2">
+            <a:schemeClr val="accent3">
+              <a:shade val="50000"/>
+            </a:schemeClr>
+          </a:lnRef>
+          <a:fillRef idx="1">
+            <a:schemeClr val="accent3"/>
+          </a:fillRef>
+          <a:effectRef idx="0">
+            <a:schemeClr val="accent3"/>
+          </a:effectRef>
+          <a:fontRef idx="minor">
+            <a:schemeClr val="lt1"/>
+          </a:fontRef>
+        </p:style>
+        <p:txBody>
+          <a:bodyPr rtlCol="0" anchor="ctr"/>
+          <a:lstStyle/>
+          <a:p>
+            <a:pPr algn="ctr"/>
+            <a:endParaRPr lang="ko-KR" altLang="en-US" sz="1400" dirty="0"/>
+          </a:p>
+        </p:txBody>
+      </p:sp>
+      <p:sp>
+        <p:nvSpPr>
+          <p:cNvPr id="4" name="타원 3"/>
+          <p:cNvSpPr/>
+          <p:nvPr/>
+        </p:nvSpPr>
+        <p:spPr>
+          <a:xfrm>
+            <a:off x="755576" y="2149249"/>
+            <a:ext cx="937245" cy="875025"/>
+          </a:xfrm>
+          <a:prstGeom prst="ellipse">
+            <a:avLst/>
+          </a:prstGeom>
+        </p:spPr>
+        <p:style>
+          <a:lnRef idx="2">
+            <a:schemeClr val="accent2">
+              <a:shade val="50000"/>
+            </a:schemeClr>
+          </a:lnRef>
+          <a:fillRef idx="1">
+            <a:schemeClr val="accent2"/>
+          </a:fillRef>
+          <a:effectRef idx="0">
+            <a:schemeClr val="accent2"/>
+          </a:effectRef>
+          <a:fontRef idx="minor">
+            <a:schemeClr val="lt1"/>
+          </a:fontRef>
+        </p:style>
+        <p:txBody>
+          <a:bodyPr rtlCol="0" anchor="ctr"/>
+          <a:lstStyle/>
+          <a:p>
+            <a:pPr algn="ctr"/>
+            <a:endParaRPr lang="ko-KR" altLang="en-US" sz="1400" dirty="0"/>
+          </a:p>
+        </p:txBody>
+      </p:sp>
+      <p:sp>
+        <p:nvSpPr>
+          <p:cNvPr id="5" name="모서리가 둥근 직사각형 4"/>
+          <p:cNvSpPr/>
+          <p:nvPr/>
+        </p:nvSpPr>
+        <p:spPr>
+          <a:xfrm>
+            <a:off x="5292650" y="1116013"/>
+            <a:ext cx="1512168" cy="432048"/>
+          </a:xfrm>
+          <a:prstGeom prst="roundRect">
+            <a:avLst/>
+          </a:prstGeom>
+        </p:spPr>
+        <p:style>
+          <a:lnRef idx="2">
+            <a:schemeClr val="accent6">
+              <a:shade val="50000"/>
+            </a:schemeClr>
+          </a:lnRef>
+          <a:fillRef idx="1">
+            <a:schemeClr val="accent6"/>
+          </a:fillRef>
+          <a:effectRef idx="0">
+            <a:schemeClr val="accent6"/>
+          </a:effectRef>
+          <a:fontRef idx="minor">
+            <a:schemeClr val="lt1"/>
+          </a:fontRef>
+        </p:style>
+        <p:txBody>
+          <a:bodyPr rtlCol="0" anchor="ctr"/>
+          <a:lstStyle/>
+          <a:p>
+            <a:pPr algn="ctr"/>
+            <a:r>
+              <a:rPr lang="en-US" altLang="ko-KR" sz="1400" dirty="0"/>
+              <a:t>f</a:t>
+            </a:r>
+            <a:r>
+              <a:rPr lang="en-US" altLang="ko-KR" sz="1400" dirty="0" smtClean="0"/>
+              <a:t>eat/a</a:t>
+            </a:r>
+            <a:endParaRPr lang="ko-KR" altLang="en-US" sz="1400" dirty="0"/>
+          </a:p>
+        </p:txBody>
+      </p:sp>
+      <p:sp>
+        <p:nvSpPr>
+          <p:cNvPr id="6" name="TextBox 5"/>
+          <p:cNvSpPr txBox="1"/>
+          <p:nvPr/>
+        </p:nvSpPr>
+        <p:spPr>
+          <a:xfrm>
+            <a:off x="2949771" y="107762"/>
+            <a:ext cx="1712841" cy="369332"/>
+          </a:xfrm>
+          <a:prstGeom prst="rect">
+            <a:avLst/>
+          </a:prstGeom>
+          <a:noFill/>
+        </p:spPr>
+        <p:txBody>
+          <a:bodyPr wrap="none" rtlCol="0">
+            <a:spAutoFit/>
+          </a:bodyPr>
+          <a:lstStyle/>
+          <a:p>
+            <a:pPr algn="ctr"/>
+            <a:r>
+              <a:rPr lang="en-US" altLang="ko-KR" dirty="0" smtClean="0"/>
+              <a:t>test.itshirt.com</a:t>
+            </a:r>
+            <a:endParaRPr lang="ko-KR" altLang="en-US" dirty="0"/>
+          </a:p>
+        </p:txBody>
+      </p:sp>
+      <p:sp>
+        <p:nvSpPr>
+          <p:cNvPr id="7" name="타원 6"/>
+          <p:cNvSpPr/>
+          <p:nvPr/>
+        </p:nvSpPr>
+        <p:spPr>
+          <a:xfrm>
+            <a:off x="5580112" y="1854133"/>
+            <a:ext cx="937245" cy="875025"/>
+          </a:xfrm>
+          <a:prstGeom prst="ellipse">
+            <a:avLst/>
+          </a:prstGeom>
+        </p:spPr>
+        <p:style>
+          <a:lnRef idx="2">
+            <a:schemeClr val="accent6">
+              <a:shade val="50000"/>
+            </a:schemeClr>
+          </a:lnRef>
+          <a:fillRef idx="1">
+            <a:schemeClr val="accent6"/>
+          </a:fillRef>
+          <a:effectRef idx="0">
+            <a:schemeClr val="accent6"/>
+          </a:effectRef>
+          <a:fontRef idx="minor">
+            <a:schemeClr val="lt1"/>
+          </a:fontRef>
+        </p:style>
+        <p:txBody>
+          <a:bodyPr rtlCol="0" anchor="ctr"/>
+          <a:lstStyle/>
+          <a:p>
+            <a:pPr algn="ctr"/>
+            <a:endParaRPr lang="ko-KR" altLang="en-US" sz="1400" dirty="0"/>
+          </a:p>
+        </p:txBody>
+      </p:sp>
+      <p:sp>
+        <p:nvSpPr>
+          <p:cNvPr id="8" name="모서리가 둥근 직사각형 7"/>
+          <p:cNvSpPr/>
+          <p:nvPr/>
+        </p:nvSpPr>
+        <p:spPr>
+          <a:xfrm>
+            <a:off x="3050108" y="522437"/>
+            <a:ext cx="1512168" cy="432048"/>
+          </a:xfrm>
+          <a:prstGeom prst="roundRect">
+            <a:avLst/>
+          </a:prstGeom>
+        </p:spPr>
+        <p:style>
+          <a:lnRef idx="2">
+            <a:schemeClr val="accent1">
+              <a:shade val="50000"/>
+            </a:schemeClr>
+          </a:lnRef>
+          <a:fillRef idx="1">
+            <a:schemeClr val="accent1"/>
+          </a:fillRef>
+          <a:effectRef idx="0">
+            <a:schemeClr val="accent1"/>
+          </a:effectRef>
+          <a:fontRef idx="minor">
+            <a:schemeClr val="lt1"/>
+          </a:fontRef>
+        </p:style>
+        <p:txBody>
+          <a:bodyPr rtlCol="0" anchor="ctr"/>
+          <a:lstStyle/>
+          <a:p>
+            <a:pPr algn="ctr"/>
+            <a:r>
+              <a:rPr lang="en-US" altLang="ko-KR" sz="1400" dirty="0" smtClean="0"/>
+              <a:t>master</a:t>
+            </a:r>
+            <a:endParaRPr lang="ko-KR" altLang="en-US" sz="1400" dirty="0"/>
+          </a:p>
+        </p:txBody>
+      </p:sp>
+      <p:sp>
+        <p:nvSpPr>
+          <p:cNvPr id="9" name="모서리가 둥근 직사각형 8"/>
+          <p:cNvSpPr/>
+          <p:nvPr/>
+        </p:nvSpPr>
+        <p:spPr>
+          <a:xfrm>
+            <a:off x="7380882" y="2071777"/>
+            <a:ext cx="1512168" cy="432048"/>
+          </a:xfrm>
+          <a:prstGeom prst="roundRect">
+            <a:avLst/>
+          </a:prstGeom>
+        </p:spPr>
+        <p:style>
+          <a:lnRef idx="2">
+            <a:schemeClr val="accent3">
+              <a:shade val="50000"/>
+            </a:schemeClr>
+          </a:lnRef>
+          <a:fillRef idx="1">
+            <a:schemeClr val="accent3"/>
+          </a:fillRef>
+          <a:effectRef idx="0">
+            <a:schemeClr val="accent3"/>
+          </a:effectRef>
+          <a:fontRef idx="minor">
+            <a:schemeClr val="lt1"/>
+          </a:fontRef>
+        </p:style>
+        <p:txBody>
+          <a:bodyPr rtlCol="0" anchor="ctr"/>
+          <a:lstStyle/>
+          <a:p>
+            <a:pPr algn="ctr"/>
+            <a:r>
+              <a:rPr lang="en-US" altLang="ko-KR" sz="1400" dirty="0" smtClean="0"/>
+              <a:t>feat/b</a:t>
+            </a:r>
+            <a:endParaRPr lang="ko-KR" altLang="en-US" sz="1400" dirty="0"/>
+          </a:p>
+        </p:txBody>
+      </p:sp>
+      <p:sp>
+        <p:nvSpPr>
+          <p:cNvPr id="10" name="모서리가 둥근 직사각형 9"/>
+          <p:cNvSpPr/>
+          <p:nvPr/>
+        </p:nvSpPr>
+        <p:spPr>
+          <a:xfrm>
+            <a:off x="468114" y="1569339"/>
+            <a:ext cx="1512168" cy="432048"/>
+          </a:xfrm>
+          <a:prstGeom prst="roundRect">
+            <a:avLst/>
+          </a:prstGeom>
+        </p:spPr>
+        <p:style>
+          <a:lnRef idx="2">
+            <a:schemeClr val="accent2">
+              <a:shade val="50000"/>
+            </a:schemeClr>
+          </a:lnRef>
+          <a:fillRef idx="1">
+            <a:schemeClr val="accent2"/>
+          </a:fillRef>
+          <a:effectRef idx="0">
+            <a:schemeClr val="accent2"/>
+          </a:effectRef>
+          <a:fontRef idx="minor">
+            <a:schemeClr val="lt1"/>
+          </a:fontRef>
+        </p:style>
+        <p:txBody>
+          <a:bodyPr rtlCol="0" anchor="ctr"/>
+          <a:lstStyle/>
+          <a:p>
+            <a:pPr algn="ctr"/>
+            <a:r>
+              <a:rPr lang="en-US" altLang="ko-KR" sz="1400" dirty="0" smtClean="0"/>
+              <a:t>latest</a:t>
+            </a:r>
+            <a:endParaRPr lang="ko-KR" altLang="en-US" sz="1400" dirty="0"/>
+          </a:p>
+        </p:txBody>
+      </p:sp>
+      <p:sp>
+        <p:nvSpPr>
+          <p:cNvPr id="11" name="타원 10"/>
+          <p:cNvSpPr/>
+          <p:nvPr/>
+        </p:nvSpPr>
+        <p:spPr>
+          <a:xfrm>
+            <a:off x="3361580" y="2301565"/>
+            <a:ext cx="937245" cy="875025"/>
+          </a:xfrm>
+          <a:prstGeom prst="ellipse">
+            <a:avLst/>
+          </a:prstGeom>
+        </p:spPr>
+        <p:style>
+          <a:lnRef idx="2">
+            <a:schemeClr val="accent1">
+              <a:shade val="50000"/>
+            </a:schemeClr>
+          </a:lnRef>
+          <a:fillRef idx="1">
+            <a:schemeClr val="accent1"/>
+          </a:fillRef>
+          <a:effectRef idx="0">
+            <a:schemeClr val="accent1"/>
+          </a:effectRef>
+          <a:fontRef idx="minor">
+            <a:schemeClr val="lt1"/>
+          </a:fontRef>
+        </p:style>
+        <p:txBody>
+          <a:bodyPr rtlCol="0" anchor="ctr"/>
+          <a:lstStyle/>
+          <a:p>
+            <a:pPr algn="ctr"/>
+            <a:endParaRPr lang="ko-KR" altLang="en-US" sz="1400" dirty="0"/>
+          </a:p>
+        </p:txBody>
+      </p:sp>
+      <p:sp>
+        <p:nvSpPr>
+          <p:cNvPr id="12" name="타원 11"/>
+          <p:cNvSpPr/>
+          <p:nvPr/>
+        </p:nvSpPr>
+        <p:spPr>
+          <a:xfrm>
+            <a:off x="3361580" y="4581128"/>
+            <a:ext cx="937245" cy="875025"/>
+          </a:xfrm>
+          <a:prstGeom prst="ellipse">
+            <a:avLst/>
+          </a:prstGeom>
+        </p:spPr>
+        <p:style>
+          <a:lnRef idx="2">
+            <a:schemeClr val="accent1">
+              <a:shade val="50000"/>
+            </a:schemeClr>
+          </a:lnRef>
+          <a:fillRef idx="1">
+            <a:schemeClr val="accent1"/>
+          </a:fillRef>
+          <a:effectRef idx="0">
+            <a:schemeClr val="accent1"/>
+          </a:effectRef>
+          <a:fontRef idx="minor">
+            <a:schemeClr val="lt1"/>
+          </a:fontRef>
+        </p:style>
+        <p:txBody>
+          <a:bodyPr rtlCol="0" anchor="ctr"/>
+          <a:lstStyle/>
+          <a:p>
+            <a:pPr algn="ctr"/>
+            <a:endParaRPr lang="ko-KR" altLang="en-US" sz="1400" dirty="0"/>
+          </a:p>
+        </p:txBody>
+      </p:sp>
+      <p:sp>
+        <p:nvSpPr>
+          <p:cNvPr id="13" name="타원 12"/>
+          <p:cNvSpPr/>
+          <p:nvPr/>
+        </p:nvSpPr>
+        <p:spPr>
+          <a:xfrm>
+            <a:off x="3361580" y="3461943"/>
+            <a:ext cx="937245" cy="875025"/>
+          </a:xfrm>
+          <a:prstGeom prst="ellipse">
+            <a:avLst/>
+          </a:prstGeom>
+        </p:spPr>
+        <p:style>
+          <a:lnRef idx="2">
+            <a:schemeClr val="accent1">
+              <a:shade val="50000"/>
+            </a:schemeClr>
+          </a:lnRef>
+          <a:fillRef idx="1">
+            <a:schemeClr val="accent1"/>
+          </a:fillRef>
+          <a:effectRef idx="0">
+            <a:schemeClr val="accent1"/>
+          </a:effectRef>
+          <a:fontRef idx="minor">
+            <a:schemeClr val="lt1"/>
+          </a:fontRef>
+        </p:style>
+        <p:txBody>
+          <a:bodyPr rtlCol="0" anchor="ctr"/>
+          <a:lstStyle/>
+          <a:p>
+            <a:pPr algn="ctr"/>
+            <a:endParaRPr lang="ko-KR" altLang="en-US" sz="1400" dirty="0"/>
+          </a:p>
+        </p:txBody>
+      </p:sp>
+      <p:sp>
+        <p:nvSpPr>
+          <p:cNvPr id="14" name="타원 13"/>
+          <p:cNvSpPr/>
+          <p:nvPr/>
+        </p:nvSpPr>
+        <p:spPr>
+          <a:xfrm>
+            <a:off x="3361580" y="5733256"/>
+            <a:ext cx="937245" cy="875025"/>
+          </a:xfrm>
+          <a:prstGeom prst="ellipse">
+            <a:avLst/>
+          </a:prstGeom>
+        </p:spPr>
+        <p:style>
+          <a:lnRef idx="2">
+            <a:schemeClr val="accent1">
+              <a:shade val="50000"/>
+            </a:schemeClr>
+          </a:lnRef>
+          <a:fillRef idx="1">
+            <a:schemeClr val="accent1"/>
+          </a:fillRef>
+          <a:effectRef idx="0">
+            <a:schemeClr val="accent1"/>
+          </a:effectRef>
+          <a:fontRef idx="minor">
+            <a:schemeClr val="lt1"/>
+          </a:fontRef>
+        </p:style>
+        <p:txBody>
+          <a:bodyPr rtlCol="0" anchor="ctr"/>
+          <a:lstStyle/>
+          <a:p>
+            <a:pPr algn="ctr"/>
+            <a:endParaRPr lang="ko-KR" altLang="en-US" sz="1400" dirty="0"/>
+          </a:p>
+        </p:txBody>
+      </p:sp>
+      <p:sp>
+        <p:nvSpPr>
+          <p:cNvPr id="16" name="TextBox 15"/>
+          <p:cNvSpPr txBox="1"/>
+          <p:nvPr/>
+        </p:nvSpPr>
+        <p:spPr>
+          <a:xfrm>
+            <a:off x="584022" y="1182651"/>
+            <a:ext cx="1280351" cy="369332"/>
+          </a:xfrm>
+          <a:prstGeom prst="rect">
+            <a:avLst/>
+          </a:prstGeom>
+          <a:noFill/>
+        </p:spPr>
+        <p:txBody>
+          <a:bodyPr wrap="none" rtlCol="0">
+            <a:spAutoFit/>
+          </a:bodyPr>
+          <a:lstStyle/>
+          <a:p>
+            <a:pPr algn="ctr"/>
+            <a:r>
+              <a:rPr lang="en-US" altLang="ko-KR" dirty="0"/>
+              <a:t>i</a:t>
+            </a:r>
+            <a:r>
+              <a:rPr lang="en-US" altLang="ko-KR" dirty="0" smtClean="0"/>
+              <a:t>tshirt.com</a:t>
+            </a:r>
+            <a:endParaRPr lang="ko-KR" altLang="en-US" dirty="0"/>
+          </a:p>
+        </p:txBody>
+      </p:sp>
+      <p:sp>
+        <p:nvSpPr>
+          <p:cNvPr id="17" name="타원 16"/>
+          <p:cNvSpPr/>
+          <p:nvPr/>
+        </p:nvSpPr>
+        <p:spPr>
+          <a:xfrm>
+            <a:off x="755576" y="3970759"/>
+            <a:ext cx="937245" cy="875025"/>
+          </a:xfrm>
+          <a:prstGeom prst="ellipse">
+            <a:avLst/>
+          </a:prstGeom>
+        </p:spPr>
+        <p:style>
+          <a:lnRef idx="2">
+            <a:schemeClr val="accent2">
+              <a:shade val="50000"/>
+            </a:schemeClr>
+          </a:lnRef>
+          <a:fillRef idx="1">
+            <a:schemeClr val="accent2"/>
+          </a:fillRef>
+          <a:effectRef idx="0">
+            <a:schemeClr val="accent2"/>
+          </a:effectRef>
+          <a:fontRef idx="minor">
+            <a:schemeClr val="lt1"/>
+          </a:fontRef>
+        </p:style>
+        <p:txBody>
+          <a:bodyPr rtlCol="0" anchor="ctr"/>
+          <a:lstStyle/>
+          <a:p>
+            <a:pPr algn="ctr"/>
+            <a:endParaRPr lang="ko-KR" altLang="en-US" sz="1400" dirty="0"/>
+          </a:p>
+        </p:txBody>
+      </p:sp>
+      <p:sp>
+        <p:nvSpPr>
+          <p:cNvPr id="19" name="타원 18"/>
+          <p:cNvSpPr/>
+          <p:nvPr/>
+        </p:nvSpPr>
+        <p:spPr>
+          <a:xfrm>
+            <a:off x="5580112" y="3095734"/>
+            <a:ext cx="937245" cy="875025"/>
+          </a:xfrm>
+          <a:prstGeom prst="ellipse">
+            <a:avLst/>
+          </a:prstGeom>
+        </p:spPr>
+        <p:style>
+          <a:lnRef idx="2">
+            <a:schemeClr val="accent6">
+              <a:shade val="50000"/>
+            </a:schemeClr>
+          </a:lnRef>
+          <a:fillRef idx="1">
+            <a:schemeClr val="accent6"/>
+          </a:fillRef>
+          <a:effectRef idx="0">
+            <a:schemeClr val="accent6"/>
+          </a:effectRef>
+          <a:fontRef idx="minor">
+            <a:schemeClr val="lt1"/>
+          </a:fontRef>
+        </p:style>
+        <p:txBody>
+          <a:bodyPr rtlCol="0" anchor="ctr"/>
+          <a:lstStyle/>
+          <a:p>
+            <a:pPr algn="ctr"/>
+            <a:endParaRPr lang="ko-KR" altLang="en-US" sz="1400" dirty="0"/>
+          </a:p>
+        </p:txBody>
+      </p:sp>
+      <p:sp>
+        <p:nvSpPr>
+          <p:cNvPr id="20" name="타원 19"/>
+          <p:cNvSpPr/>
+          <p:nvPr/>
+        </p:nvSpPr>
+        <p:spPr>
+          <a:xfrm>
+            <a:off x="7668344" y="2729158"/>
+            <a:ext cx="937245" cy="875025"/>
+          </a:xfrm>
+          <a:prstGeom prst="ellipse">
+            <a:avLst/>
+          </a:prstGeom>
+        </p:spPr>
+        <p:style>
+          <a:lnRef idx="2">
+            <a:schemeClr val="accent3">
+              <a:shade val="50000"/>
+            </a:schemeClr>
+          </a:lnRef>
+          <a:fillRef idx="1">
+            <a:schemeClr val="accent3"/>
+          </a:fillRef>
+          <a:effectRef idx="0">
+            <a:schemeClr val="accent3"/>
+          </a:effectRef>
+          <a:fontRef idx="minor">
+            <a:schemeClr val="lt1"/>
+          </a:fontRef>
+        </p:style>
+        <p:txBody>
+          <a:bodyPr rtlCol="0" anchor="ctr"/>
+          <a:lstStyle/>
+          <a:p>
+            <a:pPr algn="ctr"/>
+            <a:endParaRPr lang="ko-KR" altLang="en-US" sz="1400" dirty="0"/>
+          </a:p>
+        </p:txBody>
+      </p:sp>
+      <p:cxnSp>
+        <p:nvCxnSpPr>
+          <p:cNvPr id="29" name="직선 연결선 28"/>
+          <p:cNvCxnSpPr>
+            <a:stCxn id="19" idx="2"/>
+            <a:endCxn id="13" idx="6"/>
+          </p:cNvCxnSpPr>
+          <p:nvPr/>
+        </p:nvCxnSpPr>
+        <p:spPr>
+          <a:xfrm flipH="1">
+            <a:off x="4298825" y="3533247"/>
+            <a:ext cx="1281287" cy="366209"/>
+          </a:xfrm>
+          <a:prstGeom prst="line">
+            <a:avLst/>
+          </a:prstGeom>
+          <a:ln w="38100"/>
+        </p:spPr>
+        <p:style>
+          <a:lnRef idx="1">
+            <a:schemeClr val="dk1"/>
+          </a:lnRef>
+          <a:fillRef idx="0">
+            <a:schemeClr val="dk1"/>
+          </a:fillRef>
+          <a:effectRef idx="0">
+            <a:schemeClr val="dk1"/>
+          </a:effectRef>
+          <a:fontRef idx="minor">
+            <a:schemeClr val="tx1"/>
+          </a:fontRef>
+        </p:style>
+      </p:cxnSp>
+      <p:cxnSp>
+        <p:nvCxnSpPr>
+          <p:cNvPr id="33" name="직선 연결선 32"/>
+          <p:cNvCxnSpPr>
+            <a:stCxn id="2" idx="6"/>
+            <a:endCxn id="7" idx="2"/>
+          </p:cNvCxnSpPr>
+          <p:nvPr/>
+        </p:nvCxnSpPr>
+        <p:spPr>
+          <a:xfrm>
+            <a:off x="4298825" y="1634265"/>
+            <a:ext cx="1281287" cy="657381"/>
+          </a:xfrm>
+          <a:prstGeom prst="line">
+            <a:avLst/>
+          </a:prstGeom>
+          <a:ln w="38100"/>
+        </p:spPr>
+        <p:style>
+          <a:lnRef idx="1">
+            <a:schemeClr val="dk1"/>
+          </a:lnRef>
+          <a:fillRef idx="0">
+            <a:schemeClr val="dk1"/>
+          </a:fillRef>
+          <a:effectRef idx="0">
+            <a:schemeClr val="dk1"/>
+          </a:effectRef>
+          <a:fontRef idx="minor">
+            <a:schemeClr val="tx1"/>
+          </a:fontRef>
+        </p:style>
+      </p:cxnSp>
     </p:spTree>
     <p:extLst>
       <p:ext uri="{BB962C8B-B14F-4D97-AF65-F5344CB8AC3E}">
         <p14:creationId xmlns:p14="http://schemas.microsoft.com/office/powerpoint/2010/main" val="3839829599"/>
+      </p:ext>
+    </p:extLst>
+  </p:cSld>
+  <p:clrMapOvr>
+    <a:masterClrMapping/>
+  </p:clrMapOvr>
+  <p:timing>
+    <p:tnLst>
+      <p:par>
+        <p:cTn id="1" dur="indefinite" restart="never" nodeType="tmRoot"/>
+      </p:par>
+    </p:tnLst>
+  </p:timing>
+</p:sld>
+</file>
+
+<file path=ppt/slides/slide15.xml><?xml version="1.0" encoding="utf-8"?>
+<p:sld xmlns:a="http://schemas.openxmlformats.org/drawingml/2006/main" xmlns:r="http://schemas.openxmlformats.org/officeDocument/2006/relationships" xmlns:p="http://schemas.openxmlformats.org/presentationml/2006/main">
+  <p:cSld>
+    <p:spTree>
+      <p:nvGrpSpPr>
+        <p:cNvPr id="1" name=""/>
+        <p:cNvGrpSpPr/>
+        <p:nvPr/>
+      </p:nvGrpSpPr>
+      <p:grpSpPr>
+        <a:xfrm>
+          <a:off x="0" y="0"/>
+          <a:ext cx="0" cy="0"/>
+          <a:chOff x="0" y="0"/>
+          <a:chExt cx="0" cy="0"/>
+        </a:xfrm>
+      </p:grpSpPr>
+      <p:cxnSp>
+        <p:nvCxnSpPr>
+          <p:cNvPr id="36" name="직선 연결선 35"/>
+          <p:cNvCxnSpPr>
+            <a:stCxn id="17" idx="5"/>
+            <a:endCxn id="14" idx="2"/>
+          </p:cNvCxnSpPr>
+          <p:nvPr/>
+        </p:nvCxnSpPr>
+        <p:spPr>
+          <a:xfrm>
+            <a:off x="1555565" y="5565977"/>
+            <a:ext cx="1806015" cy="604792"/>
+          </a:xfrm>
+          <a:prstGeom prst="line">
+            <a:avLst/>
+          </a:prstGeom>
+          <a:ln w="38100"/>
+        </p:spPr>
+        <p:style>
+          <a:lnRef idx="1">
+            <a:schemeClr val="dk1"/>
+          </a:lnRef>
+          <a:fillRef idx="0">
+            <a:schemeClr val="dk1"/>
+          </a:fillRef>
+          <a:effectRef idx="0">
+            <a:schemeClr val="dk1"/>
+          </a:effectRef>
+          <a:fontRef idx="minor">
+            <a:schemeClr val="tx1"/>
+          </a:fontRef>
+        </p:style>
+      </p:cxnSp>
+      <p:cxnSp>
+        <p:nvCxnSpPr>
+          <p:cNvPr id="38" name="직선 연결선 37"/>
+          <p:cNvCxnSpPr>
+            <a:stCxn id="13" idx="2"/>
+            <a:endCxn id="4" idx="6"/>
+          </p:cNvCxnSpPr>
+          <p:nvPr/>
+        </p:nvCxnSpPr>
+        <p:spPr>
+          <a:xfrm flipH="1" flipV="1">
+            <a:off x="1692821" y="3435099"/>
+            <a:ext cx="1668759" cy="464357"/>
+          </a:xfrm>
+          <a:prstGeom prst="line">
+            <a:avLst/>
+          </a:prstGeom>
+          <a:ln w="38100"/>
+        </p:spPr>
+        <p:style>
+          <a:lnRef idx="1">
+            <a:schemeClr val="dk1"/>
+          </a:lnRef>
+          <a:fillRef idx="0">
+            <a:schemeClr val="dk1"/>
+          </a:fillRef>
+          <a:effectRef idx="0">
+            <a:schemeClr val="dk1"/>
+          </a:effectRef>
+          <a:fontRef idx="minor">
+            <a:schemeClr val="tx1"/>
+          </a:fontRef>
+        </p:style>
+      </p:cxnSp>
+      <p:cxnSp>
+        <p:nvCxnSpPr>
+          <p:cNvPr id="43" name="직선 연결선 42"/>
+          <p:cNvCxnSpPr>
+            <a:stCxn id="10" idx="2"/>
+            <a:endCxn id="17" idx="0"/>
+          </p:cNvCxnSpPr>
+          <p:nvPr/>
+        </p:nvCxnSpPr>
+        <p:spPr>
+          <a:xfrm>
+            <a:off x="1224198" y="2849724"/>
+            <a:ext cx="1" cy="1969372"/>
+          </a:xfrm>
+          <a:prstGeom prst="line">
+            <a:avLst/>
+          </a:prstGeom>
+          <a:ln w="38100"/>
+        </p:spPr>
+        <p:style>
+          <a:lnRef idx="1">
+            <a:schemeClr val="dk1"/>
+          </a:lnRef>
+          <a:fillRef idx="0">
+            <a:schemeClr val="dk1"/>
+          </a:fillRef>
+          <a:effectRef idx="0">
+            <a:schemeClr val="dk1"/>
+          </a:effectRef>
+          <a:fontRef idx="minor">
+            <a:schemeClr val="tx1"/>
+          </a:fontRef>
+        </p:style>
+      </p:cxnSp>
+      <p:cxnSp>
+        <p:nvCxnSpPr>
+          <p:cNvPr id="22" name="직선 연결선 21"/>
+          <p:cNvCxnSpPr>
+            <a:stCxn id="8" idx="2"/>
+            <a:endCxn id="14" idx="0"/>
+          </p:cNvCxnSpPr>
+          <p:nvPr/>
+        </p:nvCxnSpPr>
+        <p:spPr>
+          <a:xfrm>
+            <a:off x="3806192" y="954485"/>
+            <a:ext cx="24011" cy="4778771"/>
+          </a:xfrm>
+          <a:prstGeom prst="line">
+            <a:avLst/>
+          </a:prstGeom>
+          <a:ln w="38100"/>
+        </p:spPr>
+        <p:style>
+          <a:lnRef idx="1">
+            <a:schemeClr val="dk1"/>
+          </a:lnRef>
+          <a:fillRef idx="0">
+            <a:schemeClr val="dk1"/>
+          </a:fillRef>
+          <a:effectRef idx="0">
+            <a:schemeClr val="dk1"/>
+          </a:effectRef>
+          <a:fontRef idx="minor">
+            <a:schemeClr val="tx1"/>
+          </a:fontRef>
+        </p:style>
+      </p:cxnSp>
+      <p:sp>
+        <p:nvSpPr>
+          <p:cNvPr id="2" name="타원 1"/>
+          <p:cNvSpPr/>
+          <p:nvPr/>
+        </p:nvSpPr>
+        <p:spPr>
+          <a:xfrm>
+            <a:off x="3361580" y="1196752"/>
+            <a:ext cx="937245" cy="875025"/>
+          </a:xfrm>
+          <a:prstGeom prst="ellipse">
+            <a:avLst/>
+          </a:prstGeom>
+        </p:spPr>
+        <p:style>
+          <a:lnRef idx="2">
+            <a:schemeClr val="accent1">
+              <a:shade val="50000"/>
+            </a:schemeClr>
+          </a:lnRef>
+          <a:fillRef idx="1">
+            <a:schemeClr val="accent1"/>
+          </a:fillRef>
+          <a:effectRef idx="0">
+            <a:schemeClr val="accent1"/>
+          </a:effectRef>
+          <a:fontRef idx="minor">
+            <a:schemeClr val="lt1"/>
+          </a:fontRef>
+        </p:style>
+        <p:txBody>
+          <a:bodyPr rtlCol="0" anchor="ctr"/>
+          <a:lstStyle/>
+          <a:p>
+            <a:pPr algn="ctr"/>
+            <a:endParaRPr lang="ko-KR" altLang="en-US" sz="1400" dirty="0"/>
+          </a:p>
+        </p:txBody>
+      </p:sp>
+      <p:sp>
+        <p:nvSpPr>
+          <p:cNvPr id="4" name="타원 3"/>
+          <p:cNvSpPr/>
+          <p:nvPr/>
+        </p:nvSpPr>
+        <p:spPr>
+          <a:xfrm>
+            <a:off x="755576" y="2997586"/>
+            <a:ext cx="937245" cy="875025"/>
+          </a:xfrm>
+          <a:prstGeom prst="ellipse">
+            <a:avLst/>
+          </a:prstGeom>
+        </p:spPr>
+        <p:style>
+          <a:lnRef idx="2">
+            <a:schemeClr val="accent2">
+              <a:shade val="50000"/>
+            </a:schemeClr>
+          </a:lnRef>
+          <a:fillRef idx="1">
+            <a:schemeClr val="accent2"/>
+          </a:fillRef>
+          <a:effectRef idx="0">
+            <a:schemeClr val="accent2"/>
+          </a:effectRef>
+          <a:fontRef idx="minor">
+            <a:schemeClr val="lt1"/>
+          </a:fontRef>
+        </p:style>
+        <p:txBody>
+          <a:bodyPr rtlCol="0" anchor="ctr"/>
+          <a:lstStyle/>
+          <a:p>
+            <a:pPr algn="ctr"/>
+            <a:endParaRPr lang="ko-KR" altLang="en-US" sz="1400" dirty="0"/>
+          </a:p>
+        </p:txBody>
+      </p:sp>
+      <p:sp>
+        <p:nvSpPr>
+          <p:cNvPr id="6" name="TextBox 5"/>
+          <p:cNvSpPr txBox="1"/>
+          <p:nvPr/>
+        </p:nvSpPr>
+        <p:spPr>
+          <a:xfrm>
+            <a:off x="2949771" y="107762"/>
+            <a:ext cx="1712841" cy="369332"/>
+          </a:xfrm>
+          <a:prstGeom prst="rect">
+            <a:avLst/>
+          </a:prstGeom>
+          <a:noFill/>
+        </p:spPr>
+        <p:txBody>
+          <a:bodyPr wrap="none" rtlCol="0">
+            <a:spAutoFit/>
+          </a:bodyPr>
+          <a:lstStyle/>
+          <a:p>
+            <a:pPr algn="ctr"/>
+            <a:r>
+              <a:rPr lang="en-US" altLang="ko-KR" dirty="0" smtClean="0"/>
+              <a:t>test.itshirt.com</a:t>
+            </a:r>
+            <a:endParaRPr lang="ko-KR" altLang="en-US" dirty="0"/>
+          </a:p>
+        </p:txBody>
+      </p:sp>
+      <p:sp>
+        <p:nvSpPr>
+          <p:cNvPr id="8" name="모서리가 둥근 직사각형 7"/>
+          <p:cNvSpPr/>
+          <p:nvPr/>
+        </p:nvSpPr>
+        <p:spPr>
+          <a:xfrm>
+            <a:off x="3050108" y="522437"/>
+            <a:ext cx="1512168" cy="432048"/>
+          </a:xfrm>
+          <a:prstGeom prst="roundRect">
+            <a:avLst/>
+          </a:prstGeom>
+        </p:spPr>
+        <p:style>
+          <a:lnRef idx="2">
+            <a:schemeClr val="accent1">
+              <a:shade val="50000"/>
+            </a:schemeClr>
+          </a:lnRef>
+          <a:fillRef idx="1">
+            <a:schemeClr val="accent1"/>
+          </a:fillRef>
+          <a:effectRef idx="0">
+            <a:schemeClr val="accent1"/>
+          </a:effectRef>
+          <a:fontRef idx="minor">
+            <a:schemeClr val="lt1"/>
+          </a:fontRef>
+        </p:style>
+        <p:txBody>
+          <a:bodyPr rtlCol="0" anchor="ctr"/>
+          <a:lstStyle/>
+          <a:p>
+            <a:pPr algn="ctr"/>
+            <a:r>
+              <a:rPr lang="en-US" altLang="ko-KR" sz="1400" dirty="0" smtClean="0"/>
+              <a:t>master</a:t>
+            </a:r>
+            <a:endParaRPr lang="ko-KR" altLang="en-US" sz="1400" dirty="0"/>
+          </a:p>
+        </p:txBody>
+      </p:sp>
+      <p:sp>
+        <p:nvSpPr>
+          <p:cNvPr id="10" name="모서리가 둥근 직사각형 9"/>
+          <p:cNvSpPr/>
+          <p:nvPr/>
+        </p:nvSpPr>
+        <p:spPr>
+          <a:xfrm>
+            <a:off x="468114" y="2417676"/>
+            <a:ext cx="1512168" cy="432048"/>
+          </a:xfrm>
+          <a:prstGeom prst="roundRect">
+            <a:avLst/>
+          </a:prstGeom>
+        </p:spPr>
+        <p:style>
+          <a:lnRef idx="2">
+            <a:schemeClr val="accent2">
+              <a:shade val="50000"/>
+            </a:schemeClr>
+          </a:lnRef>
+          <a:fillRef idx="1">
+            <a:schemeClr val="accent2"/>
+          </a:fillRef>
+          <a:effectRef idx="0">
+            <a:schemeClr val="accent2"/>
+          </a:effectRef>
+          <a:fontRef idx="minor">
+            <a:schemeClr val="lt1"/>
+          </a:fontRef>
+        </p:style>
+        <p:txBody>
+          <a:bodyPr rtlCol="0" anchor="ctr"/>
+          <a:lstStyle/>
+          <a:p>
+            <a:pPr algn="ctr"/>
+            <a:r>
+              <a:rPr lang="en-US" altLang="ko-KR" sz="1400" dirty="0" smtClean="0"/>
+              <a:t>latest</a:t>
+            </a:r>
+            <a:endParaRPr lang="ko-KR" altLang="en-US" sz="1400" dirty="0"/>
+          </a:p>
+        </p:txBody>
+      </p:sp>
+      <p:sp>
+        <p:nvSpPr>
+          <p:cNvPr id="11" name="타원 10"/>
+          <p:cNvSpPr/>
+          <p:nvPr/>
+        </p:nvSpPr>
+        <p:spPr>
+          <a:xfrm>
+            <a:off x="3361580" y="2301565"/>
+            <a:ext cx="937245" cy="875025"/>
+          </a:xfrm>
+          <a:prstGeom prst="ellipse">
+            <a:avLst/>
+          </a:prstGeom>
+        </p:spPr>
+        <p:style>
+          <a:lnRef idx="2">
+            <a:schemeClr val="accent1">
+              <a:shade val="50000"/>
+            </a:schemeClr>
+          </a:lnRef>
+          <a:fillRef idx="1">
+            <a:schemeClr val="accent1"/>
+          </a:fillRef>
+          <a:effectRef idx="0">
+            <a:schemeClr val="accent1"/>
+          </a:effectRef>
+          <a:fontRef idx="minor">
+            <a:schemeClr val="lt1"/>
+          </a:fontRef>
+        </p:style>
+        <p:txBody>
+          <a:bodyPr rtlCol="0" anchor="ctr"/>
+          <a:lstStyle/>
+          <a:p>
+            <a:pPr algn="ctr"/>
+            <a:endParaRPr lang="ko-KR" altLang="en-US" sz="1400" dirty="0"/>
+          </a:p>
+        </p:txBody>
+      </p:sp>
+      <p:sp>
+        <p:nvSpPr>
+          <p:cNvPr id="12" name="타원 11"/>
+          <p:cNvSpPr/>
+          <p:nvPr/>
+        </p:nvSpPr>
+        <p:spPr>
+          <a:xfrm>
+            <a:off x="3361580" y="4581128"/>
+            <a:ext cx="937245" cy="875025"/>
+          </a:xfrm>
+          <a:prstGeom prst="ellipse">
+            <a:avLst/>
+          </a:prstGeom>
+        </p:spPr>
+        <p:style>
+          <a:lnRef idx="2">
+            <a:schemeClr val="accent1">
+              <a:shade val="50000"/>
+            </a:schemeClr>
+          </a:lnRef>
+          <a:fillRef idx="1">
+            <a:schemeClr val="accent1"/>
+          </a:fillRef>
+          <a:effectRef idx="0">
+            <a:schemeClr val="accent1"/>
+          </a:effectRef>
+          <a:fontRef idx="minor">
+            <a:schemeClr val="lt1"/>
+          </a:fontRef>
+        </p:style>
+        <p:txBody>
+          <a:bodyPr rtlCol="0" anchor="ctr"/>
+          <a:lstStyle/>
+          <a:p>
+            <a:pPr algn="ctr"/>
+            <a:endParaRPr lang="ko-KR" altLang="en-US" sz="1400" dirty="0"/>
+          </a:p>
+        </p:txBody>
+      </p:sp>
+      <p:sp>
+        <p:nvSpPr>
+          <p:cNvPr id="13" name="타원 12"/>
+          <p:cNvSpPr/>
+          <p:nvPr/>
+        </p:nvSpPr>
+        <p:spPr>
+          <a:xfrm>
+            <a:off x="3361580" y="3461943"/>
+            <a:ext cx="937245" cy="875025"/>
+          </a:xfrm>
+          <a:prstGeom prst="ellipse">
+            <a:avLst/>
+          </a:prstGeom>
+        </p:spPr>
+        <p:style>
+          <a:lnRef idx="2">
+            <a:schemeClr val="accent1">
+              <a:shade val="50000"/>
+            </a:schemeClr>
+          </a:lnRef>
+          <a:fillRef idx="1">
+            <a:schemeClr val="accent1"/>
+          </a:fillRef>
+          <a:effectRef idx="0">
+            <a:schemeClr val="accent1"/>
+          </a:effectRef>
+          <a:fontRef idx="minor">
+            <a:schemeClr val="lt1"/>
+          </a:fontRef>
+        </p:style>
+        <p:txBody>
+          <a:bodyPr rtlCol="0" anchor="ctr"/>
+          <a:lstStyle/>
+          <a:p>
+            <a:pPr algn="ctr"/>
+            <a:endParaRPr lang="ko-KR" altLang="en-US" sz="1400" dirty="0"/>
+          </a:p>
+        </p:txBody>
+      </p:sp>
+      <p:sp>
+        <p:nvSpPr>
+          <p:cNvPr id="14" name="타원 13"/>
+          <p:cNvSpPr/>
+          <p:nvPr/>
+        </p:nvSpPr>
+        <p:spPr>
+          <a:xfrm>
+            <a:off x="3361580" y="5733256"/>
+            <a:ext cx="937245" cy="875025"/>
+          </a:xfrm>
+          <a:prstGeom prst="ellipse">
+            <a:avLst/>
+          </a:prstGeom>
+        </p:spPr>
+        <p:style>
+          <a:lnRef idx="2">
+            <a:schemeClr val="accent1">
+              <a:shade val="50000"/>
+            </a:schemeClr>
+          </a:lnRef>
+          <a:fillRef idx="1">
+            <a:schemeClr val="accent1"/>
+          </a:fillRef>
+          <a:effectRef idx="0">
+            <a:schemeClr val="accent1"/>
+          </a:effectRef>
+          <a:fontRef idx="minor">
+            <a:schemeClr val="lt1"/>
+          </a:fontRef>
+        </p:style>
+        <p:txBody>
+          <a:bodyPr rtlCol="0" anchor="ctr"/>
+          <a:lstStyle/>
+          <a:p>
+            <a:pPr algn="ctr"/>
+            <a:endParaRPr lang="ko-KR" altLang="en-US" sz="1400" dirty="0"/>
+          </a:p>
+        </p:txBody>
+      </p:sp>
+      <p:sp>
+        <p:nvSpPr>
+          <p:cNvPr id="16" name="TextBox 15"/>
+          <p:cNvSpPr txBox="1"/>
+          <p:nvPr/>
+        </p:nvSpPr>
+        <p:spPr>
+          <a:xfrm>
+            <a:off x="584022" y="2030988"/>
+            <a:ext cx="1280351" cy="369332"/>
+          </a:xfrm>
+          <a:prstGeom prst="rect">
+            <a:avLst/>
+          </a:prstGeom>
+          <a:noFill/>
+        </p:spPr>
+        <p:txBody>
+          <a:bodyPr wrap="none" rtlCol="0">
+            <a:spAutoFit/>
+          </a:bodyPr>
+          <a:lstStyle/>
+          <a:p>
+            <a:pPr algn="ctr"/>
+            <a:r>
+              <a:rPr lang="en-US" altLang="ko-KR" dirty="0"/>
+              <a:t>i</a:t>
+            </a:r>
+            <a:r>
+              <a:rPr lang="en-US" altLang="ko-KR" dirty="0" smtClean="0"/>
+              <a:t>tshirt.com</a:t>
+            </a:r>
+            <a:endParaRPr lang="ko-KR" altLang="en-US" dirty="0"/>
+          </a:p>
+        </p:txBody>
+      </p:sp>
+      <p:sp>
+        <p:nvSpPr>
+          <p:cNvPr id="17" name="타원 16"/>
+          <p:cNvSpPr/>
+          <p:nvPr/>
+        </p:nvSpPr>
+        <p:spPr>
+          <a:xfrm>
+            <a:off x="755576" y="4819096"/>
+            <a:ext cx="937245" cy="875025"/>
+          </a:xfrm>
+          <a:prstGeom prst="ellipse">
+            <a:avLst/>
+          </a:prstGeom>
+        </p:spPr>
+        <p:style>
+          <a:lnRef idx="2">
+            <a:schemeClr val="accent2">
+              <a:shade val="50000"/>
+            </a:schemeClr>
+          </a:lnRef>
+          <a:fillRef idx="1">
+            <a:schemeClr val="accent2"/>
+          </a:fillRef>
+          <a:effectRef idx="0">
+            <a:schemeClr val="accent2"/>
+          </a:effectRef>
+          <a:fontRef idx="minor">
+            <a:schemeClr val="lt1"/>
+          </a:fontRef>
+        </p:style>
+        <p:txBody>
+          <a:bodyPr rtlCol="0" anchor="ctr"/>
+          <a:lstStyle/>
+          <a:p>
+            <a:pPr algn="ctr"/>
+            <a:endParaRPr lang="ko-KR" altLang="en-US" sz="1400" dirty="0"/>
+          </a:p>
+        </p:txBody>
+      </p:sp>
+    </p:spTree>
+    <p:extLst>
+      <p:ext uri="{BB962C8B-B14F-4D97-AF65-F5344CB8AC3E}">
+        <p14:creationId xmlns:p14="http://schemas.microsoft.com/office/powerpoint/2010/main" val="2837063350"/>
       </p:ext>
     </p:extLst>
   </p:cSld>

--- a/이미지작업.pptx
+++ b/이미지작업.pptx
@@ -20,6 +20,14 @@
     <p:sldId id="270" r:id="rId14"/>
     <p:sldId id="263" r:id="rId15"/>
     <p:sldId id="271" r:id="rId16"/>
+    <p:sldId id="272" r:id="rId17"/>
+    <p:sldId id="274" r:id="rId18"/>
+    <p:sldId id="275" r:id="rId19"/>
+    <p:sldId id="276" r:id="rId20"/>
+    <p:sldId id="277" r:id="rId21"/>
+    <p:sldId id="278" r:id="rId22"/>
+    <p:sldId id="279" r:id="rId23"/>
+    <p:sldId id="280" r:id="rId24"/>
   </p:sldIdLst>
   <p:sldSz cx="9144000" cy="6858000" type="screen4x3"/>
   <p:notesSz cx="6858000" cy="9144000"/>
@@ -302,7 +310,7 @@
           <a:p>
             <a:fld id="{E5D26CBB-EF44-493E-8030-6EA34AA7A64B}" type="datetimeFigureOut">
               <a:rPr lang="ko-KR" altLang="en-US" smtClean="0"/>
-              <a:t>2020-04-26</a:t>
+              <a:t>2020-05-01</a:t>
             </a:fld>
             <a:endParaRPr lang="ko-KR" altLang="en-US"/>
           </a:p>
@@ -472,7 +480,7 @@
           <a:p>
             <a:fld id="{E5D26CBB-EF44-493E-8030-6EA34AA7A64B}" type="datetimeFigureOut">
               <a:rPr lang="ko-KR" altLang="en-US" smtClean="0"/>
-              <a:t>2020-04-26</a:t>
+              <a:t>2020-05-01</a:t>
             </a:fld>
             <a:endParaRPr lang="ko-KR" altLang="en-US"/>
           </a:p>
@@ -652,7 +660,7 @@
           <a:p>
             <a:fld id="{E5D26CBB-EF44-493E-8030-6EA34AA7A64B}" type="datetimeFigureOut">
               <a:rPr lang="ko-KR" altLang="en-US" smtClean="0"/>
-              <a:t>2020-04-26</a:t>
+              <a:t>2020-05-01</a:t>
             </a:fld>
             <a:endParaRPr lang="ko-KR" altLang="en-US"/>
           </a:p>
@@ -822,7 +830,7 @@
           <a:p>
             <a:fld id="{E5D26CBB-EF44-493E-8030-6EA34AA7A64B}" type="datetimeFigureOut">
               <a:rPr lang="ko-KR" altLang="en-US" smtClean="0"/>
-              <a:t>2020-04-26</a:t>
+              <a:t>2020-05-01</a:t>
             </a:fld>
             <a:endParaRPr lang="ko-KR" altLang="en-US"/>
           </a:p>
@@ -1068,7 +1076,7 @@
           <a:p>
             <a:fld id="{E5D26CBB-EF44-493E-8030-6EA34AA7A64B}" type="datetimeFigureOut">
               <a:rPr lang="ko-KR" altLang="en-US" smtClean="0"/>
-              <a:t>2020-04-26</a:t>
+              <a:t>2020-05-01</a:t>
             </a:fld>
             <a:endParaRPr lang="ko-KR" altLang="en-US"/>
           </a:p>
@@ -1356,7 +1364,7 @@
           <a:p>
             <a:fld id="{E5D26CBB-EF44-493E-8030-6EA34AA7A64B}" type="datetimeFigureOut">
               <a:rPr lang="ko-KR" altLang="en-US" smtClean="0"/>
-              <a:t>2020-04-26</a:t>
+              <a:t>2020-05-01</a:t>
             </a:fld>
             <a:endParaRPr lang="ko-KR" altLang="en-US"/>
           </a:p>
@@ -1778,7 +1786,7 @@
           <a:p>
             <a:fld id="{E5D26CBB-EF44-493E-8030-6EA34AA7A64B}" type="datetimeFigureOut">
               <a:rPr lang="ko-KR" altLang="en-US" smtClean="0"/>
-              <a:t>2020-04-26</a:t>
+              <a:t>2020-05-01</a:t>
             </a:fld>
             <a:endParaRPr lang="ko-KR" altLang="en-US"/>
           </a:p>
@@ -1896,7 +1904,7 @@
           <a:p>
             <a:fld id="{E5D26CBB-EF44-493E-8030-6EA34AA7A64B}" type="datetimeFigureOut">
               <a:rPr lang="ko-KR" altLang="en-US" smtClean="0"/>
-              <a:t>2020-04-26</a:t>
+              <a:t>2020-05-01</a:t>
             </a:fld>
             <a:endParaRPr lang="ko-KR" altLang="en-US"/>
           </a:p>
@@ -1991,7 +1999,7 @@
           <a:p>
             <a:fld id="{E5D26CBB-EF44-493E-8030-6EA34AA7A64B}" type="datetimeFigureOut">
               <a:rPr lang="ko-KR" altLang="en-US" smtClean="0"/>
-              <a:t>2020-04-26</a:t>
+              <a:t>2020-05-01</a:t>
             </a:fld>
             <a:endParaRPr lang="ko-KR" altLang="en-US"/>
           </a:p>
@@ -2268,7 +2276,7 @@
           <a:p>
             <a:fld id="{E5D26CBB-EF44-493E-8030-6EA34AA7A64B}" type="datetimeFigureOut">
               <a:rPr lang="ko-KR" altLang="en-US" smtClean="0"/>
-              <a:t>2020-04-26</a:t>
+              <a:t>2020-05-01</a:t>
             </a:fld>
             <a:endParaRPr lang="ko-KR" altLang="en-US"/>
           </a:p>
@@ -2521,7 +2529,7 @@
           <a:p>
             <a:fld id="{E5D26CBB-EF44-493E-8030-6EA34AA7A64B}" type="datetimeFigureOut">
               <a:rPr lang="ko-KR" altLang="en-US" smtClean="0"/>
-              <a:t>2020-04-26</a:t>
+              <a:t>2020-05-01</a:t>
             </a:fld>
             <a:endParaRPr lang="ko-KR" altLang="en-US"/>
           </a:p>
@@ -2734,7 +2742,7 @@
           <a:p>
             <a:fld id="{E5D26CBB-EF44-493E-8030-6EA34AA7A64B}" type="datetimeFigureOut">
               <a:rPr lang="ko-KR" altLang="en-US" smtClean="0"/>
-              <a:t>2020-04-26</a:t>
+              <a:t>2020-05-01</a:t>
             </a:fld>
             <a:endParaRPr lang="ko-KR" altLang="en-US"/>
           </a:p>
@@ -7240,6 +7248,4495 @@
 </p:sld>
 </file>
 
+<file path=ppt/slides/slide16.xml><?xml version="1.0" encoding="utf-8"?>
+<p:sld xmlns:a="http://schemas.openxmlformats.org/drawingml/2006/main" xmlns:r="http://schemas.openxmlformats.org/officeDocument/2006/relationships" xmlns:p="http://schemas.openxmlformats.org/presentationml/2006/main">
+  <p:cSld>
+    <p:spTree>
+      <p:nvGrpSpPr>
+        <p:cNvPr id="1" name=""/>
+        <p:cNvGrpSpPr/>
+        <p:nvPr/>
+      </p:nvGrpSpPr>
+      <p:grpSpPr>
+        <a:xfrm>
+          <a:off x="0" y="0"/>
+          <a:ext cx="0" cy="0"/>
+          <a:chOff x="0" y="0"/>
+          <a:chExt cx="0" cy="0"/>
+        </a:xfrm>
+      </p:grpSpPr>
+      <p:grpSp>
+        <p:nvGrpSpPr>
+          <p:cNvPr id="16" name="그룹 15"/>
+          <p:cNvGrpSpPr/>
+          <p:nvPr/>
+        </p:nvGrpSpPr>
+        <p:grpSpPr>
+          <a:xfrm>
+            <a:off x="107504" y="1510412"/>
+            <a:ext cx="3816424" cy="2160984"/>
+            <a:chOff x="395536" y="979984"/>
+            <a:chExt cx="4896544" cy="2160984"/>
+          </a:xfrm>
+        </p:grpSpPr>
+        <p:sp>
+          <p:nvSpPr>
+            <p:cNvPr id="3" name="모서리가 둥근 직사각형 2"/>
+            <p:cNvSpPr/>
+            <p:nvPr/>
+          </p:nvSpPr>
+          <p:spPr>
+            <a:xfrm>
+              <a:off x="395536" y="2564160"/>
+              <a:ext cx="1656184" cy="576808"/>
+            </a:xfrm>
+            <a:prstGeom prst="roundRect">
+              <a:avLst/>
+            </a:prstGeom>
+          </p:spPr>
+          <p:style>
+            <a:lnRef idx="2">
+              <a:schemeClr val="accent1">
+                <a:shade val="50000"/>
+              </a:schemeClr>
+            </a:lnRef>
+            <a:fillRef idx="1">
+              <a:schemeClr val="accent1"/>
+            </a:fillRef>
+            <a:effectRef idx="0">
+              <a:schemeClr val="accent1"/>
+            </a:effectRef>
+            <a:fontRef idx="minor">
+              <a:schemeClr val="lt1"/>
+            </a:fontRef>
+          </p:style>
+          <p:txBody>
+            <a:bodyPr rtlCol="0" anchor="ctr"/>
+            <a:lstStyle/>
+            <a:p>
+              <a:pPr algn="ctr"/>
+              <a:r>
+                <a:rPr lang="en-US" altLang="ko-KR" sz="1400" dirty="0" smtClean="0"/>
+                <a:t>master</a:t>
+              </a:r>
+              <a:endParaRPr lang="ko-KR" altLang="en-US" sz="1400" dirty="0"/>
+            </a:p>
+          </p:txBody>
+        </p:sp>
+        <p:sp>
+          <p:nvSpPr>
+            <p:cNvPr id="4" name="모서리가 둥근 직사각형 3"/>
+            <p:cNvSpPr/>
+            <p:nvPr/>
+          </p:nvSpPr>
+          <p:spPr>
+            <a:xfrm>
+              <a:off x="395536" y="979984"/>
+              <a:ext cx="1656184" cy="576808"/>
+            </a:xfrm>
+            <a:prstGeom prst="roundRect">
+              <a:avLst/>
+            </a:prstGeom>
+          </p:spPr>
+          <p:style>
+            <a:lnRef idx="2">
+              <a:schemeClr val="accent1">
+                <a:shade val="50000"/>
+              </a:schemeClr>
+            </a:lnRef>
+            <a:fillRef idx="1">
+              <a:schemeClr val="accent1"/>
+            </a:fillRef>
+            <a:effectRef idx="0">
+              <a:schemeClr val="accent1"/>
+            </a:effectRef>
+            <a:fontRef idx="minor">
+              <a:schemeClr val="lt1"/>
+            </a:fontRef>
+          </p:style>
+          <p:txBody>
+            <a:bodyPr rtlCol="0" anchor="ctr"/>
+            <a:lstStyle/>
+            <a:p>
+              <a:pPr algn="ctr"/>
+              <a:r>
+                <a:rPr lang="en-US" altLang="ko-KR" sz="1400" dirty="0" smtClean="0"/>
+                <a:t>Mybranch1</a:t>
+              </a:r>
+            </a:p>
+            <a:p>
+              <a:pPr algn="ctr"/>
+              <a:r>
+                <a:rPr lang="en-US" altLang="ko-KR" sz="1400" dirty="0" smtClean="0"/>
+                <a:t>(HEAD)</a:t>
+              </a:r>
+              <a:endParaRPr lang="ko-KR" altLang="en-US" sz="1400" dirty="0"/>
+            </a:p>
+          </p:txBody>
+        </p:sp>
+        <p:sp>
+          <p:nvSpPr>
+            <p:cNvPr id="5" name="모서리가 둥근 직사각형 4"/>
+            <p:cNvSpPr/>
+            <p:nvPr/>
+          </p:nvSpPr>
+          <p:spPr>
+            <a:xfrm>
+              <a:off x="3635896" y="979984"/>
+              <a:ext cx="1656184" cy="576808"/>
+            </a:xfrm>
+            <a:prstGeom prst="roundRect">
+              <a:avLst/>
+            </a:prstGeom>
+          </p:spPr>
+          <p:style>
+            <a:lnRef idx="2">
+              <a:schemeClr val="accent1">
+                <a:shade val="50000"/>
+              </a:schemeClr>
+            </a:lnRef>
+            <a:fillRef idx="1">
+              <a:schemeClr val="accent1"/>
+            </a:fillRef>
+            <a:effectRef idx="0">
+              <a:schemeClr val="accent1"/>
+            </a:effectRef>
+            <a:fontRef idx="minor">
+              <a:schemeClr val="lt1"/>
+            </a:fontRef>
+          </p:style>
+          <p:txBody>
+            <a:bodyPr rtlCol="0" anchor="ctr"/>
+            <a:lstStyle/>
+            <a:p>
+              <a:pPr algn="ctr"/>
+              <a:r>
+                <a:rPr lang="ko-KR" altLang="en-US" sz="1400" dirty="0" err="1" smtClean="0"/>
+                <a:t>커밋</a:t>
+              </a:r>
+              <a:r>
+                <a:rPr lang="en-US" altLang="ko-KR" sz="1400" dirty="0" smtClean="0"/>
+                <a:t>2</a:t>
+              </a:r>
+              <a:endParaRPr lang="ko-KR" altLang="en-US" sz="1400" dirty="0"/>
+            </a:p>
+          </p:txBody>
+        </p:sp>
+        <p:sp>
+          <p:nvSpPr>
+            <p:cNvPr id="6" name="모서리가 둥근 직사각형 5"/>
+            <p:cNvSpPr/>
+            <p:nvPr/>
+          </p:nvSpPr>
+          <p:spPr>
+            <a:xfrm>
+              <a:off x="3635896" y="2564160"/>
+              <a:ext cx="1656184" cy="576808"/>
+            </a:xfrm>
+            <a:prstGeom prst="roundRect">
+              <a:avLst/>
+            </a:prstGeom>
+          </p:spPr>
+          <p:style>
+            <a:lnRef idx="2">
+              <a:schemeClr val="accent1">
+                <a:shade val="50000"/>
+              </a:schemeClr>
+            </a:lnRef>
+            <a:fillRef idx="1">
+              <a:schemeClr val="accent1"/>
+            </a:fillRef>
+            <a:effectRef idx="0">
+              <a:schemeClr val="accent1"/>
+            </a:effectRef>
+            <a:fontRef idx="minor">
+              <a:schemeClr val="lt1"/>
+            </a:fontRef>
+          </p:style>
+          <p:txBody>
+            <a:bodyPr rtlCol="0" anchor="ctr"/>
+            <a:lstStyle/>
+            <a:p>
+              <a:pPr algn="ctr"/>
+              <a:r>
+                <a:rPr lang="ko-KR" altLang="en-US" sz="1400" dirty="0" err="1" smtClean="0"/>
+                <a:t>커밋</a:t>
+              </a:r>
+              <a:r>
+                <a:rPr lang="en-US" altLang="ko-KR" sz="1400" dirty="0"/>
+                <a:t>1</a:t>
+              </a:r>
+              <a:endParaRPr lang="ko-KR" altLang="en-US" sz="1400" dirty="0"/>
+            </a:p>
+          </p:txBody>
+        </p:sp>
+        <p:cxnSp>
+          <p:nvCxnSpPr>
+            <p:cNvPr id="9" name="직선 연결선 8"/>
+            <p:cNvCxnSpPr>
+              <a:stCxn id="4" idx="3"/>
+              <a:endCxn id="5" idx="1"/>
+            </p:cNvCxnSpPr>
+            <p:nvPr/>
+          </p:nvCxnSpPr>
+          <p:spPr>
+            <a:xfrm>
+              <a:off x="2051720" y="1268388"/>
+              <a:ext cx="1584176" cy="0"/>
+            </a:xfrm>
+            <a:prstGeom prst="line">
+              <a:avLst/>
+            </a:prstGeom>
+            <a:ln w="28575">
+              <a:solidFill>
+                <a:srgbClr val="FF0000"/>
+              </a:solidFill>
+            </a:ln>
+          </p:spPr>
+          <p:style>
+            <a:lnRef idx="1">
+              <a:schemeClr val="accent1"/>
+            </a:lnRef>
+            <a:fillRef idx="0">
+              <a:schemeClr val="accent1"/>
+            </a:fillRef>
+            <a:effectRef idx="0">
+              <a:schemeClr val="accent1"/>
+            </a:effectRef>
+            <a:fontRef idx="minor">
+              <a:schemeClr val="tx1"/>
+            </a:fontRef>
+          </p:style>
+        </p:cxnSp>
+        <p:cxnSp>
+          <p:nvCxnSpPr>
+            <p:cNvPr id="11" name="직선 연결선 10"/>
+            <p:cNvCxnSpPr>
+              <a:stCxn id="3" idx="3"/>
+              <a:endCxn id="5" idx="1"/>
+            </p:cNvCxnSpPr>
+            <p:nvPr/>
+          </p:nvCxnSpPr>
+          <p:spPr>
+            <a:xfrm flipV="1">
+              <a:off x="2051720" y="1268388"/>
+              <a:ext cx="1584176" cy="1584176"/>
+            </a:xfrm>
+            <a:prstGeom prst="line">
+              <a:avLst/>
+            </a:prstGeom>
+            <a:ln w="28575">
+              <a:solidFill>
+                <a:srgbClr val="FF0000"/>
+              </a:solidFill>
+            </a:ln>
+          </p:spPr>
+          <p:style>
+            <a:lnRef idx="1">
+              <a:schemeClr val="accent1"/>
+            </a:lnRef>
+            <a:fillRef idx="0">
+              <a:schemeClr val="accent1"/>
+            </a:fillRef>
+            <a:effectRef idx="0">
+              <a:schemeClr val="accent1"/>
+            </a:effectRef>
+            <a:fontRef idx="minor">
+              <a:schemeClr val="tx1"/>
+            </a:fontRef>
+          </p:style>
+        </p:cxnSp>
+        <p:cxnSp>
+          <p:nvCxnSpPr>
+            <p:cNvPr id="14" name="직선 화살표 연결선 13"/>
+            <p:cNvCxnSpPr>
+              <a:stCxn id="5" idx="2"/>
+              <a:endCxn id="6" idx="0"/>
+            </p:cNvCxnSpPr>
+            <p:nvPr/>
+          </p:nvCxnSpPr>
+          <p:spPr>
+            <a:xfrm>
+              <a:off x="4463988" y="1556792"/>
+              <a:ext cx="0" cy="1007368"/>
+            </a:xfrm>
+            <a:prstGeom prst="straightConnector1">
+              <a:avLst/>
+            </a:prstGeom>
+            <a:ln w="28575">
+              <a:solidFill>
+                <a:srgbClr val="FF0000"/>
+              </a:solidFill>
+              <a:tailEnd type="arrow"/>
+            </a:ln>
+          </p:spPr>
+          <p:style>
+            <a:lnRef idx="1">
+              <a:schemeClr val="accent1"/>
+            </a:lnRef>
+            <a:fillRef idx="0">
+              <a:schemeClr val="accent1"/>
+            </a:fillRef>
+            <a:effectRef idx="0">
+              <a:schemeClr val="accent1"/>
+            </a:effectRef>
+            <a:fontRef idx="minor">
+              <a:schemeClr val="tx1"/>
+            </a:fontRef>
+          </p:style>
+        </p:cxnSp>
+      </p:grpSp>
+      <p:sp>
+        <p:nvSpPr>
+          <p:cNvPr id="15" name="TextBox 14"/>
+          <p:cNvSpPr txBox="1"/>
+          <p:nvPr/>
+        </p:nvSpPr>
+        <p:spPr>
+          <a:xfrm>
+            <a:off x="1599389" y="3870012"/>
+            <a:ext cx="999769" cy="276999"/>
+          </a:xfrm>
+          <a:prstGeom prst="rect">
+            <a:avLst/>
+          </a:prstGeom>
+          <a:noFill/>
+        </p:spPr>
+        <p:txBody>
+          <a:bodyPr wrap="square" rtlCol="0">
+            <a:spAutoFit/>
+          </a:bodyPr>
+          <a:lstStyle/>
+          <a:p>
+            <a:pPr algn="ctr"/>
+            <a:r>
+              <a:rPr lang="en-US" altLang="ko-KR" sz="1200" dirty="0" smtClean="0"/>
+              <a:t>&lt;</a:t>
+            </a:r>
+            <a:r>
+              <a:rPr lang="ko-KR" altLang="en-US" sz="1200" dirty="0" err="1" smtClean="0"/>
+              <a:t>커밋</a:t>
+            </a:r>
+            <a:r>
+              <a:rPr lang="ko-KR" altLang="en-US" sz="1200" dirty="0" smtClean="0"/>
+              <a:t> 전</a:t>
+            </a:r>
+            <a:r>
+              <a:rPr lang="en-US" altLang="ko-KR" sz="1200" dirty="0" smtClean="0"/>
+              <a:t>&gt;</a:t>
+            </a:r>
+            <a:endParaRPr lang="ko-KR" altLang="en-US" sz="1200" dirty="0"/>
+          </a:p>
+        </p:txBody>
+      </p:sp>
+      <p:sp>
+        <p:nvSpPr>
+          <p:cNvPr id="32" name="모서리가 둥근 직사각형 31"/>
+          <p:cNvSpPr/>
+          <p:nvPr/>
+        </p:nvSpPr>
+        <p:spPr>
+          <a:xfrm>
+            <a:off x="4572000" y="2604859"/>
+            <a:ext cx="1290849" cy="576808"/>
+          </a:xfrm>
+          <a:prstGeom prst="roundRect">
+            <a:avLst/>
+          </a:prstGeom>
+        </p:spPr>
+        <p:style>
+          <a:lnRef idx="2">
+            <a:schemeClr val="accent1">
+              <a:shade val="50000"/>
+            </a:schemeClr>
+          </a:lnRef>
+          <a:fillRef idx="1">
+            <a:schemeClr val="accent1"/>
+          </a:fillRef>
+          <a:effectRef idx="0">
+            <a:schemeClr val="accent1"/>
+          </a:effectRef>
+          <a:fontRef idx="minor">
+            <a:schemeClr val="lt1"/>
+          </a:fontRef>
+        </p:style>
+        <p:txBody>
+          <a:bodyPr rtlCol="0" anchor="ctr"/>
+          <a:lstStyle/>
+          <a:p>
+            <a:pPr algn="ctr"/>
+            <a:r>
+              <a:rPr lang="en-US" altLang="ko-KR" sz="1400" dirty="0" smtClean="0"/>
+              <a:t>master</a:t>
+            </a:r>
+            <a:endParaRPr lang="ko-KR" altLang="en-US" sz="1400" dirty="0"/>
+          </a:p>
+        </p:txBody>
+      </p:sp>
+      <p:sp>
+        <p:nvSpPr>
+          <p:cNvPr id="33" name="모서리가 둥근 직사각형 32"/>
+          <p:cNvSpPr/>
+          <p:nvPr/>
+        </p:nvSpPr>
+        <p:spPr>
+          <a:xfrm>
+            <a:off x="4572000" y="1510412"/>
+            <a:ext cx="1290849" cy="576808"/>
+          </a:xfrm>
+          <a:prstGeom prst="roundRect">
+            <a:avLst/>
+          </a:prstGeom>
+        </p:spPr>
+        <p:style>
+          <a:lnRef idx="2">
+            <a:schemeClr val="accent1">
+              <a:shade val="50000"/>
+            </a:schemeClr>
+          </a:lnRef>
+          <a:fillRef idx="1">
+            <a:schemeClr val="accent1"/>
+          </a:fillRef>
+          <a:effectRef idx="0">
+            <a:schemeClr val="accent1"/>
+          </a:effectRef>
+          <a:fontRef idx="minor">
+            <a:schemeClr val="lt1"/>
+          </a:fontRef>
+        </p:style>
+        <p:txBody>
+          <a:bodyPr rtlCol="0" anchor="ctr"/>
+          <a:lstStyle/>
+          <a:p>
+            <a:pPr algn="ctr"/>
+            <a:r>
+              <a:rPr lang="en-US" altLang="ko-KR" sz="1400" dirty="0" smtClean="0"/>
+              <a:t>Mybranch1</a:t>
+            </a:r>
+          </a:p>
+          <a:p>
+            <a:pPr algn="ctr"/>
+            <a:r>
+              <a:rPr lang="en-US" altLang="ko-KR" sz="1400" dirty="0" smtClean="0"/>
+              <a:t>(HEAD)</a:t>
+            </a:r>
+            <a:endParaRPr lang="ko-KR" altLang="en-US" sz="1400" dirty="0"/>
+          </a:p>
+        </p:txBody>
+      </p:sp>
+      <p:sp>
+        <p:nvSpPr>
+          <p:cNvPr id="34" name="모서리가 둥근 직사각형 33"/>
+          <p:cNvSpPr/>
+          <p:nvPr/>
+        </p:nvSpPr>
+        <p:spPr>
+          <a:xfrm>
+            <a:off x="7099435" y="2142247"/>
+            <a:ext cx="1290849" cy="576808"/>
+          </a:xfrm>
+          <a:prstGeom prst="roundRect">
+            <a:avLst/>
+          </a:prstGeom>
+        </p:spPr>
+        <p:style>
+          <a:lnRef idx="2">
+            <a:schemeClr val="accent1">
+              <a:shade val="50000"/>
+            </a:schemeClr>
+          </a:lnRef>
+          <a:fillRef idx="1">
+            <a:schemeClr val="accent1"/>
+          </a:fillRef>
+          <a:effectRef idx="0">
+            <a:schemeClr val="accent1"/>
+          </a:effectRef>
+          <a:fontRef idx="minor">
+            <a:schemeClr val="lt1"/>
+          </a:fontRef>
+        </p:style>
+        <p:txBody>
+          <a:bodyPr rtlCol="0" anchor="ctr"/>
+          <a:lstStyle/>
+          <a:p>
+            <a:pPr algn="ctr"/>
+            <a:r>
+              <a:rPr lang="ko-KR" altLang="en-US" sz="1400" dirty="0" err="1" smtClean="0"/>
+              <a:t>커밋</a:t>
+            </a:r>
+            <a:r>
+              <a:rPr lang="en-US" altLang="ko-KR" sz="1400" dirty="0" smtClean="0"/>
+              <a:t>2</a:t>
+            </a:r>
+            <a:endParaRPr lang="ko-KR" altLang="en-US" sz="1400" dirty="0"/>
+          </a:p>
+        </p:txBody>
+      </p:sp>
+      <p:sp>
+        <p:nvSpPr>
+          <p:cNvPr id="35" name="모서리가 둥근 직사각형 34"/>
+          <p:cNvSpPr/>
+          <p:nvPr/>
+        </p:nvSpPr>
+        <p:spPr>
+          <a:xfrm>
+            <a:off x="7097575" y="3094588"/>
+            <a:ext cx="1290849" cy="576808"/>
+          </a:xfrm>
+          <a:prstGeom prst="roundRect">
+            <a:avLst/>
+          </a:prstGeom>
+        </p:spPr>
+        <p:style>
+          <a:lnRef idx="2">
+            <a:schemeClr val="accent1">
+              <a:shade val="50000"/>
+            </a:schemeClr>
+          </a:lnRef>
+          <a:fillRef idx="1">
+            <a:schemeClr val="accent1"/>
+          </a:fillRef>
+          <a:effectRef idx="0">
+            <a:schemeClr val="accent1"/>
+          </a:effectRef>
+          <a:fontRef idx="minor">
+            <a:schemeClr val="lt1"/>
+          </a:fontRef>
+        </p:style>
+        <p:txBody>
+          <a:bodyPr rtlCol="0" anchor="ctr"/>
+          <a:lstStyle/>
+          <a:p>
+            <a:pPr algn="ctr"/>
+            <a:r>
+              <a:rPr lang="ko-KR" altLang="en-US" sz="1400" dirty="0" err="1" smtClean="0"/>
+              <a:t>커밋</a:t>
+            </a:r>
+            <a:r>
+              <a:rPr lang="en-US" altLang="ko-KR" sz="1400" dirty="0"/>
+              <a:t>1</a:t>
+            </a:r>
+            <a:endParaRPr lang="ko-KR" altLang="en-US" sz="1400" dirty="0"/>
+          </a:p>
+        </p:txBody>
+      </p:sp>
+      <p:cxnSp>
+        <p:nvCxnSpPr>
+          <p:cNvPr id="36" name="직선 연결선 35"/>
+          <p:cNvCxnSpPr>
+            <a:stCxn id="33" idx="3"/>
+            <a:endCxn id="42" idx="1"/>
+          </p:cNvCxnSpPr>
+          <p:nvPr/>
+        </p:nvCxnSpPr>
+        <p:spPr>
+          <a:xfrm flipV="1">
+            <a:off x="5862849" y="1510412"/>
+            <a:ext cx="1243778" cy="288404"/>
+          </a:xfrm>
+          <a:prstGeom prst="line">
+            <a:avLst/>
+          </a:prstGeom>
+          <a:ln w="28575">
+            <a:solidFill>
+              <a:srgbClr val="FF0000"/>
+            </a:solidFill>
+          </a:ln>
+        </p:spPr>
+        <p:style>
+          <a:lnRef idx="1">
+            <a:schemeClr val="accent1"/>
+          </a:lnRef>
+          <a:fillRef idx="0">
+            <a:schemeClr val="accent1"/>
+          </a:fillRef>
+          <a:effectRef idx="0">
+            <a:schemeClr val="accent1"/>
+          </a:effectRef>
+          <a:fontRef idx="minor">
+            <a:schemeClr val="tx1"/>
+          </a:fontRef>
+        </p:style>
+      </p:cxnSp>
+      <p:cxnSp>
+        <p:nvCxnSpPr>
+          <p:cNvPr id="37" name="직선 연결선 36"/>
+          <p:cNvCxnSpPr>
+            <a:stCxn id="32" idx="3"/>
+            <a:endCxn id="34" idx="1"/>
+          </p:cNvCxnSpPr>
+          <p:nvPr/>
+        </p:nvCxnSpPr>
+        <p:spPr>
+          <a:xfrm flipV="1">
+            <a:off x="5862849" y="2430651"/>
+            <a:ext cx="1236586" cy="462612"/>
+          </a:xfrm>
+          <a:prstGeom prst="line">
+            <a:avLst/>
+          </a:prstGeom>
+          <a:ln w="28575">
+            <a:solidFill>
+              <a:srgbClr val="FF0000"/>
+            </a:solidFill>
+          </a:ln>
+        </p:spPr>
+        <p:style>
+          <a:lnRef idx="1">
+            <a:schemeClr val="accent1"/>
+          </a:lnRef>
+          <a:fillRef idx="0">
+            <a:schemeClr val="accent1"/>
+          </a:fillRef>
+          <a:effectRef idx="0">
+            <a:schemeClr val="accent1"/>
+          </a:effectRef>
+          <a:fontRef idx="minor">
+            <a:schemeClr val="tx1"/>
+          </a:fontRef>
+        </p:style>
+      </p:cxnSp>
+      <p:cxnSp>
+        <p:nvCxnSpPr>
+          <p:cNvPr id="38" name="직선 화살표 연결선 37"/>
+          <p:cNvCxnSpPr>
+            <a:stCxn id="34" idx="2"/>
+            <a:endCxn id="35" idx="0"/>
+          </p:cNvCxnSpPr>
+          <p:nvPr/>
+        </p:nvCxnSpPr>
+        <p:spPr>
+          <a:xfrm flipH="1">
+            <a:off x="7743000" y="2719055"/>
+            <a:ext cx="1860" cy="375533"/>
+          </a:xfrm>
+          <a:prstGeom prst="straightConnector1">
+            <a:avLst/>
+          </a:prstGeom>
+          <a:ln w="28575">
+            <a:solidFill>
+              <a:srgbClr val="FF0000"/>
+            </a:solidFill>
+            <a:tailEnd type="arrow"/>
+          </a:ln>
+        </p:spPr>
+        <p:style>
+          <a:lnRef idx="1">
+            <a:schemeClr val="accent1"/>
+          </a:lnRef>
+          <a:fillRef idx="0">
+            <a:schemeClr val="accent1"/>
+          </a:fillRef>
+          <a:effectRef idx="0">
+            <a:schemeClr val="accent1"/>
+          </a:effectRef>
+          <a:fontRef idx="minor">
+            <a:schemeClr val="tx1"/>
+          </a:fontRef>
+        </p:style>
+      </p:cxnSp>
+      <p:sp>
+        <p:nvSpPr>
+          <p:cNvPr id="39" name="TextBox 38"/>
+          <p:cNvSpPr txBox="1"/>
+          <p:nvPr/>
+        </p:nvSpPr>
+        <p:spPr>
+          <a:xfrm>
+            <a:off x="6156176" y="3870012"/>
+            <a:ext cx="999769" cy="276999"/>
+          </a:xfrm>
+          <a:prstGeom prst="rect">
+            <a:avLst/>
+          </a:prstGeom>
+          <a:noFill/>
+        </p:spPr>
+        <p:txBody>
+          <a:bodyPr wrap="square" rtlCol="0">
+            <a:spAutoFit/>
+          </a:bodyPr>
+          <a:lstStyle/>
+          <a:p>
+            <a:pPr algn="ctr"/>
+            <a:r>
+              <a:rPr lang="en-US" altLang="ko-KR" sz="1200" dirty="0" smtClean="0"/>
+              <a:t>&lt;</a:t>
+            </a:r>
+            <a:r>
+              <a:rPr lang="ko-KR" altLang="en-US" sz="1200" dirty="0" err="1" smtClean="0"/>
+              <a:t>커밋</a:t>
+            </a:r>
+            <a:r>
+              <a:rPr lang="ko-KR" altLang="en-US" sz="1200" dirty="0" smtClean="0"/>
+              <a:t> 후</a:t>
+            </a:r>
+            <a:r>
+              <a:rPr lang="en-US" altLang="ko-KR" sz="1200" dirty="0" smtClean="0"/>
+              <a:t>&gt;</a:t>
+            </a:r>
+            <a:endParaRPr lang="ko-KR" altLang="en-US" sz="1200" dirty="0"/>
+          </a:p>
+        </p:txBody>
+      </p:sp>
+      <p:cxnSp>
+        <p:nvCxnSpPr>
+          <p:cNvPr id="41" name="직선 연결선 40"/>
+          <p:cNvCxnSpPr/>
+          <p:nvPr/>
+        </p:nvCxnSpPr>
+        <p:spPr>
+          <a:xfrm>
+            <a:off x="4211960" y="0"/>
+            <a:ext cx="0" cy="6858000"/>
+          </a:xfrm>
+          <a:prstGeom prst="line">
+            <a:avLst/>
+          </a:prstGeom>
+          <a:ln>
+            <a:solidFill>
+              <a:schemeClr val="tx1"/>
+            </a:solidFill>
+          </a:ln>
+        </p:spPr>
+        <p:style>
+          <a:lnRef idx="1">
+            <a:schemeClr val="accent1"/>
+          </a:lnRef>
+          <a:fillRef idx="0">
+            <a:schemeClr val="accent1"/>
+          </a:fillRef>
+          <a:effectRef idx="0">
+            <a:schemeClr val="accent1"/>
+          </a:effectRef>
+          <a:fontRef idx="minor">
+            <a:schemeClr val="tx1"/>
+          </a:fontRef>
+        </p:style>
+      </p:cxnSp>
+      <p:sp>
+        <p:nvSpPr>
+          <p:cNvPr id="42" name="모서리가 둥근 직사각형 41"/>
+          <p:cNvSpPr/>
+          <p:nvPr/>
+        </p:nvSpPr>
+        <p:spPr>
+          <a:xfrm>
+            <a:off x="7106627" y="1222008"/>
+            <a:ext cx="1290849" cy="576808"/>
+          </a:xfrm>
+          <a:prstGeom prst="roundRect">
+            <a:avLst/>
+          </a:prstGeom>
+        </p:spPr>
+        <p:style>
+          <a:lnRef idx="2">
+            <a:schemeClr val="accent1">
+              <a:shade val="50000"/>
+            </a:schemeClr>
+          </a:lnRef>
+          <a:fillRef idx="1">
+            <a:schemeClr val="accent1"/>
+          </a:fillRef>
+          <a:effectRef idx="0">
+            <a:schemeClr val="accent1"/>
+          </a:effectRef>
+          <a:fontRef idx="minor">
+            <a:schemeClr val="lt1"/>
+          </a:fontRef>
+        </p:style>
+        <p:txBody>
+          <a:bodyPr rtlCol="0" anchor="ctr"/>
+          <a:lstStyle/>
+          <a:p>
+            <a:pPr algn="ctr"/>
+            <a:r>
+              <a:rPr lang="ko-KR" altLang="en-US" sz="1400" dirty="0" err="1" smtClean="0"/>
+              <a:t>커밋</a:t>
+            </a:r>
+            <a:r>
+              <a:rPr lang="en-US" altLang="ko-KR" sz="1400" dirty="0"/>
+              <a:t>3</a:t>
+            </a:r>
+            <a:endParaRPr lang="ko-KR" altLang="en-US" sz="1400" dirty="0"/>
+          </a:p>
+        </p:txBody>
+      </p:sp>
+      <p:cxnSp>
+        <p:nvCxnSpPr>
+          <p:cNvPr id="49" name="직선 화살표 연결선 48"/>
+          <p:cNvCxnSpPr>
+            <a:stCxn id="42" idx="2"/>
+            <a:endCxn id="34" idx="0"/>
+          </p:cNvCxnSpPr>
+          <p:nvPr/>
+        </p:nvCxnSpPr>
+        <p:spPr>
+          <a:xfrm flipH="1">
+            <a:off x="7744860" y="1798816"/>
+            <a:ext cx="7192" cy="343431"/>
+          </a:xfrm>
+          <a:prstGeom prst="straightConnector1">
+            <a:avLst/>
+          </a:prstGeom>
+          <a:ln w="28575">
+            <a:solidFill>
+              <a:srgbClr val="FF0000"/>
+            </a:solidFill>
+            <a:tailEnd type="arrow"/>
+          </a:ln>
+        </p:spPr>
+        <p:style>
+          <a:lnRef idx="1">
+            <a:schemeClr val="accent1"/>
+          </a:lnRef>
+          <a:fillRef idx="0">
+            <a:schemeClr val="accent1"/>
+          </a:fillRef>
+          <a:effectRef idx="0">
+            <a:schemeClr val="accent1"/>
+          </a:effectRef>
+          <a:fontRef idx="minor">
+            <a:schemeClr val="tx1"/>
+          </a:fontRef>
+        </p:style>
+      </p:cxnSp>
+    </p:spTree>
+    <p:extLst>
+      <p:ext uri="{BB962C8B-B14F-4D97-AF65-F5344CB8AC3E}">
+        <p14:creationId xmlns:p14="http://schemas.microsoft.com/office/powerpoint/2010/main" val="1430702528"/>
+      </p:ext>
+    </p:extLst>
+  </p:cSld>
+  <p:clrMapOvr>
+    <a:masterClrMapping/>
+  </p:clrMapOvr>
+  <p:timing>
+    <p:tnLst>
+      <p:par>
+        <p:cTn id="1" dur="indefinite" restart="never" nodeType="tmRoot"/>
+      </p:par>
+    </p:tnLst>
+  </p:timing>
+</p:sld>
+</file>
+
+<file path=ppt/slides/slide17.xml><?xml version="1.0" encoding="utf-8"?>
+<p:sld xmlns:a="http://schemas.openxmlformats.org/drawingml/2006/main" xmlns:r="http://schemas.openxmlformats.org/officeDocument/2006/relationships" xmlns:p="http://schemas.openxmlformats.org/presentationml/2006/main">
+  <p:cSld>
+    <p:spTree>
+      <p:nvGrpSpPr>
+        <p:cNvPr id="1" name=""/>
+        <p:cNvGrpSpPr/>
+        <p:nvPr/>
+      </p:nvGrpSpPr>
+      <p:grpSpPr>
+        <a:xfrm>
+          <a:off x="0" y="0"/>
+          <a:ext cx="0" cy="0"/>
+          <a:chOff x="0" y="0"/>
+          <a:chExt cx="0" cy="0"/>
+        </a:xfrm>
+      </p:grpSpPr>
+      <p:sp>
+        <p:nvSpPr>
+          <p:cNvPr id="15" name="TextBox 14"/>
+          <p:cNvSpPr txBox="1"/>
+          <p:nvPr/>
+        </p:nvSpPr>
+        <p:spPr>
+          <a:xfrm>
+            <a:off x="1465066" y="3870012"/>
+            <a:ext cx="999769" cy="276999"/>
+          </a:xfrm>
+          <a:prstGeom prst="rect">
+            <a:avLst/>
+          </a:prstGeom>
+          <a:noFill/>
+        </p:spPr>
+        <p:txBody>
+          <a:bodyPr wrap="square" rtlCol="0">
+            <a:spAutoFit/>
+          </a:bodyPr>
+          <a:lstStyle/>
+          <a:p>
+            <a:pPr algn="ctr"/>
+            <a:r>
+              <a:rPr lang="en-US" altLang="ko-KR" sz="1200" dirty="0" smtClean="0"/>
+              <a:t>&lt;</a:t>
+            </a:r>
+            <a:r>
+              <a:rPr lang="ko-KR" altLang="en-US" sz="1200" dirty="0" err="1" smtClean="0"/>
+              <a:t>커밋</a:t>
+            </a:r>
+            <a:r>
+              <a:rPr lang="ko-KR" altLang="en-US" sz="1200" dirty="0" smtClean="0"/>
+              <a:t> 전</a:t>
+            </a:r>
+            <a:r>
+              <a:rPr lang="en-US" altLang="ko-KR" sz="1200" dirty="0" smtClean="0"/>
+              <a:t>&gt;</a:t>
+            </a:r>
+            <a:endParaRPr lang="ko-KR" altLang="en-US" sz="1200" dirty="0"/>
+          </a:p>
+        </p:txBody>
+      </p:sp>
+      <p:sp>
+        <p:nvSpPr>
+          <p:cNvPr id="32" name="모서리가 둥근 직사각형 31"/>
+          <p:cNvSpPr/>
+          <p:nvPr/>
+        </p:nvSpPr>
+        <p:spPr>
+          <a:xfrm>
+            <a:off x="174217" y="2490559"/>
+            <a:ext cx="1290849" cy="576808"/>
+          </a:xfrm>
+          <a:prstGeom prst="roundRect">
+            <a:avLst/>
+          </a:prstGeom>
+          <a:solidFill>
+            <a:srgbClr val="FF0000"/>
+          </a:solidFill>
+          <a:ln>
+            <a:solidFill>
+              <a:srgbClr val="FF0000"/>
+            </a:solidFill>
+          </a:ln>
+        </p:spPr>
+        <p:style>
+          <a:lnRef idx="2">
+            <a:schemeClr val="accent1">
+              <a:shade val="50000"/>
+            </a:schemeClr>
+          </a:lnRef>
+          <a:fillRef idx="1">
+            <a:schemeClr val="accent1"/>
+          </a:fillRef>
+          <a:effectRef idx="0">
+            <a:schemeClr val="accent1"/>
+          </a:effectRef>
+          <a:fontRef idx="minor">
+            <a:schemeClr val="lt1"/>
+          </a:fontRef>
+        </p:style>
+        <p:txBody>
+          <a:bodyPr rtlCol="0" anchor="ctr"/>
+          <a:lstStyle/>
+          <a:p>
+            <a:pPr algn="ctr"/>
+            <a:r>
+              <a:rPr lang="en-US" altLang="ko-KR" sz="1400" dirty="0" smtClean="0"/>
+              <a:t>master</a:t>
+            </a:r>
+            <a:endParaRPr lang="ko-KR" altLang="en-US" sz="1400" dirty="0"/>
+          </a:p>
+        </p:txBody>
+      </p:sp>
+      <p:sp>
+        <p:nvSpPr>
+          <p:cNvPr id="33" name="모서리가 둥근 직사각형 32"/>
+          <p:cNvSpPr/>
+          <p:nvPr/>
+        </p:nvSpPr>
+        <p:spPr>
+          <a:xfrm>
+            <a:off x="174217" y="1462787"/>
+            <a:ext cx="1290849" cy="576808"/>
+          </a:xfrm>
+          <a:prstGeom prst="roundRect">
+            <a:avLst/>
+          </a:prstGeom>
+          <a:ln>
+            <a:solidFill>
+              <a:srgbClr val="0070C0"/>
+            </a:solidFill>
+          </a:ln>
+        </p:spPr>
+        <p:style>
+          <a:lnRef idx="2">
+            <a:schemeClr val="accent1">
+              <a:shade val="50000"/>
+            </a:schemeClr>
+          </a:lnRef>
+          <a:fillRef idx="1">
+            <a:schemeClr val="accent1"/>
+          </a:fillRef>
+          <a:effectRef idx="0">
+            <a:schemeClr val="accent1"/>
+          </a:effectRef>
+          <a:fontRef idx="minor">
+            <a:schemeClr val="lt1"/>
+          </a:fontRef>
+        </p:style>
+        <p:txBody>
+          <a:bodyPr rtlCol="0" anchor="ctr"/>
+          <a:lstStyle/>
+          <a:p>
+            <a:pPr algn="ctr"/>
+            <a:r>
+              <a:rPr lang="en-US" altLang="ko-KR" sz="1400" dirty="0"/>
+              <a:t>m</a:t>
+            </a:r>
+            <a:r>
+              <a:rPr lang="en-US" altLang="ko-KR" sz="1400" dirty="0" smtClean="0"/>
+              <a:t>ybranch1</a:t>
+            </a:r>
+            <a:r>
+              <a:rPr lang="ko-KR" altLang="en-US" sz="1400" dirty="0" smtClean="0"/>
+              <a:t> </a:t>
+            </a:r>
+            <a:r>
+              <a:rPr lang="en-US" altLang="ko-KR" sz="1400" dirty="0" smtClean="0"/>
+              <a:t>*</a:t>
+            </a:r>
+          </a:p>
+        </p:txBody>
+      </p:sp>
+      <p:sp>
+        <p:nvSpPr>
+          <p:cNvPr id="34" name="모서리가 둥근 직사각형 33"/>
+          <p:cNvSpPr/>
+          <p:nvPr/>
+        </p:nvSpPr>
+        <p:spPr>
+          <a:xfrm>
+            <a:off x="2701652" y="2094622"/>
+            <a:ext cx="1290849" cy="576808"/>
+          </a:xfrm>
+          <a:prstGeom prst="roundRect">
+            <a:avLst/>
+          </a:prstGeom>
+          <a:solidFill>
+            <a:srgbClr val="00B050"/>
+          </a:solidFill>
+          <a:ln>
+            <a:solidFill>
+              <a:schemeClr val="tx1">
+                <a:lumMod val="85000"/>
+                <a:lumOff val="15000"/>
+              </a:schemeClr>
+            </a:solidFill>
+          </a:ln>
+        </p:spPr>
+        <p:style>
+          <a:lnRef idx="2">
+            <a:schemeClr val="accent1">
+              <a:shade val="50000"/>
+            </a:schemeClr>
+          </a:lnRef>
+          <a:fillRef idx="1">
+            <a:schemeClr val="accent1"/>
+          </a:fillRef>
+          <a:effectRef idx="0">
+            <a:schemeClr val="accent1"/>
+          </a:effectRef>
+          <a:fontRef idx="minor">
+            <a:schemeClr val="lt1"/>
+          </a:fontRef>
+        </p:style>
+        <p:txBody>
+          <a:bodyPr rtlCol="0" anchor="ctr"/>
+          <a:lstStyle/>
+          <a:p>
+            <a:pPr algn="ctr"/>
+            <a:r>
+              <a:rPr lang="ko-KR" altLang="en-US" sz="1400" dirty="0" err="1" smtClean="0"/>
+              <a:t>커밋</a:t>
+            </a:r>
+            <a:r>
+              <a:rPr lang="en-US" altLang="ko-KR" sz="1400" dirty="0" smtClean="0"/>
+              <a:t>2</a:t>
+            </a:r>
+            <a:endParaRPr lang="ko-KR" altLang="en-US" sz="1400" dirty="0"/>
+          </a:p>
+        </p:txBody>
+      </p:sp>
+      <p:sp>
+        <p:nvSpPr>
+          <p:cNvPr id="35" name="모서리가 둥근 직사각형 34"/>
+          <p:cNvSpPr/>
+          <p:nvPr/>
+        </p:nvSpPr>
+        <p:spPr>
+          <a:xfrm>
+            <a:off x="2699792" y="3046963"/>
+            <a:ext cx="1290849" cy="576808"/>
+          </a:xfrm>
+          <a:prstGeom prst="roundRect">
+            <a:avLst/>
+          </a:prstGeom>
+          <a:solidFill>
+            <a:srgbClr val="00B050"/>
+          </a:solidFill>
+          <a:ln>
+            <a:solidFill>
+              <a:schemeClr val="tx1">
+                <a:lumMod val="85000"/>
+                <a:lumOff val="15000"/>
+              </a:schemeClr>
+            </a:solidFill>
+          </a:ln>
+        </p:spPr>
+        <p:style>
+          <a:lnRef idx="2">
+            <a:schemeClr val="accent1">
+              <a:shade val="50000"/>
+            </a:schemeClr>
+          </a:lnRef>
+          <a:fillRef idx="1">
+            <a:schemeClr val="accent1"/>
+          </a:fillRef>
+          <a:effectRef idx="0">
+            <a:schemeClr val="accent1"/>
+          </a:effectRef>
+          <a:fontRef idx="minor">
+            <a:schemeClr val="lt1"/>
+          </a:fontRef>
+        </p:style>
+        <p:txBody>
+          <a:bodyPr rtlCol="0" anchor="ctr"/>
+          <a:lstStyle/>
+          <a:p>
+            <a:pPr algn="ctr"/>
+            <a:r>
+              <a:rPr lang="ko-KR" altLang="en-US" sz="1400" dirty="0" err="1" smtClean="0"/>
+              <a:t>커밋</a:t>
+            </a:r>
+            <a:r>
+              <a:rPr lang="en-US" altLang="ko-KR" sz="1400" dirty="0"/>
+              <a:t>1</a:t>
+            </a:r>
+            <a:endParaRPr lang="ko-KR" altLang="en-US" sz="1400" dirty="0"/>
+          </a:p>
+        </p:txBody>
+      </p:sp>
+      <p:cxnSp>
+        <p:nvCxnSpPr>
+          <p:cNvPr id="36" name="직선 연결선 35"/>
+          <p:cNvCxnSpPr>
+            <a:stCxn id="33" idx="3"/>
+            <a:endCxn id="42" idx="1"/>
+          </p:cNvCxnSpPr>
+          <p:nvPr/>
+        </p:nvCxnSpPr>
+        <p:spPr>
+          <a:xfrm flipV="1">
+            <a:off x="1465066" y="1462787"/>
+            <a:ext cx="1243778" cy="288404"/>
+          </a:xfrm>
+          <a:prstGeom prst="line">
+            <a:avLst/>
+          </a:prstGeom>
+          <a:ln w="28575">
+            <a:solidFill>
+              <a:srgbClr val="FF0000"/>
+            </a:solidFill>
+          </a:ln>
+        </p:spPr>
+        <p:style>
+          <a:lnRef idx="1">
+            <a:schemeClr val="accent1"/>
+          </a:lnRef>
+          <a:fillRef idx="0">
+            <a:schemeClr val="accent1"/>
+          </a:fillRef>
+          <a:effectRef idx="0">
+            <a:schemeClr val="accent1"/>
+          </a:effectRef>
+          <a:fontRef idx="minor">
+            <a:schemeClr val="tx1"/>
+          </a:fontRef>
+        </p:style>
+      </p:cxnSp>
+      <p:cxnSp>
+        <p:nvCxnSpPr>
+          <p:cNvPr id="37" name="직선 연결선 36"/>
+          <p:cNvCxnSpPr>
+            <a:stCxn id="32" idx="3"/>
+            <a:endCxn id="34" idx="1"/>
+          </p:cNvCxnSpPr>
+          <p:nvPr/>
+        </p:nvCxnSpPr>
+        <p:spPr>
+          <a:xfrm flipV="1">
+            <a:off x="1465066" y="2383026"/>
+            <a:ext cx="1236586" cy="395937"/>
+          </a:xfrm>
+          <a:prstGeom prst="line">
+            <a:avLst/>
+          </a:prstGeom>
+          <a:ln w="28575">
+            <a:solidFill>
+              <a:srgbClr val="FF0000"/>
+            </a:solidFill>
+          </a:ln>
+        </p:spPr>
+        <p:style>
+          <a:lnRef idx="1">
+            <a:schemeClr val="accent1"/>
+          </a:lnRef>
+          <a:fillRef idx="0">
+            <a:schemeClr val="accent1"/>
+          </a:fillRef>
+          <a:effectRef idx="0">
+            <a:schemeClr val="accent1"/>
+          </a:effectRef>
+          <a:fontRef idx="minor">
+            <a:schemeClr val="tx1"/>
+          </a:fontRef>
+        </p:style>
+      </p:cxnSp>
+      <p:cxnSp>
+        <p:nvCxnSpPr>
+          <p:cNvPr id="38" name="직선 화살표 연결선 37"/>
+          <p:cNvCxnSpPr>
+            <a:stCxn id="34" idx="2"/>
+            <a:endCxn id="35" idx="0"/>
+          </p:cNvCxnSpPr>
+          <p:nvPr/>
+        </p:nvCxnSpPr>
+        <p:spPr>
+          <a:xfrm flipH="1">
+            <a:off x="3345217" y="2671430"/>
+            <a:ext cx="1860" cy="375533"/>
+          </a:xfrm>
+          <a:prstGeom prst="straightConnector1">
+            <a:avLst/>
+          </a:prstGeom>
+          <a:ln w="28575">
+            <a:solidFill>
+              <a:schemeClr val="tx1">
+                <a:lumMod val="85000"/>
+                <a:lumOff val="15000"/>
+              </a:schemeClr>
+            </a:solidFill>
+            <a:tailEnd type="arrow"/>
+          </a:ln>
+        </p:spPr>
+        <p:style>
+          <a:lnRef idx="1">
+            <a:schemeClr val="accent1"/>
+          </a:lnRef>
+          <a:fillRef idx="0">
+            <a:schemeClr val="accent1"/>
+          </a:fillRef>
+          <a:effectRef idx="0">
+            <a:schemeClr val="accent1"/>
+          </a:effectRef>
+          <a:fontRef idx="minor">
+            <a:schemeClr val="tx1"/>
+          </a:fontRef>
+        </p:style>
+      </p:cxnSp>
+      <p:sp>
+        <p:nvSpPr>
+          <p:cNvPr id="39" name="TextBox 38"/>
+          <p:cNvSpPr txBox="1"/>
+          <p:nvPr/>
+        </p:nvSpPr>
+        <p:spPr>
+          <a:xfrm>
+            <a:off x="5738985" y="3870011"/>
+            <a:ext cx="1863865" cy="276999"/>
+          </a:xfrm>
+          <a:prstGeom prst="rect">
+            <a:avLst/>
+          </a:prstGeom>
+          <a:noFill/>
+        </p:spPr>
+        <p:txBody>
+          <a:bodyPr wrap="square" rtlCol="0">
+            <a:spAutoFit/>
+          </a:bodyPr>
+          <a:lstStyle/>
+          <a:p>
+            <a:pPr algn="ctr"/>
+            <a:r>
+              <a:rPr lang="en-US" altLang="ko-KR" sz="1200" dirty="0" smtClean="0"/>
+              <a:t>&lt;</a:t>
+            </a:r>
+            <a:r>
+              <a:rPr lang="ko-KR" altLang="en-US" sz="1200" dirty="0" err="1" smtClean="0"/>
+              <a:t>커밋</a:t>
+            </a:r>
+            <a:r>
+              <a:rPr lang="ko-KR" altLang="en-US" sz="1200" dirty="0" smtClean="0"/>
+              <a:t> 후 병합 후</a:t>
+            </a:r>
+            <a:r>
+              <a:rPr lang="en-US" altLang="ko-KR" sz="1200" dirty="0" smtClean="0"/>
+              <a:t>&gt;</a:t>
+            </a:r>
+            <a:endParaRPr lang="ko-KR" altLang="en-US" sz="1200" dirty="0"/>
+          </a:p>
+        </p:txBody>
+      </p:sp>
+      <p:cxnSp>
+        <p:nvCxnSpPr>
+          <p:cNvPr id="41" name="직선 연결선 40"/>
+          <p:cNvCxnSpPr/>
+          <p:nvPr/>
+        </p:nvCxnSpPr>
+        <p:spPr>
+          <a:xfrm>
+            <a:off x="4211960" y="0"/>
+            <a:ext cx="0" cy="6858000"/>
+          </a:xfrm>
+          <a:prstGeom prst="line">
+            <a:avLst/>
+          </a:prstGeom>
+          <a:ln>
+            <a:solidFill>
+              <a:schemeClr val="tx1"/>
+            </a:solidFill>
+          </a:ln>
+        </p:spPr>
+        <p:style>
+          <a:lnRef idx="1">
+            <a:schemeClr val="accent1"/>
+          </a:lnRef>
+          <a:fillRef idx="0">
+            <a:schemeClr val="accent1"/>
+          </a:fillRef>
+          <a:effectRef idx="0">
+            <a:schemeClr val="accent1"/>
+          </a:effectRef>
+          <a:fontRef idx="minor">
+            <a:schemeClr val="tx1"/>
+          </a:fontRef>
+        </p:style>
+      </p:cxnSp>
+      <p:sp>
+        <p:nvSpPr>
+          <p:cNvPr id="42" name="모서리가 둥근 직사각형 41"/>
+          <p:cNvSpPr/>
+          <p:nvPr/>
+        </p:nvSpPr>
+        <p:spPr>
+          <a:xfrm>
+            <a:off x="2708844" y="1174383"/>
+            <a:ext cx="1290849" cy="576808"/>
+          </a:xfrm>
+          <a:prstGeom prst="roundRect">
+            <a:avLst/>
+          </a:prstGeom>
+          <a:solidFill>
+            <a:srgbClr val="00B050"/>
+          </a:solidFill>
+          <a:ln>
+            <a:solidFill>
+              <a:schemeClr val="tx1">
+                <a:lumMod val="85000"/>
+                <a:lumOff val="15000"/>
+              </a:schemeClr>
+            </a:solidFill>
+          </a:ln>
+        </p:spPr>
+        <p:style>
+          <a:lnRef idx="2">
+            <a:schemeClr val="accent1">
+              <a:shade val="50000"/>
+            </a:schemeClr>
+          </a:lnRef>
+          <a:fillRef idx="1">
+            <a:schemeClr val="accent1"/>
+          </a:fillRef>
+          <a:effectRef idx="0">
+            <a:schemeClr val="accent1"/>
+          </a:effectRef>
+          <a:fontRef idx="minor">
+            <a:schemeClr val="lt1"/>
+          </a:fontRef>
+        </p:style>
+        <p:txBody>
+          <a:bodyPr rtlCol="0" anchor="ctr"/>
+          <a:lstStyle/>
+          <a:p>
+            <a:pPr algn="ctr"/>
+            <a:r>
+              <a:rPr lang="ko-KR" altLang="en-US" sz="1400" dirty="0" err="1" smtClean="0"/>
+              <a:t>커밋</a:t>
+            </a:r>
+            <a:r>
+              <a:rPr lang="en-US" altLang="ko-KR" sz="1400" dirty="0"/>
+              <a:t>3</a:t>
+            </a:r>
+            <a:endParaRPr lang="ko-KR" altLang="en-US" sz="1400" dirty="0"/>
+          </a:p>
+        </p:txBody>
+      </p:sp>
+      <p:cxnSp>
+        <p:nvCxnSpPr>
+          <p:cNvPr id="49" name="직선 화살표 연결선 48"/>
+          <p:cNvCxnSpPr>
+            <a:stCxn id="42" idx="2"/>
+            <a:endCxn id="34" idx="0"/>
+          </p:cNvCxnSpPr>
+          <p:nvPr/>
+        </p:nvCxnSpPr>
+        <p:spPr>
+          <a:xfrm flipH="1">
+            <a:off x="3347077" y="1751191"/>
+            <a:ext cx="7192" cy="343431"/>
+          </a:xfrm>
+          <a:prstGeom prst="straightConnector1">
+            <a:avLst/>
+          </a:prstGeom>
+          <a:ln w="28575">
+            <a:solidFill>
+              <a:schemeClr val="tx1">
+                <a:lumMod val="85000"/>
+                <a:lumOff val="15000"/>
+              </a:schemeClr>
+            </a:solidFill>
+            <a:tailEnd type="arrow"/>
+          </a:ln>
+        </p:spPr>
+        <p:style>
+          <a:lnRef idx="1">
+            <a:schemeClr val="accent1"/>
+          </a:lnRef>
+          <a:fillRef idx="0">
+            <a:schemeClr val="accent1"/>
+          </a:fillRef>
+          <a:effectRef idx="0">
+            <a:schemeClr val="accent1"/>
+          </a:effectRef>
+          <a:fontRef idx="minor">
+            <a:schemeClr val="tx1"/>
+          </a:fontRef>
+        </p:style>
+      </p:cxnSp>
+      <p:sp>
+        <p:nvSpPr>
+          <p:cNvPr id="22" name="모서리가 둥근 직사각형 21"/>
+          <p:cNvSpPr/>
+          <p:nvPr/>
+        </p:nvSpPr>
+        <p:spPr>
+          <a:xfrm>
+            <a:off x="4710721" y="1625347"/>
+            <a:ext cx="1290849" cy="576808"/>
+          </a:xfrm>
+          <a:prstGeom prst="roundRect">
+            <a:avLst/>
+          </a:prstGeom>
+          <a:solidFill>
+            <a:srgbClr val="FF0000"/>
+          </a:solidFill>
+          <a:ln>
+            <a:solidFill>
+              <a:srgbClr val="FF0000"/>
+            </a:solidFill>
+          </a:ln>
+        </p:spPr>
+        <p:style>
+          <a:lnRef idx="2">
+            <a:schemeClr val="accent1">
+              <a:shade val="50000"/>
+            </a:schemeClr>
+          </a:lnRef>
+          <a:fillRef idx="1">
+            <a:schemeClr val="accent1"/>
+          </a:fillRef>
+          <a:effectRef idx="0">
+            <a:schemeClr val="accent1"/>
+          </a:effectRef>
+          <a:fontRef idx="minor">
+            <a:schemeClr val="lt1"/>
+          </a:fontRef>
+        </p:style>
+        <p:txBody>
+          <a:bodyPr rtlCol="0" anchor="ctr"/>
+          <a:lstStyle/>
+          <a:p>
+            <a:pPr algn="ctr"/>
+            <a:r>
+              <a:rPr lang="en-US" altLang="ko-KR" sz="1400" dirty="0" smtClean="0"/>
+              <a:t>master *</a:t>
+            </a:r>
+            <a:endParaRPr lang="ko-KR" altLang="en-US" sz="1400" dirty="0"/>
+          </a:p>
+        </p:txBody>
+      </p:sp>
+      <p:sp>
+        <p:nvSpPr>
+          <p:cNvPr id="23" name="모서리가 둥근 직사각형 22"/>
+          <p:cNvSpPr/>
+          <p:nvPr/>
+        </p:nvSpPr>
+        <p:spPr>
+          <a:xfrm>
+            <a:off x="4710721" y="597575"/>
+            <a:ext cx="1290849" cy="576808"/>
+          </a:xfrm>
+          <a:prstGeom prst="roundRect">
+            <a:avLst/>
+          </a:prstGeom>
+          <a:ln>
+            <a:solidFill>
+              <a:srgbClr val="0070C0"/>
+            </a:solidFill>
+          </a:ln>
+        </p:spPr>
+        <p:style>
+          <a:lnRef idx="2">
+            <a:schemeClr val="accent1">
+              <a:shade val="50000"/>
+            </a:schemeClr>
+          </a:lnRef>
+          <a:fillRef idx="1">
+            <a:schemeClr val="accent1"/>
+          </a:fillRef>
+          <a:effectRef idx="0">
+            <a:schemeClr val="accent1"/>
+          </a:effectRef>
+          <a:fontRef idx="minor">
+            <a:schemeClr val="lt1"/>
+          </a:fontRef>
+        </p:style>
+        <p:txBody>
+          <a:bodyPr rtlCol="0" anchor="ctr"/>
+          <a:lstStyle/>
+          <a:p>
+            <a:pPr algn="ctr"/>
+            <a:r>
+              <a:rPr lang="en-US" altLang="ko-KR" sz="1400" dirty="0"/>
+              <a:t>m</a:t>
+            </a:r>
+            <a:r>
+              <a:rPr lang="en-US" altLang="ko-KR" sz="1400" dirty="0" smtClean="0"/>
+              <a:t>ybranch1</a:t>
+            </a:r>
+          </a:p>
+        </p:txBody>
+      </p:sp>
+      <p:sp>
+        <p:nvSpPr>
+          <p:cNvPr id="24" name="모서리가 둥근 직사각형 23"/>
+          <p:cNvSpPr/>
+          <p:nvPr/>
+        </p:nvSpPr>
+        <p:spPr>
+          <a:xfrm>
+            <a:off x="7238156" y="2094622"/>
+            <a:ext cx="1290849" cy="576808"/>
+          </a:xfrm>
+          <a:prstGeom prst="roundRect">
+            <a:avLst/>
+          </a:prstGeom>
+          <a:solidFill>
+            <a:srgbClr val="00B050"/>
+          </a:solidFill>
+          <a:ln>
+            <a:solidFill>
+              <a:schemeClr val="tx1">
+                <a:lumMod val="85000"/>
+                <a:lumOff val="15000"/>
+              </a:schemeClr>
+            </a:solidFill>
+          </a:ln>
+        </p:spPr>
+        <p:style>
+          <a:lnRef idx="2">
+            <a:schemeClr val="accent1">
+              <a:shade val="50000"/>
+            </a:schemeClr>
+          </a:lnRef>
+          <a:fillRef idx="1">
+            <a:schemeClr val="accent1"/>
+          </a:fillRef>
+          <a:effectRef idx="0">
+            <a:schemeClr val="accent1"/>
+          </a:effectRef>
+          <a:fontRef idx="minor">
+            <a:schemeClr val="lt1"/>
+          </a:fontRef>
+        </p:style>
+        <p:txBody>
+          <a:bodyPr rtlCol="0" anchor="ctr"/>
+          <a:lstStyle/>
+          <a:p>
+            <a:pPr algn="ctr"/>
+            <a:r>
+              <a:rPr lang="ko-KR" altLang="en-US" sz="1400" dirty="0" err="1" smtClean="0"/>
+              <a:t>커밋</a:t>
+            </a:r>
+            <a:r>
+              <a:rPr lang="en-US" altLang="ko-KR" sz="1400" dirty="0" smtClean="0"/>
+              <a:t>2</a:t>
+            </a:r>
+            <a:endParaRPr lang="ko-KR" altLang="en-US" sz="1400" dirty="0"/>
+          </a:p>
+        </p:txBody>
+      </p:sp>
+      <p:sp>
+        <p:nvSpPr>
+          <p:cNvPr id="25" name="모서리가 둥근 직사각형 24"/>
+          <p:cNvSpPr/>
+          <p:nvPr/>
+        </p:nvSpPr>
+        <p:spPr>
+          <a:xfrm>
+            <a:off x="7236296" y="3046963"/>
+            <a:ext cx="1290849" cy="576808"/>
+          </a:xfrm>
+          <a:prstGeom prst="roundRect">
+            <a:avLst/>
+          </a:prstGeom>
+          <a:solidFill>
+            <a:srgbClr val="00B050"/>
+          </a:solidFill>
+          <a:ln>
+            <a:solidFill>
+              <a:schemeClr val="tx1">
+                <a:lumMod val="85000"/>
+                <a:lumOff val="15000"/>
+              </a:schemeClr>
+            </a:solidFill>
+          </a:ln>
+        </p:spPr>
+        <p:style>
+          <a:lnRef idx="2">
+            <a:schemeClr val="accent1">
+              <a:shade val="50000"/>
+            </a:schemeClr>
+          </a:lnRef>
+          <a:fillRef idx="1">
+            <a:schemeClr val="accent1"/>
+          </a:fillRef>
+          <a:effectRef idx="0">
+            <a:schemeClr val="accent1"/>
+          </a:effectRef>
+          <a:fontRef idx="minor">
+            <a:schemeClr val="lt1"/>
+          </a:fontRef>
+        </p:style>
+        <p:txBody>
+          <a:bodyPr rtlCol="0" anchor="ctr"/>
+          <a:lstStyle/>
+          <a:p>
+            <a:pPr algn="ctr"/>
+            <a:r>
+              <a:rPr lang="ko-KR" altLang="en-US" sz="1400" dirty="0" err="1" smtClean="0"/>
+              <a:t>커밋</a:t>
+            </a:r>
+            <a:r>
+              <a:rPr lang="en-US" altLang="ko-KR" sz="1400" dirty="0"/>
+              <a:t>1</a:t>
+            </a:r>
+            <a:endParaRPr lang="ko-KR" altLang="en-US" sz="1400" dirty="0"/>
+          </a:p>
+        </p:txBody>
+      </p:sp>
+      <p:cxnSp>
+        <p:nvCxnSpPr>
+          <p:cNvPr id="26" name="직선 연결선 25"/>
+          <p:cNvCxnSpPr>
+            <a:stCxn id="23" idx="3"/>
+            <a:endCxn id="40" idx="1"/>
+          </p:cNvCxnSpPr>
+          <p:nvPr/>
+        </p:nvCxnSpPr>
+        <p:spPr>
+          <a:xfrm flipV="1">
+            <a:off x="6001570" y="549052"/>
+            <a:ext cx="1250184" cy="336927"/>
+          </a:xfrm>
+          <a:prstGeom prst="line">
+            <a:avLst/>
+          </a:prstGeom>
+          <a:ln w="28575">
+            <a:solidFill>
+              <a:srgbClr val="FF0000"/>
+            </a:solidFill>
+          </a:ln>
+        </p:spPr>
+        <p:style>
+          <a:lnRef idx="1">
+            <a:schemeClr val="accent1"/>
+          </a:lnRef>
+          <a:fillRef idx="0">
+            <a:schemeClr val="accent1"/>
+          </a:fillRef>
+          <a:effectRef idx="0">
+            <a:schemeClr val="accent1"/>
+          </a:effectRef>
+          <a:fontRef idx="minor">
+            <a:schemeClr val="tx1"/>
+          </a:fontRef>
+        </p:style>
+      </p:cxnSp>
+      <p:cxnSp>
+        <p:nvCxnSpPr>
+          <p:cNvPr id="27" name="직선 연결선 26"/>
+          <p:cNvCxnSpPr>
+            <a:stCxn id="22" idx="3"/>
+            <a:endCxn id="40" idx="1"/>
+          </p:cNvCxnSpPr>
+          <p:nvPr/>
+        </p:nvCxnSpPr>
+        <p:spPr>
+          <a:xfrm flipV="1">
+            <a:off x="6001570" y="549052"/>
+            <a:ext cx="1250184" cy="1364699"/>
+          </a:xfrm>
+          <a:prstGeom prst="line">
+            <a:avLst/>
+          </a:prstGeom>
+          <a:ln w="28575">
+            <a:solidFill>
+              <a:srgbClr val="FF0000"/>
+            </a:solidFill>
+          </a:ln>
+        </p:spPr>
+        <p:style>
+          <a:lnRef idx="1">
+            <a:schemeClr val="accent1"/>
+          </a:lnRef>
+          <a:fillRef idx="0">
+            <a:schemeClr val="accent1"/>
+          </a:fillRef>
+          <a:effectRef idx="0">
+            <a:schemeClr val="accent1"/>
+          </a:effectRef>
+          <a:fontRef idx="minor">
+            <a:schemeClr val="tx1"/>
+          </a:fontRef>
+        </p:style>
+      </p:cxnSp>
+      <p:cxnSp>
+        <p:nvCxnSpPr>
+          <p:cNvPr id="28" name="직선 화살표 연결선 27"/>
+          <p:cNvCxnSpPr>
+            <a:stCxn id="24" idx="2"/>
+            <a:endCxn id="25" idx="0"/>
+          </p:cNvCxnSpPr>
+          <p:nvPr/>
+        </p:nvCxnSpPr>
+        <p:spPr>
+          <a:xfrm flipH="1">
+            <a:off x="7881721" y="2671430"/>
+            <a:ext cx="1860" cy="375533"/>
+          </a:xfrm>
+          <a:prstGeom prst="straightConnector1">
+            <a:avLst/>
+          </a:prstGeom>
+          <a:ln w="28575">
+            <a:solidFill>
+              <a:schemeClr val="tx1">
+                <a:lumMod val="85000"/>
+                <a:lumOff val="15000"/>
+              </a:schemeClr>
+            </a:solidFill>
+            <a:tailEnd type="arrow"/>
+          </a:ln>
+        </p:spPr>
+        <p:style>
+          <a:lnRef idx="1">
+            <a:schemeClr val="accent1"/>
+          </a:lnRef>
+          <a:fillRef idx="0">
+            <a:schemeClr val="accent1"/>
+          </a:fillRef>
+          <a:effectRef idx="0">
+            <a:schemeClr val="accent1"/>
+          </a:effectRef>
+          <a:fontRef idx="minor">
+            <a:schemeClr val="tx1"/>
+          </a:fontRef>
+        </p:style>
+      </p:cxnSp>
+      <p:sp>
+        <p:nvSpPr>
+          <p:cNvPr id="29" name="모서리가 둥근 직사각형 28"/>
+          <p:cNvSpPr/>
+          <p:nvPr/>
+        </p:nvSpPr>
+        <p:spPr>
+          <a:xfrm>
+            <a:off x="7245348" y="1174383"/>
+            <a:ext cx="1290849" cy="576808"/>
+          </a:xfrm>
+          <a:prstGeom prst="roundRect">
+            <a:avLst/>
+          </a:prstGeom>
+          <a:solidFill>
+            <a:srgbClr val="00B050"/>
+          </a:solidFill>
+          <a:ln>
+            <a:solidFill>
+              <a:schemeClr val="tx1">
+                <a:lumMod val="85000"/>
+                <a:lumOff val="15000"/>
+              </a:schemeClr>
+            </a:solidFill>
+          </a:ln>
+        </p:spPr>
+        <p:style>
+          <a:lnRef idx="2">
+            <a:schemeClr val="accent1">
+              <a:shade val="50000"/>
+            </a:schemeClr>
+          </a:lnRef>
+          <a:fillRef idx="1">
+            <a:schemeClr val="accent1"/>
+          </a:fillRef>
+          <a:effectRef idx="0">
+            <a:schemeClr val="accent1"/>
+          </a:effectRef>
+          <a:fontRef idx="minor">
+            <a:schemeClr val="lt1"/>
+          </a:fontRef>
+        </p:style>
+        <p:txBody>
+          <a:bodyPr rtlCol="0" anchor="ctr"/>
+          <a:lstStyle/>
+          <a:p>
+            <a:pPr algn="ctr"/>
+            <a:r>
+              <a:rPr lang="ko-KR" altLang="en-US" sz="1400" dirty="0" err="1" smtClean="0"/>
+              <a:t>커밋</a:t>
+            </a:r>
+            <a:r>
+              <a:rPr lang="en-US" altLang="ko-KR" sz="1400" dirty="0"/>
+              <a:t>3</a:t>
+            </a:r>
+            <a:endParaRPr lang="ko-KR" altLang="en-US" sz="1400" dirty="0"/>
+          </a:p>
+        </p:txBody>
+      </p:sp>
+      <p:cxnSp>
+        <p:nvCxnSpPr>
+          <p:cNvPr id="30" name="직선 화살표 연결선 29"/>
+          <p:cNvCxnSpPr>
+            <a:stCxn id="29" idx="2"/>
+            <a:endCxn id="24" idx="0"/>
+          </p:cNvCxnSpPr>
+          <p:nvPr/>
+        </p:nvCxnSpPr>
+        <p:spPr>
+          <a:xfrm flipH="1">
+            <a:off x="7883581" y="1751191"/>
+            <a:ext cx="7192" cy="343431"/>
+          </a:xfrm>
+          <a:prstGeom prst="straightConnector1">
+            <a:avLst/>
+          </a:prstGeom>
+          <a:ln w="28575">
+            <a:solidFill>
+              <a:schemeClr val="tx1">
+                <a:lumMod val="85000"/>
+                <a:lumOff val="15000"/>
+              </a:schemeClr>
+            </a:solidFill>
+            <a:tailEnd type="arrow"/>
+          </a:ln>
+        </p:spPr>
+        <p:style>
+          <a:lnRef idx="1">
+            <a:schemeClr val="accent1"/>
+          </a:lnRef>
+          <a:fillRef idx="0">
+            <a:schemeClr val="accent1"/>
+          </a:fillRef>
+          <a:effectRef idx="0">
+            <a:schemeClr val="accent1"/>
+          </a:effectRef>
+          <a:fontRef idx="minor">
+            <a:schemeClr val="tx1"/>
+          </a:fontRef>
+        </p:style>
+      </p:cxnSp>
+      <p:sp>
+        <p:nvSpPr>
+          <p:cNvPr id="40" name="모서리가 둥근 직사각형 39"/>
+          <p:cNvSpPr/>
+          <p:nvPr/>
+        </p:nvSpPr>
+        <p:spPr>
+          <a:xfrm>
+            <a:off x="7251754" y="260648"/>
+            <a:ext cx="1290849" cy="576808"/>
+          </a:xfrm>
+          <a:prstGeom prst="roundRect">
+            <a:avLst/>
+          </a:prstGeom>
+          <a:solidFill>
+            <a:srgbClr val="00B050"/>
+          </a:solidFill>
+          <a:ln>
+            <a:solidFill>
+              <a:schemeClr val="tx1">
+                <a:lumMod val="85000"/>
+                <a:lumOff val="15000"/>
+              </a:schemeClr>
+            </a:solidFill>
+          </a:ln>
+        </p:spPr>
+        <p:style>
+          <a:lnRef idx="2">
+            <a:schemeClr val="accent1">
+              <a:shade val="50000"/>
+            </a:schemeClr>
+          </a:lnRef>
+          <a:fillRef idx="1">
+            <a:schemeClr val="accent1"/>
+          </a:fillRef>
+          <a:effectRef idx="0">
+            <a:schemeClr val="accent1"/>
+          </a:effectRef>
+          <a:fontRef idx="minor">
+            <a:schemeClr val="lt1"/>
+          </a:fontRef>
+        </p:style>
+        <p:txBody>
+          <a:bodyPr rtlCol="0" anchor="ctr"/>
+          <a:lstStyle/>
+          <a:p>
+            <a:pPr algn="ctr"/>
+            <a:r>
+              <a:rPr lang="ko-KR" altLang="en-US" sz="1400" dirty="0" err="1" smtClean="0"/>
+              <a:t>커밋</a:t>
+            </a:r>
+            <a:r>
+              <a:rPr lang="en-US" altLang="ko-KR" sz="1400" dirty="0" smtClean="0"/>
+              <a:t>4</a:t>
+            </a:r>
+            <a:endParaRPr lang="ko-KR" altLang="en-US" sz="1400" dirty="0"/>
+          </a:p>
+        </p:txBody>
+      </p:sp>
+      <p:cxnSp>
+        <p:nvCxnSpPr>
+          <p:cNvPr id="43" name="직선 화살표 연결선 42"/>
+          <p:cNvCxnSpPr>
+            <a:stCxn id="40" idx="2"/>
+            <a:endCxn id="29" idx="0"/>
+          </p:cNvCxnSpPr>
+          <p:nvPr/>
+        </p:nvCxnSpPr>
+        <p:spPr>
+          <a:xfrm flipH="1">
+            <a:off x="7890773" y="837456"/>
+            <a:ext cx="6406" cy="336927"/>
+          </a:xfrm>
+          <a:prstGeom prst="straightConnector1">
+            <a:avLst/>
+          </a:prstGeom>
+          <a:ln w="28575">
+            <a:solidFill>
+              <a:schemeClr val="tx1">
+                <a:lumMod val="85000"/>
+                <a:lumOff val="15000"/>
+              </a:schemeClr>
+            </a:solidFill>
+            <a:tailEnd type="arrow"/>
+          </a:ln>
+        </p:spPr>
+        <p:style>
+          <a:lnRef idx="1">
+            <a:schemeClr val="accent1"/>
+          </a:lnRef>
+          <a:fillRef idx="0">
+            <a:schemeClr val="accent1"/>
+          </a:fillRef>
+          <a:effectRef idx="0">
+            <a:schemeClr val="accent1"/>
+          </a:effectRef>
+          <a:fontRef idx="minor">
+            <a:schemeClr val="tx1"/>
+          </a:fontRef>
+        </p:style>
+      </p:cxnSp>
+    </p:spTree>
+    <p:extLst>
+      <p:ext uri="{BB962C8B-B14F-4D97-AF65-F5344CB8AC3E}">
+        <p14:creationId xmlns:p14="http://schemas.microsoft.com/office/powerpoint/2010/main" val="1347291789"/>
+      </p:ext>
+    </p:extLst>
+  </p:cSld>
+  <p:clrMapOvr>
+    <a:masterClrMapping/>
+  </p:clrMapOvr>
+  <p:timing>
+    <p:tnLst>
+      <p:par>
+        <p:cTn id="1" dur="indefinite" restart="never" nodeType="tmRoot"/>
+      </p:par>
+    </p:tnLst>
+  </p:timing>
+</p:sld>
+</file>
+
+<file path=ppt/slides/slide18.xml><?xml version="1.0" encoding="utf-8"?>
+<p:sld xmlns:a="http://schemas.openxmlformats.org/drawingml/2006/main" xmlns:r="http://schemas.openxmlformats.org/officeDocument/2006/relationships" xmlns:p="http://schemas.openxmlformats.org/presentationml/2006/main">
+  <p:cSld>
+    <p:spTree>
+      <p:nvGrpSpPr>
+        <p:cNvPr id="1" name=""/>
+        <p:cNvGrpSpPr/>
+        <p:nvPr/>
+      </p:nvGrpSpPr>
+      <p:grpSpPr>
+        <a:xfrm>
+          <a:off x="0" y="0"/>
+          <a:ext cx="0" cy="0"/>
+          <a:chOff x="0" y="0"/>
+          <a:chExt cx="0" cy="0"/>
+        </a:xfrm>
+      </p:grpSpPr>
+      <p:sp>
+        <p:nvSpPr>
+          <p:cNvPr id="15" name="TextBox 14"/>
+          <p:cNvSpPr txBox="1"/>
+          <p:nvPr/>
+        </p:nvSpPr>
+        <p:spPr>
+          <a:xfrm>
+            <a:off x="1043608" y="3870012"/>
+            <a:ext cx="1872208" cy="276999"/>
+          </a:xfrm>
+          <a:prstGeom prst="rect">
+            <a:avLst/>
+          </a:prstGeom>
+          <a:noFill/>
+        </p:spPr>
+        <p:txBody>
+          <a:bodyPr wrap="square" rtlCol="0">
+            <a:spAutoFit/>
+          </a:bodyPr>
+          <a:lstStyle/>
+          <a:p>
+            <a:pPr algn="ctr"/>
+            <a:r>
+              <a:rPr lang="en-US" altLang="ko-KR" sz="1200" smtClean="0"/>
+              <a:t>&lt;hard reset </a:t>
+            </a:r>
+            <a:r>
+              <a:rPr lang="ko-KR" altLang="en-US" sz="1200" dirty="0" smtClean="0"/>
+              <a:t>이전</a:t>
+            </a:r>
+            <a:r>
+              <a:rPr lang="en-US" altLang="ko-KR" sz="1200" dirty="0" smtClean="0"/>
+              <a:t>&gt;</a:t>
+            </a:r>
+            <a:endParaRPr lang="ko-KR" altLang="en-US" sz="1200" dirty="0"/>
+          </a:p>
+        </p:txBody>
+      </p:sp>
+      <p:sp>
+        <p:nvSpPr>
+          <p:cNvPr id="39" name="TextBox 38"/>
+          <p:cNvSpPr txBox="1"/>
+          <p:nvPr/>
+        </p:nvSpPr>
+        <p:spPr>
+          <a:xfrm>
+            <a:off x="5738985" y="3870011"/>
+            <a:ext cx="1863865" cy="276999"/>
+          </a:xfrm>
+          <a:prstGeom prst="rect">
+            <a:avLst/>
+          </a:prstGeom>
+          <a:noFill/>
+        </p:spPr>
+        <p:txBody>
+          <a:bodyPr wrap="square" rtlCol="0">
+            <a:spAutoFit/>
+          </a:bodyPr>
+          <a:lstStyle/>
+          <a:p>
+            <a:pPr algn="ctr"/>
+            <a:r>
+              <a:rPr lang="en-US" altLang="ko-KR" sz="1200" dirty="0" smtClean="0"/>
+              <a:t>&lt;hard reset </a:t>
+            </a:r>
+            <a:r>
+              <a:rPr lang="ko-KR" altLang="en-US" sz="1200" dirty="0" smtClean="0"/>
+              <a:t>이후</a:t>
+            </a:r>
+            <a:r>
+              <a:rPr lang="en-US" altLang="ko-KR" sz="1200" dirty="0" smtClean="0"/>
+              <a:t>&gt;</a:t>
+            </a:r>
+            <a:endParaRPr lang="ko-KR" altLang="en-US" sz="1200" dirty="0"/>
+          </a:p>
+        </p:txBody>
+      </p:sp>
+      <p:cxnSp>
+        <p:nvCxnSpPr>
+          <p:cNvPr id="41" name="직선 연결선 40"/>
+          <p:cNvCxnSpPr/>
+          <p:nvPr/>
+        </p:nvCxnSpPr>
+        <p:spPr>
+          <a:xfrm>
+            <a:off x="4211960" y="0"/>
+            <a:ext cx="0" cy="6858000"/>
+          </a:xfrm>
+          <a:prstGeom prst="line">
+            <a:avLst/>
+          </a:prstGeom>
+          <a:ln>
+            <a:solidFill>
+              <a:schemeClr val="tx1"/>
+            </a:solidFill>
+          </a:ln>
+        </p:spPr>
+        <p:style>
+          <a:lnRef idx="1">
+            <a:schemeClr val="accent1"/>
+          </a:lnRef>
+          <a:fillRef idx="0">
+            <a:schemeClr val="accent1"/>
+          </a:fillRef>
+          <a:effectRef idx="0">
+            <a:schemeClr val="accent1"/>
+          </a:effectRef>
+          <a:fontRef idx="minor">
+            <a:schemeClr val="tx1"/>
+          </a:fontRef>
+        </p:style>
+      </p:cxnSp>
+      <p:sp>
+        <p:nvSpPr>
+          <p:cNvPr id="22" name="모서리가 둥근 직사각형 21"/>
+          <p:cNvSpPr/>
+          <p:nvPr/>
+        </p:nvSpPr>
+        <p:spPr>
+          <a:xfrm>
+            <a:off x="174217" y="1625347"/>
+            <a:ext cx="1290849" cy="576808"/>
+          </a:xfrm>
+          <a:prstGeom prst="roundRect">
+            <a:avLst/>
+          </a:prstGeom>
+          <a:solidFill>
+            <a:srgbClr val="FF0000"/>
+          </a:solidFill>
+          <a:ln>
+            <a:solidFill>
+              <a:srgbClr val="FF0000"/>
+            </a:solidFill>
+          </a:ln>
+        </p:spPr>
+        <p:style>
+          <a:lnRef idx="2">
+            <a:schemeClr val="accent1">
+              <a:shade val="50000"/>
+            </a:schemeClr>
+          </a:lnRef>
+          <a:fillRef idx="1">
+            <a:schemeClr val="accent1"/>
+          </a:fillRef>
+          <a:effectRef idx="0">
+            <a:schemeClr val="accent1"/>
+          </a:effectRef>
+          <a:fontRef idx="minor">
+            <a:schemeClr val="lt1"/>
+          </a:fontRef>
+        </p:style>
+        <p:txBody>
+          <a:bodyPr rtlCol="0" anchor="ctr"/>
+          <a:lstStyle/>
+          <a:p>
+            <a:pPr algn="ctr"/>
+            <a:r>
+              <a:rPr lang="en-US" altLang="ko-KR" sz="1400" dirty="0" smtClean="0"/>
+              <a:t>master *</a:t>
+            </a:r>
+            <a:endParaRPr lang="ko-KR" altLang="en-US" sz="1400" dirty="0"/>
+          </a:p>
+        </p:txBody>
+      </p:sp>
+      <p:sp>
+        <p:nvSpPr>
+          <p:cNvPr id="23" name="모서리가 둥근 직사각형 22"/>
+          <p:cNvSpPr/>
+          <p:nvPr/>
+        </p:nvSpPr>
+        <p:spPr>
+          <a:xfrm>
+            <a:off x="174217" y="597575"/>
+            <a:ext cx="1290849" cy="576808"/>
+          </a:xfrm>
+          <a:prstGeom prst="roundRect">
+            <a:avLst/>
+          </a:prstGeom>
+          <a:ln>
+            <a:solidFill>
+              <a:srgbClr val="0070C0"/>
+            </a:solidFill>
+          </a:ln>
+        </p:spPr>
+        <p:style>
+          <a:lnRef idx="2">
+            <a:schemeClr val="accent1">
+              <a:shade val="50000"/>
+            </a:schemeClr>
+          </a:lnRef>
+          <a:fillRef idx="1">
+            <a:schemeClr val="accent1"/>
+          </a:fillRef>
+          <a:effectRef idx="0">
+            <a:schemeClr val="accent1"/>
+          </a:effectRef>
+          <a:fontRef idx="minor">
+            <a:schemeClr val="lt1"/>
+          </a:fontRef>
+        </p:style>
+        <p:txBody>
+          <a:bodyPr rtlCol="0" anchor="ctr"/>
+          <a:lstStyle/>
+          <a:p>
+            <a:pPr algn="ctr"/>
+            <a:r>
+              <a:rPr lang="en-US" altLang="ko-KR" sz="1400" dirty="0"/>
+              <a:t>m</a:t>
+            </a:r>
+            <a:r>
+              <a:rPr lang="en-US" altLang="ko-KR" sz="1400" dirty="0" smtClean="0"/>
+              <a:t>ybranch1</a:t>
+            </a:r>
+          </a:p>
+        </p:txBody>
+      </p:sp>
+      <p:sp>
+        <p:nvSpPr>
+          <p:cNvPr id="24" name="모서리가 둥근 직사각형 23"/>
+          <p:cNvSpPr/>
+          <p:nvPr/>
+        </p:nvSpPr>
+        <p:spPr>
+          <a:xfrm>
+            <a:off x="2701652" y="2094622"/>
+            <a:ext cx="1290849" cy="576808"/>
+          </a:xfrm>
+          <a:prstGeom prst="roundRect">
+            <a:avLst/>
+          </a:prstGeom>
+          <a:solidFill>
+            <a:srgbClr val="00B050"/>
+          </a:solidFill>
+          <a:ln>
+            <a:solidFill>
+              <a:schemeClr val="tx1">
+                <a:lumMod val="85000"/>
+                <a:lumOff val="15000"/>
+              </a:schemeClr>
+            </a:solidFill>
+          </a:ln>
+        </p:spPr>
+        <p:style>
+          <a:lnRef idx="2">
+            <a:schemeClr val="accent1">
+              <a:shade val="50000"/>
+            </a:schemeClr>
+          </a:lnRef>
+          <a:fillRef idx="1">
+            <a:schemeClr val="accent1"/>
+          </a:fillRef>
+          <a:effectRef idx="0">
+            <a:schemeClr val="accent1"/>
+          </a:effectRef>
+          <a:fontRef idx="minor">
+            <a:schemeClr val="lt1"/>
+          </a:fontRef>
+        </p:style>
+        <p:txBody>
+          <a:bodyPr rtlCol="0" anchor="ctr"/>
+          <a:lstStyle/>
+          <a:p>
+            <a:pPr algn="ctr"/>
+            <a:r>
+              <a:rPr lang="ko-KR" altLang="en-US" sz="1400" dirty="0" err="1" smtClean="0"/>
+              <a:t>커밋</a:t>
+            </a:r>
+            <a:r>
+              <a:rPr lang="en-US" altLang="ko-KR" sz="1400" dirty="0" smtClean="0"/>
+              <a:t>2</a:t>
+            </a:r>
+            <a:endParaRPr lang="ko-KR" altLang="en-US" sz="1400" dirty="0"/>
+          </a:p>
+        </p:txBody>
+      </p:sp>
+      <p:sp>
+        <p:nvSpPr>
+          <p:cNvPr id="25" name="모서리가 둥근 직사각형 24"/>
+          <p:cNvSpPr/>
+          <p:nvPr/>
+        </p:nvSpPr>
+        <p:spPr>
+          <a:xfrm>
+            <a:off x="2699792" y="3046963"/>
+            <a:ext cx="1290849" cy="576808"/>
+          </a:xfrm>
+          <a:prstGeom prst="roundRect">
+            <a:avLst/>
+          </a:prstGeom>
+          <a:solidFill>
+            <a:srgbClr val="00B050"/>
+          </a:solidFill>
+          <a:ln>
+            <a:solidFill>
+              <a:schemeClr val="tx1">
+                <a:lumMod val="85000"/>
+                <a:lumOff val="15000"/>
+              </a:schemeClr>
+            </a:solidFill>
+          </a:ln>
+        </p:spPr>
+        <p:style>
+          <a:lnRef idx="2">
+            <a:schemeClr val="accent1">
+              <a:shade val="50000"/>
+            </a:schemeClr>
+          </a:lnRef>
+          <a:fillRef idx="1">
+            <a:schemeClr val="accent1"/>
+          </a:fillRef>
+          <a:effectRef idx="0">
+            <a:schemeClr val="accent1"/>
+          </a:effectRef>
+          <a:fontRef idx="minor">
+            <a:schemeClr val="lt1"/>
+          </a:fontRef>
+        </p:style>
+        <p:txBody>
+          <a:bodyPr rtlCol="0" anchor="ctr"/>
+          <a:lstStyle/>
+          <a:p>
+            <a:pPr algn="ctr"/>
+            <a:r>
+              <a:rPr lang="ko-KR" altLang="en-US" sz="1400" dirty="0" err="1" smtClean="0"/>
+              <a:t>커밋</a:t>
+            </a:r>
+            <a:r>
+              <a:rPr lang="en-US" altLang="ko-KR" sz="1400" dirty="0"/>
+              <a:t>1</a:t>
+            </a:r>
+            <a:endParaRPr lang="ko-KR" altLang="en-US" sz="1400" dirty="0"/>
+          </a:p>
+        </p:txBody>
+      </p:sp>
+      <p:cxnSp>
+        <p:nvCxnSpPr>
+          <p:cNvPr id="26" name="직선 연결선 25"/>
+          <p:cNvCxnSpPr>
+            <a:stCxn id="23" idx="3"/>
+            <a:endCxn id="40" idx="1"/>
+          </p:cNvCxnSpPr>
+          <p:nvPr/>
+        </p:nvCxnSpPr>
+        <p:spPr>
+          <a:xfrm flipV="1">
+            <a:off x="1465066" y="549052"/>
+            <a:ext cx="1250184" cy="336927"/>
+          </a:xfrm>
+          <a:prstGeom prst="line">
+            <a:avLst/>
+          </a:prstGeom>
+          <a:ln w="28575">
+            <a:solidFill>
+              <a:srgbClr val="FF0000"/>
+            </a:solidFill>
+          </a:ln>
+        </p:spPr>
+        <p:style>
+          <a:lnRef idx="1">
+            <a:schemeClr val="accent1"/>
+          </a:lnRef>
+          <a:fillRef idx="0">
+            <a:schemeClr val="accent1"/>
+          </a:fillRef>
+          <a:effectRef idx="0">
+            <a:schemeClr val="accent1"/>
+          </a:effectRef>
+          <a:fontRef idx="minor">
+            <a:schemeClr val="tx1"/>
+          </a:fontRef>
+        </p:style>
+      </p:cxnSp>
+      <p:cxnSp>
+        <p:nvCxnSpPr>
+          <p:cNvPr id="27" name="직선 연결선 26"/>
+          <p:cNvCxnSpPr>
+            <a:stCxn id="22" idx="3"/>
+            <a:endCxn id="40" idx="1"/>
+          </p:cNvCxnSpPr>
+          <p:nvPr/>
+        </p:nvCxnSpPr>
+        <p:spPr>
+          <a:xfrm flipV="1">
+            <a:off x="1465066" y="549052"/>
+            <a:ext cx="1250184" cy="1364699"/>
+          </a:xfrm>
+          <a:prstGeom prst="line">
+            <a:avLst/>
+          </a:prstGeom>
+          <a:ln w="28575">
+            <a:solidFill>
+              <a:srgbClr val="FF0000"/>
+            </a:solidFill>
+          </a:ln>
+        </p:spPr>
+        <p:style>
+          <a:lnRef idx="1">
+            <a:schemeClr val="accent1"/>
+          </a:lnRef>
+          <a:fillRef idx="0">
+            <a:schemeClr val="accent1"/>
+          </a:fillRef>
+          <a:effectRef idx="0">
+            <a:schemeClr val="accent1"/>
+          </a:effectRef>
+          <a:fontRef idx="minor">
+            <a:schemeClr val="tx1"/>
+          </a:fontRef>
+        </p:style>
+      </p:cxnSp>
+      <p:cxnSp>
+        <p:nvCxnSpPr>
+          <p:cNvPr id="28" name="직선 화살표 연결선 27"/>
+          <p:cNvCxnSpPr>
+            <a:stCxn id="24" idx="2"/>
+            <a:endCxn id="25" idx="0"/>
+          </p:cNvCxnSpPr>
+          <p:nvPr/>
+        </p:nvCxnSpPr>
+        <p:spPr>
+          <a:xfrm flipH="1">
+            <a:off x="3345217" y="2671430"/>
+            <a:ext cx="1860" cy="375533"/>
+          </a:xfrm>
+          <a:prstGeom prst="straightConnector1">
+            <a:avLst/>
+          </a:prstGeom>
+          <a:ln w="28575">
+            <a:solidFill>
+              <a:schemeClr val="tx1">
+                <a:lumMod val="85000"/>
+                <a:lumOff val="15000"/>
+              </a:schemeClr>
+            </a:solidFill>
+            <a:tailEnd type="arrow"/>
+          </a:ln>
+        </p:spPr>
+        <p:style>
+          <a:lnRef idx="1">
+            <a:schemeClr val="accent1"/>
+          </a:lnRef>
+          <a:fillRef idx="0">
+            <a:schemeClr val="accent1"/>
+          </a:fillRef>
+          <a:effectRef idx="0">
+            <a:schemeClr val="accent1"/>
+          </a:effectRef>
+          <a:fontRef idx="minor">
+            <a:schemeClr val="tx1"/>
+          </a:fontRef>
+        </p:style>
+      </p:cxnSp>
+      <p:sp>
+        <p:nvSpPr>
+          <p:cNvPr id="29" name="모서리가 둥근 직사각형 28"/>
+          <p:cNvSpPr/>
+          <p:nvPr/>
+        </p:nvSpPr>
+        <p:spPr>
+          <a:xfrm>
+            <a:off x="2708844" y="1174383"/>
+            <a:ext cx="1290849" cy="576808"/>
+          </a:xfrm>
+          <a:prstGeom prst="roundRect">
+            <a:avLst/>
+          </a:prstGeom>
+          <a:solidFill>
+            <a:srgbClr val="00B050"/>
+          </a:solidFill>
+          <a:ln>
+            <a:solidFill>
+              <a:schemeClr val="tx1">
+                <a:lumMod val="85000"/>
+                <a:lumOff val="15000"/>
+              </a:schemeClr>
+            </a:solidFill>
+          </a:ln>
+        </p:spPr>
+        <p:style>
+          <a:lnRef idx="2">
+            <a:schemeClr val="accent1">
+              <a:shade val="50000"/>
+            </a:schemeClr>
+          </a:lnRef>
+          <a:fillRef idx="1">
+            <a:schemeClr val="accent1"/>
+          </a:fillRef>
+          <a:effectRef idx="0">
+            <a:schemeClr val="accent1"/>
+          </a:effectRef>
+          <a:fontRef idx="minor">
+            <a:schemeClr val="lt1"/>
+          </a:fontRef>
+        </p:style>
+        <p:txBody>
+          <a:bodyPr rtlCol="0" anchor="ctr"/>
+          <a:lstStyle/>
+          <a:p>
+            <a:pPr algn="ctr"/>
+            <a:r>
+              <a:rPr lang="ko-KR" altLang="en-US" sz="1400" dirty="0" err="1" smtClean="0"/>
+              <a:t>커밋</a:t>
+            </a:r>
+            <a:r>
+              <a:rPr lang="en-US" altLang="ko-KR" sz="1400" dirty="0"/>
+              <a:t>3</a:t>
+            </a:r>
+            <a:endParaRPr lang="ko-KR" altLang="en-US" sz="1400" dirty="0"/>
+          </a:p>
+        </p:txBody>
+      </p:sp>
+      <p:cxnSp>
+        <p:nvCxnSpPr>
+          <p:cNvPr id="30" name="직선 화살표 연결선 29"/>
+          <p:cNvCxnSpPr>
+            <a:stCxn id="29" idx="2"/>
+            <a:endCxn id="24" idx="0"/>
+          </p:cNvCxnSpPr>
+          <p:nvPr/>
+        </p:nvCxnSpPr>
+        <p:spPr>
+          <a:xfrm flipH="1">
+            <a:off x="3347077" y="1751191"/>
+            <a:ext cx="7192" cy="343431"/>
+          </a:xfrm>
+          <a:prstGeom prst="straightConnector1">
+            <a:avLst/>
+          </a:prstGeom>
+          <a:ln w="28575">
+            <a:solidFill>
+              <a:schemeClr val="tx1">
+                <a:lumMod val="85000"/>
+                <a:lumOff val="15000"/>
+              </a:schemeClr>
+            </a:solidFill>
+            <a:tailEnd type="arrow"/>
+          </a:ln>
+        </p:spPr>
+        <p:style>
+          <a:lnRef idx="1">
+            <a:schemeClr val="accent1"/>
+          </a:lnRef>
+          <a:fillRef idx="0">
+            <a:schemeClr val="accent1"/>
+          </a:fillRef>
+          <a:effectRef idx="0">
+            <a:schemeClr val="accent1"/>
+          </a:effectRef>
+          <a:fontRef idx="minor">
+            <a:schemeClr val="tx1"/>
+          </a:fontRef>
+        </p:style>
+      </p:cxnSp>
+      <p:sp>
+        <p:nvSpPr>
+          <p:cNvPr id="40" name="모서리가 둥근 직사각형 39"/>
+          <p:cNvSpPr/>
+          <p:nvPr/>
+        </p:nvSpPr>
+        <p:spPr>
+          <a:xfrm>
+            <a:off x="2715250" y="260648"/>
+            <a:ext cx="1290849" cy="576808"/>
+          </a:xfrm>
+          <a:prstGeom prst="roundRect">
+            <a:avLst/>
+          </a:prstGeom>
+          <a:solidFill>
+            <a:srgbClr val="00B050"/>
+          </a:solidFill>
+          <a:ln>
+            <a:solidFill>
+              <a:schemeClr val="tx1">
+                <a:lumMod val="85000"/>
+                <a:lumOff val="15000"/>
+              </a:schemeClr>
+            </a:solidFill>
+          </a:ln>
+        </p:spPr>
+        <p:style>
+          <a:lnRef idx="2">
+            <a:schemeClr val="accent1">
+              <a:shade val="50000"/>
+            </a:schemeClr>
+          </a:lnRef>
+          <a:fillRef idx="1">
+            <a:schemeClr val="accent1"/>
+          </a:fillRef>
+          <a:effectRef idx="0">
+            <a:schemeClr val="accent1"/>
+          </a:effectRef>
+          <a:fontRef idx="minor">
+            <a:schemeClr val="lt1"/>
+          </a:fontRef>
+        </p:style>
+        <p:txBody>
+          <a:bodyPr rtlCol="0" anchor="ctr"/>
+          <a:lstStyle/>
+          <a:p>
+            <a:pPr algn="ctr"/>
+            <a:r>
+              <a:rPr lang="ko-KR" altLang="en-US" sz="1400" dirty="0" err="1" smtClean="0"/>
+              <a:t>커밋</a:t>
+            </a:r>
+            <a:r>
+              <a:rPr lang="en-US" altLang="ko-KR" sz="1400" dirty="0" smtClean="0"/>
+              <a:t>4</a:t>
+            </a:r>
+            <a:endParaRPr lang="ko-KR" altLang="en-US" sz="1400" dirty="0"/>
+          </a:p>
+        </p:txBody>
+      </p:sp>
+      <p:cxnSp>
+        <p:nvCxnSpPr>
+          <p:cNvPr id="43" name="직선 화살표 연결선 42"/>
+          <p:cNvCxnSpPr>
+            <a:stCxn id="40" idx="2"/>
+            <a:endCxn id="29" idx="0"/>
+          </p:cNvCxnSpPr>
+          <p:nvPr/>
+        </p:nvCxnSpPr>
+        <p:spPr>
+          <a:xfrm flipH="1">
+            <a:off x="3354269" y="837456"/>
+            <a:ext cx="6406" cy="336927"/>
+          </a:xfrm>
+          <a:prstGeom prst="straightConnector1">
+            <a:avLst/>
+          </a:prstGeom>
+          <a:ln w="28575">
+            <a:solidFill>
+              <a:schemeClr val="tx1">
+                <a:lumMod val="85000"/>
+                <a:lumOff val="15000"/>
+              </a:schemeClr>
+            </a:solidFill>
+            <a:tailEnd type="arrow"/>
+          </a:ln>
+        </p:spPr>
+        <p:style>
+          <a:lnRef idx="1">
+            <a:schemeClr val="accent1"/>
+          </a:lnRef>
+          <a:fillRef idx="0">
+            <a:schemeClr val="accent1"/>
+          </a:fillRef>
+          <a:effectRef idx="0">
+            <a:schemeClr val="accent1"/>
+          </a:effectRef>
+          <a:fontRef idx="minor">
+            <a:schemeClr val="tx1"/>
+          </a:fontRef>
+        </p:style>
+      </p:cxnSp>
+      <p:sp>
+        <p:nvSpPr>
+          <p:cNvPr id="31" name="모서리가 둥근 직사각형 30"/>
+          <p:cNvSpPr/>
+          <p:nvPr/>
+        </p:nvSpPr>
+        <p:spPr>
+          <a:xfrm>
+            <a:off x="4710721" y="1806218"/>
+            <a:ext cx="1290849" cy="576808"/>
+          </a:xfrm>
+          <a:prstGeom prst="roundRect">
+            <a:avLst/>
+          </a:prstGeom>
+          <a:solidFill>
+            <a:srgbClr val="FF0000"/>
+          </a:solidFill>
+          <a:ln>
+            <a:solidFill>
+              <a:srgbClr val="FF0000"/>
+            </a:solidFill>
+          </a:ln>
+        </p:spPr>
+        <p:style>
+          <a:lnRef idx="2">
+            <a:schemeClr val="accent1">
+              <a:shade val="50000"/>
+            </a:schemeClr>
+          </a:lnRef>
+          <a:fillRef idx="1">
+            <a:schemeClr val="accent1"/>
+          </a:fillRef>
+          <a:effectRef idx="0">
+            <a:schemeClr val="accent1"/>
+          </a:effectRef>
+          <a:fontRef idx="minor">
+            <a:schemeClr val="lt1"/>
+          </a:fontRef>
+        </p:style>
+        <p:txBody>
+          <a:bodyPr rtlCol="0" anchor="ctr"/>
+          <a:lstStyle/>
+          <a:p>
+            <a:pPr algn="ctr"/>
+            <a:r>
+              <a:rPr lang="en-US" altLang="ko-KR" sz="1400" dirty="0" smtClean="0"/>
+              <a:t>master *</a:t>
+            </a:r>
+            <a:endParaRPr lang="ko-KR" altLang="en-US" sz="1400" dirty="0"/>
+          </a:p>
+        </p:txBody>
+      </p:sp>
+      <p:sp>
+        <p:nvSpPr>
+          <p:cNvPr id="44" name="모서리가 둥근 직사각형 43"/>
+          <p:cNvSpPr/>
+          <p:nvPr/>
+        </p:nvSpPr>
+        <p:spPr>
+          <a:xfrm>
+            <a:off x="4710721" y="597575"/>
+            <a:ext cx="1290849" cy="576808"/>
+          </a:xfrm>
+          <a:prstGeom prst="roundRect">
+            <a:avLst/>
+          </a:prstGeom>
+          <a:ln>
+            <a:solidFill>
+              <a:srgbClr val="0070C0"/>
+            </a:solidFill>
+          </a:ln>
+        </p:spPr>
+        <p:style>
+          <a:lnRef idx="2">
+            <a:schemeClr val="accent1">
+              <a:shade val="50000"/>
+            </a:schemeClr>
+          </a:lnRef>
+          <a:fillRef idx="1">
+            <a:schemeClr val="accent1"/>
+          </a:fillRef>
+          <a:effectRef idx="0">
+            <a:schemeClr val="accent1"/>
+          </a:effectRef>
+          <a:fontRef idx="minor">
+            <a:schemeClr val="lt1"/>
+          </a:fontRef>
+        </p:style>
+        <p:txBody>
+          <a:bodyPr rtlCol="0" anchor="ctr"/>
+          <a:lstStyle/>
+          <a:p>
+            <a:pPr algn="ctr"/>
+            <a:r>
+              <a:rPr lang="en-US" altLang="ko-KR" sz="1400" dirty="0"/>
+              <a:t>m</a:t>
+            </a:r>
+            <a:r>
+              <a:rPr lang="en-US" altLang="ko-KR" sz="1400" dirty="0" smtClean="0"/>
+              <a:t>ybranch1</a:t>
+            </a:r>
+          </a:p>
+        </p:txBody>
+      </p:sp>
+      <p:sp>
+        <p:nvSpPr>
+          <p:cNvPr id="45" name="모서리가 둥근 직사각형 44"/>
+          <p:cNvSpPr/>
+          <p:nvPr/>
+        </p:nvSpPr>
+        <p:spPr>
+          <a:xfrm>
+            <a:off x="7238156" y="2094622"/>
+            <a:ext cx="1290849" cy="576808"/>
+          </a:xfrm>
+          <a:prstGeom prst="roundRect">
+            <a:avLst/>
+          </a:prstGeom>
+          <a:solidFill>
+            <a:srgbClr val="00B050"/>
+          </a:solidFill>
+          <a:ln>
+            <a:solidFill>
+              <a:schemeClr val="tx1">
+                <a:lumMod val="85000"/>
+                <a:lumOff val="15000"/>
+              </a:schemeClr>
+            </a:solidFill>
+          </a:ln>
+        </p:spPr>
+        <p:style>
+          <a:lnRef idx="2">
+            <a:schemeClr val="accent1">
+              <a:shade val="50000"/>
+            </a:schemeClr>
+          </a:lnRef>
+          <a:fillRef idx="1">
+            <a:schemeClr val="accent1"/>
+          </a:fillRef>
+          <a:effectRef idx="0">
+            <a:schemeClr val="accent1"/>
+          </a:effectRef>
+          <a:fontRef idx="minor">
+            <a:schemeClr val="lt1"/>
+          </a:fontRef>
+        </p:style>
+        <p:txBody>
+          <a:bodyPr rtlCol="0" anchor="ctr"/>
+          <a:lstStyle/>
+          <a:p>
+            <a:pPr algn="ctr"/>
+            <a:r>
+              <a:rPr lang="ko-KR" altLang="en-US" sz="1400" dirty="0" err="1" smtClean="0"/>
+              <a:t>커밋</a:t>
+            </a:r>
+            <a:r>
+              <a:rPr lang="en-US" altLang="ko-KR" sz="1400" dirty="0" smtClean="0"/>
+              <a:t>2</a:t>
+            </a:r>
+            <a:endParaRPr lang="ko-KR" altLang="en-US" sz="1400" dirty="0"/>
+          </a:p>
+        </p:txBody>
+      </p:sp>
+      <p:sp>
+        <p:nvSpPr>
+          <p:cNvPr id="46" name="모서리가 둥근 직사각형 45"/>
+          <p:cNvSpPr/>
+          <p:nvPr/>
+        </p:nvSpPr>
+        <p:spPr>
+          <a:xfrm>
+            <a:off x="7236296" y="3046963"/>
+            <a:ext cx="1290849" cy="576808"/>
+          </a:xfrm>
+          <a:prstGeom prst="roundRect">
+            <a:avLst/>
+          </a:prstGeom>
+          <a:solidFill>
+            <a:srgbClr val="00B050"/>
+          </a:solidFill>
+          <a:ln>
+            <a:solidFill>
+              <a:schemeClr val="tx1">
+                <a:lumMod val="85000"/>
+                <a:lumOff val="15000"/>
+              </a:schemeClr>
+            </a:solidFill>
+          </a:ln>
+        </p:spPr>
+        <p:style>
+          <a:lnRef idx="2">
+            <a:schemeClr val="accent1">
+              <a:shade val="50000"/>
+            </a:schemeClr>
+          </a:lnRef>
+          <a:fillRef idx="1">
+            <a:schemeClr val="accent1"/>
+          </a:fillRef>
+          <a:effectRef idx="0">
+            <a:schemeClr val="accent1"/>
+          </a:effectRef>
+          <a:fontRef idx="minor">
+            <a:schemeClr val="lt1"/>
+          </a:fontRef>
+        </p:style>
+        <p:txBody>
+          <a:bodyPr rtlCol="0" anchor="ctr"/>
+          <a:lstStyle/>
+          <a:p>
+            <a:pPr algn="ctr"/>
+            <a:r>
+              <a:rPr lang="ko-KR" altLang="en-US" sz="1400" dirty="0" err="1" smtClean="0"/>
+              <a:t>커밋</a:t>
+            </a:r>
+            <a:r>
+              <a:rPr lang="en-US" altLang="ko-KR" sz="1400" dirty="0"/>
+              <a:t>1</a:t>
+            </a:r>
+            <a:endParaRPr lang="ko-KR" altLang="en-US" sz="1400" dirty="0"/>
+          </a:p>
+        </p:txBody>
+      </p:sp>
+      <p:cxnSp>
+        <p:nvCxnSpPr>
+          <p:cNvPr id="47" name="직선 연결선 46"/>
+          <p:cNvCxnSpPr>
+            <a:stCxn id="44" idx="3"/>
+            <a:endCxn id="53" idx="1"/>
+          </p:cNvCxnSpPr>
+          <p:nvPr/>
+        </p:nvCxnSpPr>
+        <p:spPr>
+          <a:xfrm flipV="1">
+            <a:off x="6001570" y="549052"/>
+            <a:ext cx="1250184" cy="336927"/>
+          </a:xfrm>
+          <a:prstGeom prst="line">
+            <a:avLst/>
+          </a:prstGeom>
+          <a:ln w="28575">
+            <a:solidFill>
+              <a:srgbClr val="FF0000"/>
+            </a:solidFill>
+          </a:ln>
+        </p:spPr>
+        <p:style>
+          <a:lnRef idx="1">
+            <a:schemeClr val="accent1"/>
+          </a:lnRef>
+          <a:fillRef idx="0">
+            <a:schemeClr val="accent1"/>
+          </a:fillRef>
+          <a:effectRef idx="0">
+            <a:schemeClr val="accent1"/>
+          </a:effectRef>
+          <a:fontRef idx="minor">
+            <a:schemeClr val="tx1"/>
+          </a:fontRef>
+        </p:style>
+      </p:cxnSp>
+      <p:cxnSp>
+        <p:nvCxnSpPr>
+          <p:cNvPr id="48" name="직선 연결선 47"/>
+          <p:cNvCxnSpPr>
+            <a:stCxn id="31" idx="3"/>
+            <a:endCxn id="45" idx="1"/>
+          </p:cNvCxnSpPr>
+          <p:nvPr/>
+        </p:nvCxnSpPr>
+        <p:spPr>
+          <a:xfrm>
+            <a:off x="6001570" y="2094622"/>
+            <a:ext cx="1236586" cy="288404"/>
+          </a:xfrm>
+          <a:prstGeom prst="line">
+            <a:avLst/>
+          </a:prstGeom>
+          <a:ln w="28575">
+            <a:solidFill>
+              <a:srgbClr val="FF0000"/>
+            </a:solidFill>
+          </a:ln>
+        </p:spPr>
+        <p:style>
+          <a:lnRef idx="1">
+            <a:schemeClr val="accent1"/>
+          </a:lnRef>
+          <a:fillRef idx="0">
+            <a:schemeClr val="accent1"/>
+          </a:fillRef>
+          <a:effectRef idx="0">
+            <a:schemeClr val="accent1"/>
+          </a:effectRef>
+          <a:fontRef idx="minor">
+            <a:schemeClr val="tx1"/>
+          </a:fontRef>
+        </p:style>
+      </p:cxnSp>
+      <p:cxnSp>
+        <p:nvCxnSpPr>
+          <p:cNvPr id="50" name="직선 화살표 연결선 49"/>
+          <p:cNvCxnSpPr>
+            <a:stCxn id="45" idx="2"/>
+            <a:endCxn id="46" idx="0"/>
+          </p:cNvCxnSpPr>
+          <p:nvPr/>
+        </p:nvCxnSpPr>
+        <p:spPr>
+          <a:xfrm flipH="1">
+            <a:off x="7881721" y="2671430"/>
+            <a:ext cx="1860" cy="375533"/>
+          </a:xfrm>
+          <a:prstGeom prst="straightConnector1">
+            <a:avLst/>
+          </a:prstGeom>
+          <a:ln w="28575">
+            <a:solidFill>
+              <a:schemeClr val="tx1">
+                <a:lumMod val="85000"/>
+                <a:lumOff val="15000"/>
+              </a:schemeClr>
+            </a:solidFill>
+            <a:tailEnd type="arrow"/>
+          </a:ln>
+        </p:spPr>
+        <p:style>
+          <a:lnRef idx="1">
+            <a:schemeClr val="accent1"/>
+          </a:lnRef>
+          <a:fillRef idx="0">
+            <a:schemeClr val="accent1"/>
+          </a:fillRef>
+          <a:effectRef idx="0">
+            <a:schemeClr val="accent1"/>
+          </a:effectRef>
+          <a:fontRef idx="minor">
+            <a:schemeClr val="tx1"/>
+          </a:fontRef>
+        </p:style>
+      </p:cxnSp>
+      <p:sp>
+        <p:nvSpPr>
+          <p:cNvPr id="51" name="모서리가 둥근 직사각형 50"/>
+          <p:cNvSpPr/>
+          <p:nvPr/>
+        </p:nvSpPr>
+        <p:spPr>
+          <a:xfrm>
+            <a:off x="7245348" y="1174383"/>
+            <a:ext cx="1290849" cy="576808"/>
+          </a:xfrm>
+          <a:prstGeom prst="roundRect">
+            <a:avLst/>
+          </a:prstGeom>
+          <a:solidFill>
+            <a:srgbClr val="00B050"/>
+          </a:solidFill>
+          <a:ln>
+            <a:solidFill>
+              <a:schemeClr val="tx1">
+                <a:lumMod val="85000"/>
+                <a:lumOff val="15000"/>
+              </a:schemeClr>
+            </a:solidFill>
+          </a:ln>
+        </p:spPr>
+        <p:style>
+          <a:lnRef idx="2">
+            <a:schemeClr val="accent1">
+              <a:shade val="50000"/>
+            </a:schemeClr>
+          </a:lnRef>
+          <a:fillRef idx="1">
+            <a:schemeClr val="accent1"/>
+          </a:fillRef>
+          <a:effectRef idx="0">
+            <a:schemeClr val="accent1"/>
+          </a:effectRef>
+          <a:fontRef idx="minor">
+            <a:schemeClr val="lt1"/>
+          </a:fontRef>
+        </p:style>
+        <p:txBody>
+          <a:bodyPr rtlCol="0" anchor="ctr"/>
+          <a:lstStyle/>
+          <a:p>
+            <a:pPr algn="ctr"/>
+            <a:r>
+              <a:rPr lang="ko-KR" altLang="en-US" sz="1400" dirty="0" err="1" smtClean="0"/>
+              <a:t>커밋</a:t>
+            </a:r>
+            <a:r>
+              <a:rPr lang="en-US" altLang="ko-KR" sz="1400" dirty="0"/>
+              <a:t>3</a:t>
+            </a:r>
+            <a:endParaRPr lang="ko-KR" altLang="en-US" sz="1400" dirty="0"/>
+          </a:p>
+        </p:txBody>
+      </p:sp>
+      <p:cxnSp>
+        <p:nvCxnSpPr>
+          <p:cNvPr id="52" name="직선 화살표 연결선 51"/>
+          <p:cNvCxnSpPr>
+            <a:stCxn id="51" idx="2"/>
+            <a:endCxn id="45" idx="0"/>
+          </p:cNvCxnSpPr>
+          <p:nvPr/>
+        </p:nvCxnSpPr>
+        <p:spPr>
+          <a:xfrm flipH="1">
+            <a:off x="7883581" y="1751191"/>
+            <a:ext cx="7192" cy="343431"/>
+          </a:xfrm>
+          <a:prstGeom prst="straightConnector1">
+            <a:avLst/>
+          </a:prstGeom>
+          <a:ln w="28575">
+            <a:solidFill>
+              <a:schemeClr val="tx1">
+                <a:lumMod val="85000"/>
+                <a:lumOff val="15000"/>
+              </a:schemeClr>
+            </a:solidFill>
+            <a:tailEnd type="arrow"/>
+          </a:ln>
+        </p:spPr>
+        <p:style>
+          <a:lnRef idx="1">
+            <a:schemeClr val="accent1"/>
+          </a:lnRef>
+          <a:fillRef idx="0">
+            <a:schemeClr val="accent1"/>
+          </a:fillRef>
+          <a:effectRef idx="0">
+            <a:schemeClr val="accent1"/>
+          </a:effectRef>
+          <a:fontRef idx="minor">
+            <a:schemeClr val="tx1"/>
+          </a:fontRef>
+        </p:style>
+      </p:cxnSp>
+      <p:sp>
+        <p:nvSpPr>
+          <p:cNvPr id="53" name="모서리가 둥근 직사각형 52"/>
+          <p:cNvSpPr/>
+          <p:nvPr/>
+        </p:nvSpPr>
+        <p:spPr>
+          <a:xfrm>
+            <a:off x="7251754" y="260648"/>
+            <a:ext cx="1290849" cy="576808"/>
+          </a:xfrm>
+          <a:prstGeom prst="roundRect">
+            <a:avLst/>
+          </a:prstGeom>
+          <a:solidFill>
+            <a:srgbClr val="00B050"/>
+          </a:solidFill>
+          <a:ln>
+            <a:solidFill>
+              <a:schemeClr val="tx1">
+                <a:lumMod val="85000"/>
+                <a:lumOff val="15000"/>
+              </a:schemeClr>
+            </a:solidFill>
+          </a:ln>
+        </p:spPr>
+        <p:style>
+          <a:lnRef idx="2">
+            <a:schemeClr val="accent1">
+              <a:shade val="50000"/>
+            </a:schemeClr>
+          </a:lnRef>
+          <a:fillRef idx="1">
+            <a:schemeClr val="accent1"/>
+          </a:fillRef>
+          <a:effectRef idx="0">
+            <a:schemeClr val="accent1"/>
+          </a:effectRef>
+          <a:fontRef idx="minor">
+            <a:schemeClr val="lt1"/>
+          </a:fontRef>
+        </p:style>
+        <p:txBody>
+          <a:bodyPr rtlCol="0" anchor="ctr"/>
+          <a:lstStyle/>
+          <a:p>
+            <a:pPr algn="ctr"/>
+            <a:r>
+              <a:rPr lang="ko-KR" altLang="en-US" sz="1400" dirty="0" err="1" smtClean="0"/>
+              <a:t>커밋</a:t>
+            </a:r>
+            <a:r>
+              <a:rPr lang="en-US" altLang="ko-KR" sz="1400" dirty="0" smtClean="0"/>
+              <a:t>4</a:t>
+            </a:r>
+            <a:endParaRPr lang="ko-KR" altLang="en-US" sz="1400" dirty="0"/>
+          </a:p>
+        </p:txBody>
+      </p:sp>
+      <p:cxnSp>
+        <p:nvCxnSpPr>
+          <p:cNvPr id="54" name="직선 화살표 연결선 53"/>
+          <p:cNvCxnSpPr>
+            <a:stCxn id="53" idx="2"/>
+            <a:endCxn id="51" idx="0"/>
+          </p:cNvCxnSpPr>
+          <p:nvPr/>
+        </p:nvCxnSpPr>
+        <p:spPr>
+          <a:xfrm flipH="1">
+            <a:off x="7890773" y="837456"/>
+            <a:ext cx="6406" cy="336927"/>
+          </a:xfrm>
+          <a:prstGeom prst="straightConnector1">
+            <a:avLst/>
+          </a:prstGeom>
+          <a:ln w="28575">
+            <a:solidFill>
+              <a:schemeClr val="tx1">
+                <a:lumMod val="85000"/>
+                <a:lumOff val="15000"/>
+              </a:schemeClr>
+            </a:solidFill>
+            <a:tailEnd type="arrow"/>
+          </a:ln>
+        </p:spPr>
+        <p:style>
+          <a:lnRef idx="1">
+            <a:schemeClr val="accent1"/>
+          </a:lnRef>
+          <a:fillRef idx="0">
+            <a:schemeClr val="accent1"/>
+          </a:fillRef>
+          <a:effectRef idx="0">
+            <a:schemeClr val="accent1"/>
+          </a:effectRef>
+          <a:fontRef idx="minor">
+            <a:schemeClr val="tx1"/>
+          </a:fontRef>
+        </p:style>
+      </p:cxnSp>
+    </p:spTree>
+    <p:extLst>
+      <p:ext uri="{BB962C8B-B14F-4D97-AF65-F5344CB8AC3E}">
+        <p14:creationId xmlns:p14="http://schemas.microsoft.com/office/powerpoint/2010/main" val="3160306657"/>
+      </p:ext>
+    </p:extLst>
+  </p:cSld>
+  <p:clrMapOvr>
+    <a:masterClrMapping/>
+  </p:clrMapOvr>
+  <p:timing>
+    <p:tnLst>
+      <p:par>
+        <p:cTn id="1" dur="indefinite" restart="never" nodeType="tmRoot"/>
+      </p:par>
+    </p:tnLst>
+  </p:timing>
+</p:sld>
+</file>
+
+<file path=ppt/slides/slide19.xml><?xml version="1.0" encoding="utf-8"?>
+<p:sld xmlns:a="http://schemas.openxmlformats.org/drawingml/2006/main" xmlns:r="http://schemas.openxmlformats.org/officeDocument/2006/relationships" xmlns:p="http://schemas.openxmlformats.org/presentationml/2006/main">
+  <p:cSld>
+    <p:spTree>
+      <p:nvGrpSpPr>
+        <p:cNvPr id="1" name=""/>
+        <p:cNvGrpSpPr/>
+        <p:nvPr/>
+      </p:nvGrpSpPr>
+      <p:grpSpPr>
+        <a:xfrm>
+          <a:off x="0" y="0"/>
+          <a:ext cx="0" cy="0"/>
+          <a:chOff x="0" y="0"/>
+          <a:chExt cx="0" cy="0"/>
+        </a:xfrm>
+      </p:grpSpPr>
+      <p:sp>
+        <p:nvSpPr>
+          <p:cNvPr id="15" name="TextBox 14"/>
+          <p:cNvSpPr txBox="1"/>
+          <p:nvPr/>
+        </p:nvSpPr>
+        <p:spPr>
+          <a:xfrm>
+            <a:off x="1258521" y="4880193"/>
+            <a:ext cx="1872208" cy="276999"/>
+          </a:xfrm>
+          <a:prstGeom prst="rect">
+            <a:avLst/>
+          </a:prstGeom>
+          <a:noFill/>
+        </p:spPr>
+        <p:txBody>
+          <a:bodyPr wrap="square" rtlCol="0">
+            <a:spAutoFit/>
+          </a:bodyPr>
+          <a:lstStyle/>
+          <a:p>
+            <a:pPr algn="ctr"/>
+            <a:r>
+              <a:rPr lang="en-US" altLang="ko-KR" sz="1200" dirty="0" smtClean="0"/>
+              <a:t>&lt;rebase </a:t>
+            </a:r>
+            <a:r>
+              <a:rPr lang="ko-KR" altLang="en-US" sz="1200" dirty="0" smtClean="0"/>
+              <a:t>이전</a:t>
+            </a:r>
+            <a:r>
+              <a:rPr lang="en-US" altLang="ko-KR" sz="1200" dirty="0" smtClean="0"/>
+              <a:t>&gt;</a:t>
+            </a:r>
+            <a:endParaRPr lang="ko-KR" altLang="en-US" sz="1200" dirty="0"/>
+          </a:p>
+        </p:txBody>
+      </p:sp>
+      <p:sp>
+        <p:nvSpPr>
+          <p:cNvPr id="39" name="TextBox 38"/>
+          <p:cNvSpPr txBox="1"/>
+          <p:nvPr/>
+        </p:nvSpPr>
+        <p:spPr>
+          <a:xfrm>
+            <a:off x="5953898" y="4880192"/>
+            <a:ext cx="1863865" cy="276999"/>
+          </a:xfrm>
+          <a:prstGeom prst="rect">
+            <a:avLst/>
+          </a:prstGeom>
+          <a:noFill/>
+        </p:spPr>
+        <p:txBody>
+          <a:bodyPr wrap="square" rtlCol="0">
+            <a:spAutoFit/>
+          </a:bodyPr>
+          <a:lstStyle/>
+          <a:p>
+            <a:pPr algn="ctr"/>
+            <a:r>
+              <a:rPr lang="en-US" altLang="ko-KR" sz="1200" dirty="0" smtClean="0"/>
+              <a:t>&lt;rebase  </a:t>
+            </a:r>
+            <a:r>
+              <a:rPr lang="ko-KR" altLang="en-US" sz="1200" dirty="0" smtClean="0"/>
+              <a:t>이후</a:t>
+            </a:r>
+            <a:r>
+              <a:rPr lang="en-US" altLang="ko-KR" sz="1200" dirty="0" smtClean="0"/>
+              <a:t>&gt;</a:t>
+            </a:r>
+            <a:endParaRPr lang="ko-KR" altLang="en-US" sz="1200" dirty="0"/>
+          </a:p>
+        </p:txBody>
+      </p:sp>
+      <p:cxnSp>
+        <p:nvCxnSpPr>
+          <p:cNvPr id="41" name="직선 연결선 40"/>
+          <p:cNvCxnSpPr/>
+          <p:nvPr/>
+        </p:nvCxnSpPr>
+        <p:spPr>
+          <a:xfrm>
+            <a:off x="4560223" y="0"/>
+            <a:ext cx="0" cy="6858000"/>
+          </a:xfrm>
+          <a:prstGeom prst="line">
+            <a:avLst/>
+          </a:prstGeom>
+          <a:ln>
+            <a:solidFill>
+              <a:schemeClr val="tx1"/>
+            </a:solidFill>
+          </a:ln>
+        </p:spPr>
+        <p:style>
+          <a:lnRef idx="1">
+            <a:schemeClr val="accent1"/>
+          </a:lnRef>
+          <a:fillRef idx="0">
+            <a:schemeClr val="accent1"/>
+          </a:fillRef>
+          <a:effectRef idx="0">
+            <a:schemeClr val="accent1"/>
+          </a:effectRef>
+          <a:fontRef idx="minor">
+            <a:schemeClr val="tx1"/>
+          </a:fontRef>
+        </p:style>
+      </p:cxnSp>
+      <p:sp>
+        <p:nvSpPr>
+          <p:cNvPr id="22" name="모서리가 둥근 직사각형 21"/>
+          <p:cNvSpPr/>
+          <p:nvPr/>
+        </p:nvSpPr>
+        <p:spPr>
+          <a:xfrm>
+            <a:off x="4916582" y="2638779"/>
+            <a:ext cx="1290849" cy="576808"/>
+          </a:xfrm>
+          <a:prstGeom prst="roundRect">
+            <a:avLst/>
+          </a:prstGeom>
+          <a:solidFill>
+            <a:srgbClr val="FF0000"/>
+          </a:solidFill>
+          <a:ln>
+            <a:solidFill>
+              <a:srgbClr val="FF0000"/>
+            </a:solidFill>
+          </a:ln>
+        </p:spPr>
+        <p:style>
+          <a:lnRef idx="2">
+            <a:schemeClr val="accent1">
+              <a:shade val="50000"/>
+            </a:schemeClr>
+          </a:lnRef>
+          <a:fillRef idx="1">
+            <a:schemeClr val="accent1"/>
+          </a:fillRef>
+          <a:effectRef idx="0">
+            <a:schemeClr val="accent1"/>
+          </a:effectRef>
+          <a:fontRef idx="minor">
+            <a:schemeClr val="lt1"/>
+          </a:fontRef>
+        </p:style>
+        <p:txBody>
+          <a:bodyPr rtlCol="0" anchor="ctr"/>
+          <a:lstStyle/>
+          <a:p>
+            <a:pPr algn="ctr"/>
+            <a:r>
+              <a:rPr lang="en-US" altLang="ko-KR" sz="1400" dirty="0" smtClean="0"/>
+              <a:t>master *</a:t>
+            </a:r>
+            <a:endParaRPr lang="ko-KR" altLang="en-US" sz="1400" dirty="0"/>
+          </a:p>
+        </p:txBody>
+      </p:sp>
+      <p:sp>
+        <p:nvSpPr>
+          <p:cNvPr id="23" name="모서리가 둥근 직사각형 22"/>
+          <p:cNvSpPr/>
+          <p:nvPr/>
+        </p:nvSpPr>
+        <p:spPr>
+          <a:xfrm>
+            <a:off x="4916582" y="1611007"/>
+            <a:ext cx="1290849" cy="576808"/>
+          </a:xfrm>
+          <a:prstGeom prst="roundRect">
+            <a:avLst/>
+          </a:prstGeom>
+          <a:ln>
+            <a:solidFill>
+              <a:srgbClr val="0070C0"/>
+            </a:solidFill>
+          </a:ln>
+        </p:spPr>
+        <p:style>
+          <a:lnRef idx="2">
+            <a:schemeClr val="accent1">
+              <a:shade val="50000"/>
+            </a:schemeClr>
+          </a:lnRef>
+          <a:fillRef idx="1">
+            <a:schemeClr val="accent1"/>
+          </a:fillRef>
+          <a:effectRef idx="0">
+            <a:schemeClr val="accent1"/>
+          </a:effectRef>
+          <a:fontRef idx="minor">
+            <a:schemeClr val="lt1"/>
+          </a:fontRef>
+        </p:style>
+        <p:txBody>
+          <a:bodyPr rtlCol="0" anchor="ctr"/>
+          <a:lstStyle/>
+          <a:p>
+            <a:pPr algn="ctr"/>
+            <a:r>
+              <a:rPr lang="en-US" altLang="ko-KR" sz="1400" dirty="0"/>
+              <a:t>m</a:t>
+            </a:r>
+            <a:r>
+              <a:rPr lang="en-US" altLang="ko-KR" sz="1400" dirty="0" smtClean="0"/>
+              <a:t>ybranch1</a:t>
+            </a:r>
+          </a:p>
+        </p:txBody>
+      </p:sp>
+      <p:sp>
+        <p:nvSpPr>
+          <p:cNvPr id="24" name="모서리가 둥근 직사각형 23"/>
+          <p:cNvSpPr/>
+          <p:nvPr/>
+        </p:nvSpPr>
+        <p:spPr>
+          <a:xfrm>
+            <a:off x="7444017" y="3108054"/>
+            <a:ext cx="1290849" cy="576808"/>
+          </a:xfrm>
+          <a:prstGeom prst="roundRect">
+            <a:avLst/>
+          </a:prstGeom>
+          <a:solidFill>
+            <a:srgbClr val="00B050"/>
+          </a:solidFill>
+          <a:ln>
+            <a:solidFill>
+              <a:schemeClr val="tx1">
+                <a:lumMod val="85000"/>
+                <a:lumOff val="15000"/>
+              </a:schemeClr>
+            </a:solidFill>
+          </a:ln>
+        </p:spPr>
+        <p:style>
+          <a:lnRef idx="2">
+            <a:schemeClr val="accent1">
+              <a:shade val="50000"/>
+            </a:schemeClr>
+          </a:lnRef>
+          <a:fillRef idx="1">
+            <a:schemeClr val="accent1"/>
+          </a:fillRef>
+          <a:effectRef idx="0">
+            <a:schemeClr val="accent1"/>
+          </a:effectRef>
+          <a:fontRef idx="minor">
+            <a:schemeClr val="lt1"/>
+          </a:fontRef>
+        </p:style>
+        <p:txBody>
+          <a:bodyPr rtlCol="0" anchor="ctr"/>
+          <a:lstStyle/>
+          <a:p>
+            <a:pPr algn="ctr"/>
+            <a:r>
+              <a:rPr lang="ko-KR" altLang="en-US" sz="1400" dirty="0" err="1" smtClean="0"/>
+              <a:t>커밋</a:t>
+            </a:r>
+            <a:r>
+              <a:rPr lang="en-US" altLang="ko-KR" sz="1400" dirty="0" smtClean="0"/>
+              <a:t>2</a:t>
+            </a:r>
+            <a:endParaRPr lang="ko-KR" altLang="en-US" sz="1400" dirty="0"/>
+          </a:p>
+        </p:txBody>
+      </p:sp>
+      <p:sp>
+        <p:nvSpPr>
+          <p:cNvPr id="25" name="모서리가 둥근 직사각형 24"/>
+          <p:cNvSpPr/>
+          <p:nvPr/>
+        </p:nvSpPr>
+        <p:spPr>
+          <a:xfrm>
+            <a:off x="7442157" y="4060395"/>
+            <a:ext cx="1290849" cy="576808"/>
+          </a:xfrm>
+          <a:prstGeom prst="roundRect">
+            <a:avLst/>
+          </a:prstGeom>
+          <a:solidFill>
+            <a:srgbClr val="00B050"/>
+          </a:solidFill>
+          <a:ln>
+            <a:solidFill>
+              <a:schemeClr val="tx1">
+                <a:lumMod val="85000"/>
+                <a:lumOff val="15000"/>
+              </a:schemeClr>
+            </a:solidFill>
+          </a:ln>
+        </p:spPr>
+        <p:style>
+          <a:lnRef idx="2">
+            <a:schemeClr val="accent1">
+              <a:shade val="50000"/>
+            </a:schemeClr>
+          </a:lnRef>
+          <a:fillRef idx="1">
+            <a:schemeClr val="accent1"/>
+          </a:fillRef>
+          <a:effectRef idx="0">
+            <a:schemeClr val="accent1"/>
+          </a:effectRef>
+          <a:fontRef idx="minor">
+            <a:schemeClr val="lt1"/>
+          </a:fontRef>
+        </p:style>
+        <p:txBody>
+          <a:bodyPr rtlCol="0" anchor="ctr"/>
+          <a:lstStyle/>
+          <a:p>
+            <a:pPr algn="ctr"/>
+            <a:r>
+              <a:rPr lang="ko-KR" altLang="en-US" sz="1400" dirty="0" err="1" smtClean="0"/>
+              <a:t>커밋</a:t>
+            </a:r>
+            <a:r>
+              <a:rPr lang="en-US" altLang="ko-KR" sz="1400" dirty="0"/>
+              <a:t>1</a:t>
+            </a:r>
+            <a:endParaRPr lang="ko-KR" altLang="en-US" sz="1400" dirty="0"/>
+          </a:p>
+        </p:txBody>
+      </p:sp>
+      <p:cxnSp>
+        <p:nvCxnSpPr>
+          <p:cNvPr id="26" name="직선 연결선 25"/>
+          <p:cNvCxnSpPr>
+            <a:stCxn id="23" idx="3"/>
+            <a:endCxn id="40" idx="1"/>
+          </p:cNvCxnSpPr>
+          <p:nvPr/>
+        </p:nvCxnSpPr>
+        <p:spPr>
+          <a:xfrm flipV="1">
+            <a:off x="6207431" y="1562484"/>
+            <a:ext cx="1250184" cy="336927"/>
+          </a:xfrm>
+          <a:prstGeom prst="line">
+            <a:avLst/>
+          </a:prstGeom>
+          <a:ln w="28575">
+            <a:solidFill>
+              <a:srgbClr val="FF0000"/>
+            </a:solidFill>
+          </a:ln>
+        </p:spPr>
+        <p:style>
+          <a:lnRef idx="1">
+            <a:schemeClr val="accent1"/>
+          </a:lnRef>
+          <a:fillRef idx="0">
+            <a:schemeClr val="accent1"/>
+          </a:fillRef>
+          <a:effectRef idx="0">
+            <a:schemeClr val="accent1"/>
+          </a:effectRef>
+          <a:fontRef idx="minor">
+            <a:schemeClr val="tx1"/>
+          </a:fontRef>
+        </p:style>
+      </p:cxnSp>
+      <p:cxnSp>
+        <p:nvCxnSpPr>
+          <p:cNvPr id="27" name="직선 연결선 26"/>
+          <p:cNvCxnSpPr>
+            <a:stCxn id="22" idx="3"/>
+            <a:endCxn id="40" idx="1"/>
+          </p:cNvCxnSpPr>
+          <p:nvPr/>
+        </p:nvCxnSpPr>
+        <p:spPr>
+          <a:xfrm flipV="1">
+            <a:off x="6207431" y="1562484"/>
+            <a:ext cx="1250184" cy="1364699"/>
+          </a:xfrm>
+          <a:prstGeom prst="line">
+            <a:avLst/>
+          </a:prstGeom>
+          <a:ln w="28575">
+            <a:solidFill>
+              <a:srgbClr val="FF0000"/>
+            </a:solidFill>
+          </a:ln>
+        </p:spPr>
+        <p:style>
+          <a:lnRef idx="1">
+            <a:schemeClr val="accent1"/>
+          </a:lnRef>
+          <a:fillRef idx="0">
+            <a:schemeClr val="accent1"/>
+          </a:fillRef>
+          <a:effectRef idx="0">
+            <a:schemeClr val="accent1"/>
+          </a:effectRef>
+          <a:fontRef idx="minor">
+            <a:schemeClr val="tx1"/>
+          </a:fontRef>
+        </p:style>
+      </p:cxnSp>
+      <p:cxnSp>
+        <p:nvCxnSpPr>
+          <p:cNvPr id="28" name="직선 화살표 연결선 27"/>
+          <p:cNvCxnSpPr>
+            <a:stCxn id="24" idx="2"/>
+            <a:endCxn id="25" idx="0"/>
+          </p:cNvCxnSpPr>
+          <p:nvPr/>
+        </p:nvCxnSpPr>
+        <p:spPr>
+          <a:xfrm flipH="1">
+            <a:off x="8087582" y="3684862"/>
+            <a:ext cx="1860" cy="375533"/>
+          </a:xfrm>
+          <a:prstGeom prst="straightConnector1">
+            <a:avLst/>
+          </a:prstGeom>
+          <a:ln w="28575">
+            <a:solidFill>
+              <a:schemeClr val="tx1">
+                <a:lumMod val="85000"/>
+                <a:lumOff val="15000"/>
+              </a:schemeClr>
+            </a:solidFill>
+            <a:tailEnd type="arrow"/>
+          </a:ln>
+        </p:spPr>
+        <p:style>
+          <a:lnRef idx="1">
+            <a:schemeClr val="accent1"/>
+          </a:lnRef>
+          <a:fillRef idx="0">
+            <a:schemeClr val="accent1"/>
+          </a:fillRef>
+          <a:effectRef idx="0">
+            <a:schemeClr val="accent1"/>
+          </a:effectRef>
+          <a:fontRef idx="minor">
+            <a:schemeClr val="tx1"/>
+          </a:fontRef>
+        </p:style>
+      </p:cxnSp>
+      <p:sp>
+        <p:nvSpPr>
+          <p:cNvPr id="29" name="모서리가 둥근 직사각형 28"/>
+          <p:cNvSpPr/>
+          <p:nvPr/>
+        </p:nvSpPr>
+        <p:spPr>
+          <a:xfrm>
+            <a:off x="7451209" y="2187815"/>
+            <a:ext cx="1290849" cy="576808"/>
+          </a:xfrm>
+          <a:prstGeom prst="roundRect">
+            <a:avLst/>
+          </a:prstGeom>
+          <a:solidFill>
+            <a:srgbClr val="00B050"/>
+          </a:solidFill>
+          <a:ln>
+            <a:solidFill>
+              <a:schemeClr val="tx1">
+                <a:lumMod val="85000"/>
+                <a:lumOff val="15000"/>
+              </a:schemeClr>
+            </a:solidFill>
+          </a:ln>
+        </p:spPr>
+        <p:style>
+          <a:lnRef idx="2">
+            <a:schemeClr val="accent1">
+              <a:shade val="50000"/>
+            </a:schemeClr>
+          </a:lnRef>
+          <a:fillRef idx="1">
+            <a:schemeClr val="accent1"/>
+          </a:fillRef>
+          <a:effectRef idx="0">
+            <a:schemeClr val="accent1"/>
+          </a:effectRef>
+          <a:fontRef idx="minor">
+            <a:schemeClr val="lt1"/>
+          </a:fontRef>
+        </p:style>
+        <p:txBody>
+          <a:bodyPr rtlCol="0" anchor="ctr"/>
+          <a:lstStyle/>
+          <a:p>
+            <a:pPr algn="ctr"/>
+            <a:r>
+              <a:rPr lang="ko-KR" altLang="en-US" sz="1400" dirty="0" err="1" smtClean="0"/>
+              <a:t>커밋</a:t>
+            </a:r>
+            <a:r>
+              <a:rPr lang="en-US" altLang="ko-KR" sz="1400" dirty="0"/>
+              <a:t>3</a:t>
+            </a:r>
+            <a:endParaRPr lang="ko-KR" altLang="en-US" sz="1400" dirty="0"/>
+          </a:p>
+        </p:txBody>
+      </p:sp>
+      <p:cxnSp>
+        <p:nvCxnSpPr>
+          <p:cNvPr id="30" name="직선 화살표 연결선 29"/>
+          <p:cNvCxnSpPr>
+            <a:stCxn id="29" idx="2"/>
+            <a:endCxn id="24" idx="0"/>
+          </p:cNvCxnSpPr>
+          <p:nvPr/>
+        </p:nvCxnSpPr>
+        <p:spPr>
+          <a:xfrm flipH="1">
+            <a:off x="8089442" y="2764623"/>
+            <a:ext cx="7192" cy="343431"/>
+          </a:xfrm>
+          <a:prstGeom prst="straightConnector1">
+            <a:avLst/>
+          </a:prstGeom>
+          <a:ln w="28575">
+            <a:solidFill>
+              <a:schemeClr val="tx1">
+                <a:lumMod val="85000"/>
+                <a:lumOff val="15000"/>
+              </a:schemeClr>
+            </a:solidFill>
+            <a:tailEnd type="arrow"/>
+          </a:ln>
+        </p:spPr>
+        <p:style>
+          <a:lnRef idx="1">
+            <a:schemeClr val="accent1"/>
+          </a:lnRef>
+          <a:fillRef idx="0">
+            <a:schemeClr val="accent1"/>
+          </a:fillRef>
+          <a:effectRef idx="0">
+            <a:schemeClr val="accent1"/>
+          </a:effectRef>
+          <a:fontRef idx="minor">
+            <a:schemeClr val="tx1"/>
+          </a:fontRef>
+        </p:style>
+      </p:cxnSp>
+      <p:sp>
+        <p:nvSpPr>
+          <p:cNvPr id="40" name="모서리가 둥근 직사각형 39"/>
+          <p:cNvSpPr/>
+          <p:nvPr/>
+        </p:nvSpPr>
+        <p:spPr>
+          <a:xfrm>
+            <a:off x="7457615" y="1274080"/>
+            <a:ext cx="1290849" cy="576808"/>
+          </a:xfrm>
+          <a:prstGeom prst="roundRect">
+            <a:avLst/>
+          </a:prstGeom>
+          <a:solidFill>
+            <a:srgbClr val="00B050"/>
+          </a:solidFill>
+          <a:ln>
+            <a:solidFill>
+              <a:schemeClr val="tx1">
+                <a:lumMod val="85000"/>
+                <a:lumOff val="15000"/>
+              </a:schemeClr>
+            </a:solidFill>
+          </a:ln>
+        </p:spPr>
+        <p:style>
+          <a:lnRef idx="2">
+            <a:schemeClr val="accent1">
+              <a:shade val="50000"/>
+            </a:schemeClr>
+          </a:lnRef>
+          <a:fillRef idx="1">
+            <a:schemeClr val="accent1"/>
+          </a:fillRef>
+          <a:effectRef idx="0">
+            <a:schemeClr val="accent1"/>
+          </a:effectRef>
+          <a:fontRef idx="minor">
+            <a:schemeClr val="lt1"/>
+          </a:fontRef>
+        </p:style>
+        <p:txBody>
+          <a:bodyPr rtlCol="0" anchor="ctr"/>
+          <a:lstStyle/>
+          <a:p>
+            <a:pPr algn="ctr"/>
+            <a:r>
+              <a:rPr lang="ko-KR" altLang="en-US" sz="1400" dirty="0" err="1" smtClean="0"/>
+              <a:t>커밋</a:t>
+            </a:r>
+            <a:r>
+              <a:rPr lang="en-US" altLang="ko-KR" sz="1400" dirty="0" smtClean="0"/>
+              <a:t>4</a:t>
+            </a:r>
+            <a:endParaRPr lang="ko-KR" altLang="en-US" sz="1400" dirty="0"/>
+          </a:p>
+        </p:txBody>
+      </p:sp>
+      <p:cxnSp>
+        <p:nvCxnSpPr>
+          <p:cNvPr id="43" name="직선 화살표 연결선 42"/>
+          <p:cNvCxnSpPr>
+            <a:stCxn id="40" idx="2"/>
+            <a:endCxn id="29" idx="0"/>
+          </p:cNvCxnSpPr>
+          <p:nvPr/>
+        </p:nvCxnSpPr>
+        <p:spPr>
+          <a:xfrm flipH="1">
+            <a:off x="8096634" y="1850888"/>
+            <a:ext cx="6406" cy="336927"/>
+          </a:xfrm>
+          <a:prstGeom prst="straightConnector1">
+            <a:avLst/>
+          </a:prstGeom>
+          <a:ln w="28575">
+            <a:solidFill>
+              <a:schemeClr val="tx1">
+                <a:lumMod val="85000"/>
+                <a:lumOff val="15000"/>
+              </a:schemeClr>
+            </a:solidFill>
+            <a:tailEnd type="arrow"/>
+          </a:ln>
+        </p:spPr>
+        <p:style>
+          <a:lnRef idx="1">
+            <a:schemeClr val="accent1"/>
+          </a:lnRef>
+          <a:fillRef idx="0">
+            <a:schemeClr val="accent1"/>
+          </a:fillRef>
+          <a:effectRef idx="0">
+            <a:schemeClr val="accent1"/>
+          </a:effectRef>
+          <a:fontRef idx="minor">
+            <a:schemeClr val="tx1"/>
+          </a:fontRef>
+        </p:style>
+      </p:cxnSp>
+      <p:sp>
+        <p:nvSpPr>
+          <p:cNvPr id="31" name="모서리가 둥근 직사각형 30"/>
+          <p:cNvSpPr/>
+          <p:nvPr/>
+        </p:nvSpPr>
+        <p:spPr>
+          <a:xfrm>
+            <a:off x="389130" y="2816399"/>
+            <a:ext cx="1290849" cy="576808"/>
+          </a:xfrm>
+          <a:prstGeom prst="roundRect">
+            <a:avLst/>
+          </a:prstGeom>
+          <a:solidFill>
+            <a:srgbClr val="FF0000"/>
+          </a:solidFill>
+          <a:ln>
+            <a:solidFill>
+              <a:srgbClr val="FF0000"/>
+            </a:solidFill>
+          </a:ln>
+        </p:spPr>
+        <p:style>
+          <a:lnRef idx="2">
+            <a:schemeClr val="accent1">
+              <a:shade val="50000"/>
+            </a:schemeClr>
+          </a:lnRef>
+          <a:fillRef idx="1">
+            <a:schemeClr val="accent1"/>
+          </a:fillRef>
+          <a:effectRef idx="0">
+            <a:schemeClr val="accent1"/>
+          </a:effectRef>
+          <a:fontRef idx="minor">
+            <a:schemeClr val="lt1"/>
+          </a:fontRef>
+        </p:style>
+        <p:txBody>
+          <a:bodyPr rtlCol="0" anchor="ctr"/>
+          <a:lstStyle/>
+          <a:p>
+            <a:pPr algn="ctr"/>
+            <a:r>
+              <a:rPr lang="en-US" altLang="ko-KR" sz="1400" dirty="0" smtClean="0"/>
+              <a:t>master *</a:t>
+            </a:r>
+            <a:endParaRPr lang="ko-KR" altLang="en-US" sz="1400" dirty="0"/>
+          </a:p>
+        </p:txBody>
+      </p:sp>
+      <p:sp>
+        <p:nvSpPr>
+          <p:cNvPr id="44" name="모서리가 둥근 직사각형 43"/>
+          <p:cNvSpPr/>
+          <p:nvPr/>
+        </p:nvSpPr>
+        <p:spPr>
+          <a:xfrm>
+            <a:off x="389130" y="1607756"/>
+            <a:ext cx="1290849" cy="576808"/>
+          </a:xfrm>
+          <a:prstGeom prst="roundRect">
+            <a:avLst/>
+          </a:prstGeom>
+          <a:ln>
+            <a:solidFill>
+              <a:srgbClr val="0070C0"/>
+            </a:solidFill>
+          </a:ln>
+        </p:spPr>
+        <p:style>
+          <a:lnRef idx="2">
+            <a:schemeClr val="accent1">
+              <a:shade val="50000"/>
+            </a:schemeClr>
+          </a:lnRef>
+          <a:fillRef idx="1">
+            <a:schemeClr val="accent1"/>
+          </a:fillRef>
+          <a:effectRef idx="0">
+            <a:schemeClr val="accent1"/>
+          </a:effectRef>
+          <a:fontRef idx="minor">
+            <a:schemeClr val="lt1"/>
+          </a:fontRef>
+        </p:style>
+        <p:txBody>
+          <a:bodyPr rtlCol="0" anchor="ctr"/>
+          <a:lstStyle/>
+          <a:p>
+            <a:pPr algn="ctr"/>
+            <a:r>
+              <a:rPr lang="en-US" altLang="ko-KR" sz="1400" dirty="0"/>
+              <a:t>m</a:t>
+            </a:r>
+            <a:r>
+              <a:rPr lang="en-US" altLang="ko-KR" sz="1400" dirty="0" smtClean="0"/>
+              <a:t>ybranch1</a:t>
+            </a:r>
+          </a:p>
+        </p:txBody>
+      </p:sp>
+      <p:sp>
+        <p:nvSpPr>
+          <p:cNvPr id="45" name="모서리가 둥근 직사각형 44"/>
+          <p:cNvSpPr/>
+          <p:nvPr/>
+        </p:nvSpPr>
+        <p:spPr>
+          <a:xfrm>
+            <a:off x="2916565" y="3104803"/>
+            <a:ext cx="1290849" cy="576808"/>
+          </a:xfrm>
+          <a:prstGeom prst="roundRect">
+            <a:avLst/>
+          </a:prstGeom>
+          <a:solidFill>
+            <a:srgbClr val="00B050"/>
+          </a:solidFill>
+          <a:ln>
+            <a:solidFill>
+              <a:schemeClr val="tx1">
+                <a:lumMod val="85000"/>
+                <a:lumOff val="15000"/>
+              </a:schemeClr>
+            </a:solidFill>
+          </a:ln>
+        </p:spPr>
+        <p:style>
+          <a:lnRef idx="2">
+            <a:schemeClr val="accent1">
+              <a:shade val="50000"/>
+            </a:schemeClr>
+          </a:lnRef>
+          <a:fillRef idx="1">
+            <a:schemeClr val="accent1"/>
+          </a:fillRef>
+          <a:effectRef idx="0">
+            <a:schemeClr val="accent1"/>
+          </a:effectRef>
+          <a:fontRef idx="minor">
+            <a:schemeClr val="lt1"/>
+          </a:fontRef>
+        </p:style>
+        <p:txBody>
+          <a:bodyPr rtlCol="0" anchor="ctr"/>
+          <a:lstStyle/>
+          <a:p>
+            <a:pPr algn="ctr"/>
+            <a:r>
+              <a:rPr lang="ko-KR" altLang="en-US" sz="1400" dirty="0" err="1" smtClean="0"/>
+              <a:t>커밋</a:t>
+            </a:r>
+            <a:r>
+              <a:rPr lang="en-US" altLang="ko-KR" sz="1400" dirty="0" smtClean="0"/>
+              <a:t>2</a:t>
+            </a:r>
+            <a:endParaRPr lang="ko-KR" altLang="en-US" sz="1400" dirty="0"/>
+          </a:p>
+        </p:txBody>
+      </p:sp>
+      <p:sp>
+        <p:nvSpPr>
+          <p:cNvPr id="46" name="모서리가 둥근 직사각형 45"/>
+          <p:cNvSpPr/>
+          <p:nvPr/>
+        </p:nvSpPr>
+        <p:spPr>
+          <a:xfrm>
+            <a:off x="2914705" y="4057144"/>
+            <a:ext cx="1290849" cy="576808"/>
+          </a:xfrm>
+          <a:prstGeom prst="roundRect">
+            <a:avLst/>
+          </a:prstGeom>
+          <a:solidFill>
+            <a:srgbClr val="00B050"/>
+          </a:solidFill>
+          <a:ln>
+            <a:solidFill>
+              <a:schemeClr val="tx1">
+                <a:lumMod val="85000"/>
+                <a:lumOff val="15000"/>
+              </a:schemeClr>
+            </a:solidFill>
+          </a:ln>
+        </p:spPr>
+        <p:style>
+          <a:lnRef idx="2">
+            <a:schemeClr val="accent1">
+              <a:shade val="50000"/>
+            </a:schemeClr>
+          </a:lnRef>
+          <a:fillRef idx="1">
+            <a:schemeClr val="accent1"/>
+          </a:fillRef>
+          <a:effectRef idx="0">
+            <a:schemeClr val="accent1"/>
+          </a:effectRef>
+          <a:fontRef idx="minor">
+            <a:schemeClr val="lt1"/>
+          </a:fontRef>
+        </p:style>
+        <p:txBody>
+          <a:bodyPr rtlCol="0" anchor="ctr"/>
+          <a:lstStyle/>
+          <a:p>
+            <a:pPr algn="ctr"/>
+            <a:r>
+              <a:rPr lang="ko-KR" altLang="en-US" sz="1400" dirty="0" err="1" smtClean="0"/>
+              <a:t>커밋</a:t>
+            </a:r>
+            <a:r>
+              <a:rPr lang="en-US" altLang="ko-KR" sz="1400" dirty="0"/>
+              <a:t>1</a:t>
+            </a:r>
+            <a:endParaRPr lang="ko-KR" altLang="en-US" sz="1400" dirty="0"/>
+          </a:p>
+        </p:txBody>
+      </p:sp>
+      <p:cxnSp>
+        <p:nvCxnSpPr>
+          <p:cNvPr id="47" name="직선 연결선 46"/>
+          <p:cNvCxnSpPr>
+            <a:stCxn id="44" idx="3"/>
+            <a:endCxn id="53" idx="1"/>
+          </p:cNvCxnSpPr>
+          <p:nvPr/>
+        </p:nvCxnSpPr>
+        <p:spPr>
+          <a:xfrm flipV="1">
+            <a:off x="1679979" y="1559233"/>
+            <a:ext cx="1250184" cy="336927"/>
+          </a:xfrm>
+          <a:prstGeom prst="line">
+            <a:avLst/>
+          </a:prstGeom>
+          <a:ln w="28575">
+            <a:solidFill>
+              <a:srgbClr val="FF0000"/>
+            </a:solidFill>
+          </a:ln>
+        </p:spPr>
+        <p:style>
+          <a:lnRef idx="1">
+            <a:schemeClr val="accent1"/>
+          </a:lnRef>
+          <a:fillRef idx="0">
+            <a:schemeClr val="accent1"/>
+          </a:fillRef>
+          <a:effectRef idx="0">
+            <a:schemeClr val="accent1"/>
+          </a:effectRef>
+          <a:fontRef idx="minor">
+            <a:schemeClr val="tx1"/>
+          </a:fontRef>
+        </p:style>
+      </p:cxnSp>
+      <p:cxnSp>
+        <p:nvCxnSpPr>
+          <p:cNvPr id="48" name="직선 연결선 47"/>
+          <p:cNvCxnSpPr>
+            <a:stCxn id="31" idx="3"/>
+            <a:endCxn id="45" idx="1"/>
+          </p:cNvCxnSpPr>
+          <p:nvPr/>
+        </p:nvCxnSpPr>
+        <p:spPr>
+          <a:xfrm>
+            <a:off x="1679979" y="3104803"/>
+            <a:ext cx="1236586" cy="288404"/>
+          </a:xfrm>
+          <a:prstGeom prst="line">
+            <a:avLst/>
+          </a:prstGeom>
+          <a:ln w="28575">
+            <a:solidFill>
+              <a:srgbClr val="FF0000"/>
+            </a:solidFill>
+          </a:ln>
+        </p:spPr>
+        <p:style>
+          <a:lnRef idx="1">
+            <a:schemeClr val="accent1"/>
+          </a:lnRef>
+          <a:fillRef idx="0">
+            <a:schemeClr val="accent1"/>
+          </a:fillRef>
+          <a:effectRef idx="0">
+            <a:schemeClr val="accent1"/>
+          </a:effectRef>
+          <a:fontRef idx="minor">
+            <a:schemeClr val="tx1"/>
+          </a:fontRef>
+        </p:style>
+      </p:cxnSp>
+      <p:cxnSp>
+        <p:nvCxnSpPr>
+          <p:cNvPr id="50" name="직선 화살표 연결선 49"/>
+          <p:cNvCxnSpPr>
+            <a:stCxn id="45" idx="2"/>
+            <a:endCxn id="46" idx="0"/>
+          </p:cNvCxnSpPr>
+          <p:nvPr/>
+        </p:nvCxnSpPr>
+        <p:spPr>
+          <a:xfrm flipH="1">
+            <a:off x="3560130" y="3681611"/>
+            <a:ext cx="1860" cy="375533"/>
+          </a:xfrm>
+          <a:prstGeom prst="straightConnector1">
+            <a:avLst/>
+          </a:prstGeom>
+          <a:ln w="28575">
+            <a:solidFill>
+              <a:schemeClr val="tx1">
+                <a:lumMod val="85000"/>
+                <a:lumOff val="15000"/>
+              </a:schemeClr>
+            </a:solidFill>
+            <a:tailEnd type="arrow"/>
+          </a:ln>
+        </p:spPr>
+        <p:style>
+          <a:lnRef idx="1">
+            <a:schemeClr val="accent1"/>
+          </a:lnRef>
+          <a:fillRef idx="0">
+            <a:schemeClr val="accent1"/>
+          </a:fillRef>
+          <a:effectRef idx="0">
+            <a:schemeClr val="accent1"/>
+          </a:effectRef>
+          <a:fontRef idx="minor">
+            <a:schemeClr val="tx1"/>
+          </a:fontRef>
+        </p:style>
+      </p:cxnSp>
+      <p:sp>
+        <p:nvSpPr>
+          <p:cNvPr id="51" name="모서리가 둥근 직사각형 50"/>
+          <p:cNvSpPr/>
+          <p:nvPr/>
+        </p:nvSpPr>
+        <p:spPr>
+          <a:xfrm>
+            <a:off x="2923757" y="2184564"/>
+            <a:ext cx="1290849" cy="576808"/>
+          </a:xfrm>
+          <a:prstGeom prst="roundRect">
+            <a:avLst/>
+          </a:prstGeom>
+          <a:solidFill>
+            <a:srgbClr val="00B050"/>
+          </a:solidFill>
+          <a:ln>
+            <a:solidFill>
+              <a:schemeClr val="tx1">
+                <a:lumMod val="85000"/>
+                <a:lumOff val="15000"/>
+              </a:schemeClr>
+            </a:solidFill>
+          </a:ln>
+        </p:spPr>
+        <p:style>
+          <a:lnRef idx="2">
+            <a:schemeClr val="accent1">
+              <a:shade val="50000"/>
+            </a:schemeClr>
+          </a:lnRef>
+          <a:fillRef idx="1">
+            <a:schemeClr val="accent1"/>
+          </a:fillRef>
+          <a:effectRef idx="0">
+            <a:schemeClr val="accent1"/>
+          </a:effectRef>
+          <a:fontRef idx="minor">
+            <a:schemeClr val="lt1"/>
+          </a:fontRef>
+        </p:style>
+        <p:txBody>
+          <a:bodyPr rtlCol="0" anchor="ctr"/>
+          <a:lstStyle/>
+          <a:p>
+            <a:pPr algn="ctr"/>
+            <a:r>
+              <a:rPr lang="ko-KR" altLang="en-US" sz="1400" dirty="0" err="1" smtClean="0"/>
+              <a:t>커밋</a:t>
+            </a:r>
+            <a:r>
+              <a:rPr lang="en-US" altLang="ko-KR" sz="1400" dirty="0"/>
+              <a:t>3</a:t>
+            </a:r>
+            <a:endParaRPr lang="ko-KR" altLang="en-US" sz="1400" dirty="0"/>
+          </a:p>
+        </p:txBody>
+      </p:sp>
+      <p:cxnSp>
+        <p:nvCxnSpPr>
+          <p:cNvPr id="52" name="직선 화살표 연결선 51"/>
+          <p:cNvCxnSpPr>
+            <a:stCxn id="51" idx="2"/>
+            <a:endCxn id="45" idx="0"/>
+          </p:cNvCxnSpPr>
+          <p:nvPr/>
+        </p:nvCxnSpPr>
+        <p:spPr>
+          <a:xfrm flipH="1">
+            <a:off x="3561990" y="2761372"/>
+            <a:ext cx="7192" cy="343431"/>
+          </a:xfrm>
+          <a:prstGeom prst="straightConnector1">
+            <a:avLst/>
+          </a:prstGeom>
+          <a:ln w="28575">
+            <a:solidFill>
+              <a:schemeClr val="tx1">
+                <a:lumMod val="85000"/>
+                <a:lumOff val="15000"/>
+              </a:schemeClr>
+            </a:solidFill>
+            <a:tailEnd type="arrow"/>
+          </a:ln>
+        </p:spPr>
+        <p:style>
+          <a:lnRef idx="1">
+            <a:schemeClr val="accent1"/>
+          </a:lnRef>
+          <a:fillRef idx="0">
+            <a:schemeClr val="accent1"/>
+          </a:fillRef>
+          <a:effectRef idx="0">
+            <a:schemeClr val="accent1"/>
+          </a:effectRef>
+          <a:fontRef idx="minor">
+            <a:schemeClr val="tx1"/>
+          </a:fontRef>
+        </p:style>
+      </p:cxnSp>
+      <p:sp>
+        <p:nvSpPr>
+          <p:cNvPr id="53" name="모서리가 둥근 직사각형 52"/>
+          <p:cNvSpPr/>
+          <p:nvPr/>
+        </p:nvSpPr>
+        <p:spPr>
+          <a:xfrm>
+            <a:off x="2930163" y="1270829"/>
+            <a:ext cx="1290849" cy="576808"/>
+          </a:xfrm>
+          <a:prstGeom prst="roundRect">
+            <a:avLst/>
+          </a:prstGeom>
+          <a:solidFill>
+            <a:srgbClr val="00B050"/>
+          </a:solidFill>
+          <a:ln>
+            <a:solidFill>
+              <a:schemeClr val="tx1">
+                <a:lumMod val="85000"/>
+                <a:lumOff val="15000"/>
+              </a:schemeClr>
+            </a:solidFill>
+          </a:ln>
+        </p:spPr>
+        <p:style>
+          <a:lnRef idx="2">
+            <a:schemeClr val="accent1">
+              <a:shade val="50000"/>
+            </a:schemeClr>
+          </a:lnRef>
+          <a:fillRef idx="1">
+            <a:schemeClr val="accent1"/>
+          </a:fillRef>
+          <a:effectRef idx="0">
+            <a:schemeClr val="accent1"/>
+          </a:effectRef>
+          <a:fontRef idx="minor">
+            <a:schemeClr val="lt1"/>
+          </a:fontRef>
+        </p:style>
+        <p:txBody>
+          <a:bodyPr rtlCol="0" anchor="ctr"/>
+          <a:lstStyle/>
+          <a:p>
+            <a:pPr algn="ctr"/>
+            <a:r>
+              <a:rPr lang="ko-KR" altLang="en-US" sz="1400" dirty="0" err="1" smtClean="0"/>
+              <a:t>커밋</a:t>
+            </a:r>
+            <a:r>
+              <a:rPr lang="en-US" altLang="ko-KR" sz="1400" dirty="0" smtClean="0"/>
+              <a:t>4</a:t>
+            </a:r>
+            <a:endParaRPr lang="ko-KR" altLang="en-US" sz="1400" dirty="0"/>
+          </a:p>
+        </p:txBody>
+      </p:sp>
+      <p:cxnSp>
+        <p:nvCxnSpPr>
+          <p:cNvPr id="54" name="직선 화살표 연결선 53"/>
+          <p:cNvCxnSpPr>
+            <a:stCxn id="53" idx="2"/>
+            <a:endCxn id="51" idx="0"/>
+          </p:cNvCxnSpPr>
+          <p:nvPr/>
+        </p:nvCxnSpPr>
+        <p:spPr>
+          <a:xfrm flipH="1">
+            <a:off x="3569182" y="1847637"/>
+            <a:ext cx="6406" cy="336927"/>
+          </a:xfrm>
+          <a:prstGeom prst="straightConnector1">
+            <a:avLst/>
+          </a:prstGeom>
+          <a:ln w="28575">
+            <a:solidFill>
+              <a:schemeClr val="tx1">
+                <a:lumMod val="85000"/>
+                <a:lumOff val="15000"/>
+              </a:schemeClr>
+            </a:solidFill>
+            <a:tailEnd type="arrow"/>
+          </a:ln>
+        </p:spPr>
+        <p:style>
+          <a:lnRef idx="1">
+            <a:schemeClr val="accent1"/>
+          </a:lnRef>
+          <a:fillRef idx="0">
+            <a:schemeClr val="accent1"/>
+          </a:fillRef>
+          <a:effectRef idx="0">
+            <a:schemeClr val="accent1"/>
+          </a:effectRef>
+          <a:fontRef idx="minor">
+            <a:schemeClr val="tx1"/>
+          </a:fontRef>
+        </p:style>
+      </p:cxnSp>
+    </p:spTree>
+    <p:extLst>
+      <p:ext uri="{BB962C8B-B14F-4D97-AF65-F5344CB8AC3E}">
+        <p14:creationId xmlns:p14="http://schemas.microsoft.com/office/powerpoint/2010/main" val="4061819734"/>
+      </p:ext>
+    </p:extLst>
+  </p:cSld>
+  <p:clrMapOvr>
+    <a:masterClrMapping/>
+  </p:clrMapOvr>
+  <p:timing>
+    <p:tnLst>
+      <p:par>
+        <p:cTn id="1" dur="indefinite" restart="never" nodeType="tmRoot"/>
+      </p:par>
+    </p:tnLst>
+  </p:timing>
+</p:sld>
+</file>
+
 <file path=ppt/slides/slide2.xml><?xml version="1.0" encoding="utf-8"?>
 <p:sld xmlns:a="http://schemas.openxmlformats.org/drawingml/2006/main" xmlns:r="http://schemas.openxmlformats.org/officeDocument/2006/relationships" xmlns:p="http://schemas.openxmlformats.org/presentationml/2006/main">
   <p:cSld>
@@ -7577,6 +12074,3647 @@
     <p:extLst>
       <p:ext uri="{BB962C8B-B14F-4D97-AF65-F5344CB8AC3E}">
         <p14:creationId xmlns:p14="http://schemas.microsoft.com/office/powerpoint/2010/main" val="1314493923"/>
+      </p:ext>
+    </p:extLst>
+  </p:cSld>
+  <p:clrMapOvr>
+    <a:masterClrMapping/>
+  </p:clrMapOvr>
+  <p:timing>
+    <p:tnLst>
+      <p:par>
+        <p:cTn id="1" dur="indefinite" restart="never" nodeType="tmRoot"/>
+      </p:par>
+    </p:tnLst>
+  </p:timing>
+</p:sld>
+</file>
+
+<file path=ppt/slides/slide20.xml><?xml version="1.0" encoding="utf-8"?>
+<p:sld xmlns:a="http://schemas.openxmlformats.org/drawingml/2006/main" xmlns:r="http://schemas.openxmlformats.org/officeDocument/2006/relationships" xmlns:p="http://schemas.openxmlformats.org/presentationml/2006/main">
+  <p:cSld>
+    <p:spTree>
+      <p:nvGrpSpPr>
+        <p:cNvPr id="1" name=""/>
+        <p:cNvGrpSpPr/>
+        <p:nvPr/>
+      </p:nvGrpSpPr>
+      <p:grpSpPr>
+        <a:xfrm>
+          <a:off x="0" y="0"/>
+          <a:ext cx="0" cy="0"/>
+          <a:chOff x="0" y="0"/>
+          <a:chExt cx="0" cy="0"/>
+        </a:xfrm>
+      </p:grpSpPr>
+      <p:pic>
+        <p:nvPicPr>
+          <p:cNvPr id="1026" name="Picture 2"/>
+          <p:cNvPicPr>
+            <a:picLocks noChangeAspect="1" noChangeArrowheads="1"/>
+          </p:cNvPicPr>
+          <p:nvPr/>
+        </p:nvPicPr>
+        <p:blipFill>
+          <a:blip r:embed="rId2">
+            <a:extLst>
+              <a:ext uri="{28A0092B-C50C-407E-A947-70E740481C1C}">
+                <a14:useLocalDpi xmlns:a14="http://schemas.microsoft.com/office/drawing/2010/main" val="0"/>
+              </a:ext>
+            </a:extLst>
+          </a:blip>
+          <a:srcRect/>
+          <a:stretch>
+            <a:fillRect/>
+          </a:stretch>
+        </p:blipFill>
+        <p:spPr bwMode="auto">
+          <a:xfrm>
+            <a:off x="1115616" y="1988840"/>
+            <a:ext cx="1790700" cy="1028700"/>
+          </a:xfrm>
+          <a:prstGeom prst="rect">
+            <a:avLst/>
+          </a:prstGeom>
+          <a:noFill/>
+          <a:ln>
+            <a:noFill/>
+          </a:ln>
+          <a:extLst>
+            <a:ext uri="{909E8E84-426E-40DD-AFC4-6F175D3DCCD1}">
+              <a14:hiddenFill xmlns:a14="http://schemas.microsoft.com/office/drawing/2010/main">
+                <a:solidFill>
+                  <a:schemeClr val="accent1"/>
+                </a:solidFill>
+              </a14:hiddenFill>
+            </a:ext>
+            <a:ext uri="{91240B29-F687-4F45-9708-019B960494DF}">
+              <a14:hiddenLine xmlns:a14="http://schemas.microsoft.com/office/drawing/2010/main" w="9525">
+                <a:solidFill>
+                  <a:schemeClr val="tx1"/>
+                </a:solidFill>
+                <a:miter lim="800000"/>
+                <a:headEnd/>
+                <a:tailEnd/>
+              </a14:hiddenLine>
+            </a:ext>
+          </a:extLst>
+        </p:spPr>
+      </p:pic>
+      <p:pic>
+        <p:nvPicPr>
+          <p:cNvPr id="1027" name="Picture 3"/>
+          <p:cNvPicPr>
+            <a:picLocks noChangeAspect="1" noChangeArrowheads="1"/>
+          </p:cNvPicPr>
+          <p:nvPr/>
+        </p:nvPicPr>
+        <p:blipFill>
+          <a:blip r:embed="rId3">
+            <a:extLst>
+              <a:ext uri="{28A0092B-C50C-407E-A947-70E740481C1C}">
+                <a14:useLocalDpi xmlns:a14="http://schemas.microsoft.com/office/drawing/2010/main" val="0"/>
+              </a:ext>
+            </a:extLst>
+          </a:blip>
+          <a:srcRect/>
+          <a:stretch>
+            <a:fillRect/>
+          </a:stretch>
+        </p:blipFill>
+        <p:spPr bwMode="auto">
+          <a:xfrm>
+            <a:off x="4364825" y="2015530"/>
+            <a:ext cx="1647825" cy="981075"/>
+          </a:xfrm>
+          <a:prstGeom prst="rect">
+            <a:avLst/>
+          </a:prstGeom>
+          <a:noFill/>
+          <a:ln>
+            <a:noFill/>
+          </a:ln>
+          <a:extLst>
+            <a:ext uri="{909E8E84-426E-40DD-AFC4-6F175D3DCCD1}">
+              <a14:hiddenFill xmlns:a14="http://schemas.microsoft.com/office/drawing/2010/main">
+                <a:solidFill>
+                  <a:schemeClr val="accent1"/>
+                </a:solidFill>
+              </a14:hiddenFill>
+            </a:ext>
+            <a:ext uri="{91240B29-F687-4F45-9708-019B960494DF}">
+              <a14:hiddenLine xmlns:a14="http://schemas.microsoft.com/office/drawing/2010/main" w="9525">
+                <a:solidFill>
+                  <a:schemeClr val="tx1"/>
+                </a:solidFill>
+                <a:miter lim="800000"/>
+                <a:headEnd/>
+                <a:tailEnd/>
+              </a14:hiddenLine>
+            </a:ext>
+          </a:extLst>
+        </p:spPr>
+      </p:pic>
+      <p:sp>
+        <p:nvSpPr>
+          <p:cNvPr id="3" name="TextBox 2"/>
+          <p:cNvSpPr txBox="1"/>
+          <p:nvPr/>
+        </p:nvSpPr>
+        <p:spPr>
+          <a:xfrm>
+            <a:off x="1178205" y="1484784"/>
+            <a:ext cx="1665521" cy="369332"/>
+          </a:xfrm>
+          <a:prstGeom prst="rect">
+            <a:avLst/>
+          </a:prstGeom>
+          <a:noFill/>
+        </p:spPr>
+        <p:txBody>
+          <a:bodyPr wrap="none" rtlCol="0">
+            <a:spAutoFit/>
+          </a:bodyPr>
+          <a:lstStyle/>
+          <a:p>
+            <a:pPr algn="ctr"/>
+            <a:r>
+              <a:rPr lang="en-US" altLang="ko-KR" dirty="0" smtClean="0"/>
+              <a:t>master </a:t>
+            </a:r>
+            <a:r>
+              <a:rPr lang="ko-KR" altLang="en-US" dirty="0" err="1" smtClean="0"/>
+              <a:t>브랜치</a:t>
+            </a:r>
+            <a:endParaRPr lang="ko-KR" altLang="en-US" dirty="0"/>
+          </a:p>
+        </p:txBody>
+      </p:sp>
+      <p:sp>
+        <p:nvSpPr>
+          <p:cNvPr id="6" name="TextBox 5"/>
+          <p:cNvSpPr txBox="1"/>
+          <p:nvPr/>
+        </p:nvSpPr>
+        <p:spPr>
+          <a:xfrm>
+            <a:off x="4279707" y="1500659"/>
+            <a:ext cx="1818063" cy="369332"/>
+          </a:xfrm>
+          <a:prstGeom prst="rect">
+            <a:avLst/>
+          </a:prstGeom>
+          <a:noFill/>
+        </p:spPr>
+        <p:txBody>
+          <a:bodyPr wrap="none" rtlCol="0">
+            <a:spAutoFit/>
+          </a:bodyPr>
+          <a:lstStyle/>
+          <a:p>
+            <a:pPr algn="ctr"/>
+            <a:r>
+              <a:rPr lang="en-US" altLang="ko-KR" dirty="0" smtClean="0"/>
+              <a:t>feature1 </a:t>
+            </a:r>
+            <a:r>
+              <a:rPr lang="ko-KR" altLang="en-US" dirty="0" err="1" smtClean="0"/>
+              <a:t>브랜치</a:t>
+            </a:r>
+            <a:endParaRPr lang="ko-KR" altLang="en-US" dirty="0"/>
+          </a:p>
+        </p:txBody>
+      </p:sp>
+    </p:spTree>
+    <p:extLst>
+      <p:ext uri="{BB962C8B-B14F-4D97-AF65-F5344CB8AC3E}">
+        <p14:creationId xmlns:p14="http://schemas.microsoft.com/office/powerpoint/2010/main" val="3715149618"/>
+      </p:ext>
+    </p:extLst>
+  </p:cSld>
+  <p:clrMapOvr>
+    <a:masterClrMapping/>
+  </p:clrMapOvr>
+  <p:timing>
+    <p:tnLst>
+      <p:par>
+        <p:cTn id="1" dur="indefinite" restart="never" nodeType="tmRoot"/>
+      </p:par>
+    </p:tnLst>
+  </p:timing>
+</p:sld>
+</file>
+
+<file path=ppt/slides/slide21.xml><?xml version="1.0" encoding="utf-8"?>
+<p:sld xmlns:a="http://schemas.openxmlformats.org/drawingml/2006/main" xmlns:r="http://schemas.openxmlformats.org/officeDocument/2006/relationships" xmlns:p="http://schemas.openxmlformats.org/presentationml/2006/main">
+  <p:cSld>
+    <p:spTree>
+      <p:nvGrpSpPr>
+        <p:cNvPr id="1" name=""/>
+        <p:cNvGrpSpPr/>
+        <p:nvPr/>
+      </p:nvGrpSpPr>
+      <p:grpSpPr>
+        <a:xfrm>
+          <a:off x="0" y="0"/>
+          <a:ext cx="0" cy="0"/>
+          <a:chOff x="0" y="0"/>
+          <a:chExt cx="0" cy="0"/>
+        </a:xfrm>
+      </p:grpSpPr>
+      <p:sp>
+        <p:nvSpPr>
+          <p:cNvPr id="2" name="타원 1"/>
+          <p:cNvSpPr/>
+          <p:nvPr/>
+        </p:nvSpPr>
+        <p:spPr>
+          <a:xfrm>
+            <a:off x="1835696" y="406921"/>
+            <a:ext cx="720080" cy="720080"/>
+          </a:xfrm>
+          <a:prstGeom prst="ellipse">
+            <a:avLst/>
+          </a:prstGeom>
+        </p:spPr>
+        <p:style>
+          <a:lnRef idx="2">
+            <a:schemeClr val="accent1">
+              <a:shade val="50000"/>
+            </a:schemeClr>
+          </a:lnRef>
+          <a:fillRef idx="1">
+            <a:schemeClr val="accent1"/>
+          </a:fillRef>
+          <a:effectRef idx="0">
+            <a:schemeClr val="accent1"/>
+          </a:effectRef>
+          <a:fontRef idx="minor">
+            <a:schemeClr val="lt1"/>
+          </a:fontRef>
+        </p:style>
+        <p:txBody>
+          <a:bodyPr rtlCol="0" anchor="ctr"/>
+          <a:lstStyle/>
+          <a:p>
+            <a:pPr algn="ctr"/>
+            <a:r>
+              <a:rPr lang="en-US" altLang="ko-KR" dirty="0" smtClean="0"/>
+              <a:t>c1</a:t>
+            </a:r>
+            <a:endParaRPr lang="ko-KR" altLang="en-US" dirty="0"/>
+          </a:p>
+        </p:txBody>
+      </p:sp>
+      <p:sp>
+        <p:nvSpPr>
+          <p:cNvPr id="3" name="타원 2"/>
+          <p:cNvSpPr/>
+          <p:nvPr/>
+        </p:nvSpPr>
+        <p:spPr>
+          <a:xfrm>
+            <a:off x="3031257" y="406921"/>
+            <a:ext cx="720080" cy="720080"/>
+          </a:xfrm>
+          <a:prstGeom prst="ellipse">
+            <a:avLst/>
+          </a:prstGeom>
+        </p:spPr>
+        <p:style>
+          <a:lnRef idx="2">
+            <a:schemeClr val="accent1">
+              <a:shade val="50000"/>
+            </a:schemeClr>
+          </a:lnRef>
+          <a:fillRef idx="1">
+            <a:schemeClr val="accent1"/>
+          </a:fillRef>
+          <a:effectRef idx="0">
+            <a:schemeClr val="accent1"/>
+          </a:effectRef>
+          <a:fontRef idx="minor">
+            <a:schemeClr val="lt1"/>
+          </a:fontRef>
+        </p:style>
+        <p:txBody>
+          <a:bodyPr rtlCol="0" anchor="ctr"/>
+          <a:lstStyle/>
+          <a:p>
+            <a:pPr algn="ctr"/>
+            <a:r>
+              <a:rPr lang="en-US" altLang="ko-KR" dirty="0" smtClean="0"/>
+              <a:t>c2</a:t>
+            </a:r>
+            <a:endParaRPr lang="ko-KR" altLang="en-US" dirty="0"/>
+          </a:p>
+        </p:txBody>
+      </p:sp>
+      <p:sp>
+        <p:nvSpPr>
+          <p:cNvPr id="4" name="타원 3"/>
+          <p:cNvSpPr/>
+          <p:nvPr/>
+        </p:nvSpPr>
+        <p:spPr>
+          <a:xfrm>
+            <a:off x="4255393" y="404664"/>
+            <a:ext cx="720080" cy="720080"/>
+          </a:xfrm>
+          <a:prstGeom prst="ellipse">
+            <a:avLst/>
+          </a:prstGeom>
+        </p:spPr>
+        <p:style>
+          <a:lnRef idx="2">
+            <a:schemeClr val="accent1">
+              <a:shade val="50000"/>
+            </a:schemeClr>
+          </a:lnRef>
+          <a:fillRef idx="1">
+            <a:schemeClr val="accent1"/>
+          </a:fillRef>
+          <a:effectRef idx="0">
+            <a:schemeClr val="accent1"/>
+          </a:effectRef>
+          <a:fontRef idx="minor">
+            <a:schemeClr val="lt1"/>
+          </a:fontRef>
+        </p:style>
+        <p:txBody>
+          <a:bodyPr rtlCol="0" anchor="ctr"/>
+          <a:lstStyle/>
+          <a:p>
+            <a:pPr algn="ctr"/>
+            <a:r>
+              <a:rPr lang="en-US" altLang="ko-KR" dirty="0" smtClean="0"/>
+              <a:t>c3</a:t>
+            </a:r>
+            <a:endParaRPr lang="ko-KR" altLang="en-US" dirty="0"/>
+          </a:p>
+        </p:txBody>
+      </p:sp>
+      <p:sp>
+        <p:nvSpPr>
+          <p:cNvPr id="5" name="타원 4"/>
+          <p:cNvSpPr/>
+          <p:nvPr/>
+        </p:nvSpPr>
+        <p:spPr>
+          <a:xfrm>
+            <a:off x="3679329" y="1467991"/>
+            <a:ext cx="720080" cy="720080"/>
+          </a:xfrm>
+          <a:prstGeom prst="ellipse">
+            <a:avLst/>
+          </a:prstGeom>
+          <a:solidFill>
+            <a:srgbClr val="FF0000"/>
+          </a:solidFill>
+          <a:ln>
+            <a:solidFill>
+              <a:schemeClr val="tx1">
+                <a:lumMod val="85000"/>
+                <a:lumOff val="15000"/>
+              </a:schemeClr>
+            </a:solidFill>
+          </a:ln>
+        </p:spPr>
+        <p:style>
+          <a:lnRef idx="2">
+            <a:schemeClr val="accent1">
+              <a:shade val="50000"/>
+            </a:schemeClr>
+          </a:lnRef>
+          <a:fillRef idx="1">
+            <a:schemeClr val="accent1"/>
+          </a:fillRef>
+          <a:effectRef idx="0">
+            <a:schemeClr val="accent1"/>
+          </a:effectRef>
+          <a:fontRef idx="minor">
+            <a:schemeClr val="lt1"/>
+          </a:fontRef>
+        </p:style>
+        <p:txBody>
+          <a:bodyPr rtlCol="0" anchor="ctr"/>
+          <a:lstStyle/>
+          <a:p>
+            <a:pPr algn="ctr"/>
+            <a:r>
+              <a:rPr lang="en-US" altLang="ko-KR" dirty="0" smtClean="0"/>
+              <a:t>c4</a:t>
+            </a:r>
+            <a:endParaRPr lang="ko-KR" altLang="en-US" dirty="0"/>
+          </a:p>
+        </p:txBody>
+      </p:sp>
+      <p:sp>
+        <p:nvSpPr>
+          <p:cNvPr id="6" name="타원 5"/>
+          <p:cNvSpPr/>
+          <p:nvPr/>
+        </p:nvSpPr>
+        <p:spPr>
+          <a:xfrm>
+            <a:off x="4831457" y="1467991"/>
+            <a:ext cx="720080" cy="720080"/>
+          </a:xfrm>
+          <a:prstGeom prst="ellipse">
+            <a:avLst/>
+          </a:prstGeom>
+          <a:solidFill>
+            <a:srgbClr val="FF0000"/>
+          </a:solidFill>
+          <a:ln>
+            <a:solidFill>
+              <a:schemeClr val="tx1">
+                <a:lumMod val="85000"/>
+                <a:lumOff val="15000"/>
+              </a:schemeClr>
+            </a:solidFill>
+          </a:ln>
+        </p:spPr>
+        <p:style>
+          <a:lnRef idx="2">
+            <a:schemeClr val="accent1">
+              <a:shade val="50000"/>
+            </a:schemeClr>
+          </a:lnRef>
+          <a:fillRef idx="1">
+            <a:schemeClr val="accent1"/>
+          </a:fillRef>
+          <a:effectRef idx="0">
+            <a:schemeClr val="accent1"/>
+          </a:effectRef>
+          <a:fontRef idx="minor">
+            <a:schemeClr val="lt1"/>
+          </a:fontRef>
+        </p:style>
+        <p:txBody>
+          <a:bodyPr rtlCol="0" anchor="ctr"/>
+          <a:lstStyle/>
+          <a:p>
+            <a:pPr algn="ctr"/>
+            <a:r>
+              <a:rPr lang="en-US" altLang="ko-KR" dirty="0" smtClean="0"/>
+              <a:t>c5</a:t>
+            </a:r>
+            <a:endParaRPr lang="ko-KR" altLang="en-US" dirty="0"/>
+          </a:p>
+        </p:txBody>
+      </p:sp>
+      <p:cxnSp>
+        <p:nvCxnSpPr>
+          <p:cNvPr id="8" name="직선 화살표 연결선 7"/>
+          <p:cNvCxnSpPr>
+            <a:stCxn id="3" idx="2"/>
+            <a:endCxn id="2" idx="6"/>
+          </p:cNvCxnSpPr>
+          <p:nvPr/>
+        </p:nvCxnSpPr>
+        <p:spPr>
+          <a:xfrm flipH="1">
+            <a:off x="2555776" y="766961"/>
+            <a:ext cx="475481" cy="0"/>
+          </a:xfrm>
+          <a:prstGeom prst="straightConnector1">
+            <a:avLst/>
+          </a:prstGeom>
+          <a:ln w="28575">
+            <a:solidFill>
+              <a:srgbClr val="FF0000"/>
+            </a:solidFill>
+            <a:tailEnd type="arrow"/>
+          </a:ln>
+        </p:spPr>
+        <p:style>
+          <a:lnRef idx="1">
+            <a:schemeClr val="accent1"/>
+          </a:lnRef>
+          <a:fillRef idx="0">
+            <a:schemeClr val="accent1"/>
+          </a:fillRef>
+          <a:effectRef idx="0">
+            <a:schemeClr val="accent1"/>
+          </a:effectRef>
+          <a:fontRef idx="minor">
+            <a:schemeClr val="tx1"/>
+          </a:fontRef>
+        </p:style>
+      </p:cxnSp>
+      <p:cxnSp>
+        <p:nvCxnSpPr>
+          <p:cNvPr id="11" name="직선 화살표 연결선 10"/>
+          <p:cNvCxnSpPr>
+            <a:stCxn id="4" idx="2"/>
+            <a:endCxn id="3" idx="6"/>
+          </p:cNvCxnSpPr>
+          <p:nvPr/>
+        </p:nvCxnSpPr>
+        <p:spPr>
+          <a:xfrm flipH="1">
+            <a:off x="3751337" y="764704"/>
+            <a:ext cx="504056" cy="2257"/>
+          </a:xfrm>
+          <a:prstGeom prst="straightConnector1">
+            <a:avLst/>
+          </a:prstGeom>
+          <a:ln w="28575">
+            <a:solidFill>
+              <a:srgbClr val="FF0000"/>
+            </a:solidFill>
+            <a:tailEnd type="arrow"/>
+          </a:ln>
+        </p:spPr>
+        <p:style>
+          <a:lnRef idx="1">
+            <a:schemeClr val="accent1"/>
+          </a:lnRef>
+          <a:fillRef idx="0">
+            <a:schemeClr val="accent1"/>
+          </a:fillRef>
+          <a:effectRef idx="0">
+            <a:schemeClr val="accent1"/>
+          </a:effectRef>
+          <a:fontRef idx="minor">
+            <a:schemeClr val="tx1"/>
+          </a:fontRef>
+        </p:style>
+      </p:cxnSp>
+      <p:cxnSp>
+        <p:nvCxnSpPr>
+          <p:cNvPr id="15" name="직선 화살표 연결선 14"/>
+          <p:cNvCxnSpPr>
+            <a:stCxn id="5" idx="1"/>
+            <a:endCxn id="3" idx="4"/>
+          </p:cNvCxnSpPr>
+          <p:nvPr/>
+        </p:nvCxnSpPr>
+        <p:spPr>
+          <a:xfrm flipH="1" flipV="1">
+            <a:off x="3391297" y="1127001"/>
+            <a:ext cx="393485" cy="446443"/>
+          </a:xfrm>
+          <a:prstGeom prst="straightConnector1">
+            <a:avLst/>
+          </a:prstGeom>
+          <a:ln w="28575">
+            <a:solidFill>
+              <a:srgbClr val="FF0000"/>
+            </a:solidFill>
+            <a:tailEnd type="arrow"/>
+          </a:ln>
+        </p:spPr>
+        <p:style>
+          <a:lnRef idx="1">
+            <a:schemeClr val="accent1"/>
+          </a:lnRef>
+          <a:fillRef idx="0">
+            <a:schemeClr val="accent1"/>
+          </a:fillRef>
+          <a:effectRef idx="0">
+            <a:schemeClr val="accent1"/>
+          </a:effectRef>
+          <a:fontRef idx="minor">
+            <a:schemeClr val="tx1"/>
+          </a:fontRef>
+        </p:style>
+      </p:cxnSp>
+      <p:cxnSp>
+        <p:nvCxnSpPr>
+          <p:cNvPr id="17" name="직선 화살표 연결선 16"/>
+          <p:cNvCxnSpPr>
+            <a:stCxn id="6" idx="2"/>
+            <a:endCxn id="5" idx="6"/>
+          </p:cNvCxnSpPr>
+          <p:nvPr/>
+        </p:nvCxnSpPr>
+        <p:spPr>
+          <a:xfrm flipH="1">
+            <a:off x="4399409" y="1828031"/>
+            <a:ext cx="432048" cy="0"/>
+          </a:xfrm>
+          <a:prstGeom prst="straightConnector1">
+            <a:avLst/>
+          </a:prstGeom>
+          <a:ln w="28575">
+            <a:solidFill>
+              <a:srgbClr val="FF0000"/>
+            </a:solidFill>
+            <a:tailEnd type="arrow"/>
+          </a:ln>
+        </p:spPr>
+        <p:style>
+          <a:lnRef idx="1">
+            <a:schemeClr val="accent1"/>
+          </a:lnRef>
+          <a:fillRef idx="0">
+            <a:schemeClr val="accent1"/>
+          </a:fillRef>
+          <a:effectRef idx="0">
+            <a:schemeClr val="accent1"/>
+          </a:effectRef>
+          <a:fontRef idx="minor">
+            <a:schemeClr val="tx1"/>
+          </a:fontRef>
+        </p:style>
+      </p:cxnSp>
+      <p:sp>
+        <p:nvSpPr>
+          <p:cNvPr id="18" name="모서리가 둥근 직사각형 17"/>
+          <p:cNvSpPr/>
+          <p:nvPr/>
+        </p:nvSpPr>
+        <p:spPr>
+          <a:xfrm>
+            <a:off x="5157192" y="550937"/>
+            <a:ext cx="1656184" cy="432048"/>
+          </a:xfrm>
+          <a:prstGeom prst="roundRect">
+            <a:avLst/>
+          </a:prstGeom>
+        </p:spPr>
+        <p:style>
+          <a:lnRef idx="2">
+            <a:schemeClr val="accent1">
+              <a:shade val="50000"/>
+            </a:schemeClr>
+          </a:lnRef>
+          <a:fillRef idx="1">
+            <a:schemeClr val="accent1"/>
+          </a:fillRef>
+          <a:effectRef idx="0">
+            <a:schemeClr val="accent1"/>
+          </a:effectRef>
+          <a:fontRef idx="minor">
+            <a:schemeClr val="lt1"/>
+          </a:fontRef>
+        </p:style>
+        <p:txBody>
+          <a:bodyPr rtlCol="0" anchor="ctr"/>
+          <a:lstStyle/>
+          <a:p>
+            <a:pPr algn="ctr"/>
+            <a:r>
+              <a:rPr lang="en-US" altLang="ko-KR" dirty="0" smtClean="0"/>
+              <a:t>master</a:t>
+            </a:r>
+            <a:endParaRPr lang="ko-KR" altLang="en-US" dirty="0"/>
+          </a:p>
+        </p:txBody>
+      </p:sp>
+      <p:sp>
+        <p:nvSpPr>
+          <p:cNvPr id="19" name="모서리가 둥근 직사각형 18"/>
+          <p:cNvSpPr/>
+          <p:nvPr/>
+        </p:nvSpPr>
+        <p:spPr>
+          <a:xfrm>
+            <a:off x="5702585" y="1612007"/>
+            <a:ext cx="1656184" cy="432048"/>
+          </a:xfrm>
+          <a:prstGeom prst="roundRect">
+            <a:avLst/>
+          </a:prstGeom>
+          <a:solidFill>
+            <a:srgbClr val="FF0000"/>
+          </a:solidFill>
+          <a:ln>
+            <a:solidFill>
+              <a:schemeClr val="tx1">
+                <a:lumMod val="85000"/>
+                <a:lumOff val="15000"/>
+              </a:schemeClr>
+            </a:solidFill>
+          </a:ln>
+        </p:spPr>
+        <p:style>
+          <a:lnRef idx="2">
+            <a:schemeClr val="accent1">
+              <a:shade val="50000"/>
+            </a:schemeClr>
+          </a:lnRef>
+          <a:fillRef idx="1">
+            <a:schemeClr val="accent1"/>
+          </a:fillRef>
+          <a:effectRef idx="0">
+            <a:schemeClr val="accent1"/>
+          </a:effectRef>
+          <a:fontRef idx="minor">
+            <a:schemeClr val="lt1"/>
+          </a:fontRef>
+        </p:style>
+        <p:txBody>
+          <a:bodyPr rtlCol="0" anchor="ctr"/>
+          <a:lstStyle/>
+          <a:p>
+            <a:pPr algn="ctr"/>
+            <a:r>
+              <a:rPr lang="en-US" altLang="ko-KR" dirty="0" smtClean="0"/>
+              <a:t>* feature1</a:t>
+            </a:r>
+            <a:endParaRPr lang="ko-KR" altLang="en-US" dirty="0"/>
+          </a:p>
+        </p:txBody>
+      </p:sp>
+      <p:sp>
+        <p:nvSpPr>
+          <p:cNvPr id="20" name="아래쪽 화살표 19"/>
+          <p:cNvSpPr/>
+          <p:nvPr/>
+        </p:nvSpPr>
+        <p:spPr>
+          <a:xfrm>
+            <a:off x="4227958" y="2844340"/>
+            <a:ext cx="604639" cy="944699"/>
+          </a:xfrm>
+          <a:prstGeom prst="downArrow">
+            <a:avLst/>
+          </a:prstGeom>
+        </p:spPr>
+        <p:style>
+          <a:lnRef idx="2">
+            <a:schemeClr val="accent1">
+              <a:shade val="50000"/>
+            </a:schemeClr>
+          </a:lnRef>
+          <a:fillRef idx="1">
+            <a:schemeClr val="accent1"/>
+          </a:fillRef>
+          <a:effectRef idx="0">
+            <a:schemeClr val="accent1"/>
+          </a:effectRef>
+          <a:fontRef idx="minor">
+            <a:schemeClr val="lt1"/>
+          </a:fontRef>
+        </p:style>
+        <p:txBody>
+          <a:bodyPr rtlCol="0" anchor="ctr"/>
+          <a:lstStyle/>
+          <a:p>
+            <a:pPr algn="ctr"/>
+            <a:endParaRPr lang="ko-KR" altLang="en-US"/>
+          </a:p>
+        </p:txBody>
+      </p:sp>
+      <p:sp>
+        <p:nvSpPr>
+          <p:cNvPr id="23" name="TextBox 22"/>
+          <p:cNvSpPr txBox="1"/>
+          <p:nvPr/>
+        </p:nvSpPr>
+        <p:spPr>
+          <a:xfrm>
+            <a:off x="4836764" y="3055719"/>
+            <a:ext cx="3300391" cy="369332"/>
+          </a:xfrm>
+          <a:prstGeom prst="rect">
+            <a:avLst/>
+          </a:prstGeom>
+          <a:noFill/>
+        </p:spPr>
+        <p:txBody>
+          <a:bodyPr wrap="none" rtlCol="0">
+            <a:spAutoFit/>
+          </a:bodyPr>
+          <a:lstStyle/>
+          <a:p>
+            <a:r>
+              <a:rPr lang="en-US" altLang="ko-KR" dirty="0" smtClean="0"/>
+              <a:t>(feature1) $ </a:t>
+            </a:r>
+            <a:r>
+              <a:rPr lang="en-US" altLang="ko-KR" dirty="0" err="1" smtClean="0"/>
+              <a:t>git</a:t>
+            </a:r>
+            <a:r>
+              <a:rPr lang="en-US" altLang="ko-KR" dirty="0" smtClean="0"/>
+              <a:t> rebase master</a:t>
+            </a:r>
+            <a:endParaRPr lang="ko-KR" altLang="en-US" dirty="0"/>
+          </a:p>
+        </p:txBody>
+      </p:sp>
+      <p:sp>
+        <p:nvSpPr>
+          <p:cNvPr id="25" name="타원 24"/>
+          <p:cNvSpPr/>
+          <p:nvPr/>
+        </p:nvSpPr>
+        <p:spPr>
+          <a:xfrm>
+            <a:off x="1043608" y="4153246"/>
+            <a:ext cx="720080" cy="720080"/>
+          </a:xfrm>
+          <a:prstGeom prst="ellipse">
+            <a:avLst/>
+          </a:prstGeom>
+        </p:spPr>
+        <p:style>
+          <a:lnRef idx="2">
+            <a:schemeClr val="accent1">
+              <a:shade val="50000"/>
+            </a:schemeClr>
+          </a:lnRef>
+          <a:fillRef idx="1">
+            <a:schemeClr val="accent1"/>
+          </a:fillRef>
+          <a:effectRef idx="0">
+            <a:schemeClr val="accent1"/>
+          </a:effectRef>
+          <a:fontRef idx="minor">
+            <a:schemeClr val="lt1"/>
+          </a:fontRef>
+        </p:style>
+        <p:txBody>
+          <a:bodyPr rtlCol="0" anchor="ctr"/>
+          <a:lstStyle/>
+          <a:p>
+            <a:pPr algn="ctr"/>
+            <a:r>
+              <a:rPr lang="en-US" altLang="ko-KR" dirty="0" smtClean="0"/>
+              <a:t>c1</a:t>
+            </a:r>
+            <a:endParaRPr lang="ko-KR" altLang="en-US" dirty="0"/>
+          </a:p>
+        </p:txBody>
+      </p:sp>
+      <p:sp>
+        <p:nvSpPr>
+          <p:cNvPr id="26" name="타원 25"/>
+          <p:cNvSpPr/>
+          <p:nvPr/>
+        </p:nvSpPr>
+        <p:spPr>
+          <a:xfrm>
+            <a:off x="2239169" y="4153246"/>
+            <a:ext cx="720080" cy="720080"/>
+          </a:xfrm>
+          <a:prstGeom prst="ellipse">
+            <a:avLst/>
+          </a:prstGeom>
+        </p:spPr>
+        <p:style>
+          <a:lnRef idx="2">
+            <a:schemeClr val="accent1">
+              <a:shade val="50000"/>
+            </a:schemeClr>
+          </a:lnRef>
+          <a:fillRef idx="1">
+            <a:schemeClr val="accent1"/>
+          </a:fillRef>
+          <a:effectRef idx="0">
+            <a:schemeClr val="accent1"/>
+          </a:effectRef>
+          <a:fontRef idx="minor">
+            <a:schemeClr val="lt1"/>
+          </a:fontRef>
+        </p:style>
+        <p:txBody>
+          <a:bodyPr rtlCol="0" anchor="ctr"/>
+          <a:lstStyle/>
+          <a:p>
+            <a:pPr algn="ctr"/>
+            <a:r>
+              <a:rPr lang="en-US" altLang="ko-KR" dirty="0" smtClean="0"/>
+              <a:t>c2</a:t>
+            </a:r>
+            <a:endParaRPr lang="ko-KR" altLang="en-US" dirty="0"/>
+          </a:p>
+        </p:txBody>
+      </p:sp>
+      <p:sp>
+        <p:nvSpPr>
+          <p:cNvPr id="27" name="타원 26"/>
+          <p:cNvSpPr/>
+          <p:nvPr/>
+        </p:nvSpPr>
+        <p:spPr>
+          <a:xfrm>
+            <a:off x="3463305" y="4150989"/>
+            <a:ext cx="720080" cy="720080"/>
+          </a:xfrm>
+          <a:prstGeom prst="ellipse">
+            <a:avLst/>
+          </a:prstGeom>
+        </p:spPr>
+        <p:style>
+          <a:lnRef idx="2">
+            <a:schemeClr val="accent1">
+              <a:shade val="50000"/>
+            </a:schemeClr>
+          </a:lnRef>
+          <a:fillRef idx="1">
+            <a:schemeClr val="accent1"/>
+          </a:fillRef>
+          <a:effectRef idx="0">
+            <a:schemeClr val="accent1"/>
+          </a:effectRef>
+          <a:fontRef idx="minor">
+            <a:schemeClr val="lt1"/>
+          </a:fontRef>
+        </p:style>
+        <p:txBody>
+          <a:bodyPr rtlCol="0" anchor="ctr"/>
+          <a:lstStyle/>
+          <a:p>
+            <a:pPr algn="ctr"/>
+            <a:r>
+              <a:rPr lang="en-US" altLang="ko-KR" dirty="0" smtClean="0"/>
+              <a:t>c3</a:t>
+            </a:r>
+            <a:endParaRPr lang="ko-KR" altLang="en-US" dirty="0"/>
+          </a:p>
+        </p:txBody>
+      </p:sp>
+      <p:cxnSp>
+        <p:nvCxnSpPr>
+          <p:cNvPr id="28" name="직선 화살표 연결선 27"/>
+          <p:cNvCxnSpPr>
+            <a:stCxn id="26" idx="2"/>
+            <a:endCxn id="25" idx="6"/>
+          </p:cNvCxnSpPr>
+          <p:nvPr/>
+        </p:nvCxnSpPr>
+        <p:spPr>
+          <a:xfrm flipH="1">
+            <a:off x="1763688" y="4513286"/>
+            <a:ext cx="475481" cy="0"/>
+          </a:xfrm>
+          <a:prstGeom prst="straightConnector1">
+            <a:avLst/>
+          </a:prstGeom>
+          <a:ln w="28575">
+            <a:solidFill>
+              <a:srgbClr val="FF0000"/>
+            </a:solidFill>
+            <a:tailEnd type="arrow"/>
+          </a:ln>
+        </p:spPr>
+        <p:style>
+          <a:lnRef idx="1">
+            <a:schemeClr val="accent1"/>
+          </a:lnRef>
+          <a:fillRef idx="0">
+            <a:schemeClr val="accent1"/>
+          </a:fillRef>
+          <a:effectRef idx="0">
+            <a:schemeClr val="accent1"/>
+          </a:effectRef>
+          <a:fontRef idx="minor">
+            <a:schemeClr val="tx1"/>
+          </a:fontRef>
+        </p:style>
+      </p:cxnSp>
+      <p:cxnSp>
+        <p:nvCxnSpPr>
+          <p:cNvPr id="29" name="직선 화살표 연결선 28"/>
+          <p:cNvCxnSpPr>
+            <a:stCxn id="27" idx="2"/>
+            <a:endCxn id="26" idx="6"/>
+          </p:cNvCxnSpPr>
+          <p:nvPr/>
+        </p:nvCxnSpPr>
+        <p:spPr>
+          <a:xfrm flipH="1">
+            <a:off x="2959249" y="4511029"/>
+            <a:ext cx="504056" cy="2257"/>
+          </a:xfrm>
+          <a:prstGeom prst="straightConnector1">
+            <a:avLst/>
+          </a:prstGeom>
+          <a:ln w="28575">
+            <a:solidFill>
+              <a:srgbClr val="FF0000"/>
+            </a:solidFill>
+            <a:tailEnd type="arrow"/>
+          </a:ln>
+        </p:spPr>
+        <p:style>
+          <a:lnRef idx="1">
+            <a:schemeClr val="accent1"/>
+          </a:lnRef>
+          <a:fillRef idx="0">
+            <a:schemeClr val="accent1"/>
+          </a:fillRef>
+          <a:effectRef idx="0">
+            <a:schemeClr val="accent1"/>
+          </a:effectRef>
+          <a:fontRef idx="minor">
+            <a:schemeClr val="tx1"/>
+          </a:fontRef>
+        </p:style>
+      </p:cxnSp>
+      <p:sp>
+        <p:nvSpPr>
+          <p:cNvPr id="30" name="모서리가 둥근 직사각형 29"/>
+          <p:cNvSpPr/>
+          <p:nvPr/>
+        </p:nvSpPr>
+        <p:spPr>
+          <a:xfrm>
+            <a:off x="2995253" y="5157192"/>
+            <a:ext cx="1656184" cy="432048"/>
+          </a:xfrm>
+          <a:prstGeom prst="roundRect">
+            <a:avLst/>
+          </a:prstGeom>
+        </p:spPr>
+        <p:style>
+          <a:lnRef idx="2">
+            <a:schemeClr val="accent1">
+              <a:shade val="50000"/>
+            </a:schemeClr>
+          </a:lnRef>
+          <a:fillRef idx="1">
+            <a:schemeClr val="accent1"/>
+          </a:fillRef>
+          <a:effectRef idx="0">
+            <a:schemeClr val="accent1"/>
+          </a:effectRef>
+          <a:fontRef idx="minor">
+            <a:schemeClr val="lt1"/>
+          </a:fontRef>
+        </p:style>
+        <p:txBody>
+          <a:bodyPr rtlCol="0" anchor="ctr"/>
+          <a:lstStyle/>
+          <a:p>
+            <a:pPr algn="ctr"/>
+            <a:r>
+              <a:rPr lang="en-US" altLang="ko-KR" dirty="0" smtClean="0"/>
+              <a:t>master</a:t>
+            </a:r>
+            <a:endParaRPr lang="ko-KR" altLang="en-US" dirty="0"/>
+          </a:p>
+        </p:txBody>
+      </p:sp>
+      <p:sp>
+        <p:nvSpPr>
+          <p:cNvPr id="32" name="타원 31"/>
+          <p:cNvSpPr/>
+          <p:nvPr/>
+        </p:nvSpPr>
+        <p:spPr>
+          <a:xfrm>
+            <a:off x="4644008" y="4174553"/>
+            <a:ext cx="720080" cy="720080"/>
+          </a:xfrm>
+          <a:prstGeom prst="ellipse">
+            <a:avLst/>
+          </a:prstGeom>
+          <a:solidFill>
+            <a:srgbClr val="FF0000"/>
+          </a:solidFill>
+          <a:ln>
+            <a:solidFill>
+              <a:schemeClr val="tx1">
+                <a:lumMod val="85000"/>
+                <a:lumOff val="15000"/>
+              </a:schemeClr>
+            </a:solidFill>
+          </a:ln>
+        </p:spPr>
+        <p:style>
+          <a:lnRef idx="2">
+            <a:schemeClr val="accent1">
+              <a:shade val="50000"/>
+            </a:schemeClr>
+          </a:lnRef>
+          <a:fillRef idx="1">
+            <a:schemeClr val="accent1"/>
+          </a:fillRef>
+          <a:effectRef idx="0">
+            <a:schemeClr val="accent1"/>
+          </a:effectRef>
+          <a:fontRef idx="minor">
+            <a:schemeClr val="lt1"/>
+          </a:fontRef>
+        </p:style>
+        <p:txBody>
+          <a:bodyPr rtlCol="0" anchor="ctr"/>
+          <a:lstStyle/>
+          <a:p>
+            <a:pPr algn="ctr"/>
+            <a:r>
+              <a:rPr lang="en-US" altLang="ko-KR" dirty="0" smtClean="0"/>
+              <a:t>c4`</a:t>
+            </a:r>
+            <a:endParaRPr lang="ko-KR" altLang="en-US" dirty="0"/>
+          </a:p>
+        </p:txBody>
+      </p:sp>
+      <p:sp>
+        <p:nvSpPr>
+          <p:cNvPr id="33" name="타원 32"/>
+          <p:cNvSpPr/>
+          <p:nvPr/>
+        </p:nvSpPr>
+        <p:spPr>
+          <a:xfrm>
+            <a:off x="5796136" y="4174553"/>
+            <a:ext cx="720080" cy="720080"/>
+          </a:xfrm>
+          <a:prstGeom prst="ellipse">
+            <a:avLst/>
+          </a:prstGeom>
+          <a:solidFill>
+            <a:srgbClr val="FF0000"/>
+          </a:solidFill>
+          <a:ln>
+            <a:solidFill>
+              <a:schemeClr val="tx1">
+                <a:lumMod val="85000"/>
+                <a:lumOff val="15000"/>
+              </a:schemeClr>
+            </a:solidFill>
+          </a:ln>
+        </p:spPr>
+        <p:style>
+          <a:lnRef idx="2">
+            <a:schemeClr val="accent1">
+              <a:shade val="50000"/>
+            </a:schemeClr>
+          </a:lnRef>
+          <a:fillRef idx="1">
+            <a:schemeClr val="accent1"/>
+          </a:fillRef>
+          <a:effectRef idx="0">
+            <a:schemeClr val="accent1"/>
+          </a:effectRef>
+          <a:fontRef idx="minor">
+            <a:schemeClr val="lt1"/>
+          </a:fontRef>
+        </p:style>
+        <p:txBody>
+          <a:bodyPr rtlCol="0" anchor="ctr"/>
+          <a:lstStyle/>
+          <a:p>
+            <a:pPr algn="ctr"/>
+            <a:r>
+              <a:rPr lang="en-US" altLang="ko-KR" dirty="0" smtClean="0"/>
+              <a:t>c5`</a:t>
+            </a:r>
+            <a:endParaRPr lang="ko-KR" altLang="en-US" dirty="0"/>
+          </a:p>
+        </p:txBody>
+      </p:sp>
+      <p:cxnSp>
+        <p:nvCxnSpPr>
+          <p:cNvPr id="34" name="직선 화살표 연결선 33"/>
+          <p:cNvCxnSpPr>
+            <a:stCxn id="33" idx="2"/>
+            <a:endCxn id="32" idx="6"/>
+          </p:cNvCxnSpPr>
+          <p:nvPr/>
+        </p:nvCxnSpPr>
+        <p:spPr>
+          <a:xfrm flipH="1">
+            <a:off x="5364088" y="4534593"/>
+            <a:ext cx="432048" cy="0"/>
+          </a:xfrm>
+          <a:prstGeom prst="straightConnector1">
+            <a:avLst/>
+          </a:prstGeom>
+          <a:ln w="28575">
+            <a:solidFill>
+              <a:srgbClr val="FF0000"/>
+            </a:solidFill>
+            <a:tailEnd type="arrow"/>
+          </a:ln>
+        </p:spPr>
+        <p:style>
+          <a:lnRef idx="1">
+            <a:schemeClr val="accent1"/>
+          </a:lnRef>
+          <a:fillRef idx="0">
+            <a:schemeClr val="accent1"/>
+          </a:fillRef>
+          <a:effectRef idx="0">
+            <a:schemeClr val="accent1"/>
+          </a:effectRef>
+          <a:fontRef idx="minor">
+            <a:schemeClr val="tx1"/>
+          </a:fontRef>
+        </p:style>
+      </p:cxnSp>
+      <p:cxnSp>
+        <p:nvCxnSpPr>
+          <p:cNvPr id="35" name="직선 화살표 연결선 34"/>
+          <p:cNvCxnSpPr/>
+          <p:nvPr/>
+        </p:nvCxnSpPr>
+        <p:spPr>
+          <a:xfrm flipH="1">
+            <a:off x="4190665" y="4511029"/>
+            <a:ext cx="432048" cy="0"/>
+          </a:xfrm>
+          <a:prstGeom prst="straightConnector1">
+            <a:avLst/>
+          </a:prstGeom>
+          <a:ln w="28575">
+            <a:solidFill>
+              <a:srgbClr val="FF0000"/>
+            </a:solidFill>
+            <a:tailEnd type="arrow"/>
+          </a:ln>
+        </p:spPr>
+        <p:style>
+          <a:lnRef idx="1">
+            <a:schemeClr val="accent1"/>
+          </a:lnRef>
+          <a:fillRef idx="0">
+            <a:schemeClr val="accent1"/>
+          </a:fillRef>
+          <a:effectRef idx="0">
+            <a:schemeClr val="accent1"/>
+          </a:effectRef>
+          <a:fontRef idx="minor">
+            <a:schemeClr val="tx1"/>
+          </a:fontRef>
+        </p:style>
+      </p:cxnSp>
+      <p:sp>
+        <p:nvSpPr>
+          <p:cNvPr id="36" name="모서리가 둥근 직사각형 35"/>
+          <p:cNvSpPr/>
+          <p:nvPr/>
+        </p:nvSpPr>
+        <p:spPr>
+          <a:xfrm>
+            <a:off x="6660232" y="4318569"/>
+            <a:ext cx="1656184" cy="432048"/>
+          </a:xfrm>
+          <a:prstGeom prst="roundRect">
+            <a:avLst/>
+          </a:prstGeom>
+          <a:solidFill>
+            <a:srgbClr val="FF0000"/>
+          </a:solidFill>
+          <a:ln>
+            <a:solidFill>
+              <a:schemeClr val="tx1">
+                <a:lumMod val="85000"/>
+                <a:lumOff val="15000"/>
+              </a:schemeClr>
+            </a:solidFill>
+          </a:ln>
+        </p:spPr>
+        <p:style>
+          <a:lnRef idx="2">
+            <a:schemeClr val="accent1">
+              <a:shade val="50000"/>
+            </a:schemeClr>
+          </a:lnRef>
+          <a:fillRef idx="1">
+            <a:schemeClr val="accent1"/>
+          </a:fillRef>
+          <a:effectRef idx="0">
+            <a:schemeClr val="accent1"/>
+          </a:effectRef>
+          <a:fontRef idx="minor">
+            <a:schemeClr val="lt1"/>
+          </a:fontRef>
+        </p:style>
+        <p:txBody>
+          <a:bodyPr rtlCol="0" anchor="ctr"/>
+          <a:lstStyle/>
+          <a:p>
+            <a:pPr algn="ctr"/>
+            <a:r>
+              <a:rPr lang="en-US" altLang="ko-KR" dirty="0" smtClean="0"/>
+              <a:t>* feature1</a:t>
+            </a:r>
+            <a:endParaRPr lang="ko-KR" altLang="en-US" dirty="0"/>
+          </a:p>
+        </p:txBody>
+      </p:sp>
+    </p:spTree>
+    <p:extLst>
+      <p:ext uri="{BB962C8B-B14F-4D97-AF65-F5344CB8AC3E}">
+        <p14:creationId xmlns:p14="http://schemas.microsoft.com/office/powerpoint/2010/main" val="2677335174"/>
+      </p:ext>
+    </p:extLst>
+  </p:cSld>
+  <p:clrMapOvr>
+    <a:masterClrMapping/>
+  </p:clrMapOvr>
+  <p:timing>
+    <p:tnLst>
+      <p:par>
+        <p:cTn id="1" dur="indefinite" restart="never" nodeType="tmRoot"/>
+      </p:par>
+    </p:tnLst>
+  </p:timing>
+</p:sld>
+</file>
+
+<file path=ppt/slides/slide22.xml><?xml version="1.0" encoding="utf-8"?>
+<p:sld xmlns:a="http://schemas.openxmlformats.org/drawingml/2006/main" xmlns:r="http://schemas.openxmlformats.org/officeDocument/2006/relationships" xmlns:p="http://schemas.openxmlformats.org/presentationml/2006/main">
+  <p:cSld>
+    <p:spTree>
+      <p:nvGrpSpPr>
+        <p:cNvPr id="1" name=""/>
+        <p:cNvGrpSpPr/>
+        <p:nvPr/>
+      </p:nvGrpSpPr>
+      <p:grpSpPr>
+        <a:xfrm>
+          <a:off x="0" y="0"/>
+          <a:ext cx="0" cy="0"/>
+          <a:chOff x="0" y="0"/>
+          <a:chExt cx="0" cy="0"/>
+        </a:xfrm>
+      </p:grpSpPr>
+      <p:sp>
+        <p:nvSpPr>
+          <p:cNvPr id="2" name="타원 1"/>
+          <p:cNvSpPr/>
+          <p:nvPr/>
+        </p:nvSpPr>
+        <p:spPr>
+          <a:xfrm>
+            <a:off x="1494681" y="1213474"/>
+            <a:ext cx="720080" cy="720080"/>
+          </a:xfrm>
+          <a:prstGeom prst="ellipse">
+            <a:avLst/>
+          </a:prstGeom>
+        </p:spPr>
+        <p:style>
+          <a:lnRef idx="2">
+            <a:schemeClr val="accent1">
+              <a:shade val="50000"/>
+            </a:schemeClr>
+          </a:lnRef>
+          <a:fillRef idx="1">
+            <a:schemeClr val="accent1"/>
+          </a:fillRef>
+          <a:effectRef idx="0">
+            <a:schemeClr val="accent1"/>
+          </a:effectRef>
+          <a:fontRef idx="minor">
+            <a:schemeClr val="lt1"/>
+          </a:fontRef>
+        </p:style>
+        <p:txBody>
+          <a:bodyPr rtlCol="0" anchor="ctr"/>
+          <a:lstStyle/>
+          <a:p>
+            <a:pPr algn="ctr"/>
+            <a:r>
+              <a:rPr lang="en-US" altLang="ko-KR" dirty="0" smtClean="0"/>
+              <a:t>C4</a:t>
+            </a:r>
+            <a:endParaRPr lang="ko-KR" altLang="en-US" dirty="0"/>
+          </a:p>
+        </p:txBody>
+      </p:sp>
+      <p:sp>
+        <p:nvSpPr>
+          <p:cNvPr id="3" name="타원 2"/>
+          <p:cNvSpPr/>
+          <p:nvPr/>
+        </p:nvSpPr>
+        <p:spPr>
+          <a:xfrm>
+            <a:off x="2555776" y="3373714"/>
+            <a:ext cx="720080" cy="720080"/>
+          </a:xfrm>
+          <a:prstGeom prst="ellipse">
+            <a:avLst/>
+          </a:prstGeom>
+        </p:spPr>
+        <p:style>
+          <a:lnRef idx="2">
+            <a:schemeClr val="accent1">
+              <a:shade val="50000"/>
+            </a:schemeClr>
+          </a:lnRef>
+          <a:fillRef idx="1">
+            <a:schemeClr val="accent1"/>
+          </a:fillRef>
+          <a:effectRef idx="0">
+            <a:schemeClr val="accent1"/>
+          </a:effectRef>
+          <a:fontRef idx="minor">
+            <a:schemeClr val="lt1"/>
+          </a:fontRef>
+        </p:style>
+        <p:txBody>
+          <a:bodyPr rtlCol="0" anchor="ctr"/>
+          <a:lstStyle/>
+          <a:p>
+            <a:pPr algn="ctr"/>
+            <a:r>
+              <a:rPr lang="en-US" altLang="ko-KR" dirty="0" smtClean="0"/>
+              <a:t>C2</a:t>
+            </a:r>
+            <a:endParaRPr lang="ko-KR" altLang="en-US" dirty="0"/>
+          </a:p>
+        </p:txBody>
+      </p:sp>
+      <p:sp>
+        <p:nvSpPr>
+          <p:cNvPr id="4" name="타원 3"/>
+          <p:cNvSpPr/>
+          <p:nvPr/>
+        </p:nvSpPr>
+        <p:spPr>
+          <a:xfrm>
+            <a:off x="2555776" y="1933554"/>
+            <a:ext cx="720080" cy="720080"/>
+          </a:xfrm>
+          <a:prstGeom prst="ellipse">
+            <a:avLst/>
+          </a:prstGeom>
+        </p:spPr>
+        <p:style>
+          <a:lnRef idx="2">
+            <a:schemeClr val="accent1">
+              <a:shade val="50000"/>
+            </a:schemeClr>
+          </a:lnRef>
+          <a:fillRef idx="1">
+            <a:schemeClr val="accent1"/>
+          </a:fillRef>
+          <a:effectRef idx="0">
+            <a:schemeClr val="accent1"/>
+          </a:effectRef>
+          <a:fontRef idx="minor">
+            <a:schemeClr val="lt1"/>
+          </a:fontRef>
+        </p:style>
+        <p:txBody>
+          <a:bodyPr rtlCol="0" anchor="ctr"/>
+          <a:lstStyle/>
+          <a:p>
+            <a:pPr algn="ctr"/>
+            <a:r>
+              <a:rPr lang="en-US" altLang="ko-KR" dirty="0" smtClean="0"/>
+              <a:t>C3</a:t>
+            </a:r>
+            <a:endParaRPr lang="ko-KR" altLang="en-US" dirty="0"/>
+          </a:p>
+        </p:txBody>
+      </p:sp>
+      <p:sp>
+        <p:nvSpPr>
+          <p:cNvPr id="5" name="타원 4"/>
+          <p:cNvSpPr/>
+          <p:nvPr/>
+        </p:nvSpPr>
+        <p:spPr>
+          <a:xfrm>
+            <a:off x="630585" y="3013674"/>
+            <a:ext cx="720080" cy="720080"/>
+          </a:xfrm>
+          <a:prstGeom prst="ellipse">
+            <a:avLst/>
+          </a:prstGeom>
+        </p:spPr>
+        <p:style>
+          <a:lnRef idx="2">
+            <a:schemeClr val="accent1">
+              <a:shade val="50000"/>
+            </a:schemeClr>
+          </a:lnRef>
+          <a:fillRef idx="1">
+            <a:schemeClr val="accent1"/>
+          </a:fillRef>
+          <a:effectRef idx="0">
+            <a:schemeClr val="accent1"/>
+          </a:effectRef>
+          <a:fontRef idx="minor">
+            <a:schemeClr val="lt1"/>
+          </a:fontRef>
+        </p:style>
+        <p:txBody>
+          <a:bodyPr rtlCol="0" anchor="ctr"/>
+          <a:lstStyle/>
+          <a:p>
+            <a:pPr algn="ctr"/>
+            <a:r>
+              <a:rPr lang="en-US" altLang="ko-KR" dirty="0" smtClean="0"/>
+              <a:t>C1</a:t>
+            </a:r>
+            <a:endParaRPr lang="ko-KR" altLang="en-US" dirty="0"/>
+          </a:p>
+        </p:txBody>
+      </p:sp>
+      <p:sp>
+        <p:nvSpPr>
+          <p:cNvPr id="6" name="타원 5"/>
+          <p:cNvSpPr/>
+          <p:nvPr/>
+        </p:nvSpPr>
+        <p:spPr>
+          <a:xfrm>
+            <a:off x="1494681" y="4453834"/>
+            <a:ext cx="720080" cy="720080"/>
+          </a:xfrm>
+          <a:prstGeom prst="ellipse">
+            <a:avLst/>
+          </a:prstGeom>
+        </p:spPr>
+        <p:style>
+          <a:lnRef idx="2">
+            <a:schemeClr val="accent1">
+              <a:shade val="50000"/>
+            </a:schemeClr>
+          </a:lnRef>
+          <a:fillRef idx="1">
+            <a:schemeClr val="accent1"/>
+          </a:fillRef>
+          <a:effectRef idx="0">
+            <a:schemeClr val="accent1"/>
+          </a:effectRef>
+          <a:fontRef idx="minor">
+            <a:schemeClr val="lt1"/>
+          </a:fontRef>
+        </p:style>
+        <p:txBody>
+          <a:bodyPr rtlCol="0" anchor="ctr"/>
+          <a:lstStyle/>
+          <a:p>
+            <a:pPr algn="ctr"/>
+            <a:r>
+              <a:rPr lang="en-US" altLang="ko-KR" dirty="0" smtClean="0"/>
+              <a:t>C0</a:t>
+            </a:r>
+            <a:endParaRPr lang="ko-KR" altLang="en-US" dirty="0"/>
+          </a:p>
+        </p:txBody>
+      </p:sp>
+      <p:cxnSp>
+        <p:nvCxnSpPr>
+          <p:cNvPr id="8" name="직선 화살표 연결선 7"/>
+          <p:cNvCxnSpPr>
+            <a:stCxn id="3" idx="3"/>
+            <a:endCxn id="6" idx="7"/>
+          </p:cNvCxnSpPr>
+          <p:nvPr/>
+        </p:nvCxnSpPr>
+        <p:spPr>
+          <a:xfrm flipH="1">
+            <a:off x="2109308" y="3988341"/>
+            <a:ext cx="551921" cy="570946"/>
+          </a:xfrm>
+          <a:prstGeom prst="straightConnector1">
+            <a:avLst/>
+          </a:prstGeom>
+          <a:ln w="28575">
+            <a:solidFill>
+              <a:srgbClr val="FF0000"/>
+            </a:solidFill>
+            <a:tailEnd type="arrow"/>
+          </a:ln>
+        </p:spPr>
+        <p:style>
+          <a:lnRef idx="1">
+            <a:schemeClr val="accent1"/>
+          </a:lnRef>
+          <a:fillRef idx="0">
+            <a:schemeClr val="accent1"/>
+          </a:fillRef>
+          <a:effectRef idx="0">
+            <a:schemeClr val="accent1"/>
+          </a:effectRef>
+          <a:fontRef idx="minor">
+            <a:schemeClr val="tx1"/>
+          </a:fontRef>
+        </p:style>
+      </p:cxnSp>
+      <p:cxnSp>
+        <p:nvCxnSpPr>
+          <p:cNvPr id="10" name="직선 화살표 연결선 9"/>
+          <p:cNvCxnSpPr>
+            <a:endCxn id="6" idx="1"/>
+          </p:cNvCxnSpPr>
+          <p:nvPr/>
+        </p:nvCxnSpPr>
+        <p:spPr>
+          <a:xfrm>
+            <a:off x="1134641" y="3661746"/>
+            <a:ext cx="465493" cy="897541"/>
+          </a:xfrm>
+          <a:prstGeom prst="straightConnector1">
+            <a:avLst/>
+          </a:prstGeom>
+          <a:ln w="28575">
+            <a:solidFill>
+              <a:srgbClr val="FF0000"/>
+            </a:solidFill>
+            <a:tailEnd type="arrow"/>
+          </a:ln>
+        </p:spPr>
+        <p:style>
+          <a:lnRef idx="1">
+            <a:schemeClr val="accent1"/>
+          </a:lnRef>
+          <a:fillRef idx="0">
+            <a:schemeClr val="accent1"/>
+          </a:fillRef>
+          <a:effectRef idx="0">
+            <a:schemeClr val="accent1"/>
+          </a:effectRef>
+          <a:fontRef idx="minor">
+            <a:schemeClr val="tx1"/>
+          </a:fontRef>
+        </p:style>
+      </p:cxnSp>
+      <p:cxnSp>
+        <p:nvCxnSpPr>
+          <p:cNvPr id="14" name="직선 화살표 연결선 13"/>
+          <p:cNvCxnSpPr>
+            <a:stCxn id="2" idx="3"/>
+          </p:cNvCxnSpPr>
+          <p:nvPr/>
+        </p:nvCxnSpPr>
+        <p:spPr>
+          <a:xfrm flipH="1">
+            <a:off x="1134641" y="1828101"/>
+            <a:ext cx="465493" cy="1185573"/>
+          </a:xfrm>
+          <a:prstGeom prst="straightConnector1">
+            <a:avLst/>
+          </a:prstGeom>
+          <a:ln w="28575">
+            <a:solidFill>
+              <a:srgbClr val="FF0000"/>
+            </a:solidFill>
+            <a:tailEnd type="arrow"/>
+          </a:ln>
+        </p:spPr>
+        <p:style>
+          <a:lnRef idx="1">
+            <a:schemeClr val="accent1"/>
+          </a:lnRef>
+          <a:fillRef idx="0">
+            <a:schemeClr val="accent1"/>
+          </a:fillRef>
+          <a:effectRef idx="0">
+            <a:schemeClr val="accent1"/>
+          </a:effectRef>
+          <a:fontRef idx="minor">
+            <a:schemeClr val="tx1"/>
+          </a:fontRef>
+        </p:style>
+      </p:cxnSp>
+      <p:cxnSp>
+        <p:nvCxnSpPr>
+          <p:cNvPr id="17" name="직선 화살표 연결선 16"/>
+          <p:cNvCxnSpPr>
+            <a:stCxn id="2" idx="5"/>
+          </p:cNvCxnSpPr>
+          <p:nvPr/>
+        </p:nvCxnSpPr>
+        <p:spPr>
+          <a:xfrm>
+            <a:off x="2109308" y="1828101"/>
+            <a:ext cx="499194" cy="321477"/>
+          </a:xfrm>
+          <a:prstGeom prst="straightConnector1">
+            <a:avLst/>
+          </a:prstGeom>
+          <a:ln w="28575">
+            <a:solidFill>
+              <a:srgbClr val="FF0000"/>
+            </a:solidFill>
+            <a:tailEnd type="arrow"/>
+          </a:ln>
+        </p:spPr>
+        <p:style>
+          <a:lnRef idx="1">
+            <a:schemeClr val="accent1"/>
+          </a:lnRef>
+          <a:fillRef idx="0">
+            <a:schemeClr val="accent1"/>
+          </a:fillRef>
+          <a:effectRef idx="0">
+            <a:schemeClr val="accent1"/>
+          </a:effectRef>
+          <a:fontRef idx="minor">
+            <a:schemeClr val="tx1"/>
+          </a:fontRef>
+        </p:style>
+      </p:cxnSp>
+      <p:cxnSp>
+        <p:nvCxnSpPr>
+          <p:cNvPr id="19" name="직선 화살표 연결선 18"/>
+          <p:cNvCxnSpPr>
+            <a:stCxn id="4" idx="4"/>
+            <a:endCxn id="3" idx="0"/>
+          </p:cNvCxnSpPr>
+          <p:nvPr/>
+        </p:nvCxnSpPr>
+        <p:spPr>
+          <a:xfrm>
+            <a:off x="2915816" y="2653634"/>
+            <a:ext cx="0" cy="720080"/>
+          </a:xfrm>
+          <a:prstGeom prst="straightConnector1">
+            <a:avLst/>
+          </a:prstGeom>
+          <a:ln w="28575">
+            <a:solidFill>
+              <a:srgbClr val="FF0000"/>
+            </a:solidFill>
+            <a:tailEnd type="arrow"/>
+          </a:ln>
+        </p:spPr>
+        <p:style>
+          <a:lnRef idx="1">
+            <a:schemeClr val="accent1"/>
+          </a:lnRef>
+          <a:fillRef idx="0">
+            <a:schemeClr val="accent1"/>
+          </a:fillRef>
+          <a:effectRef idx="0">
+            <a:schemeClr val="accent1"/>
+          </a:effectRef>
+          <a:fontRef idx="minor">
+            <a:schemeClr val="tx1"/>
+          </a:fontRef>
+        </p:style>
+      </p:cxnSp>
+      <p:sp>
+        <p:nvSpPr>
+          <p:cNvPr id="21" name="TextBox 20"/>
+          <p:cNvSpPr txBox="1"/>
+          <p:nvPr/>
+        </p:nvSpPr>
+        <p:spPr>
+          <a:xfrm>
+            <a:off x="989509" y="5533954"/>
+            <a:ext cx="1872208" cy="276999"/>
+          </a:xfrm>
+          <a:prstGeom prst="rect">
+            <a:avLst/>
+          </a:prstGeom>
+          <a:noFill/>
+        </p:spPr>
+        <p:txBody>
+          <a:bodyPr wrap="square" rtlCol="0">
+            <a:spAutoFit/>
+          </a:bodyPr>
+          <a:lstStyle/>
+          <a:p>
+            <a:pPr algn="ctr"/>
+            <a:r>
+              <a:rPr lang="en-US" altLang="ko-KR" sz="1200" dirty="0" smtClean="0"/>
+              <a:t>&lt;merge&gt;</a:t>
+            </a:r>
+            <a:endParaRPr lang="ko-KR" altLang="en-US" sz="1200" dirty="0"/>
+          </a:p>
+        </p:txBody>
+      </p:sp>
+      <p:sp>
+        <p:nvSpPr>
+          <p:cNvPr id="22" name="TextBox 21"/>
+          <p:cNvSpPr txBox="1"/>
+          <p:nvPr/>
+        </p:nvSpPr>
+        <p:spPr>
+          <a:xfrm>
+            <a:off x="3913800" y="3039615"/>
+            <a:ext cx="452303" cy="369332"/>
+          </a:xfrm>
+          <a:prstGeom prst="rect">
+            <a:avLst/>
+          </a:prstGeom>
+          <a:noFill/>
+        </p:spPr>
+        <p:txBody>
+          <a:bodyPr wrap="none" rtlCol="0">
+            <a:spAutoFit/>
+          </a:bodyPr>
+          <a:lstStyle/>
+          <a:p>
+            <a:r>
+              <a:rPr lang="en-US" altLang="ko-KR" dirty="0" smtClean="0"/>
+              <a:t>VS</a:t>
+            </a:r>
+            <a:endParaRPr lang="ko-KR" altLang="en-US" dirty="0"/>
+          </a:p>
+        </p:txBody>
+      </p:sp>
+      <p:sp>
+        <p:nvSpPr>
+          <p:cNvPr id="25" name="타원 24"/>
+          <p:cNvSpPr/>
+          <p:nvPr/>
+        </p:nvSpPr>
+        <p:spPr>
+          <a:xfrm>
+            <a:off x="5220072" y="3113646"/>
+            <a:ext cx="792088" cy="775366"/>
+          </a:xfrm>
+          <a:prstGeom prst="ellipse">
+            <a:avLst/>
+          </a:prstGeom>
+        </p:spPr>
+        <p:style>
+          <a:lnRef idx="2">
+            <a:schemeClr val="accent1">
+              <a:shade val="50000"/>
+            </a:schemeClr>
+          </a:lnRef>
+          <a:fillRef idx="1">
+            <a:schemeClr val="accent1"/>
+          </a:fillRef>
+          <a:effectRef idx="0">
+            <a:schemeClr val="accent1"/>
+          </a:effectRef>
+          <a:fontRef idx="minor">
+            <a:schemeClr val="lt1"/>
+          </a:fontRef>
+        </p:style>
+        <p:txBody>
+          <a:bodyPr rtlCol="0" anchor="ctr"/>
+          <a:lstStyle/>
+          <a:p>
+            <a:pPr algn="ctr"/>
+            <a:r>
+              <a:rPr lang="en-US" altLang="ko-KR" dirty="0" smtClean="0"/>
+              <a:t>C1</a:t>
+            </a:r>
+            <a:endParaRPr lang="ko-KR" altLang="en-US" dirty="0"/>
+          </a:p>
+        </p:txBody>
+      </p:sp>
+      <p:sp>
+        <p:nvSpPr>
+          <p:cNvPr id="26" name="타원 25"/>
+          <p:cNvSpPr/>
+          <p:nvPr/>
+        </p:nvSpPr>
+        <p:spPr>
+          <a:xfrm>
+            <a:off x="5220072" y="1918064"/>
+            <a:ext cx="792088" cy="775366"/>
+          </a:xfrm>
+          <a:prstGeom prst="ellipse">
+            <a:avLst/>
+          </a:prstGeom>
+        </p:spPr>
+        <p:style>
+          <a:lnRef idx="2">
+            <a:schemeClr val="accent1">
+              <a:shade val="50000"/>
+            </a:schemeClr>
+          </a:lnRef>
+          <a:fillRef idx="1">
+            <a:schemeClr val="accent1"/>
+          </a:fillRef>
+          <a:effectRef idx="0">
+            <a:schemeClr val="accent1"/>
+          </a:effectRef>
+          <a:fontRef idx="minor">
+            <a:schemeClr val="lt1"/>
+          </a:fontRef>
+        </p:style>
+        <p:txBody>
+          <a:bodyPr rtlCol="0" anchor="ctr"/>
+          <a:lstStyle/>
+          <a:p>
+            <a:pPr algn="ctr"/>
+            <a:r>
+              <a:rPr lang="en-US" altLang="ko-KR" dirty="0" smtClean="0"/>
+              <a:t>C2`</a:t>
+            </a:r>
+            <a:endParaRPr lang="ko-KR" altLang="en-US" dirty="0"/>
+          </a:p>
+        </p:txBody>
+      </p:sp>
+      <p:cxnSp>
+        <p:nvCxnSpPr>
+          <p:cNvPr id="27" name="직선 화살표 연결선 26"/>
+          <p:cNvCxnSpPr>
+            <a:stCxn id="26" idx="4"/>
+            <a:endCxn id="25" idx="0"/>
+          </p:cNvCxnSpPr>
+          <p:nvPr/>
+        </p:nvCxnSpPr>
+        <p:spPr>
+          <a:xfrm>
+            <a:off x="5616116" y="2693430"/>
+            <a:ext cx="0" cy="420216"/>
+          </a:xfrm>
+          <a:prstGeom prst="straightConnector1">
+            <a:avLst/>
+          </a:prstGeom>
+          <a:ln w="28575">
+            <a:solidFill>
+              <a:srgbClr val="FF0000"/>
+            </a:solidFill>
+            <a:tailEnd type="arrow"/>
+          </a:ln>
+        </p:spPr>
+        <p:style>
+          <a:lnRef idx="1">
+            <a:schemeClr val="accent1"/>
+          </a:lnRef>
+          <a:fillRef idx="0">
+            <a:schemeClr val="accent1"/>
+          </a:fillRef>
+          <a:effectRef idx="0">
+            <a:schemeClr val="accent1"/>
+          </a:effectRef>
+          <a:fontRef idx="minor">
+            <a:schemeClr val="tx1"/>
+          </a:fontRef>
+        </p:style>
+      </p:cxnSp>
+      <p:sp>
+        <p:nvSpPr>
+          <p:cNvPr id="29" name="타원 28"/>
+          <p:cNvSpPr/>
+          <p:nvPr/>
+        </p:nvSpPr>
+        <p:spPr>
+          <a:xfrm>
+            <a:off x="5233739" y="4309818"/>
+            <a:ext cx="792088" cy="775366"/>
+          </a:xfrm>
+          <a:prstGeom prst="ellipse">
+            <a:avLst/>
+          </a:prstGeom>
+        </p:spPr>
+        <p:style>
+          <a:lnRef idx="2">
+            <a:schemeClr val="accent1">
+              <a:shade val="50000"/>
+            </a:schemeClr>
+          </a:lnRef>
+          <a:fillRef idx="1">
+            <a:schemeClr val="accent1"/>
+          </a:fillRef>
+          <a:effectRef idx="0">
+            <a:schemeClr val="accent1"/>
+          </a:effectRef>
+          <a:fontRef idx="minor">
+            <a:schemeClr val="lt1"/>
+          </a:fontRef>
+        </p:style>
+        <p:txBody>
+          <a:bodyPr rtlCol="0" anchor="ctr"/>
+          <a:lstStyle/>
+          <a:p>
+            <a:pPr algn="ctr"/>
+            <a:r>
+              <a:rPr lang="en-US" altLang="ko-KR" dirty="0" smtClean="0"/>
+              <a:t>C0</a:t>
+            </a:r>
+            <a:endParaRPr lang="ko-KR" altLang="en-US" dirty="0"/>
+          </a:p>
+        </p:txBody>
+      </p:sp>
+      <p:sp>
+        <p:nvSpPr>
+          <p:cNvPr id="32" name="타원 31"/>
+          <p:cNvSpPr/>
+          <p:nvPr/>
+        </p:nvSpPr>
+        <p:spPr>
+          <a:xfrm>
+            <a:off x="5220072" y="722482"/>
+            <a:ext cx="792088" cy="775366"/>
+          </a:xfrm>
+          <a:prstGeom prst="ellipse">
+            <a:avLst/>
+          </a:prstGeom>
+        </p:spPr>
+        <p:style>
+          <a:lnRef idx="2">
+            <a:schemeClr val="accent1">
+              <a:shade val="50000"/>
+            </a:schemeClr>
+          </a:lnRef>
+          <a:fillRef idx="1">
+            <a:schemeClr val="accent1"/>
+          </a:fillRef>
+          <a:effectRef idx="0">
+            <a:schemeClr val="accent1"/>
+          </a:effectRef>
+          <a:fontRef idx="minor">
+            <a:schemeClr val="lt1"/>
+          </a:fontRef>
+        </p:style>
+        <p:txBody>
+          <a:bodyPr rtlCol="0" anchor="ctr"/>
+          <a:lstStyle/>
+          <a:p>
+            <a:pPr algn="ctr"/>
+            <a:r>
+              <a:rPr lang="en-US" altLang="ko-KR" dirty="0" smtClean="0"/>
+              <a:t>C3`</a:t>
+            </a:r>
+            <a:endParaRPr lang="ko-KR" altLang="en-US" dirty="0"/>
+          </a:p>
+        </p:txBody>
+      </p:sp>
+      <p:sp>
+        <p:nvSpPr>
+          <p:cNvPr id="33" name="타원 32"/>
+          <p:cNvSpPr/>
+          <p:nvPr/>
+        </p:nvSpPr>
+        <p:spPr>
+          <a:xfrm>
+            <a:off x="6804248" y="3621501"/>
+            <a:ext cx="792088" cy="775366"/>
+          </a:xfrm>
+          <a:prstGeom prst="ellipse">
+            <a:avLst/>
+          </a:prstGeom>
+        </p:spPr>
+        <p:style>
+          <a:lnRef idx="2">
+            <a:schemeClr val="accent1">
+              <a:shade val="50000"/>
+            </a:schemeClr>
+          </a:lnRef>
+          <a:fillRef idx="1">
+            <a:schemeClr val="accent1"/>
+          </a:fillRef>
+          <a:effectRef idx="0">
+            <a:schemeClr val="accent1"/>
+          </a:effectRef>
+          <a:fontRef idx="minor">
+            <a:schemeClr val="lt1"/>
+          </a:fontRef>
+        </p:style>
+        <p:txBody>
+          <a:bodyPr rtlCol="0" anchor="ctr"/>
+          <a:lstStyle/>
+          <a:p>
+            <a:pPr algn="ctr"/>
+            <a:r>
+              <a:rPr lang="en-US" altLang="ko-KR" dirty="0" smtClean="0"/>
+              <a:t>C2</a:t>
+            </a:r>
+            <a:endParaRPr lang="ko-KR" altLang="en-US" dirty="0"/>
+          </a:p>
+        </p:txBody>
+      </p:sp>
+      <p:sp>
+        <p:nvSpPr>
+          <p:cNvPr id="34" name="타원 33"/>
+          <p:cNvSpPr/>
+          <p:nvPr/>
+        </p:nvSpPr>
+        <p:spPr>
+          <a:xfrm>
+            <a:off x="6804248" y="2398944"/>
+            <a:ext cx="792088" cy="775366"/>
+          </a:xfrm>
+          <a:prstGeom prst="ellipse">
+            <a:avLst/>
+          </a:prstGeom>
+        </p:spPr>
+        <p:style>
+          <a:lnRef idx="2">
+            <a:schemeClr val="accent1">
+              <a:shade val="50000"/>
+            </a:schemeClr>
+          </a:lnRef>
+          <a:fillRef idx="1">
+            <a:schemeClr val="accent1"/>
+          </a:fillRef>
+          <a:effectRef idx="0">
+            <a:schemeClr val="accent1"/>
+          </a:effectRef>
+          <a:fontRef idx="minor">
+            <a:schemeClr val="lt1"/>
+          </a:fontRef>
+        </p:style>
+        <p:txBody>
+          <a:bodyPr rtlCol="0" anchor="ctr"/>
+          <a:lstStyle/>
+          <a:p>
+            <a:pPr algn="ctr"/>
+            <a:r>
+              <a:rPr lang="en-US" altLang="ko-KR" dirty="0" smtClean="0"/>
+              <a:t>C3</a:t>
+            </a:r>
+            <a:endParaRPr lang="ko-KR" altLang="en-US" dirty="0"/>
+          </a:p>
+        </p:txBody>
+      </p:sp>
+      <p:cxnSp>
+        <p:nvCxnSpPr>
+          <p:cNvPr id="35" name="직선 화살표 연결선 34"/>
+          <p:cNvCxnSpPr/>
+          <p:nvPr/>
+        </p:nvCxnSpPr>
+        <p:spPr>
+          <a:xfrm>
+            <a:off x="5616116" y="1497848"/>
+            <a:ext cx="0" cy="420216"/>
+          </a:xfrm>
+          <a:prstGeom prst="straightConnector1">
+            <a:avLst/>
+          </a:prstGeom>
+          <a:ln w="28575">
+            <a:solidFill>
+              <a:srgbClr val="FF0000"/>
+            </a:solidFill>
+            <a:tailEnd type="arrow"/>
+          </a:ln>
+        </p:spPr>
+        <p:style>
+          <a:lnRef idx="1">
+            <a:schemeClr val="accent1"/>
+          </a:lnRef>
+          <a:fillRef idx="0">
+            <a:schemeClr val="accent1"/>
+          </a:fillRef>
+          <a:effectRef idx="0">
+            <a:schemeClr val="accent1"/>
+          </a:effectRef>
+          <a:fontRef idx="minor">
+            <a:schemeClr val="tx1"/>
+          </a:fontRef>
+        </p:style>
+      </p:cxnSp>
+      <p:cxnSp>
+        <p:nvCxnSpPr>
+          <p:cNvPr id="36" name="직선 화살표 연결선 35"/>
+          <p:cNvCxnSpPr/>
+          <p:nvPr/>
+        </p:nvCxnSpPr>
+        <p:spPr>
+          <a:xfrm>
+            <a:off x="5631532" y="3902315"/>
+            <a:ext cx="0" cy="420216"/>
+          </a:xfrm>
+          <a:prstGeom prst="straightConnector1">
+            <a:avLst/>
+          </a:prstGeom>
+          <a:ln w="28575">
+            <a:solidFill>
+              <a:srgbClr val="FF0000"/>
+            </a:solidFill>
+            <a:tailEnd type="arrow"/>
+          </a:ln>
+        </p:spPr>
+        <p:style>
+          <a:lnRef idx="1">
+            <a:schemeClr val="accent1"/>
+          </a:lnRef>
+          <a:fillRef idx="0">
+            <a:schemeClr val="accent1"/>
+          </a:fillRef>
+          <a:effectRef idx="0">
+            <a:schemeClr val="accent1"/>
+          </a:effectRef>
+          <a:fontRef idx="minor">
+            <a:schemeClr val="tx1"/>
+          </a:fontRef>
+        </p:style>
+      </p:cxnSp>
+      <p:cxnSp>
+        <p:nvCxnSpPr>
+          <p:cNvPr id="38" name="직선 화살표 연결선 37"/>
+          <p:cNvCxnSpPr>
+            <a:stCxn id="33" idx="3"/>
+            <a:endCxn id="29" idx="6"/>
+          </p:cNvCxnSpPr>
+          <p:nvPr/>
+        </p:nvCxnSpPr>
+        <p:spPr>
+          <a:xfrm flipH="1">
+            <a:off x="6025827" y="4283317"/>
+            <a:ext cx="894420" cy="414184"/>
+          </a:xfrm>
+          <a:prstGeom prst="straightConnector1">
+            <a:avLst/>
+          </a:prstGeom>
+          <a:ln>
+            <a:prstDash val="lgDash"/>
+            <a:tailEnd type="arrow"/>
+          </a:ln>
+        </p:spPr>
+        <p:style>
+          <a:lnRef idx="1">
+            <a:schemeClr val="accent1"/>
+          </a:lnRef>
+          <a:fillRef idx="0">
+            <a:schemeClr val="accent1"/>
+          </a:fillRef>
+          <a:effectRef idx="0">
+            <a:schemeClr val="accent1"/>
+          </a:effectRef>
+          <a:fontRef idx="minor">
+            <a:schemeClr val="tx1"/>
+          </a:fontRef>
+        </p:style>
+      </p:cxnSp>
+      <p:cxnSp>
+        <p:nvCxnSpPr>
+          <p:cNvPr id="41" name="직선 화살표 연결선 40"/>
+          <p:cNvCxnSpPr>
+            <a:stCxn id="34" idx="4"/>
+            <a:endCxn id="33" idx="0"/>
+          </p:cNvCxnSpPr>
+          <p:nvPr/>
+        </p:nvCxnSpPr>
+        <p:spPr>
+          <a:xfrm>
+            <a:off x="7200292" y="3174310"/>
+            <a:ext cx="0" cy="447191"/>
+          </a:xfrm>
+          <a:prstGeom prst="straightConnector1">
+            <a:avLst/>
+          </a:prstGeom>
+          <a:ln>
+            <a:prstDash val="lgDash"/>
+            <a:tailEnd type="arrow"/>
+          </a:ln>
+        </p:spPr>
+        <p:style>
+          <a:lnRef idx="1">
+            <a:schemeClr val="accent1"/>
+          </a:lnRef>
+          <a:fillRef idx="0">
+            <a:schemeClr val="accent1"/>
+          </a:fillRef>
+          <a:effectRef idx="0">
+            <a:schemeClr val="accent1"/>
+          </a:effectRef>
+          <a:fontRef idx="minor">
+            <a:schemeClr val="tx1"/>
+          </a:fontRef>
+        </p:style>
+      </p:cxnSp>
+      <p:sp>
+        <p:nvSpPr>
+          <p:cNvPr id="42" name="TextBox 41"/>
+          <p:cNvSpPr txBox="1"/>
+          <p:nvPr/>
+        </p:nvSpPr>
+        <p:spPr>
+          <a:xfrm>
+            <a:off x="5436096" y="5524358"/>
+            <a:ext cx="1872208" cy="276999"/>
+          </a:xfrm>
+          <a:prstGeom prst="rect">
+            <a:avLst/>
+          </a:prstGeom>
+          <a:noFill/>
+        </p:spPr>
+        <p:txBody>
+          <a:bodyPr wrap="square" rtlCol="0">
+            <a:spAutoFit/>
+          </a:bodyPr>
+          <a:lstStyle/>
+          <a:p>
+            <a:pPr algn="ctr"/>
+            <a:r>
+              <a:rPr lang="en-US" altLang="ko-KR" sz="1200" dirty="0" smtClean="0"/>
+              <a:t>&lt;</a:t>
+            </a:r>
+            <a:r>
+              <a:rPr lang="en-US" altLang="ko-KR" sz="1200" dirty="0" smtClean="0"/>
+              <a:t>rebase</a:t>
+            </a:r>
+            <a:r>
+              <a:rPr lang="en-US" altLang="ko-KR" sz="1200" dirty="0" smtClean="0"/>
+              <a:t>&gt;</a:t>
+            </a:r>
+            <a:endParaRPr lang="ko-KR" altLang="en-US" sz="1200" dirty="0"/>
+          </a:p>
+        </p:txBody>
+      </p:sp>
+      <p:sp>
+        <p:nvSpPr>
+          <p:cNvPr id="43" name="폭발 2 42"/>
+          <p:cNvSpPr/>
+          <p:nvPr/>
+        </p:nvSpPr>
+        <p:spPr>
+          <a:xfrm>
+            <a:off x="1854721" y="548680"/>
+            <a:ext cx="1437614" cy="949168"/>
+          </a:xfrm>
+          <a:prstGeom prst="irregularSeal2">
+            <a:avLst/>
+          </a:prstGeom>
+          <a:solidFill>
+            <a:srgbClr val="FF0000"/>
+          </a:solidFill>
+          <a:ln>
+            <a:solidFill>
+              <a:srgbClr val="FF0000"/>
+            </a:solidFill>
+          </a:ln>
+        </p:spPr>
+        <p:style>
+          <a:lnRef idx="2">
+            <a:schemeClr val="accent1">
+              <a:shade val="50000"/>
+            </a:schemeClr>
+          </a:lnRef>
+          <a:fillRef idx="1">
+            <a:schemeClr val="accent1"/>
+          </a:fillRef>
+          <a:effectRef idx="0">
+            <a:schemeClr val="accent1"/>
+          </a:effectRef>
+          <a:fontRef idx="minor">
+            <a:schemeClr val="lt1"/>
+          </a:fontRef>
+        </p:style>
+        <p:txBody>
+          <a:bodyPr rtlCol="0" anchor="ctr"/>
+          <a:lstStyle/>
+          <a:p>
+            <a:pPr algn="ctr"/>
+            <a:r>
+              <a:rPr lang="ko-KR" altLang="en-US" sz="1600" smtClean="0"/>
+              <a:t>충</a:t>
+            </a:r>
+            <a:r>
+              <a:rPr lang="ko-KR" altLang="en-US" sz="1600"/>
+              <a:t>돌</a:t>
+            </a:r>
+          </a:p>
+        </p:txBody>
+      </p:sp>
+      <p:sp>
+        <p:nvSpPr>
+          <p:cNvPr id="44" name="폭발 2 43"/>
+          <p:cNvSpPr/>
+          <p:nvPr/>
+        </p:nvSpPr>
+        <p:spPr>
+          <a:xfrm>
+            <a:off x="5653393" y="119127"/>
+            <a:ext cx="1437614" cy="949168"/>
+          </a:xfrm>
+          <a:prstGeom prst="irregularSeal2">
+            <a:avLst/>
+          </a:prstGeom>
+          <a:solidFill>
+            <a:srgbClr val="FF0000"/>
+          </a:solidFill>
+          <a:ln>
+            <a:solidFill>
+              <a:srgbClr val="FF0000"/>
+            </a:solidFill>
+          </a:ln>
+        </p:spPr>
+        <p:style>
+          <a:lnRef idx="2">
+            <a:schemeClr val="accent1">
+              <a:shade val="50000"/>
+            </a:schemeClr>
+          </a:lnRef>
+          <a:fillRef idx="1">
+            <a:schemeClr val="accent1"/>
+          </a:fillRef>
+          <a:effectRef idx="0">
+            <a:schemeClr val="accent1"/>
+          </a:effectRef>
+          <a:fontRef idx="minor">
+            <a:schemeClr val="lt1"/>
+          </a:fontRef>
+        </p:style>
+        <p:txBody>
+          <a:bodyPr rtlCol="0" anchor="ctr"/>
+          <a:lstStyle/>
+          <a:p>
+            <a:pPr algn="ctr"/>
+            <a:r>
+              <a:rPr lang="ko-KR" altLang="en-US" sz="1600" smtClean="0"/>
+              <a:t>충</a:t>
+            </a:r>
+            <a:r>
+              <a:rPr lang="ko-KR" altLang="en-US" sz="1600"/>
+              <a:t>돌</a:t>
+            </a:r>
+          </a:p>
+        </p:txBody>
+      </p:sp>
+      <p:sp>
+        <p:nvSpPr>
+          <p:cNvPr id="45" name="폭발 2 44"/>
+          <p:cNvSpPr/>
+          <p:nvPr/>
+        </p:nvSpPr>
+        <p:spPr>
+          <a:xfrm>
+            <a:off x="5747396" y="1443480"/>
+            <a:ext cx="1437614" cy="949168"/>
+          </a:xfrm>
+          <a:prstGeom prst="irregularSeal2">
+            <a:avLst/>
+          </a:prstGeom>
+          <a:solidFill>
+            <a:srgbClr val="FF0000"/>
+          </a:solidFill>
+          <a:ln>
+            <a:solidFill>
+              <a:srgbClr val="FF0000"/>
+            </a:solidFill>
+          </a:ln>
+        </p:spPr>
+        <p:style>
+          <a:lnRef idx="2">
+            <a:schemeClr val="accent1">
+              <a:shade val="50000"/>
+            </a:schemeClr>
+          </a:lnRef>
+          <a:fillRef idx="1">
+            <a:schemeClr val="accent1"/>
+          </a:fillRef>
+          <a:effectRef idx="0">
+            <a:schemeClr val="accent1"/>
+          </a:effectRef>
+          <a:fontRef idx="minor">
+            <a:schemeClr val="lt1"/>
+          </a:fontRef>
+        </p:style>
+        <p:txBody>
+          <a:bodyPr rtlCol="0" anchor="ctr"/>
+          <a:lstStyle/>
+          <a:p>
+            <a:pPr algn="ctr"/>
+            <a:r>
+              <a:rPr lang="ko-KR" altLang="en-US" sz="1600" dirty="0" smtClean="0"/>
+              <a:t>충</a:t>
+            </a:r>
+            <a:r>
+              <a:rPr lang="ko-KR" altLang="en-US" sz="1600" dirty="0"/>
+              <a:t>돌</a:t>
+            </a:r>
+          </a:p>
+        </p:txBody>
+      </p:sp>
+    </p:spTree>
+    <p:extLst>
+      <p:ext uri="{BB962C8B-B14F-4D97-AF65-F5344CB8AC3E}">
+        <p14:creationId xmlns:p14="http://schemas.microsoft.com/office/powerpoint/2010/main" val="1762455157"/>
+      </p:ext>
+    </p:extLst>
+  </p:cSld>
+  <p:clrMapOvr>
+    <a:masterClrMapping/>
+  </p:clrMapOvr>
+  <p:timing>
+    <p:tnLst>
+      <p:par>
+        <p:cTn id="1" dur="indefinite" restart="never" nodeType="tmRoot"/>
+      </p:par>
+    </p:tnLst>
+  </p:timing>
+</p:sld>
+</file>
+
+<file path=ppt/slides/slide23.xml><?xml version="1.0" encoding="utf-8"?>
+<p:sld xmlns:a="http://schemas.openxmlformats.org/drawingml/2006/main" xmlns:r="http://schemas.openxmlformats.org/officeDocument/2006/relationships" xmlns:p="http://schemas.openxmlformats.org/presentationml/2006/main">
+  <p:cSld>
+    <p:spTree>
+      <p:nvGrpSpPr>
+        <p:cNvPr id="1" name=""/>
+        <p:cNvGrpSpPr/>
+        <p:nvPr/>
+      </p:nvGrpSpPr>
+      <p:grpSpPr>
+        <a:xfrm>
+          <a:off x="0" y="0"/>
+          <a:ext cx="0" cy="0"/>
+          <a:chOff x="0" y="0"/>
+          <a:chExt cx="0" cy="0"/>
+        </a:xfrm>
+      </p:grpSpPr>
+      <p:sp>
+        <p:nvSpPr>
+          <p:cNvPr id="6" name="타원 5"/>
+          <p:cNvSpPr/>
+          <p:nvPr/>
+        </p:nvSpPr>
+        <p:spPr>
+          <a:xfrm>
+            <a:off x="2915816" y="188640"/>
+            <a:ext cx="576064" cy="576064"/>
+          </a:xfrm>
+          <a:prstGeom prst="ellipse">
+            <a:avLst/>
+          </a:prstGeom>
+        </p:spPr>
+        <p:style>
+          <a:lnRef idx="2">
+            <a:schemeClr val="accent1">
+              <a:shade val="50000"/>
+            </a:schemeClr>
+          </a:lnRef>
+          <a:fillRef idx="1">
+            <a:schemeClr val="accent1"/>
+          </a:fillRef>
+          <a:effectRef idx="0">
+            <a:schemeClr val="accent1"/>
+          </a:effectRef>
+          <a:fontRef idx="minor">
+            <a:schemeClr val="lt1"/>
+          </a:fontRef>
+        </p:style>
+        <p:txBody>
+          <a:bodyPr rtlCol="0" anchor="ctr"/>
+          <a:lstStyle/>
+          <a:p>
+            <a:pPr algn="ctr"/>
+            <a:r>
+              <a:rPr lang="en-US" altLang="ko-KR" sz="1400" dirty="0"/>
+              <a:t>C0</a:t>
+            </a:r>
+            <a:endParaRPr lang="ko-KR" altLang="en-US" sz="1400" dirty="0"/>
+          </a:p>
+        </p:txBody>
+      </p:sp>
+      <p:sp>
+        <p:nvSpPr>
+          <p:cNvPr id="13" name="타원 12"/>
+          <p:cNvSpPr/>
+          <p:nvPr/>
+        </p:nvSpPr>
+        <p:spPr>
+          <a:xfrm>
+            <a:off x="2915816" y="1108021"/>
+            <a:ext cx="576064" cy="576064"/>
+          </a:xfrm>
+          <a:prstGeom prst="ellipse">
+            <a:avLst/>
+          </a:prstGeom>
+        </p:spPr>
+        <p:style>
+          <a:lnRef idx="2">
+            <a:schemeClr val="accent1">
+              <a:shade val="50000"/>
+            </a:schemeClr>
+          </a:lnRef>
+          <a:fillRef idx="1">
+            <a:schemeClr val="accent1"/>
+          </a:fillRef>
+          <a:effectRef idx="0">
+            <a:schemeClr val="accent1"/>
+          </a:effectRef>
+          <a:fontRef idx="minor">
+            <a:schemeClr val="lt1"/>
+          </a:fontRef>
+        </p:style>
+        <p:txBody>
+          <a:bodyPr rtlCol="0" anchor="ctr"/>
+          <a:lstStyle/>
+          <a:p>
+            <a:pPr algn="ctr"/>
+            <a:r>
+              <a:rPr lang="en-US" altLang="ko-KR" sz="1400" dirty="0" smtClean="0"/>
+              <a:t>C1</a:t>
+            </a:r>
+            <a:endParaRPr lang="ko-KR" altLang="en-US" sz="1400" dirty="0"/>
+          </a:p>
+        </p:txBody>
+      </p:sp>
+      <p:sp>
+        <p:nvSpPr>
+          <p:cNvPr id="14" name="타원 13"/>
+          <p:cNvSpPr/>
+          <p:nvPr/>
+        </p:nvSpPr>
+        <p:spPr>
+          <a:xfrm>
+            <a:off x="1115616" y="2060848"/>
+            <a:ext cx="576064" cy="576064"/>
+          </a:xfrm>
+          <a:prstGeom prst="ellipse">
+            <a:avLst/>
+          </a:prstGeom>
+        </p:spPr>
+        <p:style>
+          <a:lnRef idx="2">
+            <a:schemeClr val="accent1">
+              <a:shade val="50000"/>
+            </a:schemeClr>
+          </a:lnRef>
+          <a:fillRef idx="1">
+            <a:schemeClr val="accent1"/>
+          </a:fillRef>
+          <a:effectRef idx="0">
+            <a:schemeClr val="accent1"/>
+          </a:effectRef>
+          <a:fontRef idx="minor">
+            <a:schemeClr val="lt1"/>
+          </a:fontRef>
+        </p:style>
+        <p:txBody>
+          <a:bodyPr rtlCol="0" anchor="ctr"/>
+          <a:lstStyle/>
+          <a:p>
+            <a:pPr algn="ctr"/>
+            <a:r>
+              <a:rPr lang="en-US" altLang="ko-KR" sz="1400" dirty="0" smtClean="0"/>
+              <a:t>C2</a:t>
+            </a:r>
+            <a:endParaRPr lang="ko-KR" altLang="en-US" sz="1400" dirty="0"/>
+          </a:p>
+        </p:txBody>
+      </p:sp>
+      <p:sp>
+        <p:nvSpPr>
+          <p:cNvPr id="15" name="타원 14"/>
+          <p:cNvSpPr/>
+          <p:nvPr/>
+        </p:nvSpPr>
+        <p:spPr>
+          <a:xfrm>
+            <a:off x="1115616" y="2996952"/>
+            <a:ext cx="576064" cy="576064"/>
+          </a:xfrm>
+          <a:prstGeom prst="ellipse">
+            <a:avLst/>
+          </a:prstGeom>
+        </p:spPr>
+        <p:style>
+          <a:lnRef idx="2">
+            <a:schemeClr val="accent1">
+              <a:shade val="50000"/>
+            </a:schemeClr>
+          </a:lnRef>
+          <a:fillRef idx="1">
+            <a:schemeClr val="accent1"/>
+          </a:fillRef>
+          <a:effectRef idx="0">
+            <a:schemeClr val="accent1"/>
+          </a:effectRef>
+          <a:fontRef idx="minor">
+            <a:schemeClr val="lt1"/>
+          </a:fontRef>
+        </p:style>
+        <p:txBody>
+          <a:bodyPr rtlCol="0" anchor="ctr"/>
+          <a:lstStyle/>
+          <a:p>
+            <a:pPr algn="ctr"/>
+            <a:r>
+              <a:rPr lang="en-US" altLang="ko-KR" sz="1400" dirty="0" smtClean="0"/>
+              <a:t>C3</a:t>
+            </a:r>
+            <a:endParaRPr lang="ko-KR" altLang="en-US" sz="1400" dirty="0"/>
+          </a:p>
+        </p:txBody>
+      </p:sp>
+      <p:sp>
+        <p:nvSpPr>
+          <p:cNvPr id="16" name="타원 15"/>
+          <p:cNvSpPr/>
+          <p:nvPr/>
+        </p:nvSpPr>
+        <p:spPr>
+          <a:xfrm>
+            <a:off x="4718298" y="2060848"/>
+            <a:ext cx="576064" cy="576064"/>
+          </a:xfrm>
+          <a:prstGeom prst="ellipse">
+            <a:avLst/>
+          </a:prstGeom>
+        </p:spPr>
+        <p:style>
+          <a:lnRef idx="2">
+            <a:schemeClr val="accent1">
+              <a:shade val="50000"/>
+            </a:schemeClr>
+          </a:lnRef>
+          <a:fillRef idx="1">
+            <a:schemeClr val="accent1"/>
+          </a:fillRef>
+          <a:effectRef idx="0">
+            <a:schemeClr val="accent1"/>
+          </a:effectRef>
+          <a:fontRef idx="minor">
+            <a:schemeClr val="lt1"/>
+          </a:fontRef>
+        </p:style>
+        <p:txBody>
+          <a:bodyPr rtlCol="0" anchor="ctr"/>
+          <a:lstStyle/>
+          <a:p>
+            <a:pPr algn="ctr"/>
+            <a:r>
+              <a:rPr lang="en-US" altLang="ko-KR" sz="1400" dirty="0" smtClean="0"/>
+              <a:t>C4</a:t>
+            </a:r>
+            <a:endParaRPr lang="ko-KR" altLang="en-US" sz="1400" dirty="0"/>
+          </a:p>
+        </p:txBody>
+      </p:sp>
+      <p:sp>
+        <p:nvSpPr>
+          <p:cNvPr id="17" name="타원 16"/>
+          <p:cNvSpPr/>
+          <p:nvPr/>
+        </p:nvSpPr>
+        <p:spPr>
+          <a:xfrm>
+            <a:off x="6516216" y="3043924"/>
+            <a:ext cx="648072" cy="648072"/>
+          </a:xfrm>
+          <a:prstGeom prst="ellipse">
+            <a:avLst/>
+          </a:prstGeom>
+        </p:spPr>
+        <p:style>
+          <a:lnRef idx="2">
+            <a:schemeClr val="accent1">
+              <a:shade val="50000"/>
+            </a:schemeClr>
+          </a:lnRef>
+          <a:fillRef idx="1">
+            <a:schemeClr val="accent1"/>
+          </a:fillRef>
+          <a:effectRef idx="0">
+            <a:schemeClr val="accent1"/>
+          </a:effectRef>
+          <a:fontRef idx="minor">
+            <a:schemeClr val="lt1"/>
+          </a:fontRef>
+        </p:style>
+        <p:txBody>
+          <a:bodyPr rtlCol="0" anchor="ctr"/>
+          <a:lstStyle/>
+          <a:p>
+            <a:pPr algn="ctr"/>
+            <a:r>
+              <a:rPr lang="en-US" altLang="ko-KR" sz="1400" dirty="0" smtClean="0"/>
+              <a:t>C2`</a:t>
+            </a:r>
+            <a:endParaRPr lang="ko-KR" altLang="en-US" sz="1400" dirty="0"/>
+          </a:p>
+        </p:txBody>
+      </p:sp>
+      <p:sp>
+        <p:nvSpPr>
+          <p:cNvPr id="18" name="타원 17"/>
+          <p:cNvSpPr/>
+          <p:nvPr/>
+        </p:nvSpPr>
+        <p:spPr>
+          <a:xfrm>
+            <a:off x="6516216" y="4005064"/>
+            <a:ext cx="648072" cy="648072"/>
+          </a:xfrm>
+          <a:prstGeom prst="ellipse">
+            <a:avLst/>
+          </a:prstGeom>
+        </p:spPr>
+        <p:style>
+          <a:lnRef idx="2">
+            <a:schemeClr val="accent1">
+              <a:shade val="50000"/>
+            </a:schemeClr>
+          </a:lnRef>
+          <a:fillRef idx="1">
+            <a:schemeClr val="accent1"/>
+          </a:fillRef>
+          <a:effectRef idx="0">
+            <a:schemeClr val="accent1"/>
+          </a:effectRef>
+          <a:fontRef idx="minor">
+            <a:schemeClr val="lt1"/>
+          </a:fontRef>
+        </p:style>
+        <p:txBody>
+          <a:bodyPr rtlCol="0" anchor="ctr"/>
+          <a:lstStyle/>
+          <a:p>
+            <a:pPr algn="ctr"/>
+            <a:r>
+              <a:rPr lang="en-US" altLang="ko-KR" sz="1400" dirty="0" smtClean="0"/>
+              <a:t>C3`</a:t>
+            </a:r>
+            <a:endParaRPr lang="ko-KR" altLang="en-US" sz="1400" dirty="0"/>
+          </a:p>
+        </p:txBody>
+      </p:sp>
+      <p:sp>
+        <p:nvSpPr>
+          <p:cNvPr id="19" name="타원 18"/>
+          <p:cNvSpPr/>
+          <p:nvPr/>
+        </p:nvSpPr>
+        <p:spPr>
+          <a:xfrm>
+            <a:off x="6552220" y="4941168"/>
+            <a:ext cx="576064" cy="576064"/>
+          </a:xfrm>
+          <a:prstGeom prst="ellipse">
+            <a:avLst/>
+          </a:prstGeom>
+        </p:spPr>
+        <p:style>
+          <a:lnRef idx="2">
+            <a:schemeClr val="accent1">
+              <a:shade val="50000"/>
+            </a:schemeClr>
+          </a:lnRef>
+          <a:fillRef idx="1">
+            <a:schemeClr val="accent1"/>
+          </a:fillRef>
+          <a:effectRef idx="0">
+            <a:schemeClr val="accent1"/>
+          </a:effectRef>
+          <a:fontRef idx="minor">
+            <a:schemeClr val="lt1"/>
+          </a:fontRef>
+        </p:style>
+        <p:txBody>
+          <a:bodyPr rtlCol="0" anchor="ctr"/>
+          <a:lstStyle/>
+          <a:p>
+            <a:pPr algn="ctr"/>
+            <a:r>
+              <a:rPr lang="en-US" altLang="ko-KR" sz="1400" smtClean="0"/>
+              <a:t>C6</a:t>
+            </a:r>
+            <a:endParaRPr lang="ko-KR" altLang="en-US" sz="1400" dirty="0"/>
+          </a:p>
+        </p:txBody>
+      </p:sp>
+      <p:sp>
+        <p:nvSpPr>
+          <p:cNvPr id="20" name="타원 19"/>
+          <p:cNvSpPr/>
+          <p:nvPr/>
+        </p:nvSpPr>
+        <p:spPr>
+          <a:xfrm>
+            <a:off x="2921521" y="4077072"/>
+            <a:ext cx="576064" cy="576064"/>
+          </a:xfrm>
+          <a:prstGeom prst="ellipse">
+            <a:avLst/>
+          </a:prstGeom>
+        </p:spPr>
+        <p:style>
+          <a:lnRef idx="2">
+            <a:schemeClr val="accent1">
+              <a:shade val="50000"/>
+            </a:schemeClr>
+          </a:lnRef>
+          <a:fillRef idx="1">
+            <a:schemeClr val="accent1"/>
+          </a:fillRef>
+          <a:effectRef idx="0">
+            <a:schemeClr val="accent1"/>
+          </a:effectRef>
+          <a:fontRef idx="minor">
+            <a:schemeClr val="lt1"/>
+          </a:fontRef>
+        </p:style>
+        <p:txBody>
+          <a:bodyPr rtlCol="0" anchor="ctr"/>
+          <a:lstStyle/>
+          <a:p>
+            <a:pPr algn="ctr"/>
+            <a:r>
+              <a:rPr lang="en-US" altLang="ko-KR" sz="1400" dirty="0" smtClean="0"/>
+              <a:t>C5</a:t>
+            </a:r>
+            <a:endParaRPr lang="ko-KR" altLang="en-US" sz="1400" dirty="0"/>
+          </a:p>
+        </p:txBody>
+      </p:sp>
+      <p:sp>
+        <p:nvSpPr>
+          <p:cNvPr id="21" name="타원 20"/>
+          <p:cNvSpPr/>
+          <p:nvPr/>
+        </p:nvSpPr>
+        <p:spPr>
+          <a:xfrm>
+            <a:off x="2921521" y="6021288"/>
+            <a:ext cx="576064" cy="576064"/>
+          </a:xfrm>
+          <a:prstGeom prst="ellipse">
+            <a:avLst/>
+          </a:prstGeom>
+        </p:spPr>
+        <p:style>
+          <a:lnRef idx="2">
+            <a:schemeClr val="accent1">
+              <a:shade val="50000"/>
+            </a:schemeClr>
+          </a:lnRef>
+          <a:fillRef idx="1">
+            <a:schemeClr val="accent1"/>
+          </a:fillRef>
+          <a:effectRef idx="0">
+            <a:schemeClr val="accent1"/>
+          </a:effectRef>
+          <a:fontRef idx="minor">
+            <a:schemeClr val="lt1"/>
+          </a:fontRef>
+        </p:style>
+        <p:txBody>
+          <a:bodyPr rtlCol="0" anchor="ctr"/>
+          <a:lstStyle/>
+          <a:p>
+            <a:pPr algn="ctr"/>
+            <a:r>
+              <a:rPr lang="en-US" altLang="ko-KR" sz="1400" dirty="0" smtClean="0"/>
+              <a:t>C7</a:t>
+            </a:r>
+            <a:endParaRPr lang="ko-KR" altLang="en-US" sz="1400" dirty="0"/>
+          </a:p>
+        </p:txBody>
+      </p:sp>
+      <p:cxnSp>
+        <p:nvCxnSpPr>
+          <p:cNvPr id="25" name="꺾인 연결선 24"/>
+          <p:cNvCxnSpPr>
+            <a:stCxn id="14" idx="0"/>
+            <a:endCxn id="13" idx="4"/>
+          </p:cNvCxnSpPr>
+          <p:nvPr/>
+        </p:nvCxnSpPr>
+        <p:spPr>
+          <a:xfrm rot="5400000" flipH="1" flipV="1">
+            <a:off x="2115367" y="972367"/>
+            <a:ext cx="376763" cy="1800200"/>
+          </a:xfrm>
+          <a:prstGeom prst="bentConnector3">
+            <a:avLst/>
+          </a:prstGeom>
+          <a:ln w="28575">
+            <a:solidFill>
+              <a:srgbClr val="FF0000"/>
+            </a:solidFill>
+            <a:tailEnd type="arrow"/>
+          </a:ln>
+        </p:spPr>
+        <p:style>
+          <a:lnRef idx="1">
+            <a:schemeClr val="accent1"/>
+          </a:lnRef>
+          <a:fillRef idx="0">
+            <a:schemeClr val="accent1"/>
+          </a:fillRef>
+          <a:effectRef idx="0">
+            <a:schemeClr val="accent1"/>
+          </a:effectRef>
+          <a:fontRef idx="minor">
+            <a:schemeClr val="tx1"/>
+          </a:fontRef>
+        </p:style>
+      </p:cxnSp>
+      <p:cxnSp>
+        <p:nvCxnSpPr>
+          <p:cNvPr id="27" name="꺾인 연결선 26"/>
+          <p:cNvCxnSpPr>
+            <a:stCxn id="16" idx="0"/>
+            <a:endCxn id="13" idx="4"/>
+          </p:cNvCxnSpPr>
+          <p:nvPr/>
+        </p:nvCxnSpPr>
+        <p:spPr>
+          <a:xfrm rot="16200000" flipV="1">
+            <a:off x="3916708" y="971226"/>
+            <a:ext cx="376763" cy="1802482"/>
+          </a:xfrm>
+          <a:prstGeom prst="bentConnector3">
+            <a:avLst/>
+          </a:prstGeom>
+          <a:ln w="28575">
+            <a:solidFill>
+              <a:srgbClr val="FF0000"/>
+            </a:solidFill>
+            <a:tailEnd type="arrow"/>
+          </a:ln>
+        </p:spPr>
+        <p:style>
+          <a:lnRef idx="1">
+            <a:schemeClr val="accent1"/>
+          </a:lnRef>
+          <a:fillRef idx="0">
+            <a:schemeClr val="accent1"/>
+          </a:fillRef>
+          <a:effectRef idx="0">
+            <a:schemeClr val="accent1"/>
+          </a:effectRef>
+          <a:fontRef idx="minor">
+            <a:schemeClr val="tx1"/>
+          </a:fontRef>
+        </p:style>
+      </p:cxnSp>
+      <p:cxnSp>
+        <p:nvCxnSpPr>
+          <p:cNvPr id="29" name="직선 화살표 연결선 28"/>
+          <p:cNvCxnSpPr>
+            <a:stCxn id="13" idx="0"/>
+            <a:endCxn id="6" idx="4"/>
+          </p:cNvCxnSpPr>
+          <p:nvPr/>
+        </p:nvCxnSpPr>
+        <p:spPr>
+          <a:xfrm flipV="1">
+            <a:off x="3203848" y="764704"/>
+            <a:ext cx="0" cy="343317"/>
+          </a:xfrm>
+          <a:prstGeom prst="straightConnector1">
+            <a:avLst/>
+          </a:prstGeom>
+          <a:ln w="28575">
+            <a:solidFill>
+              <a:srgbClr val="FF0000"/>
+            </a:solidFill>
+            <a:tailEnd type="arrow"/>
+          </a:ln>
+        </p:spPr>
+        <p:style>
+          <a:lnRef idx="1">
+            <a:schemeClr val="accent1"/>
+          </a:lnRef>
+          <a:fillRef idx="0">
+            <a:schemeClr val="accent1"/>
+          </a:fillRef>
+          <a:effectRef idx="0">
+            <a:schemeClr val="accent1"/>
+          </a:effectRef>
+          <a:fontRef idx="minor">
+            <a:schemeClr val="tx1"/>
+          </a:fontRef>
+        </p:style>
+      </p:cxnSp>
+      <p:cxnSp>
+        <p:nvCxnSpPr>
+          <p:cNvPr id="31" name="직선 화살표 연결선 30"/>
+          <p:cNvCxnSpPr>
+            <a:stCxn id="15" idx="0"/>
+            <a:endCxn id="14" idx="4"/>
+          </p:cNvCxnSpPr>
+          <p:nvPr/>
+        </p:nvCxnSpPr>
+        <p:spPr>
+          <a:xfrm flipV="1">
+            <a:off x="1403648" y="2636912"/>
+            <a:ext cx="0" cy="360040"/>
+          </a:xfrm>
+          <a:prstGeom prst="straightConnector1">
+            <a:avLst/>
+          </a:prstGeom>
+          <a:ln w="28575">
+            <a:solidFill>
+              <a:srgbClr val="FF0000"/>
+            </a:solidFill>
+            <a:tailEnd type="arrow"/>
+          </a:ln>
+        </p:spPr>
+        <p:style>
+          <a:lnRef idx="1">
+            <a:schemeClr val="accent1"/>
+          </a:lnRef>
+          <a:fillRef idx="0">
+            <a:schemeClr val="accent1"/>
+          </a:fillRef>
+          <a:effectRef idx="0">
+            <a:schemeClr val="accent1"/>
+          </a:effectRef>
+          <a:fontRef idx="minor">
+            <a:schemeClr val="tx1"/>
+          </a:fontRef>
+        </p:style>
+      </p:cxnSp>
+      <p:cxnSp>
+        <p:nvCxnSpPr>
+          <p:cNvPr id="33" name="직선 화살표 연결선 32"/>
+          <p:cNvCxnSpPr>
+            <a:stCxn id="18" idx="0"/>
+            <a:endCxn id="17" idx="4"/>
+          </p:cNvCxnSpPr>
+          <p:nvPr/>
+        </p:nvCxnSpPr>
+        <p:spPr>
+          <a:xfrm flipV="1">
+            <a:off x="6840252" y="3691996"/>
+            <a:ext cx="0" cy="313068"/>
+          </a:xfrm>
+          <a:prstGeom prst="straightConnector1">
+            <a:avLst/>
+          </a:prstGeom>
+          <a:ln w="28575">
+            <a:solidFill>
+              <a:srgbClr val="FF0000"/>
+            </a:solidFill>
+            <a:tailEnd type="arrow"/>
+          </a:ln>
+        </p:spPr>
+        <p:style>
+          <a:lnRef idx="1">
+            <a:schemeClr val="accent1"/>
+          </a:lnRef>
+          <a:fillRef idx="0">
+            <a:schemeClr val="accent1"/>
+          </a:fillRef>
+          <a:effectRef idx="0">
+            <a:schemeClr val="accent1"/>
+          </a:effectRef>
+          <a:fontRef idx="minor">
+            <a:schemeClr val="tx1"/>
+          </a:fontRef>
+        </p:style>
+      </p:cxnSp>
+      <p:cxnSp>
+        <p:nvCxnSpPr>
+          <p:cNvPr id="35" name="직선 화살표 연결선 34"/>
+          <p:cNvCxnSpPr>
+            <a:stCxn id="19" idx="0"/>
+            <a:endCxn id="18" idx="4"/>
+          </p:cNvCxnSpPr>
+          <p:nvPr/>
+        </p:nvCxnSpPr>
+        <p:spPr>
+          <a:xfrm flipV="1">
+            <a:off x="6840252" y="4653136"/>
+            <a:ext cx="0" cy="288032"/>
+          </a:xfrm>
+          <a:prstGeom prst="straightConnector1">
+            <a:avLst/>
+          </a:prstGeom>
+          <a:ln w="28575">
+            <a:solidFill>
+              <a:srgbClr val="FF0000"/>
+            </a:solidFill>
+            <a:tailEnd type="arrow"/>
+          </a:ln>
+        </p:spPr>
+        <p:style>
+          <a:lnRef idx="1">
+            <a:schemeClr val="accent1"/>
+          </a:lnRef>
+          <a:fillRef idx="0">
+            <a:schemeClr val="accent1"/>
+          </a:fillRef>
+          <a:effectRef idx="0">
+            <a:schemeClr val="accent1"/>
+          </a:effectRef>
+          <a:fontRef idx="minor">
+            <a:schemeClr val="tx1"/>
+          </a:fontRef>
+        </p:style>
+      </p:cxnSp>
+      <p:cxnSp>
+        <p:nvCxnSpPr>
+          <p:cNvPr id="37" name="꺾인 연결선 36"/>
+          <p:cNvCxnSpPr>
+            <a:stCxn id="20" idx="0"/>
+            <a:endCxn id="15" idx="4"/>
+          </p:cNvCxnSpPr>
+          <p:nvPr/>
+        </p:nvCxnSpPr>
+        <p:spPr>
+          <a:xfrm rot="16200000" flipV="1">
+            <a:off x="2054573" y="2922091"/>
+            <a:ext cx="504056" cy="1805905"/>
+          </a:xfrm>
+          <a:prstGeom prst="bentConnector3">
+            <a:avLst/>
+          </a:prstGeom>
+          <a:ln w="28575">
+            <a:solidFill>
+              <a:srgbClr val="FF0000"/>
+            </a:solidFill>
+            <a:tailEnd type="arrow"/>
+          </a:ln>
+        </p:spPr>
+        <p:style>
+          <a:lnRef idx="1">
+            <a:schemeClr val="accent1"/>
+          </a:lnRef>
+          <a:fillRef idx="0">
+            <a:schemeClr val="accent1"/>
+          </a:fillRef>
+          <a:effectRef idx="0">
+            <a:schemeClr val="accent1"/>
+          </a:effectRef>
+          <a:fontRef idx="minor">
+            <a:schemeClr val="tx1"/>
+          </a:fontRef>
+        </p:style>
+      </p:cxnSp>
+      <p:cxnSp>
+        <p:nvCxnSpPr>
+          <p:cNvPr id="39" name="꺾인 연결선 38"/>
+          <p:cNvCxnSpPr>
+            <a:stCxn id="20" idx="0"/>
+            <a:endCxn id="16" idx="4"/>
+          </p:cNvCxnSpPr>
+          <p:nvPr/>
+        </p:nvCxnSpPr>
+        <p:spPr>
+          <a:xfrm rot="5400000" flipH="1" flipV="1">
+            <a:off x="3387861" y="2458604"/>
+            <a:ext cx="1440160" cy="1796777"/>
+          </a:xfrm>
+          <a:prstGeom prst="bentConnector3">
+            <a:avLst>
+              <a:gd name="adj1" fmla="val 17592"/>
+            </a:avLst>
+          </a:prstGeom>
+          <a:ln w="28575">
+            <a:solidFill>
+              <a:srgbClr val="FF0000"/>
+            </a:solidFill>
+            <a:tailEnd type="arrow"/>
+          </a:ln>
+        </p:spPr>
+        <p:style>
+          <a:lnRef idx="1">
+            <a:schemeClr val="accent1"/>
+          </a:lnRef>
+          <a:fillRef idx="0">
+            <a:schemeClr val="accent1"/>
+          </a:fillRef>
+          <a:effectRef idx="0">
+            <a:schemeClr val="accent1"/>
+          </a:effectRef>
+          <a:fontRef idx="minor">
+            <a:schemeClr val="tx1"/>
+          </a:fontRef>
+        </p:style>
+      </p:cxnSp>
+      <p:cxnSp>
+        <p:nvCxnSpPr>
+          <p:cNvPr id="42" name="꺾인 연결선 41"/>
+          <p:cNvCxnSpPr>
+            <a:stCxn id="17" idx="0"/>
+            <a:endCxn id="16" idx="6"/>
+          </p:cNvCxnSpPr>
+          <p:nvPr/>
+        </p:nvCxnSpPr>
+        <p:spPr>
+          <a:xfrm rot="16200000" flipV="1">
+            <a:off x="5719785" y="1923457"/>
+            <a:ext cx="695044" cy="1545890"/>
+          </a:xfrm>
+          <a:prstGeom prst="bentConnector2">
+            <a:avLst/>
+          </a:prstGeom>
+          <a:ln w="28575">
+            <a:solidFill>
+              <a:srgbClr val="FF0000"/>
+            </a:solidFill>
+            <a:tailEnd type="arrow"/>
+          </a:ln>
+        </p:spPr>
+        <p:style>
+          <a:lnRef idx="1">
+            <a:schemeClr val="accent1"/>
+          </a:lnRef>
+          <a:fillRef idx="0">
+            <a:schemeClr val="accent1"/>
+          </a:fillRef>
+          <a:effectRef idx="0">
+            <a:schemeClr val="accent1"/>
+          </a:effectRef>
+          <a:fontRef idx="minor">
+            <a:schemeClr val="tx1"/>
+          </a:fontRef>
+        </p:style>
+      </p:cxnSp>
+      <p:cxnSp>
+        <p:nvCxnSpPr>
+          <p:cNvPr id="44" name="꺾인 연결선 43"/>
+          <p:cNvCxnSpPr>
+            <a:stCxn id="21" idx="0"/>
+            <a:endCxn id="19" idx="4"/>
+          </p:cNvCxnSpPr>
+          <p:nvPr/>
+        </p:nvCxnSpPr>
+        <p:spPr>
+          <a:xfrm rot="5400000" flipH="1" flipV="1">
+            <a:off x="4772874" y="3953911"/>
+            <a:ext cx="504056" cy="3630699"/>
+          </a:xfrm>
+          <a:prstGeom prst="bentConnector3">
+            <a:avLst/>
+          </a:prstGeom>
+          <a:ln w="28575">
+            <a:solidFill>
+              <a:srgbClr val="FF0000"/>
+            </a:solidFill>
+            <a:tailEnd type="arrow"/>
+          </a:ln>
+        </p:spPr>
+        <p:style>
+          <a:lnRef idx="1">
+            <a:schemeClr val="accent1"/>
+          </a:lnRef>
+          <a:fillRef idx="0">
+            <a:schemeClr val="accent1"/>
+          </a:fillRef>
+          <a:effectRef idx="0">
+            <a:schemeClr val="accent1"/>
+          </a:effectRef>
+          <a:fontRef idx="minor">
+            <a:schemeClr val="tx1"/>
+          </a:fontRef>
+        </p:style>
+      </p:cxnSp>
+      <p:cxnSp>
+        <p:nvCxnSpPr>
+          <p:cNvPr id="46" name="직선 화살표 연결선 45"/>
+          <p:cNvCxnSpPr>
+            <a:stCxn id="21" idx="0"/>
+            <a:endCxn id="20" idx="4"/>
+          </p:cNvCxnSpPr>
+          <p:nvPr/>
+        </p:nvCxnSpPr>
+        <p:spPr>
+          <a:xfrm flipV="1">
+            <a:off x="3209553" y="4653136"/>
+            <a:ext cx="0" cy="1368152"/>
+          </a:xfrm>
+          <a:prstGeom prst="straightConnector1">
+            <a:avLst/>
+          </a:prstGeom>
+          <a:ln w="28575">
+            <a:solidFill>
+              <a:srgbClr val="FF0000"/>
+            </a:solidFill>
+            <a:tailEnd type="arrow"/>
+          </a:ln>
+        </p:spPr>
+        <p:style>
+          <a:lnRef idx="1">
+            <a:schemeClr val="accent1"/>
+          </a:lnRef>
+          <a:fillRef idx="0">
+            <a:schemeClr val="accent1"/>
+          </a:fillRef>
+          <a:effectRef idx="0">
+            <a:schemeClr val="accent1"/>
+          </a:effectRef>
+          <a:fontRef idx="minor">
+            <a:schemeClr val="tx1"/>
+          </a:fontRef>
+        </p:style>
+      </p:cxnSp>
+      <p:sp>
+        <p:nvSpPr>
+          <p:cNvPr id="47" name="왼쪽 화살표 설명선 46"/>
+          <p:cNvSpPr/>
+          <p:nvPr/>
+        </p:nvSpPr>
+        <p:spPr>
+          <a:xfrm>
+            <a:off x="1829991" y="3068960"/>
+            <a:ext cx="1085825" cy="432047"/>
+          </a:xfrm>
+          <a:prstGeom prst="leftArrowCallout">
+            <a:avLst/>
+          </a:prstGeom>
+          <a:solidFill>
+            <a:srgbClr val="00B050"/>
+          </a:solidFill>
+        </p:spPr>
+        <p:style>
+          <a:lnRef idx="2">
+            <a:schemeClr val="accent1">
+              <a:shade val="50000"/>
+            </a:schemeClr>
+          </a:lnRef>
+          <a:fillRef idx="1">
+            <a:schemeClr val="accent1"/>
+          </a:fillRef>
+          <a:effectRef idx="0">
+            <a:schemeClr val="accent1"/>
+          </a:effectRef>
+          <a:fontRef idx="minor">
+            <a:schemeClr val="lt1"/>
+          </a:fontRef>
+        </p:style>
+        <p:txBody>
+          <a:bodyPr rtlCol="0" anchor="ctr"/>
+          <a:lstStyle/>
+          <a:p>
+            <a:pPr algn="ctr"/>
+            <a:r>
+              <a:rPr lang="en-US" altLang="ko-KR" dirty="0" smtClean="0"/>
+              <a:t>o/f1</a:t>
+            </a:r>
+            <a:endParaRPr lang="ko-KR" altLang="en-US" dirty="0"/>
+          </a:p>
+        </p:txBody>
+      </p:sp>
+      <p:sp>
+        <p:nvSpPr>
+          <p:cNvPr id="48" name="왼쪽 화살표 설명선 47"/>
+          <p:cNvSpPr/>
+          <p:nvPr/>
+        </p:nvSpPr>
+        <p:spPr>
+          <a:xfrm>
+            <a:off x="3599731" y="4130030"/>
+            <a:ext cx="2057722" cy="432047"/>
+          </a:xfrm>
+          <a:prstGeom prst="leftArrowCallout">
+            <a:avLst>
+              <a:gd name="adj1" fmla="val 25000"/>
+              <a:gd name="adj2" fmla="val 25000"/>
+              <a:gd name="adj3" fmla="val 51456"/>
+              <a:gd name="adj4" fmla="val 74698"/>
+            </a:avLst>
+          </a:prstGeom>
+          <a:solidFill>
+            <a:srgbClr val="00B050"/>
+          </a:solidFill>
+        </p:spPr>
+        <p:style>
+          <a:lnRef idx="2">
+            <a:schemeClr val="accent1">
+              <a:shade val="50000"/>
+            </a:schemeClr>
+          </a:lnRef>
+          <a:fillRef idx="1">
+            <a:schemeClr val="accent1"/>
+          </a:fillRef>
+          <a:effectRef idx="0">
+            <a:schemeClr val="accent1"/>
+          </a:effectRef>
+          <a:fontRef idx="minor">
+            <a:schemeClr val="lt1"/>
+          </a:fontRef>
+        </p:style>
+        <p:txBody>
+          <a:bodyPr rtlCol="0" anchor="ctr"/>
+          <a:lstStyle/>
+          <a:p>
+            <a:pPr algn="ctr"/>
+            <a:r>
+              <a:rPr lang="en-US" altLang="ko-KR" dirty="0" smtClean="0"/>
+              <a:t>o/master</a:t>
+            </a:r>
+            <a:endParaRPr lang="ko-KR" altLang="en-US" dirty="0"/>
+          </a:p>
+        </p:txBody>
+      </p:sp>
+      <p:sp>
+        <p:nvSpPr>
+          <p:cNvPr id="49" name="오른쪽 화살표 설명선 48"/>
+          <p:cNvSpPr/>
+          <p:nvPr/>
+        </p:nvSpPr>
+        <p:spPr>
+          <a:xfrm>
+            <a:off x="5680788" y="4984601"/>
+            <a:ext cx="792088" cy="504056"/>
+          </a:xfrm>
+          <a:prstGeom prst="rightArrowCallout">
+            <a:avLst/>
+          </a:prstGeom>
+          <a:solidFill>
+            <a:srgbClr val="FF0000"/>
+          </a:solidFill>
+        </p:spPr>
+        <p:style>
+          <a:lnRef idx="2">
+            <a:schemeClr val="accent1">
+              <a:shade val="50000"/>
+            </a:schemeClr>
+          </a:lnRef>
+          <a:fillRef idx="1">
+            <a:schemeClr val="accent1"/>
+          </a:fillRef>
+          <a:effectRef idx="0">
+            <a:schemeClr val="accent1"/>
+          </a:effectRef>
+          <a:fontRef idx="minor">
+            <a:schemeClr val="lt1"/>
+          </a:fontRef>
+        </p:style>
+        <p:txBody>
+          <a:bodyPr rtlCol="0" anchor="ctr"/>
+          <a:lstStyle/>
+          <a:p>
+            <a:pPr algn="ctr"/>
+            <a:r>
+              <a:rPr lang="en-US" altLang="ko-KR" dirty="0" smtClean="0"/>
+              <a:t>f1</a:t>
+            </a:r>
+            <a:endParaRPr lang="ko-KR" altLang="en-US" dirty="0"/>
+          </a:p>
+        </p:txBody>
+      </p:sp>
+      <p:sp>
+        <p:nvSpPr>
+          <p:cNvPr id="50" name="왼쪽 화살표 설명선 49"/>
+          <p:cNvSpPr/>
+          <p:nvPr/>
+        </p:nvSpPr>
+        <p:spPr>
+          <a:xfrm>
+            <a:off x="3689437" y="6093296"/>
+            <a:ext cx="2057722" cy="432047"/>
+          </a:xfrm>
+          <a:prstGeom prst="leftArrowCallout">
+            <a:avLst>
+              <a:gd name="adj1" fmla="val 25000"/>
+              <a:gd name="adj2" fmla="val 25000"/>
+              <a:gd name="adj3" fmla="val 51456"/>
+              <a:gd name="adj4" fmla="val 74698"/>
+            </a:avLst>
+          </a:prstGeom>
+          <a:solidFill>
+            <a:srgbClr val="FF0000"/>
+          </a:solidFill>
+        </p:spPr>
+        <p:style>
+          <a:lnRef idx="2">
+            <a:schemeClr val="accent1">
+              <a:shade val="50000"/>
+            </a:schemeClr>
+          </a:lnRef>
+          <a:fillRef idx="1">
+            <a:schemeClr val="accent1"/>
+          </a:fillRef>
+          <a:effectRef idx="0">
+            <a:schemeClr val="accent1"/>
+          </a:effectRef>
+          <a:fontRef idx="minor">
+            <a:schemeClr val="lt1"/>
+          </a:fontRef>
+        </p:style>
+        <p:txBody>
+          <a:bodyPr rtlCol="0" anchor="ctr"/>
+          <a:lstStyle/>
+          <a:p>
+            <a:pPr algn="ctr"/>
+            <a:r>
+              <a:rPr lang="en-US" altLang="ko-KR" dirty="0"/>
+              <a:t>m</a:t>
+            </a:r>
+            <a:r>
+              <a:rPr lang="en-US" altLang="ko-KR" dirty="0" smtClean="0"/>
+              <a:t>aster *</a:t>
+            </a:r>
+            <a:endParaRPr lang="ko-KR" altLang="en-US" dirty="0"/>
+          </a:p>
+        </p:txBody>
+      </p:sp>
+      <p:sp>
+        <p:nvSpPr>
+          <p:cNvPr id="51" name="TextBox 50"/>
+          <p:cNvSpPr txBox="1"/>
+          <p:nvPr/>
+        </p:nvSpPr>
+        <p:spPr>
+          <a:xfrm>
+            <a:off x="0" y="6443463"/>
+            <a:ext cx="3057247" cy="307777"/>
+          </a:xfrm>
+          <a:prstGeom prst="rect">
+            <a:avLst/>
+          </a:prstGeom>
+          <a:noFill/>
+        </p:spPr>
+        <p:txBody>
+          <a:bodyPr wrap="none" rtlCol="0">
+            <a:spAutoFit/>
+          </a:bodyPr>
+          <a:lstStyle/>
+          <a:p>
+            <a:pPr algn="ctr"/>
+            <a:r>
+              <a:rPr lang="en-US" altLang="ko-KR" sz="1400" dirty="0" smtClean="0"/>
+              <a:t>(</a:t>
+            </a:r>
+            <a:r>
+              <a:rPr lang="ko-KR" altLang="en-US" sz="1400" dirty="0" smtClean="0"/>
+              <a:t>중복 </a:t>
+            </a:r>
+            <a:r>
+              <a:rPr lang="ko-KR" altLang="en-US" sz="1400" dirty="0" err="1" smtClean="0"/>
+              <a:t>커밋이</a:t>
+            </a:r>
+            <a:r>
+              <a:rPr lang="ko-KR" altLang="en-US" sz="1400" dirty="0" smtClean="0"/>
+              <a:t> 존재하는 저장소 상태</a:t>
+            </a:r>
+            <a:r>
+              <a:rPr lang="en-US" altLang="ko-KR" sz="1400" dirty="0" smtClean="0"/>
+              <a:t>)</a:t>
+            </a:r>
+            <a:endParaRPr lang="ko-KR" altLang="en-US" sz="1400" dirty="0"/>
+          </a:p>
+        </p:txBody>
+      </p:sp>
+    </p:spTree>
+    <p:extLst>
+      <p:ext uri="{BB962C8B-B14F-4D97-AF65-F5344CB8AC3E}">
+        <p14:creationId xmlns:p14="http://schemas.microsoft.com/office/powerpoint/2010/main" val="2925970184"/>
       </p:ext>
     </p:extLst>
   </p:cSld>

--- a/이미지작업.pptx
+++ b/이미지작업.pptx
@@ -14936,7 +14936,7 @@
           <a:p>
             <a:pPr algn="ctr"/>
             <a:r>
-              <a:rPr lang="en-US" altLang="ko-KR" sz="1400" smtClean="0"/>
+              <a:rPr lang="en-US" altLang="ko-KR" sz="1400" dirty="0" smtClean="0"/>
               <a:t>C6</a:t>
             </a:r>
             <a:endParaRPr lang="ko-KR" altLang="en-US" sz="1400" dirty="0"/>

--- a/이미지작업.pptx
+++ b/이미지작업.pptx
@@ -28,6 +28,13 @@
     <p:sldId id="278" r:id="rId22"/>
     <p:sldId id="279" r:id="rId23"/>
     <p:sldId id="280" r:id="rId24"/>
+    <p:sldId id="281" r:id="rId25"/>
+    <p:sldId id="284" r:id="rId26"/>
+    <p:sldId id="283" r:id="rId27"/>
+    <p:sldId id="285" r:id="rId28"/>
+    <p:sldId id="286" r:id="rId29"/>
+    <p:sldId id="287" r:id="rId30"/>
+    <p:sldId id="288" r:id="rId31"/>
   </p:sldIdLst>
   <p:sldSz cx="9144000" cy="6858000" type="screen4x3"/>
   <p:notesSz cx="6858000" cy="9144000"/>
@@ -310,7 +317,7 @@
           <a:p>
             <a:fld id="{E5D26CBB-EF44-493E-8030-6EA34AA7A64B}" type="datetimeFigureOut">
               <a:rPr lang="ko-KR" altLang="en-US" smtClean="0"/>
-              <a:t>2020-05-01</a:t>
+              <a:t>2020-05-03</a:t>
             </a:fld>
             <a:endParaRPr lang="ko-KR" altLang="en-US"/>
           </a:p>
@@ -480,7 +487,7 @@
           <a:p>
             <a:fld id="{E5D26CBB-EF44-493E-8030-6EA34AA7A64B}" type="datetimeFigureOut">
               <a:rPr lang="ko-KR" altLang="en-US" smtClean="0"/>
-              <a:t>2020-05-01</a:t>
+              <a:t>2020-05-03</a:t>
             </a:fld>
             <a:endParaRPr lang="ko-KR" altLang="en-US"/>
           </a:p>
@@ -660,7 +667,7 @@
           <a:p>
             <a:fld id="{E5D26CBB-EF44-493E-8030-6EA34AA7A64B}" type="datetimeFigureOut">
               <a:rPr lang="ko-KR" altLang="en-US" smtClean="0"/>
-              <a:t>2020-05-01</a:t>
+              <a:t>2020-05-03</a:t>
             </a:fld>
             <a:endParaRPr lang="ko-KR" altLang="en-US"/>
           </a:p>
@@ -830,7 +837,7 @@
           <a:p>
             <a:fld id="{E5D26CBB-EF44-493E-8030-6EA34AA7A64B}" type="datetimeFigureOut">
               <a:rPr lang="ko-KR" altLang="en-US" smtClean="0"/>
-              <a:t>2020-05-01</a:t>
+              <a:t>2020-05-03</a:t>
             </a:fld>
             <a:endParaRPr lang="ko-KR" altLang="en-US"/>
           </a:p>
@@ -1076,7 +1083,7 @@
           <a:p>
             <a:fld id="{E5D26CBB-EF44-493E-8030-6EA34AA7A64B}" type="datetimeFigureOut">
               <a:rPr lang="ko-KR" altLang="en-US" smtClean="0"/>
-              <a:t>2020-05-01</a:t>
+              <a:t>2020-05-03</a:t>
             </a:fld>
             <a:endParaRPr lang="ko-KR" altLang="en-US"/>
           </a:p>
@@ -1364,7 +1371,7 @@
           <a:p>
             <a:fld id="{E5D26CBB-EF44-493E-8030-6EA34AA7A64B}" type="datetimeFigureOut">
               <a:rPr lang="ko-KR" altLang="en-US" smtClean="0"/>
-              <a:t>2020-05-01</a:t>
+              <a:t>2020-05-03</a:t>
             </a:fld>
             <a:endParaRPr lang="ko-KR" altLang="en-US"/>
           </a:p>
@@ -1786,7 +1793,7 @@
           <a:p>
             <a:fld id="{E5D26CBB-EF44-493E-8030-6EA34AA7A64B}" type="datetimeFigureOut">
               <a:rPr lang="ko-KR" altLang="en-US" smtClean="0"/>
-              <a:t>2020-05-01</a:t>
+              <a:t>2020-05-03</a:t>
             </a:fld>
             <a:endParaRPr lang="ko-KR" altLang="en-US"/>
           </a:p>
@@ -1904,7 +1911,7 @@
           <a:p>
             <a:fld id="{E5D26CBB-EF44-493E-8030-6EA34AA7A64B}" type="datetimeFigureOut">
               <a:rPr lang="ko-KR" altLang="en-US" smtClean="0"/>
-              <a:t>2020-05-01</a:t>
+              <a:t>2020-05-03</a:t>
             </a:fld>
             <a:endParaRPr lang="ko-KR" altLang="en-US"/>
           </a:p>
@@ -1999,7 +2006,7 @@
           <a:p>
             <a:fld id="{E5D26CBB-EF44-493E-8030-6EA34AA7A64B}" type="datetimeFigureOut">
               <a:rPr lang="ko-KR" altLang="en-US" smtClean="0"/>
-              <a:t>2020-05-01</a:t>
+              <a:t>2020-05-03</a:t>
             </a:fld>
             <a:endParaRPr lang="ko-KR" altLang="en-US"/>
           </a:p>
@@ -2276,7 +2283,7 @@
           <a:p>
             <a:fld id="{E5D26CBB-EF44-493E-8030-6EA34AA7A64B}" type="datetimeFigureOut">
               <a:rPr lang="ko-KR" altLang="en-US" smtClean="0"/>
-              <a:t>2020-05-01</a:t>
+              <a:t>2020-05-03</a:t>
             </a:fld>
             <a:endParaRPr lang="ko-KR" altLang="en-US"/>
           </a:p>
@@ -2529,7 +2536,7 @@
           <a:p>
             <a:fld id="{E5D26CBB-EF44-493E-8030-6EA34AA7A64B}" type="datetimeFigureOut">
               <a:rPr lang="ko-KR" altLang="en-US" smtClean="0"/>
-              <a:t>2020-05-01</a:t>
+              <a:t>2020-05-03</a:t>
             </a:fld>
             <a:endParaRPr lang="ko-KR" altLang="en-US"/>
           </a:p>
@@ -2742,7 +2749,7 @@
           <a:p>
             <a:fld id="{E5D26CBB-EF44-493E-8030-6EA34AA7A64B}" type="datetimeFigureOut">
               <a:rPr lang="ko-KR" altLang="en-US" smtClean="0"/>
-              <a:t>2020-05-01</a:t>
+              <a:t>2020-05-03</a:t>
             </a:fld>
             <a:endParaRPr lang="ko-KR" altLang="en-US"/>
           </a:p>
@@ -14375,15 +14382,7 @@
             <a:pPr algn="ctr"/>
             <a:r>
               <a:rPr lang="en-US" altLang="ko-KR" sz="1200" dirty="0" smtClean="0"/>
-              <a:t>&lt;</a:t>
-            </a:r>
-            <a:r>
-              <a:rPr lang="en-US" altLang="ko-KR" sz="1200" dirty="0" smtClean="0"/>
-              <a:t>rebase</a:t>
-            </a:r>
-            <a:r>
-              <a:rPr lang="en-US" altLang="ko-KR" sz="1200" dirty="0" smtClean="0"/>
-              <a:t>&gt;</a:t>
+              <a:t>&lt;rebase&gt;</a:t>
             </a:r>
             <a:endParaRPr lang="ko-KR" altLang="en-US" sz="1200" dirty="0"/>
           </a:p>
@@ -15731,6 +15730,2985 @@
 </p:sld>
 </file>
 
+<file path=ppt/slides/slide24.xml><?xml version="1.0" encoding="utf-8"?>
+<p:sld xmlns:a="http://schemas.openxmlformats.org/drawingml/2006/main" xmlns:r="http://schemas.openxmlformats.org/officeDocument/2006/relationships" xmlns:p="http://schemas.openxmlformats.org/presentationml/2006/main">
+  <p:cSld>
+    <p:spTree>
+      <p:nvGrpSpPr>
+        <p:cNvPr id="1" name=""/>
+        <p:cNvGrpSpPr/>
+        <p:nvPr/>
+      </p:nvGrpSpPr>
+      <p:grpSpPr>
+        <a:xfrm>
+          <a:off x="0" y="0"/>
+          <a:ext cx="0" cy="0"/>
+          <a:chOff x="0" y="0"/>
+          <a:chExt cx="0" cy="0"/>
+        </a:xfrm>
+      </p:grpSpPr>
+      <p:sp>
+        <p:nvSpPr>
+          <p:cNvPr id="2" name="모서리가 둥근 직사각형 1"/>
+          <p:cNvSpPr/>
+          <p:nvPr/>
+        </p:nvSpPr>
+        <p:spPr>
+          <a:xfrm>
+            <a:off x="683568" y="1052736"/>
+            <a:ext cx="2520280" cy="4536504"/>
+          </a:xfrm>
+          <a:prstGeom prst="roundRect">
+            <a:avLst/>
+          </a:prstGeom>
+          <a:noFill/>
+        </p:spPr>
+        <p:style>
+          <a:lnRef idx="2">
+            <a:schemeClr val="accent1">
+              <a:shade val="50000"/>
+            </a:schemeClr>
+          </a:lnRef>
+          <a:fillRef idx="1">
+            <a:schemeClr val="accent1"/>
+          </a:fillRef>
+          <a:effectRef idx="0">
+            <a:schemeClr val="accent1"/>
+          </a:effectRef>
+          <a:fontRef idx="minor">
+            <a:schemeClr val="lt1"/>
+          </a:fontRef>
+        </p:style>
+        <p:txBody>
+          <a:bodyPr rtlCol="0" anchor="ctr"/>
+          <a:lstStyle/>
+          <a:p>
+            <a:pPr algn="ctr"/>
+            <a:endParaRPr lang="ko-KR" altLang="en-US"/>
+          </a:p>
+        </p:txBody>
+      </p:sp>
+      <p:sp>
+        <p:nvSpPr>
+          <p:cNvPr id="3" name="모서리가 둥근 직사각형 2"/>
+          <p:cNvSpPr/>
+          <p:nvPr/>
+        </p:nvSpPr>
+        <p:spPr>
+          <a:xfrm>
+            <a:off x="3419872" y="1052736"/>
+            <a:ext cx="2520280" cy="4536504"/>
+          </a:xfrm>
+          <a:prstGeom prst="roundRect">
+            <a:avLst/>
+          </a:prstGeom>
+          <a:noFill/>
+        </p:spPr>
+        <p:style>
+          <a:lnRef idx="2">
+            <a:schemeClr val="accent1">
+              <a:shade val="50000"/>
+            </a:schemeClr>
+          </a:lnRef>
+          <a:fillRef idx="1">
+            <a:schemeClr val="accent1"/>
+          </a:fillRef>
+          <a:effectRef idx="0">
+            <a:schemeClr val="accent1"/>
+          </a:effectRef>
+          <a:fontRef idx="minor">
+            <a:schemeClr val="lt1"/>
+          </a:fontRef>
+        </p:style>
+        <p:txBody>
+          <a:bodyPr rtlCol="0" anchor="ctr"/>
+          <a:lstStyle/>
+          <a:p>
+            <a:pPr algn="ctr"/>
+            <a:endParaRPr lang="ko-KR" altLang="en-US"/>
+          </a:p>
+        </p:txBody>
+      </p:sp>
+      <p:sp>
+        <p:nvSpPr>
+          <p:cNvPr id="4" name="TextBox 3"/>
+          <p:cNvSpPr txBox="1"/>
+          <p:nvPr/>
+        </p:nvSpPr>
+        <p:spPr>
+          <a:xfrm>
+            <a:off x="1007604" y="5651136"/>
+            <a:ext cx="1872208" cy="338554"/>
+          </a:xfrm>
+          <a:prstGeom prst="rect">
+            <a:avLst/>
+          </a:prstGeom>
+          <a:noFill/>
+        </p:spPr>
+        <p:txBody>
+          <a:bodyPr wrap="square" rtlCol="0">
+            <a:spAutoFit/>
+          </a:bodyPr>
+          <a:lstStyle/>
+          <a:p>
+            <a:pPr algn="ctr"/>
+            <a:r>
+              <a:rPr lang="en-US" altLang="ko-KR" sz="1600" dirty="0" smtClean="0"/>
+              <a:t>&lt;working tree&gt;</a:t>
+            </a:r>
+            <a:endParaRPr lang="ko-KR" altLang="en-US" sz="1600" dirty="0"/>
+          </a:p>
+        </p:txBody>
+      </p:sp>
+      <p:sp>
+        <p:nvSpPr>
+          <p:cNvPr id="5" name="TextBox 4"/>
+          <p:cNvSpPr txBox="1"/>
+          <p:nvPr/>
+        </p:nvSpPr>
+        <p:spPr>
+          <a:xfrm>
+            <a:off x="3743908" y="5651136"/>
+            <a:ext cx="1872208" cy="338554"/>
+          </a:xfrm>
+          <a:prstGeom prst="rect">
+            <a:avLst/>
+          </a:prstGeom>
+          <a:noFill/>
+        </p:spPr>
+        <p:txBody>
+          <a:bodyPr wrap="square" rtlCol="0">
+            <a:spAutoFit/>
+          </a:bodyPr>
+          <a:lstStyle/>
+          <a:p>
+            <a:pPr algn="ctr"/>
+            <a:r>
+              <a:rPr lang="en-US" altLang="ko-KR" sz="1600" dirty="0" smtClean="0"/>
+              <a:t>&lt;stage&gt;</a:t>
+            </a:r>
+            <a:endParaRPr lang="ko-KR" altLang="en-US" sz="1600" dirty="0"/>
+          </a:p>
+        </p:txBody>
+      </p:sp>
+      <p:sp>
+        <p:nvSpPr>
+          <p:cNvPr id="6" name="TextBox 5"/>
+          <p:cNvSpPr txBox="1"/>
+          <p:nvPr/>
+        </p:nvSpPr>
+        <p:spPr>
+          <a:xfrm>
+            <a:off x="6516216" y="5651136"/>
+            <a:ext cx="1872208" cy="338554"/>
+          </a:xfrm>
+          <a:prstGeom prst="rect">
+            <a:avLst/>
+          </a:prstGeom>
+          <a:noFill/>
+        </p:spPr>
+        <p:txBody>
+          <a:bodyPr wrap="square" rtlCol="0">
+            <a:spAutoFit/>
+          </a:bodyPr>
+          <a:lstStyle/>
+          <a:p>
+            <a:pPr algn="ctr"/>
+            <a:r>
+              <a:rPr lang="en-US" altLang="ko-KR" sz="1600" dirty="0" smtClean="0"/>
+              <a:t>&lt;HEAD&gt;</a:t>
+            </a:r>
+            <a:endParaRPr lang="ko-KR" altLang="en-US" sz="1600" dirty="0"/>
+          </a:p>
+        </p:txBody>
+      </p:sp>
+      <p:sp>
+        <p:nvSpPr>
+          <p:cNvPr id="7" name="TextBox 6"/>
+          <p:cNvSpPr txBox="1"/>
+          <p:nvPr/>
+        </p:nvSpPr>
+        <p:spPr>
+          <a:xfrm>
+            <a:off x="6516216" y="3068960"/>
+            <a:ext cx="1872208" cy="338554"/>
+          </a:xfrm>
+          <a:prstGeom prst="rect">
+            <a:avLst/>
+          </a:prstGeom>
+          <a:noFill/>
+        </p:spPr>
+        <p:txBody>
+          <a:bodyPr wrap="square" rtlCol="0">
+            <a:spAutoFit/>
+          </a:bodyPr>
+          <a:lstStyle/>
+          <a:p>
+            <a:pPr algn="ctr"/>
+            <a:r>
+              <a:rPr lang="ko-KR" altLang="en-US" sz="1600" dirty="0" smtClean="0"/>
+              <a:t>아직 없음</a:t>
+            </a:r>
+          </a:p>
+        </p:txBody>
+      </p:sp>
+      <p:sp>
+        <p:nvSpPr>
+          <p:cNvPr id="8" name="모서리가 둥근 직사각형 7"/>
+          <p:cNvSpPr/>
+          <p:nvPr/>
+        </p:nvSpPr>
+        <p:spPr>
+          <a:xfrm>
+            <a:off x="899592" y="1268760"/>
+            <a:ext cx="1368152" cy="504056"/>
+          </a:xfrm>
+          <a:prstGeom prst="roundRect">
+            <a:avLst/>
+          </a:prstGeom>
+        </p:spPr>
+        <p:style>
+          <a:lnRef idx="2">
+            <a:schemeClr val="accent1">
+              <a:shade val="50000"/>
+            </a:schemeClr>
+          </a:lnRef>
+          <a:fillRef idx="1">
+            <a:schemeClr val="accent1"/>
+          </a:fillRef>
+          <a:effectRef idx="0">
+            <a:schemeClr val="accent1"/>
+          </a:effectRef>
+          <a:fontRef idx="minor">
+            <a:schemeClr val="lt1"/>
+          </a:fontRef>
+        </p:style>
+        <p:txBody>
+          <a:bodyPr rtlCol="0" anchor="ctr"/>
+          <a:lstStyle/>
+          <a:p>
+            <a:pPr algn="ctr"/>
+            <a:r>
+              <a:rPr lang="en-US" altLang="ko-KR" dirty="0"/>
+              <a:t>c</a:t>
+            </a:r>
+            <a:r>
+              <a:rPr lang="en-US" altLang="ko-KR" dirty="0" smtClean="0"/>
+              <a:t>at.txt</a:t>
+            </a:r>
+            <a:endParaRPr lang="ko-KR" altLang="en-US" dirty="0"/>
+          </a:p>
+        </p:txBody>
+      </p:sp>
+      <p:sp>
+        <p:nvSpPr>
+          <p:cNvPr id="9" name="직사각형 8"/>
+          <p:cNvSpPr/>
+          <p:nvPr/>
+        </p:nvSpPr>
+        <p:spPr>
+          <a:xfrm>
+            <a:off x="2394012" y="188640"/>
+            <a:ext cx="4572000" cy="523220"/>
+          </a:xfrm>
+          <a:prstGeom prst="rect">
+            <a:avLst/>
+          </a:prstGeom>
+          <a:ln>
+            <a:solidFill>
+              <a:schemeClr val="tx1"/>
+            </a:solidFill>
+          </a:ln>
+        </p:spPr>
+        <p:txBody>
+          <a:bodyPr>
+            <a:spAutoFit/>
+          </a:bodyPr>
+          <a:lstStyle/>
+          <a:p>
+            <a:pPr algn="ctr"/>
+            <a:r>
+              <a:rPr lang="ko-KR" altLang="en-US" sz="1400" dirty="0"/>
+              <a:t>파일</a:t>
+            </a:r>
+            <a:r>
+              <a:rPr lang="en-US" altLang="ko-KR" sz="1400" dirty="0"/>
+              <a:t> </a:t>
+            </a:r>
+            <a:r>
+              <a:rPr lang="ko-KR" altLang="en-US" sz="1400" dirty="0"/>
+              <a:t>하나를 생성한 직후의 상태</a:t>
+            </a:r>
+            <a:r>
+              <a:rPr lang="en-US" altLang="ko-KR" sz="1400" dirty="0"/>
+              <a:t>, </a:t>
+            </a:r>
+            <a:r>
+              <a:rPr lang="ko-KR" altLang="en-US" sz="1400" dirty="0"/>
+              <a:t>스테이지는 비어있고 </a:t>
+            </a:r>
+            <a:r>
+              <a:rPr lang="en-US" altLang="ko-KR" sz="1400" dirty="0"/>
+              <a:t>HEAD </a:t>
+            </a:r>
+            <a:r>
+              <a:rPr lang="en-US" altLang="ko-KR" sz="1400" dirty="0" smtClean="0"/>
+              <a:t> </a:t>
+            </a:r>
+            <a:r>
+              <a:rPr lang="ko-KR" altLang="en-US" sz="1400" dirty="0" err="1" smtClean="0"/>
+              <a:t>커밋은</a:t>
+            </a:r>
+            <a:r>
+              <a:rPr lang="ko-KR" altLang="en-US" sz="1400" dirty="0" smtClean="0"/>
+              <a:t> </a:t>
+            </a:r>
+            <a:r>
+              <a:rPr lang="ko-KR" altLang="en-US" sz="1400" dirty="0"/>
+              <a:t>아직 없다</a:t>
+            </a:r>
+            <a:r>
+              <a:rPr lang="en-US" altLang="ko-KR" sz="1400" dirty="0"/>
+              <a:t>.</a:t>
+            </a:r>
+            <a:endParaRPr lang="ko-KR" altLang="en-US" sz="1400" dirty="0"/>
+          </a:p>
+        </p:txBody>
+      </p:sp>
+    </p:spTree>
+    <p:extLst>
+      <p:ext uri="{BB962C8B-B14F-4D97-AF65-F5344CB8AC3E}">
+        <p14:creationId xmlns:p14="http://schemas.microsoft.com/office/powerpoint/2010/main" val="3436949361"/>
+      </p:ext>
+    </p:extLst>
+  </p:cSld>
+  <p:clrMapOvr>
+    <a:masterClrMapping/>
+  </p:clrMapOvr>
+  <p:timing>
+    <p:tnLst>
+      <p:par>
+        <p:cTn id="1" dur="indefinite" restart="never" nodeType="tmRoot"/>
+      </p:par>
+    </p:tnLst>
+  </p:timing>
+</p:sld>
+</file>
+
+<file path=ppt/slides/slide25.xml><?xml version="1.0" encoding="utf-8"?>
+<p:sld xmlns:a="http://schemas.openxmlformats.org/drawingml/2006/main" xmlns:r="http://schemas.openxmlformats.org/officeDocument/2006/relationships" xmlns:p="http://schemas.openxmlformats.org/presentationml/2006/main">
+  <p:cSld>
+    <p:spTree>
+      <p:nvGrpSpPr>
+        <p:cNvPr id="1" name=""/>
+        <p:cNvGrpSpPr/>
+        <p:nvPr/>
+      </p:nvGrpSpPr>
+      <p:grpSpPr>
+        <a:xfrm>
+          <a:off x="0" y="0"/>
+          <a:ext cx="0" cy="0"/>
+          <a:chOff x="0" y="0"/>
+          <a:chExt cx="0" cy="0"/>
+        </a:xfrm>
+      </p:grpSpPr>
+      <p:sp>
+        <p:nvSpPr>
+          <p:cNvPr id="2" name="모서리가 둥근 직사각형 1"/>
+          <p:cNvSpPr/>
+          <p:nvPr/>
+        </p:nvSpPr>
+        <p:spPr>
+          <a:xfrm>
+            <a:off x="683568" y="1052736"/>
+            <a:ext cx="2520280" cy="4536504"/>
+          </a:xfrm>
+          <a:prstGeom prst="roundRect">
+            <a:avLst/>
+          </a:prstGeom>
+          <a:noFill/>
+        </p:spPr>
+        <p:style>
+          <a:lnRef idx="2">
+            <a:schemeClr val="accent1">
+              <a:shade val="50000"/>
+            </a:schemeClr>
+          </a:lnRef>
+          <a:fillRef idx="1">
+            <a:schemeClr val="accent1"/>
+          </a:fillRef>
+          <a:effectRef idx="0">
+            <a:schemeClr val="accent1"/>
+          </a:effectRef>
+          <a:fontRef idx="minor">
+            <a:schemeClr val="lt1"/>
+          </a:fontRef>
+        </p:style>
+        <p:txBody>
+          <a:bodyPr rtlCol="0" anchor="ctr"/>
+          <a:lstStyle/>
+          <a:p>
+            <a:pPr algn="ctr"/>
+            <a:endParaRPr lang="ko-KR" altLang="en-US"/>
+          </a:p>
+        </p:txBody>
+      </p:sp>
+      <p:sp>
+        <p:nvSpPr>
+          <p:cNvPr id="3" name="모서리가 둥근 직사각형 2"/>
+          <p:cNvSpPr/>
+          <p:nvPr/>
+        </p:nvSpPr>
+        <p:spPr>
+          <a:xfrm>
+            <a:off x="3419872" y="1052736"/>
+            <a:ext cx="2520280" cy="4536504"/>
+          </a:xfrm>
+          <a:prstGeom prst="roundRect">
+            <a:avLst/>
+          </a:prstGeom>
+          <a:noFill/>
+        </p:spPr>
+        <p:style>
+          <a:lnRef idx="2">
+            <a:schemeClr val="accent1">
+              <a:shade val="50000"/>
+            </a:schemeClr>
+          </a:lnRef>
+          <a:fillRef idx="1">
+            <a:schemeClr val="accent1"/>
+          </a:fillRef>
+          <a:effectRef idx="0">
+            <a:schemeClr val="accent1"/>
+          </a:effectRef>
+          <a:fontRef idx="minor">
+            <a:schemeClr val="lt1"/>
+          </a:fontRef>
+        </p:style>
+        <p:txBody>
+          <a:bodyPr rtlCol="0" anchor="ctr"/>
+          <a:lstStyle/>
+          <a:p>
+            <a:pPr algn="ctr"/>
+            <a:endParaRPr lang="ko-KR" altLang="en-US"/>
+          </a:p>
+        </p:txBody>
+      </p:sp>
+      <p:sp>
+        <p:nvSpPr>
+          <p:cNvPr id="4" name="TextBox 3"/>
+          <p:cNvSpPr txBox="1"/>
+          <p:nvPr/>
+        </p:nvSpPr>
+        <p:spPr>
+          <a:xfrm>
+            <a:off x="1007604" y="5651136"/>
+            <a:ext cx="1872208" cy="338554"/>
+          </a:xfrm>
+          <a:prstGeom prst="rect">
+            <a:avLst/>
+          </a:prstGeom>
+          <a:noFill/>
+        </p:spPr>
+        <p:txBody>
+          <a:bodyPr wrap="square" rtlCol="0">
+            <a:spAutoFit/>
+          </a:bodyPr>
+          <a:lstStyle/>
+          <a:p>
+            <a:pPr algn="ctr"/>
+            <a:r>
+              <a:rPr lang="en-US" altLang="ko-KR" sz="1600" dirty="0" smtClean="0"/>
+              <a:t>&lt;working tree&gt;</a:t>
+            </a:r>
+            <a:endParaRPr lang="ko-KR" altLang="en-US" sz="1600" dirty="0"/>
+          </a:p>
+        </p:txBody>
+      </p:sp>
+      <p:sp>
+        <p:nvSpPr>
+          <p:cNvPr id="5" name="TextBox 4"/>
+          <p:cNvSpPr txBox="1"/>
+          <p:nvPr/>
+        </p:nvSpPr>
+        <p:spPr>
+          <a:xfrm>
+            <a:off x="3743908" y="5651136"/>
+            <a:ext cx="1872208" cy="338554"/>
+          </a:xfrm>
+          <a:prstGeom prst="rect">
+            <a:avLst/>
+          </a:prstGeom>
+          <a:noFill/>
+        </p:spPr>
+        <p:txBody>
+          <a:bodyPr wrap="square" rtlCol="0">
+            <a:spAutoFit/>
+          </a:bodyPr>
+          <a:lstStyle/>
+          <a:p>
+            <a:pPr algn="ctr"/>
+            <a:r>
+              <a:rPr lang="en-US" altLang="ko-KR" sz="1600" dirty="0" smtClean="0"/>
+              <a:t>&lt;stage&gt;</a:t>
+            </a:r>
+            <a:endParaRPr lang="ko-KR" altLang="en-US" sz="1600" dirty="0"/>
+          </a:p>
+        </p:txBody>
+      </p:sp>
+      <p:sp>
+        <p:nvSpPr>
+          <p:cNvPr id="6" name="TextBox 5"/>
+          <p:cNvSpPr txBox="1"/>
+          <p:nvPr/>
+        </p:nvSpPr>
+        <p:spPr>
+          <a:xfrm>
+            <a:off x="6516216" y="5651136"/>
+            <a:ext cx="1872208" cy="338554"/>
+          </a:xfrm>
+          <a:prstGeom prst="rect">
+            <a:avLst/>
+          </a:prstGeom>
+          <a:noFill/>
+        </p:spPr>
+        <p:txBody>
+          <a:bodyPr wrap="square" rtlCol="0">
+            <a:spAutoFit/>
+          </a:bodyPr>
+          <a:lstStyle/>
+          <a:p>
+            <a:pPr algn="ctr"/>
+            <a:r>
+              <a:rPr lang="en-US" altLang="ko-KR" sz="1600" dirty="0" smtClean="0"/>
+              <a:t>&lt;HEAD&gt;</a:t>
+            </a:r>
+            <a:endParaRPr lang="ko-KR" altLang="en-US" sz="1600" dirty="0"/>
+          </a:p>
+        </p:txBody>
+      </p:sp>
+      <p:sp>
+        <p:nvSpPr>
+          <p:cNvPr id="7" name="TextBox 6"/>
+          <p:cNvSpPr txBox="1"/>
+          <p:nvPr/>
+        </p:nvSpPr>
+        <p:spPr>
+          <a:xfrm>
+            <a:off x="6516216" y="3068960"/>
+            <a:ext cx="1872208" cy="338554"/>
+          </a:xfrm>
+          <a:prstGeom prst="rect">
+            <a:avLst/>
+          </a:prstGeom>
+          <a:noFill/>
+        </p:spPr>
+        <p:txBody>
+          <a:bodyPr wrap="square" rtlCol="0">
+            <a:spAutoFit/>
+          </a:bodyPr>
+          <a:lstStyle/>
+          <a:p>
+            <a:pPr algn="ctr"/>
+            <a:r>
+              <a:rPr lang="ko-KR" altLang="en-US" sz="1600" dirty="0" smtClean="0"/>
+              <a:t>아직 없음</a:t>
+            </a:r>
+          </a:p>
+        </p:txBody>
+      </p:sp>
+      <p:sp>
+        <p:nvSpPr>
+          <p:cNvPr id="8" name="모서리가 둥근 직사각형 7"/>
+          <p:cNvSpPr/>
+          <p:nvPr/>
+        </p:nvSpPr>
+        <p:spPr>
+          <a:xfrm>
+            <a:off x="899592" y="1268760"/>
+            <a:ext cx="1800200" cy="504056"/>
+          </a:xfrm>
+          <a:prstGeom prst="roundRect">
+            <a:avLst/>
+          </a:prstGeom>
+        </p:spPr>
+        <p:style>
+          <a:lnRef idx="2">
+            <a:schemeClr val="accent1">
+              <a:shade val="50000"/>
+            </a:schemeClr>
+          </a:lnRef>
+          <a:fillRef idx="1">
+            <a:schemeClr val="accent1"/>
+          </a:fillRef>
+          <a:effectRef idx="0">
+            <a:schemeClr val="accent1"/>
+          </a:effectRef>
+          <a:fontRef idx="minor">
+            <a:schemeClr val="lt1"/>
+          </a:fontRef>
+        </p:style>
+        <p:txBody>
+          <a:bodyPr rtlCol="0" anchor="ctr"/>
+          <a:lstStyle/>
+          <a:p>
+            <a:pPr algn="ctr"/>
+            <a:r>
+              <a:rPr lang="en-US" altLang="ko-KR" sz="1600" dirty="0" smtClean="0"/>
+              <a:t>ff5bda. cat.txt</a:t>
+            </a:r>
+            <a:endParaRPr lang="ko-KR" altLang="en-US" sz="1600" dirty="0"/>
+          </a:p>
+        </p:txBody>
+      </p:sp>
+      <p:sp>
+        <p:nvSpPr>
+          <p:cNvPr id="9" name="직사각형 8"/>
+          <p:cNvSpPr/>
+          <p:nvPr/>
+        </p:nvSpPr>
+        <p:spPr>
+          <a:xfrm>
+            <a:off x="2394012" y="331143"/>
+            <a:ext cx="4572000" cy="307777"/>
+          </a:xfrm>
+          <a:prstGeom prst="rect">
+            <a:avLst/>
+          </a:prstGeom>
+          <a:ln>
+            <a:solidFill>
+              <a:schemeClr val="tx1"/>
+            </a:solidFill>
+          </a:ln>
+        </p:spPr>
+        <p:txBody>
+          <a:bodyPr>
+            <a:spAutoFit/>
+          </a:bodyPr>
+          <a:lstStyle/>
+          <a:p>
+            <a:pPr algn="ctr"/>
+            <a:r>
+              <a:rPr lang="en-US" altLang="ko-KR" sz="1400" dirty="0" err="1"/>
+              <a:t>g</a:t>
+            </a:r>
+            <a:r>
+              <a:rPr lang="en-US" altLang="ko-KR" sz="1400" dirty="0" err="1" smtClean="0"/>
+              <a:t>it</a:t>
+            </a:r>
+            <a:r>
+              <a:rPr lang="en-US" altLang="ko-KR" sz="1400" dirty="0" smtClean="0"/>
+              <a:t> add cat.txt </a:t>
+            </a:r>
+            <a:r>
+              <a:rPr lang="ko-KR" altLang="en-US" sz="1400" dirty="0" smtClean="0"/>
+              <a:t>명령 수행 후의 상태</a:t>
+            </a:r>
+            <a:r>
+              <a:rPr lang="en-US" altLang="ko-KR" sz="1400" dirty="0" smtClean="0"/>
+              <a:t>.</a:t>
+            </a:r>
+            <a:endParaRPr lang="ko-KR" altLang="en-US" sz="1400" dirty="0"/>
+          </a:p>
+        </p:txBody>
+      </p:sp>
+      <p:sp>
+        <p:nvSpPr>
+          <p:cNvPr id="10" name="모서리가 둥근 직사각형 9"/>
+          <p:cNvSpPr/>
+          <p:nvPr/>
+        </p:nvSpPr>
+        <p:spPr>
+          <a:xfrm>
+            <a:off x="3563888" y="1268760"/>
+            <a:ext cx="1800200" cy="504056"/>
+          </a:xfrm>
+          <a:prstGeom prst="roundRect">
+            <a:avLst/>
+          </a:prstGeom>
+        </p:spPr>
+        <p:style>
+          <a:lnRef idx="2">
+            <a:schemeClr val="accent1">
+              <a:shade val="50000"/>
+            </a:schemeClr>
+          </a:lnRef>
+          <a:fillRef idx="1">
+            <a:schemeClr val="accent1"/>
+          </a:fillRef>
+          <a:effectRef idx="0">
+            <a:schemeClr val="accent1"/>
+          </a:effectRef>
+          <a:fontRef idx="minor">
+            <a:schemeClr val="lt1"/>
+          </a:fontRef>
+        </p:style>
+        <p:txBody>
+          <a:bodyPr rtlCol="0" anchor="ctr"/>
+          <a:lstStyle/>
+          <a:p>
+            <a:pPr algn="ctr"/>
+            <a:r>
+              <a:rPr lang="en-US" altLang="ko-KR" sz="1600" dirty="0" smtClean="0"/>
+              <a:t>ff5bda. cat.txt</a:t>
+            </a:r>
+            <a:endParaRPr lang="ko-KR" altLang="en-US" sz="1600" dirty="0"/>
+          </a:p>
+        </p:txBody>
+      </p:sp>
+    </p:spTree>
+    <p:extLst>
+      <p:ext uri="{BB962C8B-B14F-4D97-AF65-F5344CB8AC3E}">
+        <p14:creationId xmlns:p14="http://schemas.microsoft.com/office/powerpoint/2010/main" val="757380497"/>
+      </p:ext>
+    </p:extLst>
+  </p:cSld>
+  <p:clrMapOvr>
+    <a:masterClrMapping/>
+  </p:clrMapOvr>
+  <p:timing>
+    <p:tnLst>
+      <p:par>
+        <p:cTn id="1" dur="indefinite" restart="never" nodeType="tmRoot"/>
+      </p:par>
+    </p:tnLst>
+  </p:timing>
+</p:sld>
+</file>
+
+<file path=ppt/slides/slide26.xml><?xml version="1.0" encoding="utf-8"?>
+<p:sld xmlns:a="http://schemas.openxmlformats.org/drawingml/2006/main" xmlns:r="http://schemas.openxmlformats.org/officeDocument/2006/relationships" xmlns:p="http://schemas.openxmlformats.org/presentationml/2006/main">
+  <p:cSld>
+    <p:spTree>
+      <p:nvGrpSpPr>
+        <p:cNvPr id="1" name=""/>
+        <p:cNvGrpSpPr/>
+        <p:nvPr/>
+      </p:nvGrpSpPr>
+      <p:grpSpPr>
+        <a:xfrm>
+          <a:off x="0" y="0"/>
+          <a:ext cx="0" cy="0"/>
+          <a:chOff x="0" y="0"/>
+          <a:chExt cx="0" cy="0"/>
+        </a:xfrm>
+      </p:grpSpPr>
+      <p:sp>
+        <p:nvSpPr>
+          <p:cNvPr id="2" name="모서리가 둥근 직사각형 1"/>
+          <p:cNvSpPr/>
+          <p:nvPr/>
+        </p:nvSpPr>
+        <p:spPr>
+          <a:xfrm>
+            <a:off x="683568" y="1052736"/>
+            <a:ext cx="2520280" cy="4536504"/>
+          </a:xfrm>
+          <a:prstGeom prst="roundRect">
+            <a:avLst/>
+          </a:prstGeom>
+          <a:noFill/>
+        </p:spPr>
+        <p:style>
+          <a:lnRef idx="2">
+            <a:schemeClr val="accent1">
+              <a:shade val="50000"/>
+            </a:schemeClr>
+          </a:lnRef>
+          <a:fillRef idx="1">
+            <a:schemeClr val="accent1"/>
+          </a:fillRef>
+          <a:effectRef idx="0">
+            <a:schemeClr val="accent1"/>
+          </a:effectRef>
+          <a:fontRef idx="minor">
+            <a:schemeClr val="lt1"/>
+          </a:fontRef>
+        </p:style>
+        <p:txBody>
+          <a:bodyPr rtlCol="0" anchor="ctr"/>
+          <a:lstStyle/>
+          <a:p>
+            <a:pPr algn="ctr"/>
+            <a:endParaRPr lang="ko-KR" altLang="en-US"/>
+          </a:p>
+        </p:txBody>
+      </p:sp>
+      <p:sp>
+        <p:nvSpPr>
+          <p:cNvPr id="3" name="모서리가 둥근 직사각형 2"/>
+          <p:cNvSpPr/>
+          <p:nvPr/>
+        </p:nvSpPr>
+        <p:spPr>
+          <a:xfrm>
+            <a:off x="3438922" y="1052736"/>
+            <a:ext cx="2520280" cy="4536504"/>
+          </a:xfrm>
+          <a:prstGeom prst="roundRect">
+            <a:avLst/>
+          </a:prstGeom>
+          <a:noFill/>
+        </p:spPr>
+        <p:style>
+          <a:lnRef idx="2">
+            <a:schemeClr val="accent1">
+              <a:shade val="50000"/>
+            </a:schemeClr>
+          </a:lnRef>
+          <a:fillRef idx="1">
+            <a:schemeClr val="accent1"/>
+          </a:fillRef>
+          <a:effectRef idx="0">
+            <a:schemeClr val="accent1"/>
+          </a:effectRef>
+          <a:fontRef idx="minor">
+            <a:schemeClr val="lt1"/>
+          </a:fontRef>
+        </p:style>
+        <p:txBody>
+          <a:bodyPr rtlCol="0" anchor="ctr"/>
+          <a:lstStyle/>
+          <a:p>
+            <a:pPr algn="ctr"/>
+            <a:endParaRPr lang="ko-KR" altLang="en-US"/>
+          </a:p>
+        </p:txBody>
+      </p:sp>
+      <p:sp>
+        <p:nvSpPr>
+          <p:cNvPr id="4" name="TextBox 3"/>
+          <p:cNvSpPr txBox="1"/>
+          <p:nvPr/>
+        </p:nvSpPr>
+        <p:spPr>
+          <a:xfrm>
+            <a:off x="1007604" y="5651136"/>
+            <a:ext cx="1872208" cy="338554"/>
+          </a:xfrm>
+          <a:prstGeom prst="rect">
+            <a:avLst/>
+          </a:prstGeom>
+          <a:noFill/>
+        </p:spPr>
+        <p:txBody>
+          <a:bodyPr wrap="square" rtlCol="0">
+            <a:spAutoFit/>
+          </a:bodyPr>
+          <a:lstStyle/>
+          <a:p>
+            <a:pPr algn="ctr"/>
+            <a:r>
+              <a:rPr lang="en-US" altLang="ko-KR" sz="1600" dirty="0" smtClean="0"/>
+              <a:t>&lt;working tree&gt;</a:t>
+            </a:r>
+            <a:endParaRPr lang="ko-KR" altLang="en-US" sz="1600" dirty="0"/>
+          </a:p>
+        </p:txBody>
+      </p:sp>
+      <p:sp>
+        <p:nvSpPr>
+          <p:cNvPr id="5" name="TextBox 4"/>
+          <p:cNvSpPr txBox="1"/>
+          <p:nvPr/>
+        </p:nvSpPr>
+        <p:spPr>
+          <a:xfrm>
+            <a:off x="3743908" y="5651136"/>
+            <a:ext cx="1872208" cy="338554"/>
+          </a:xfrm>
+          <a:prstGeom prst="rect">
+            <a:avLst/>
+          </a:prstGeom>
+          <a:noFill/>
+        </p:spPr>
+        <p:txBody>
+          <a:bodyPr wrap="square" rtlCol="0">
+            <a:spAutoFit/>
+          </a:bodyPr>
+          <a:lstStyle/>
+          <a:p>
+            <a:pPr algn="ctr"/>
+            <a:r>
+              <a:rPr lang="en-US" altLang="ko-KR" sz="1600" dirty="0" smtClean="0"/>
+              <a:t>&lt;stage&gt;</a:t>
+            </a:r>
+            <a:endParaRPr lang="ko-KR" altLang="en-US" sz="1600" dirty="0"/>
+          </a:p>
+        </p:txBody>
+      </p:sp>
+      <p:sp>
+        <p:nvSpPr>
+          <p:cNvPr id="8" name="모서리가 둥근 직사각형 7"/>
+          <p:cNvSpPr/>
+          <p:nvPr/>
+        </p:nvSpPr>
+        <p:spPr>
+          <a:xfrm>
+            <a:off x="899592" y="1268760"/>
+            <a:ext cx="1800200" cy="504056"/>
+          </a:xfrm>
+          <a:prstGeom prst="roundRect">
+            <a:avLst/>
+          </a:prstGeom>
+        </p:spPr>
+        <p:style>
+          <a:lnRef idx="2">
+            <a:schemeClr val="accent1">
+              <a:shade val="50000"/>
+            </a:schemeClr>
+          </a:lnRef>
+          <a:fillRef idx="1">
+            <a:schemeClr val="accent1"/>
+          </a:fillRef>
+          <a:effectRef idx="0">
+            <a:schemeClr val="accent1"/>
+          </a:effectRef>
+          <a:fontRef idx="minor">
+            <a:schemeClr val="lt1"/>
+          </a:fontRef>
+        </p:style>
+        <p:txBody>
+          <a:bodyPr rtlCol="0" anchor="ctr"/>
+          <a:lstStyle/>
+          <a:p>
+            <a:pPr algn="ctr"/>
+            <a:r>
+              <a:rPr lang="en-US" altLang="ko-KR" sz="1600" dirty="0" smtClean="0"/>
+              <a:t>ff5bda. cat.txt</a:t>
+            </a:r>
+            <a:endParaRPr lang="ko-KR" altLang="en-US" sz="1600" dirty="0"/>
+          </a:p>
+        </p:txBody>
+      </p:sp>
+      <p:sp>
+        <p:nvSpPr>
+          <p:cNvPr id="9" name="직사각형 8"/>
+          <p:cNvSpPr/>
+          <p:nvPr/>
+        </p:nvSpPr>
+        <p:spPr>
+          <a:xfrm>
+            <a:off x="2394012" y="331143"/>
+            <a:ext cx="4572000" cy="307777"/>
+          </a:xfrm>
+          <a:prstGeom prst="rect">
+            <a:avLst/>
+          </a:prstGeom>
+          <a:ln>
+            <a:solidFill>
+              <a:schemeClr val="tx1"/>
+            </a:solidFill>
+          </a:ln>
+        </p:spPr>
+        <p:txBody>
+          <a:bodyPr>
+            <a:spAutoFit/>
+          </a:bodyPr>
+          <a:lstStyle/>
+          <a:p>
+            <a:pPr algn="ctr"/>
+            <a:r>
+              <a:rPr lang="en-US" altLang="ko-KR" sz="1400" dirty="0" err="1"/>
+              <a:t>g</a:t>
+            </a:r>
+            <a:r>
+              <a:rPr lang="en-US" altLang="ko-KR" sz="1400" dirty="0" err="1" smtClean="0"/>
+              <a:t>it</a:t>
+            </a:r>
+            <a:r>
+              <a:rPr lang="en-US" altLang="ko-KR" sz="1400" dirty="0" smtClean="0"/>
+              <a:t> commit </a:t>
+            </a:r>
+            <a:r>
+              <a:rPr lang="ko-KR" altLang="en-US" sz="1400" dirty="0" smtClean="0"/>
+              <a:t>후 각 저장 공간의 상태</a:t>
+            </a:r>
+            <a:endParaRPr lang="ko-KR" altLang="en-US" sz="1400" dirty="0"/>
+          </a:p>
+        </p:txBody>
+      </p:sp>
+      <p:sp>
+        <p:nvSpPr>
+          <p:cNvPr id="10" name="모서리가 둥근 직사각형 9"/>
+          <p:cNvSpPr/>
+          <p:nvPr/>
+        </p:nvSpPr>
+        <p:spPr>
+          <a:xfrm>
+            <a:off x="3640088" y="1268760"/>
+            <a:ext cx="1800200" cy="504056"/>
+          </a:xfrm>
+          <a:prstGeom prst="roundRect">
+            <a:avLst/>
+          </a:prstGeom>
+        </p:spPr>
+        <p:style>
+          <a:lnRef idx="2">
+            <a:schemeClr val="accent1">
+              <a:shade val="50000"/>
+            </a:schemeClr>
+          </a:lnRef>
+          <a:fillRef idx="1">
+            <a:schemeClr val="accent1"/>
+          </a:fillRef>
+          <a:effectRef idx="0">
+            <a:schemeClr val="accent1"/>
+          </a:effectRef>
+          <a:fontRef idx="minor">
+            <a:schemeClr val="lt1"/>
+          </a:fontRef>
+        </p:style>
+        <p:txBody>
+          <a:bodyPr rtlCol="0" anchor="ctr"/>
+          <a:lstStyle/>
+          <a:p>
+            <a:pPr algn="ctr"/>
+            <a:r>
+              <a:rPr lang="en-US" altLang="ko-KR" sz="1600" dirty="0" smtClean="0"/>
+              <a:t>ff5bda. cat.txt</a:t>
+            </a:r>
+            <a:endParaRPr lang="ko-KR" altLang="en-US" sz="1600" dirty="0"/>
+          </a:p>
+        </p:txBody>
+      </p:sp>
+      <p:sp>
+        <p:nvSpPr>
+          <p:cNvPr id="11" name="모서리가 둥근 직사각형 10"/>
+          <p:cNvSpPr/>
+          <p:nvPr/>
+        </p:nvSpPr>
+        <p:spPr>
+          <a:xfrm>
+            <a:off x="6192180" y="1052736"/>
+            <a:ext cx="2520280" cy="4536504"/>
+          </a:xfrm>
+          <a:prstGeom prst="roundRect">
+            <a:avLst/>
+          </a:prstGeom>
+          <a:noFill/>
+        </p:spPr>
+        <p:style>
+          <a:lnRef idx="2">
+            <a:schemeClr val="accent1">
+              <a:shade val="50000"/>
+            </a:schemeClr>
+          </a:lnRef>
+          <a:fillRef idx="1">
+            <a:schemeClr val="accent1"/>
+          </a:fillRef>
+          <a:effectRef idx="0">
+            <a:schemeClr val="accent1"/>
+          </a:effectRef>
+          <a:fontRef idx="minor">
+            <a:schemeClr val="lt1"/>
+          </a:fontRef>
+        </p:style>
+        <p:txBody>
+          <a:bodyPr rtlCol="0" anchor="ctr"/>
+          <a:lstStyle/>
+          <a:p>
+            <a:pPr algn="ctr"/>
+            <a:endParaRPr lang="ko-KR" altLang="en-US"/>
+          </a:p>
+        </p:txBody>
+      </p:sp>
+      <p:sp>
+        <p:nvSpPr>
+          <p:cNvPr id="12" name="모서리가 둥근 직사각형 11"/>
+          <p:cNvSpPr/>
+          <p:nvPr/>
+        </p:nvSpPr>
+        <p:spPr>
+          <a:xfrm>
+            <a:off x="6385917" y="1268760"/>
+            <a:ext cx="1800200" cy="504056"/>
+          </a:xfrm>
+          <a:prstGeom prst="roundRect">
+            <a:avLst/>
+          </a:prstGeom>
+        </p:spPr>
+        <p:style>
+          <a:lnRef idx="2">
+            <a:schemeClr val="accent1">
+              <a:shade val="50000"/>
+            </a:schemeClr>
+          </a:lnRef>
+          <a:fillRef idx="1">
+            <a:schemeClr val="accent1"/>
+          </a:fillRef>
+          <a:effectRef idx="0">
+            <a:schemeClr val="accent1"/>
+          </a:effectRef>
+          <a:fontRef idx="minor">
+            <a:schemeClr val="lt1"/>
+          </a:fontRef>
+        </p:style>
+        <p:txBody>
+          <a:bodyPr rtlCol="0" anchor="ctr"/>
+          <a:lstStyle/>
+          <a:p>
+            <a:pPr algn="ctr"/>
+            <a:r>
+              <a:rPr lang="en-US" altLang="ko-KR" sz="1600" dirty="0" smtClean="0"/>
+              <a:t>ff5bda. cat.txt</a:t>
+            </a:r>
+            <a:endParaRPr lang="ko-KR" altLang="en-US" sz="1600" dirty="0"/>
+          </a:p>
+        </p:txBody>
+      </p:sp>
+      <p:cxnSp>
+        <p:nvCxnSpPr>
+          <p:cNvPr id="14" name="직선 화살표 연결선 13"/>
+          <p:cNvCxnSpPr>
+            <a:stCxn id="8" idx="3"/>
+            <a:endCxn id="10" idx="1"/>
+          </p:cNvCxnSpPr>
+          <p:nvPr/>
+        </p:nvCxnSpPr>
+        <p:spPr>
+          <a:xfrm>
+            <a:off x="2699792" y="1520788"/>
+            <a:ext cx="940296" cy="0"/>
+          </a:xfrm>
+          <a:prstGeom prst="straightConnector1">
+            <a:avLst/>
+          </a:prstGeom>
+          <a:ln w="28575">
+            <a:solidFill>
+              <a:srgbClr val="FF0000"/>
+            </a:solidFill>
+            <a:tailEnd type="arrow"/>
+          </a:ln>
+        </p:spPr>
+        <p:style>
+          <a:lnRef idx="1">
+            <a:schemeClr val="accent1"/>
+          </a:lnRef>
+          <a:fillRef idx="0">
+            <a:schemeClr val="accent1"/>
+          </a:fillRef>
+          <a:effectRef idx="0">
+            <a:schemeClr val="accent1"/>
+          </a:effectRef>
+          <a:fontRef idx="minor">
+            <a:schemeClr val="tx1"/>
+          </a:fontRef>
+        </p:style>
+      </p:cxnSp>
+      <p:cxnSp>
+        <p:nvCxnSpPr>
+          <p:cNvPr id="16" name="직선 화살표 연결선 15"/>
+          <p:cNvCxnSpPr>
+            <a:stCxn id="10" idx="3"/>
+            <a:endCxn id="12" idx="1"/>
+          </p:cNvCxnSpPr>
+          <p:nvPr/>
+        </p:nvCxnSpPr>
+        <p:spPr>
+          <a:xfrm>
+            <a:off x="5440288" y="1520788"/>
+            <a:ext cx="945629" cy="0"/>
+          </a:xfrm>
+          <a:prstGeom prst="straightConnector1">
+            <a:avLst/>
+          </a:prstGeom>
+          <a:ln w="28575">
+            <a:solidFill>
+              <a:srgbClr val="FF0000"/>
+            </a:solidFill>
+            <a:tailEnd type="arrow"/>
+          </a:ln>
+        </p:spPr>
+        <p:style>
+          <a:lnRef idx="1">
+            <a:schemeClr val="accent1"/>
+          </a:lnRef>
+          <a:fillRef idx="0">
+            <a:schemeClr val="accent1"/>
+          </a:fillRef>
+          <a:effectRef idx="0">
+            <a:schemeClr val="accent1"/>
+          </a:effectRef>
+          <a:fontRef idx="minor">
+            <a:schemeClr val="tx1"/>
+          </a:fontRef>
+        </p:style>
+      </p:cxnSp>
+      <p:sp>
+        <p:nvSpPr>
+          <p:cNvPr id="15" name="TextBox 14"/>
+          <p:cNvSpPr txBox="1"/>
+          <p:nvPr/>
+        </p:nvSpPr>
+        <p:spPr>
+          <a:xfrm>
+            <a:off x="6538217" y="5651136"/>
+            <a:ext cx="1872208" cy="338554"/>
+          </a:xfrm>
+          <a:prstGeom prst="rect">
+            <a:avLst/>
+          </a:prstGeom>
+          <a:noFill/>
+        </p:spPr>
+        <p:txBody>
+          <a:bodyPr wrap="square" rtlCol="0">
+            <a:spAutoFit/>
+          </a:bodyPr>
+          <a:lstStyle/>
+          <a:p>
+            <a:pPr algn="ctr"/>
+            <a:r>
+              <a:rPr lang="en-US" altLang="ko-KR" sz="1600" dirty="0" smtClean="0"/>
+              <a:t>&lt;</a:t>
+            </a:r>
+            <a:r>
+              <a:rPr lang="en-US" altLang="ko-KR" sz="1600" dirty="0" smtClean="0"/>
+              <a:t>HEAD&gt;74</a:t>
+            </a:r>
+            <a:r>
+              <a:rPr lang="en-US" altLang="ko-KR" sz="1600" dirty="0" smtClean="0"/>
+              <a:t>ec</a:t>
+            </a:r>
+            <a:r>
+              <a:rPr lang="en-US" altLang="ko-KR" sz="1600" dirty="0" smtClean="0"/>
+              <a:t>16</a:t>
+            </a:r>
+            <a:endParaRPr lang="ko-KR" altLang="en-US" sz="1600" dirty="0"/>
+          </a:p>
+        </p:txBody>
+      </p:sp>
+    </p:spTree>
+    <p:extLst>
+      <p:ext uri="{BB962C8B-B14F-4D97-AF65-F5344CB8AC3E}">
+        <p14:creationId xmlns:p14="http://schemas.microsoft.com/office/powerpoint/2010/main" val="3305603843"/>
+      </p:ext>
+    </p:extLst>
+  </p:cSld>
+  <p:clrMapOvr>
+    <a:masterClrMapping/>
+  </p:clrMapOvr>
+  <p:timing>
+    <p:tnLst>
+      <p:par>
+        <p:cTn id="1" dur="indefinite" restart="never" nodeType="tmRoot"/>
+      </p:par>
+    </p:tnLst>
+  </p:timing>
+</p:sld>
+</file>
+
+<file path=ppt/slides/slide27.xml><?xml version="1.0" encoding="utf-8"?>
+<p:sld xmlns:a="http://schemas.openxmlformats.org/drawingml/2006/main" xmlns:r="http://schemas.openxmlformats.org/officeDocument/2006/relationships" xmlns:p="http://schemas.openxmlformats.org/presentationml/2006/main">
+  <p:cSld>
+    <p:spTree>
+      <p:nvGrpSpPr>
+        <p:cNvPr id="1" name=""/>
+        <p:cNvGrpSpPr/>
+        <p:nvPr/>
+      </p:nvGrpSpPr>
+      <p:grpSpPr>
+        <a:xfrm>
+          <a:off x="0" y="0"/>
+          <a:ext cx="0" cy="0"/>
+          <a:chOff x="0" y="0"/>
+          <a:chExt cx="0" cy="0"/>
+        </a:xfrm>
+      </p:grpSpPr>
+      <p:sp>
+        <p:nvSpPr>
+          <p:cNvPr id="2" name="모서리가 둥근 직사각형 1"/>
+          <p:cNvSpPr/>
+          <p:nvPr/>
+        </p:nvSpPr>
+        <p:spPr>
+          <a:xfrm>
+            <a:off x="683568" y="1052736"/>
+            <a:ext cx="2520280" cy="4536504"/>
+          </a:xfrm>
+          <a:prstGeom prst="roundRect">
+            <a:avLst/>
+          </a:prstGeom>
+          <a:noFill/>
+        </p:spPr>
+        <p:style>
+          <a:lnRef idx="2">
+            <a:schemeClr val="accent1">
+              <a:shade val="50000"/>
+            </a:schemeClr>
+          </a:lnRef>
+          <a:fillRef idx="1">
+            <a:schemeClr val="accent1"/>
+          </a:fillRef>
+          <a:effectRef idx="0">
+            <a:schemeClr val="accent1"/>
+          </a:effectRef>
+          <a:fontRef idx="minor">
+            <a:schemeClr val="lt1"/>
+          </a:fontRef>
+        </p:style>
+        <p:txBody>
+          <a:bodyPr rtlCol="0" anchor="ctr"/>
+          <a:lstStyle/>
+          <a:p>
+            <a:pPr algn="ctr"/>
+            <a:endParaRPr lang="ko-KR" altLang="en-US"/>
+          </a:p>
+        </p:txBody>
+      </p:sp>
+      <p:sp>
+        <p:nvSpPr>
+          <p:cNvPr id="3" name="모서리가 둥근 직사각형 2"/>
+          <p:cNvSpPr/>
+          <p:nvPr/>
+        </p:nvSpPr>
+        <p:spPr>
+          <a:xfrm>
+            <a:off x="3438922" y="1052736"/>
+            <a:ext cx="2520280" cy="4536504"/>
+          </a:xfrm>
+          <a:prstGeom prst="roundRect">
+            <a:avLst/>
+          </a:prstGeom>
+          <a:noFill/>
+        </p:spPr>
+        <p:style>
+          <a:lnRef idx="2">
+            <a:schemeClr val="accent1">
+              <a:shade val="50000"/>
+            </a:schemeClr>
+          </a:lnRef>
+          <a:fillRef idx="1">
+            <a:schemeClr val="accent1"/>
+          </a:fillRef>
+          <a:effectRef idx="0">
+            <a:schemeClr val="accent1"/>
+          </a:effectRef>
+          <a:fontRef idx="minor">
+            <a:schemeClr val="lt1"/>
+          </a:fontRef>
+        </p:style>
+        <p:txBody>
+          <a:bodyPr rtlCol="0" anchor="ctr"/>
+          <a:lstStyle/>
+          <a:p>
+            <a:pPr algn="ctr"/>
+            <a:endParaRPr lang="ko-KR" altLang="en-US"/>
+          </a:p>
+        </p:txBody>
+      </p:sp>
+      <p:sp>
+        <p:nvSpPr>
+          <p:cNvPr id="4" name="TextBox 3"/>
+          <p:cNvSpPr txBox="1"/>
+          <p:nvPr/>
+        </p:nvSpPr>
+        <p:spPr>
+          <a:xfrm>
+            <a:off x="1007604" y="5651136"/>
+            <a:ext cx="1872208" cy="338554"/>
+          </a:xfrm>
+          <a:prstGeom prst="rect">
+            <a:avLst/>
+          </a:prstGeom>
+          <a:noFill/>
+        </p:spPr>
+        <p:txBody>
+          <a:bodyPr wrap="square" rtlCol="0">
+            <a:spAutoFit/>
+          </a:bodyPr>
+          <a:lstStyle/>
+          <a:p>
+            <a:pPr algn="ctr"/>
+            <a:r>
+              <a:rPr lang="en-US" altLang="ko-KR" sz="1600" dirty="0" smtClean="0"/>
+              <a:t>&lt;working tree&gt;</a:t>
+            </a:r>
+            <a:endParaRPr lang="ko-KR" altLang="en-US" sz="1600" dirty="0"/>
+          </a:p>
+        </p:txBody>
+      </p:sp>
+      <p:sp>
+        <p:nvSpPr>
+          <p:cNvPr id="5" name="TextBox 4"/>
+          <p:cNvSpPr txBox="1"/>
+          <p:nvPr/>
+        </p:nvSpPr>
+        <p:spPr>
+          <a:xfrm>
+            <a:off x="3743908" y="5651136"/>
+            <a:ext cx="1872208" cy="338554"/>
+          </a:xfrm>
+          <a:prstGeom prst="rect">
+            <a:avLst/>
+          </a:prstGeom>
+          <a:noFill/>
+        </p:spPr>
+        <p:txBody>
+          <a:bodyPr wrap="square" rtlCol="0">
+            <a:spAutoFit/>
+          </a:bodyPr>
+          <a:lstStyle/>
+          <a:p>
+            <a:pPr algn="ctr"/>
+            <a:r>
+              <a:rPr lang="en-US" altLang="ko-KR" sz="1600" dirty="0" smtClean="0"/>
+              <a:t>&lt;stage&gt;</a:t>
+            </a:r>
+            <a:endParaRPr lang="ko-KR" altLang="en-US" sz="1600" dirty="0"/>
+          </a:p>
+        </p:txBody>
+      </p:sp>
+      <p:sp>
+        <p:nvSpPr>
+          <p:cNvPr id="8" name="모서리가 둥근 직사각형 7"/>
+          <p:cNvSpPr/>
+          <p:nvPr/>
+        </p:nvSpPr>
+        <p:spPr>
+          <a:xfrm>
+            <a:off x="1061517" y="1268760"/>
+            <a:ext cx="1800200" cy="504056"/>
+          </a:xfrm>
+          <a:prstGeom prst="roundRect">
+            <a:avLst/>
+          </a:prstGeom>
+        </p:spPr>
+        <p:style>
+          <a:lnRef idx="2">
+            <a:schemeClr val="accent1">
+              <a:shade val="50000"/>
+            </a:schemeClr>
+          </a:lnRef>
+          <a:fillRef idx="1">
+            <a:schemeClr val="accent1"/>
+          </a:fillRef>
+          <a:effectRef idx="0">
+            <a:schemeClr val="accent1"/>
+          </a:effectRef>
+          <a:fontRef idx="minor">
+            <a:schemeClr val="lt1"/>
+          </a:fontRef>
+        </p:style>
+        <p:txBody>
+          <a:bodyPr rtlCol="0" anchor="ctr"/>
+          <a:lstStyle/>
+          <a:p>
+            <a:pPr algn="ctr"/>
+            <a:r>
+              <a:rPr lang="en-US" altLang="ko-KR" sz="1600" dirty="0" smtClean="0"/>
+              <a:t>ff5bda. cat.txt</a:t>
+            </a:r>
+            <a:endParaRPr lang="ko-KR" altLang="en-US" sz="1600" dirty="0"/>
+          </a:p>
+        </p:txBody>
+      </p:sp>
+      <p:sp>
+        <p:nvSpPr>
+          <p:cNvPr id="9" name="직사각형 8"/>
+          <p:cNvSpPr/>
+          <p:nvPr/>
+        </p:nvSpPr>
+        <p:spPr>
+          <a:xfrm>
+            <a:off x="2394012" y="331143"/>
+            <a:ext cx="4572000" cy="307777"/>
+          </a:xfrm>
+          <a:prstGeom prst="rect">
+            <a:avLst/>
+          </a:prstGeom>
+          <a:ln>
+            <a:solidFill>
+              <a:schemeClr val="tx1"/>
+            </a:solidFill>
+          </a:ln>
+        </p:spPr>
+        <p:txBody>
+          <a:bodyPr>
+            <a:spAutoFit/>
+          </a:bodyPr>
+          <a:lstStyle/>
+          <a:p>
+            <a:pPr algn="ctr"/>
+            <a:r>
+              <a:rPr lang="ko-KR" altLang="en-US" sz="1400" dirty="0" err="1" smtClean="0"/>
+              <a:t>커밋</a:t>
+            </a:r>
+            <a:r>
+              <a:rPr lang="ko-KR" altLang="en-US" sz="1400" dirty="0" smtClean="0"/>
+              <a:t> 상태 최종 버전</a:t>
+            </a:r>
+            <a:endParaRPr lang="ko-KR" altLang="en-US" sz="1400" dirty="0"/>
+          </a:p>
+        </p:txBody>
+      </p:sp>
+      <p:sp>
+        <p:nvSpPr>
+          <p:cNvPr id="10" name="모서리가 둥근 직사각형 9"/>
+          <p:cNvSpPr/>
+          <p:nvPr/>
+        </p:nvSpPr>
+        <p:spPr>
+          <a:xfrm>
+            <a:off x="3802013" y="1268760"/>
+            <a:ext cx="1800200" cy="504056"/>
+          </a:xfrm>
+          <a:prstGeom prst="roundRect">
+            <a:avLst/>
+          </a:prstGeom>
+        </p:spPr>
+        <p:style>
+          <a:lnRef idx="2">
+            <a:schemeClr val="accent1">
+              <a:shade val="50000"/>
+            </a:schemeClr>
+          </a:lnRef>
+          <a:fillRef idx="1">
+            <a:schemeClr val="accent1"/>
+          </a:fillRef>
+          <a:effectRef idx="0">
+            <a:schemeClr val="accent1"/>
+          </a:effectRef>
+          <a:fontRef idx="minor">
+            <a:schemeClr val="lt1"/>
+          </a:fontRef>
+        </p:style>
+        <p:txBody>
+          <a:bodyPr rtlCol="0" anchor="ctr"/>
+          <a:lstStyle/>
+          <a:p>
+            <a:pPr algn="ctr"/>
+            <a:r>
+              <a:rPr lang="en-US" altLang="ko-KR" sz="1600" dirty="0" smtClean="0"/>
+              <a:t>ff5bda. cat.txt</a:t>
+            </a:r>
+            <a:endParaRPr lang="ko-KR" altLang="en-US" sz="1600" dirty="0"/>
+          </a:p>
+        </p:txBody>
+      </p:sp>
+      <p:sp>
+        <p:nvSpPr>
+          <p:cNvPr id="11" name="모서리가 둥근 직사각형 10"/>
+          <p:cNvSpPr/>
+          <p:nvPr/>
+        </p:nvSpPr>
+        <p:spPr>
+          <a:xfrm>
+            <a:off x="6192180" y="1052736"/>
+            <a:ext cx="2520280" cy="4536504"/>
+          </a:xfrm>
+          <a:prstGeom prst="roundRect">
+            <a:avLst/>
+          </a:prstGeom>
+          <a:noFill/>
+        </p:spPr>
+        <p:style>
+          <a:lnRef idx="2">
+            <a:schemeClr val="accent1">
+              <a:shade val="50000"/>
+            </a:schemeClr>
+          </a:lnRef>
+          <a:fillRef idx="1">
+            <a:schemeClr val="accent1"/>
+          </a:fillRef>
+          <a:effectRef idx="0">
+            <a:schemeClr val="accent1"/>
+          </a:effectRef>
+          <a:fontRef idx="minor">
+            <a:schemeClr val="lt1"/>
+          </a:fontRef>
+        </p:style>
+        <p:txBody>
+          <a:bodyPr rtlCol="0" anchor="ctr"/>
+          <a:lstStyle/>
+          <a:p>
+            <a:pPr algn="ctr"/>
+            <a:endParaRPr lang="ko-KR" altLang="en-US"/>
+          </a:p>
+        </p:txBody>
+      </p:sp>
+      <p:sp>
+        <p:nvSpPr>
+          <p:cNvPr id="12" name="모서리가 둥근 직사각형 11"/>
+          <p:cNvSpPr/>
+          <p:nvPr/>
+        </p:nvSpPr>
+        <p:spPr>
+          <a:xfrm>
+            <a:off x="6566892" y="2276872"/>
+            <a:ext cx="1800200" cy="504056"/>
+          </a:xfrm>
+          <a:prstGeom prst="roundRect">
+            <a:avLst/>
+          </a:prstGeom>
+        </p:spPr>
+        <p:style>
+          <a:lnRef idx="2">
+            <a:schemeClr val="accent1">
+              <a:shade val="50000"/>
+            </a:schemeClr>
+          </a:lnRef>
+          <a:fillRef idx="1">
+            <a:schemeClr val="accent1"/>
+          </a:fillRef>
+          <a:effectRef idx="0">
+            <a:schemeClr val="accent1"/>
+          </a:effectRef>
+          <a:fontRef idx="minor">
+            <a:schemeClr val="lt1"/>
+          </a:fontRef>
+        </p:style>
+        <p:txBody>
+          <a:bodyPr rtlCol="0" anchor="ctr"/>
+          <a:lstStyle/>
+          <a:p>
+            <a:pPr algn="ctr"/>
+            <a:r>
+              <a:rPr lang="en-US" altLang="ko-KR" sz="1600" dirty="0" smtClean="0"/>
+              <a:t>ff5bda. cat.txt</a:t>
+            </a:r>
+            <a:endParaRPr lang="ko-KR" altLang="en-US" sz="1600" dirty="0"/>
+          </a:p>
+        </p:txBody>
+      </p:sp>
+      <p:cxnSp>
+        <p:nvCxnSpPr>
+          <p:cNvPr id="14" name="직선 화살표 연결선 13"/>
+          <p:cNvCxnSpPr>
+            <a:stCxn id="8" idx="3"/>
+            <a:endCxn id="10" idx="1"/>
+          </p:cNvCxnSpPr>
+          <p:nvPr/>
+        </p:nvCxnSpPr>
+        <p:spPr>
+          <a:xfrm>
+            <a:off x="2861717" y="1520788"/>
+            <a:ext cx="940296" cy="0"/>
+          </a:xfrm>
+          <a:prstGeom prst="straightConnector1">
+            <a:avLst/>
+          </a:prstGeom>
+          <a:ln w="28575">
+            <a:solidFill>
+              <a:srgbClr val="FF0000"/>
+            </a:solidFill>
+            <a:tailEnd type="arrow"/>
+          </a:ln>
+        </p:spPr>
+        <p:style>
+          <a:lnRef idx="1">
+            <a:schemeClr val="accent1"/>
+          </a:lnRef>
+          <a:fillRef idx="0">
+            <a:schemeClr val="accent1"/>
+          </a:fillRef>
+          <a:effectRef idx="0">
+            <a:schemeClr val="accent1"/>
+          </a:effectRef>
+          <a:fontRef idx="minor">
+            <a:schemeClr val="tx1"/>
+          </a:fontRef>
+        </p:style>
+      </p:cxnSp>
+      <p:cxnSp>
+        <p:nvCxnSpPr>
+          <p:cNvPr id="16" name="직선 화살표 연결선 15"/>
+          <p:cNvCxnSpPr>
+            <a:stCxn id="10" idx="3"/>
+            <a:endCxn id="12" idx="1"/>
+          </p:cNvCxnSpPr>
+          <p:nvPr/>
+        </p:nvCxnSpPr>
+        <p:spPr>
+          <a:xfrm>
+            <a:off x="5602213" y="1520788"/>
+            <a:ext cx="964679" cy="1008112"/>
+          </a:xfrm>
+          <a:prstGeom prst="straightConnector1">
+            <a:avLst/>
+          </a:prstGeom>
+          <a:ln w="28575">
+            <a:solidFill>
+              <a:srgbClr val="FF0000"/>
+            </a:solidFill>
+            <a:tailEnd type="arrow"/>
+          </a:ln>
+        </p:spPr>
+        <p:style>
+          <a:lnRef idx="1">
+            <a:schemeClr val="accent1"/>
+          </a:lnRef>
+          <a:fillRef idx="0">
+            <a:schemeClr val="accent1"/>
+          </a:fillRef>
+          <a:effectRef idx="0">
+            <a:schemeClr val="accent1"/>
+          </a:effectRef>
+          <a:fontRef idx="minor">
+            <a:schemeClr val="tx1"/>
+          </a:fontRef>
+        </p:style>
+      </p:cxnSp>
+      <p:sp>
+        <p:nvSpPr>
+          <p:cNvPr id="7" name="이등변 삼각형 6"/>
+          <p:cNvSpPr/>
+          <p:nvPr/>
+        </p:nvSpPr>
+        <p:spPr>
+          <a:xfrm>
+            <a:off x="6640735" y="1268760"/>
+            <a:ext cx="1652514" cy="648072"/>
+          </a:xfrm>
+          <a:prstGeom prst="triangle">
+            <a:avLst/>
+          </a:prstGeom>
+        </p:spPr>
+        <p:style>
+          <a:lnRef idx="2">
+            <a:schemeClr val="accent1">
+              <a:shade val="50000"/>
+            </a:schemeClr>
+          </a:lnRef>
+          <a:fillRef idx="1">
+            <a:schemeClr val="accent1"/>
+          </a:fillRef>
+          <a:effectRef idx="0">
+            <a:schemeClr val="accent1"/>
+          </a:effectRef>
+          <a:fontRef idx="minor">
+            <a:schemeClr val="lt1"/>
+          </a:fontRef>
+        </p:style>
+        <p:txBody>
+          <a:bodyPr rtlCol="0" anchor="ctr"/>
+          <a:lstStyle/>
+          <a:p>
+            <a:pPr algn="ctr"/>
+            <a:r>
+              <a:rPr lang="en-US" altLang="ko-KR" sz="1400" dirty="0" smtClean="0"/>
+              <a:t>7a5459</a:t>
+            </a:r>
+            <a:endParaRPr lang="ko-KR" altLang="en-US" sz="1400" dirty="0"/>
+          </a:p>
+        </p:txBody>
+      </p:sp>
+      <p:cxnSp>
+        <p:nvCxnSpPr>
+          <p:cNvPr id="15" name="직선 연결선 14"/>
+          <p:cNvCxnSpPr>
+            <a:stCxn id="7" idx="3"/>
+            <a:endCxn id="12" idx="0"/>
+          </p:cNvCxnSpPr>
+          <p:nvPr/>
+        </p:nvCxnSpPr>
+        <p:spPr>
+          <a:xfrm>
+            <a:off x="7466992" y="1916832"/>
+            <a:ext cx="0" cy="360040"/>
+          </a:xfrm>
+          <a:prstGeom prst="line">
+            <a:avLst/>
+          </a:prstGeom>
+          <a:ln w="28575">
+            <a:solidFill>
+              <a:srgbClr val="FF0000"/>
+            </a:solidFill>
+          </a:ln>
+        </p:spPr>
+        <p:style>
+          <a:lnRef idx="1">
+            <a:schemeClr val="accent1"/>
+          </a:lnRef>
+          <a:fillRef idx="0">
+            <a:schemeClr val="accent1"/>
+          </a:fillRef>
+          <a:effectRef idx="0">
+            <a:schemeClr val="accent1"/>
+          </a:effectRef>
+          <a:fontRef idx="minor">
+            <a:schemeClr val="tx1"/>
+          </a:fontRef>
+        </p:style>
+      </p:cxnSp>
+      <p:sp>
+        <p:nvSpPr>
+          <p:cNvPr id="17" name="TextBox 16"/>
+          <p:cNvSpPr txBox="1"/>
+          <p:nvPr/>
+        </p:nvSpPr>
+        <p:spPr>
+          <a:xfrm>
+            <a:off x="6538217" y="5651136"/>
+            <a:ext cx="1872208" cy="338554"/>
+          </a:xfrm>
+          <a:prstGeom prst="rect">
+            <a:avLst/>
+          </a:prstGeom>
+          <a:noFill/>
+        </p:spPr>
+        <p:txBody>
+          <a:bodyPr wrap="square" rtlCol="0">
+            <a:spAutoFit/>
+          </a:bodyPr>
+          <a:lstStyle/>
+          <a:p>
+            <a:pPr algn="ctr"/>
+            <a:r>
+              <a:rPr lang="en-US" altLang="ko-KR" sz="1600" dirty="0" smtClean="0"/>
+              <a:t>&lt;</a:t>
+            </a:r>
+            <a:r>
+              <a:rPr lang="en-US" altLang="ko-KR" sz="1600" dirty="0" smtClean="0"/>
+              <a:t>HEAD&gt;74</a:t>
+            </a:r>
+            <a:r>
+              <a:rPr lang="en-US" altLang="ko-KR" sz="1600" dirty="0" smtClean="0"/>
+              <a:t>ec</a:t>
+            </a:r>
+            <a:r>
+              <a:rPr lang="en-US" altLang="ko-KR" sz="1600" dirty="0" smtClean="0"/>
+              <a:t>16</a:t>
+            </a:r>
+            <a:endParaRPr lang="ko-KR" altLang="en-US" sz="1600" dirty="0"/>
+          </a:p>
+        </p:txBody>
+      </p:sp>
+    </p:spTree>
+    <p:extLst>
+      <p:ext uri="{BB962C8B-B14F-4D97-AF65-F5344CB8AC3E}">
+        <p14:creationId xmlns:p14="http://schemas.microsoft.com/office/powerpoint/2010/main" val="375633564"/>
+      </p:ext>
+    </p:extLst>
+  </p:cSld>
+  <p:clrMapOvr>
+    <a:masterClrMapping/>
+  </p:clrMapOvr>
+  <p:timing>
+    <p:tnLst>
+      <p:par>
+        <p:cTn id="1" dur="indefinite" restart="never" nodeType="tmRoot"/>
+      </p:par>
+    </p:tnLst>
+  </p:timing>
+</p:sld>
+</file>
+
+<file path=ppt/slides/slide28.xml><?xml version="1.0" encoding="utf-8"?>
+<p:sld xmlns:a="http://schemas.openxmlformats.org/drawingml/2006/main" xmlns:r="http://schemas.openxmlformats.org/officeDocument/2006/relationships" xmlns:p="http://schemas.openxmlformats.org/presentationml/2006/main">
+  <p:cSld>
+    <p:spTree>
+      <p:nvGrpSpPr>
+        <p:cNvPr id="1" name=""/>
+        <p:cNvGrpSpPr/>
+        <p:nvPr/>
+      </p:nvGrpSpPr>
+      <p:grpSpPr>
+        <a:xfrm>
+          <a:off x="0" y="0"/>
+          <a:ext cx="0" cy="0"/>
+          <a:chOff x="0" y="0"/>
+          <a:chExt cx="0" cy="0"/>
+        </a:xfrm>
+      </p:grpSpPr>
+      <p:sp>
+        <p:nvSpPr>
+          <p:cNvPr id="2" name="모서리가 둥근 직사각형 1"/>
+          <p:cNvSpPr/>
+          <p:nvPr/>
+        </p:nvSpPr>
+        <p:spPr>
+          <a:xfrm>
+            <a:off x="683568" y="1052736"/>
+            <a:ext cx="2520280" cy="4536504"/>
+          </a:xfrm>
+          <a:prstGeom prst="roundRect">
+            <a:avLst/>
+          </a:prstGeom>
+          <a:noFill/>
+        </p:spPr>
+        <p:style>
+          <a:lnRef idx="2">
+            <a:schemeClr val="accent1">
+              <a:shade val="50000"/>
+            </a:schemeClr>
+          </a:lnRef>
+          <a:fillRef idx="1">
+            <a:schemeClr val="accent1"/>
+          </a:fillRef>
+          <a:effectRef idx="0">
+            <a:schemeClr val="accent1"/>
+          </a:effectRef>
+          <a:fontRef idx="minor">
+            <a:schemeClr val="lt1"/>
+          </a:fontRef>
+        </p:style>
+        <p:txBody>
+          <a:bodyPr rtlCol="0" anchor="ctr"/>
+          <a:lstStyle/>
+          <a:p>
+            <a:pPr algn="ctr"/>
+            <a:endParaRPr lang="ko-KR" altLang="en-US"/>
+          </a:p>
+        </p:txBody>
+      </p:sp>
+      <p:sp>
+        <p:nvSpPr>
+          <p:cNvPr id="3" name="모서리가 둥근 직사각형 2"/>
+          <p:cNvSpPr/>
+          <p:nvPr/>
+        </p:nvSpPr>
+        <p:spPr>
+          <a:xfrm>
+            <a:off x="3438922" y="1052736"/>
+            <a:ext cx="2520280" cy="4536504"/>
+          </a:xfrm>
+          <a:prstGeom prst="roundRect">
+            <a:avLst/>
+          </a:prstGeom>
+          <a:noFill/>
+        </p:spPr>
+        <p:style>
+          <a:lnRef idx="2">
+            <a:schemeClr val="accent1">
+              <a:shade val="50000"/>
+            </a:schemeClr>
+          </a:lnRef>
+          <a:fillRef idx="1">
+            <a:schemeClr val="accent1"/>
+          </a:fillRef>
+          <a:effectRef idx="0">
+            <a:schemeClr val="accent1"/>
+          </a:effectRef>
+          <a:fontRef idx="minor">
+            <a:schemeClr val="lt1"/>
+          </a:fontRef>
+        </p:style>
+        <p:txBody>
+          <a:bodyPr rtlCol="0" anchor="ctr"/>
+          <a:lstStyle/>
+          <a:p>
+            <a:pPr algn="ctr"/>
+            <a:endParaRPr lang="ko-KR" altLang="en-US"/>
+          </a:p>
+        </p:txBody>
+      </p:sp>
+      <p:sp>
+        <p:nvSpPr>
+          <p:cNvPr id="4" name="TextBox 3"/>
+          <p:cNvSpPr txBox="1"/>
+          <p:nvPr/>
+        </p:nvSpPr>
+        <p:spPr>
+          <a:xfrm>
+            <a:off x="1007604" y="5651136"/>
+            <a:ext cx="1872208" cy="338554"/>
+          </a:xfrm>
+          <a:prstGeom prst="rect">
+            <a:avLst/>
+          </a:prstGeom>
+          <a:noFill/>
+        </p:spPr>
+        <p:txBody>
+          <a:bodyPr wrap="square" rtlCol="0">
+            <a:spAutoFit/>
+          </a:bodyPr>
+          <a:lstStyle/>
+          <a:p>
+            <a:pPr algn="ctr"/>
+            <a:r>
+              <a:rPr lang="en-US" altLang="ko-KR" sz="1600" dirty="0" smtClean="0"/>
+              <a:t>&lt;working tree&gt;</a:t>
+            </a:r>
+            <a:endParaRPr lang="ko-KR" altLang="en-US" sz="1600" dirty="0"/>
+          </a:p>
+        </p:txBody>
+      </p:sp>
+      <p:sp>
+        <p:nvSpPr>
+          <p:cNvPr id="5" name="TextBox 4"/>
+          <p:cNvSpPr txBox="1"/>
+          <p:nvPr/>
+        </p:nvSpPr>
+        <p:spPr>
+          <a:xfrm>
+            <a:off x="3743908" y="5651136"/>
+            <a:ext cx="1872208" cy="338554"/>
+          </a:xfrm>
+          <a:prstGeom prst="rect">
+            <a:avLst/>
+          </a:prstGeom>
+          <a:noFill/>
+        </p:spPr>
+        <p:txBody>
+          <a:bodyPr wrap="square" rtlCol="0">
+            <a:spAutoFit/>
+          </a:bodyPr>
+          <a:lstStyle/>
+          <a:p>
+            <a:pPr algn="ctr"/>
+            <a:r>
+              <a:rPr lang="en-US" altLang="ko-KR" sz="1600" dirty="0" smtClean="0"/>
+              <a:t>&lt;stage&gt;</a:t>
+            </a:r>
+            <a:endParaRPr lang="ko-KR" altLang="en-US" sz="1600" dirty="0"/>
+          </a:p>
+        </p:txBody>
+      </p:sp>
+      <p:sp>
+        <p:nvSpPr>
+          <p:cNvPr id="8" name="모서리가 둥근 직사각형 7"/>
+          <p:cNvSpPr/>
+          <p:nvPr/>
+        </p:nvSpPr>
+        <p:spPr>
+          <a:xfrm>
+            <a:off x="1061517" y="1278285"/>
+            <a:ext cx="1800200" cy="504056"/>
+          </a:xfrm>
+          <a:prstGeom prst="roundRect">
+            <a:avLst/>
+          </a:prstGeom>
+        </p:spPr>
+        <p:style>
+          <a:lnRef idx="2">
+            <a:schemeClr val="accent1">
+              <a:shade val="50000"/>
+            </a:schemeClr>
+          </a:lnRef>
+          <a:fillRef idx="1">
+            <a:schemeClr val="accent1"/>
+          </a:fillRef>
+          <a:effectRef idx="0">
+            <a:schemeClr val="accent1"/>
+          </a:effectRef>
+          <a:fontRef idx="minor">
+            <a:schemeClr val="lt1"/>
+          </a:fontRef>
+        </p:style>
+        <p:txBody>
+          <a:bodyPr rtlCol="0" anchor="ctr"/>
+          <a:lstStyle/>
+          <a:p>
+            <a:pPr algn="ctr"/>
+            <a:r>
+              <a:rPr lang="en-US" altLang="ko-KR" sz="1600" dirty="0" smtClean="0"/>
+              <a:t>f3e6fa cat.txt</a:t>
+            </a:r>
+            <a:endParaRPr lang="ko-KR" altLang="en-US" sz="1600" dirty="0"/>
+          </a:p>
+        </p:txBody>
+      </p:sp>
+      <p:sp>
+        <p:nvSpPr>
+          <p:cNvPr id="9" name="직사각형 8"/>
+          <p:cNvSpPr/>
+          <p:nvPr/>
+        </p:nvSpPr>
+        <p:spPr>
+          <a:xfrm>
+            <a:off x="2394012" y="188640"/>
+            <a:ext cx="4572000" cy="677108"/>
+          </a:xfrm>
+          <a:prstGeom prst="rect">
+            <a:avLst/>
+          </a:prstGeom>
+          <a:ln>
+            <a:solidFill>
+              <a:schemeClr val="tx1"/>
+            </a:solidFill>
+          </a:ln>
+        </p:spPr>
+        <p:txBody>
+          <a:bodyPr>
+            <a:spAutoFit/>
+          </a:bodyPr>
+          <a:lstStyle/>
+          <a:p>
+            <a:pPr algn="ctr"/>
+            <a:r>
+              <a:rPr lang="en-US" altLang="ko-KR" sz="1400" dirty="0" smtClean="0"/>
+              <a:t>cat.txt </a:t>
+            </a:r>
+            <a:r>
+              <a:rPr lang="ko-KR" altLang="en-US" sz="1400" dirty="0" smtClean="0"/>
+              <a:t>내용 변경했을 때</a:t>
+            </a:r>
+            <a:endParaRPr lang="en-US" altLang="ko-KR" sz="1400" dirty="0" smtClean="0"/>
+          </a:p>
+          <a:p>
+            <a:pPr algn="ctr"/>
+            <a:endParaRPr lang="en-US" altLang="ko-KR" sz="1200" dirty="0" smtClean="0"/>
+          </a:p>
+          <a:p>
+            <a:pPr algn="ctr"/>
+            <a:r>
+              <a:rPr lang="ko-KR" altLang="en-US" sz="1200" dirty="0" err="1" smtClean="0"/>
+              <a:t>워킹트리의</a:t>
+            </a:r>
+            <a:r>
+              <a:rPr lang="ko-KR" altLang="en-US" sz="1200" dirty="0" smtClean="0"/>
+              <a:t> </a:t>
+            </a:r>
+            <a:r>
+              <a:rPr lang="en-US" altLang="ko-KR" sz="1200" dirty="0" smtClean="0"/>
+              <a:t>cat.txt</a:t>
+            </a:r>
+            <a:r>
+              <a:rPr lang="ko-KR" altLang="en-US" sz="1200" dirty="0" smtClean="0"/>
+              <a:t>의 </a:t>
+            </a:r>
+            <a:r>
+              <a:rPr lang="ko-KR" altLang="en-US" sz="1200" dirty="0" err="1" smtClean="0"/>
+              <a:t>체크섬만</a:t>
+            </a:r>
+            <a:r>
+              <a:rPr lang="ko-KR" altLang="en-US" sz="1200" dirty="0" smtClean="0"/>
+              <a:t> 다른 값을 가짐</a:t>
+            </a:r>
+            <a:endParaRPr lang="ko-KR" altLang="en-US" sz="1200" dirty="0"/>
+          </a:p>
+        </p:txBody>
+      </p:sp>
+      <p:sp>
+        <p:nvSpPr>
+          <p:cNvPr id="10" name="모서리가 둥근 직사각형 9"/>
+          <p:cNvSpPr/>
+          <p:nvPr/>
+        </p:nvSpPr>
+        <p:spPr>
+          <a:xfrm>
+            <a:off x="3802013" y="1278285"/>
+            <a:ext cx="1800200" cy="504056"/>
+          </a:xfrm>
+          <a:prstGeom prst="roundRect">
+            <a:avLst/>
+          </a:prstGeom>
+        </p:spPr>
+        <p:style>
+          <a:lnRef idx="2">
+            <a:schemeClr val="accent1">
+              <a:shade val="50000"/>
+            </a:schemeClr>
+          </a:lnRef>
+          <a:fillRef idx="1">
+            <a:schemeClr val="accent1"/>
+          </a:fillRef>
+          <a:effectRef idx="0">
+            <a:schemeClr val="accent1"/>
+          </a:effectRef>
+          <a:fontRef idx="minor">
+            <a:schemeClr val="lt1"/>
+          </a:fontRef>
+        </p:style>
+        <p:txBody>
+          <a:bodyPr rtlCol="0" anchor="ctr"/>
+          <a:lstStyle/>
+          <a:p>
+            <a:pPr algn="ctr"/>
+            <a:r>
+              <a:rPr lang="en-US" altLang="ko-KR" sz="1600" dirty="0" smtClean="0"/>
+              <a:t>ff5bda. cat.txt</a:t>
+            </a:r>
+            <a:endParaRPr lang="ko-KR" altLang="en-US" sz="1600" dirty="0"/>
+          </a:p>
+        </p:txBody>
+      </p:sp>
+      <p:sp>
+        <p:nvSpPr>
+          <p:cNvPr id="11" name="모서리가 둥근 직사각형 10"/>
+          <p:cNvSpPr/>
+          <p:nvPr/>
+        </p:nvSpPr>
+        <p:spPr>
+          <a:xfrm>
+            <a:off x="6192180" y="1052736"/>
+            <a:ext cx="2520280" cy="4536504"/>
+          </a:xfrm>
+          <a:prstGeom prst="roundRect">
+            <a:avLst/>
+          </a:prstGeom>
+          <a:noFill/>
+        </p:spPr>
+        <p:style>
+          <a:lnRef idx="2">
+            <a:schemeClr val="accent1">
+              <a:shade val="50000"/>
+            </a:schemeClr>
+          </a:lnRef>
+          <a:fillRef idx="1">
+            <a:schemeClr val="accent1"/>
+          </a:fillRef>
+          <a:effectRef idx="0">
+            <a:schemeClr val="accent1"/>
+          </a:effectRef>
+          <a:fontRef idx="minor">
+            <a:schemeClr val="lt1"/>
+          </a:fontRef>
+        </p:style>
+        <p:txBody>
+          <a:bodyPr rtlCol="0" anchor="ctr"/>
+          <a:lstStyle/>
+          <a:p>
+            <a:pPr algn="ctr"/>
+            <a:endParaRPr lang="ko-KR" altLang="en-US"/>
+          </a:p>
+        </p:txBody>
+      </p:sp>
+      <p:sp>
+        <p:nvSpPr>
+          <p:cNvPr id="12" name="모서리가 둥근 직사각형 11"/>
+          <p:cNvSpPr/>
+          <p:nvPr/>
+        </p:nvSpPr>
+        <p:spPr>
+          <a:xfrm>
+            <a:off x="6547842" y="2286397"/>
+            <a:ext cx="1800200" cy="504056"/>
+          </a:xfrm>
+          <a:prstGeom prst="roundRect">
+            <a:avLst/>
+          </a:prstGeom>
+        </p:spPr>
+        <p:style>
+          <a:lnRef idx="2">
+            <a:schemeClr val="accent1">
+              <a:shade val="50000"/>
+            </a:schemeClr>
+          </a:lnRef>
+          <a:fillRef idx="1">
+            <a:schemeClr val="accent1"/>
+          </a:fillRef>
+          <a:effectRef idx="0">
+            <a:schemeClr val="accent1"/>
+          </a:effectRef>
+          <a:fontRef idx="minor">
+            <a:schemeClr val="lt1"/>
+          </a:fontRef>
+        </p:style>
+        <p:txBody>
+          <a:bodyPr rtlCol="0" anchor="ctr"/>
+          <a:lstStyle/>
+          <a:p>
+            <a:pPr algn="ctr"/>
+            <a:r>
+              <a:rPr lang="en-US" altLang="ko-KR" sz="1600" dirty="0" smtClean="0"/>
+              <a:t>ff5bda. cat.txt</a:t>
+            </a:r>
+            <a:endParaRPr lang="ko-KR" altLang="en-US" sz="1600" dirty="0"/>
+          </a:p>
+        </p:txBody>
+      </p:sp>
+      <p:cxnSp>
+        <p:nvCxnSpPr>
+          <p:cNvPr id="16" name="직선 화살표 연결선 15"/>
+          <p:cNvCxnSpPr>
+            <a:stCxn id="10" idx="3"/>
+            <a:endCxn id="12" idx="1"/>
+          </p:cNvCxnSpPr>
+          <p:nvPr/>
+        </p:nvCxnSpPr>
+        <p:spPr>
+          <a:xfrm>
+            <a:off x="5602213" y="1530313"/>
+            <a:ext cx="945629" cy="1008112"/>
+          </a:xfrm>
+          <a:prstGeom prst="straightConnector1">
+            <a:avLst/>
+          </a:prstGeom>
+          <a:ln w="28575">
+            <a:solidFill>
+              <a:srgbClr val="FF0000"/>
+            </a:solidFill>
+            <a:tailEnd type="arrow"/>
+          </a:ln>
+        </p:spPr>
+        <p:style>
+          <a:lnRef idx="1">
+            <a:schemeClr val="accent1"/>
+          </a:lnRef>
+          <a:fillRef idx="0">
+            <a:schemeClr val="accent1"/>
+          </a:fillRef>
+          <a:effectRef idx="0">
+            <a:schemeClr val="accent1"/>
+          </a:effectRef>
+          <a:fontRef idx="minor">
+            <a:schemeClr val="tx1"/>
+          </a:fontRef>
+        </p:style>
+      </p:cxnSp>
+      <p:sp>
+        <p:nvSpPr>
+          <p:cNvPr id="7" name="이등변 삼각형 6"/>
+          <p:cNvSpPr/>
+          <p:nvPr/>
+        </p:nvSpPr>
+        <p:spPr>
+          <a:xfrm>
+            <a:off x="6621685" y="1278285"/>
+            <a:ext cx="1652514" cy="648072"/>
+          </a:xfrm>
+          <a:prstGeom prst="triangle">
+            <a:avLst/>
+          </a:prstGeom>
+        </p:spPr>
+        <p:style>
+          <a:lnRef idx="2">
+            <a:schemeClr val="accent1">
+              <a:shade val="50000"/>
+            </a:schemeClr>
+          </a:lnRef>
+          <a:fillRef idx="1">
+            <a:schemeClr val="accent1"/>
+          </a:fillRef>
+          <a:effectRef idx="0">
+            <a:schemeClr val="accent1"/>
+          </a:effectRef>
+          <a:fontRef idx="minor">
+            <a:schemeClr val="lt1"/>
+          </a:fontRef>
+        </p:style>
+        <p:txBody>
+          <a:bodyPr rtlCol="0" anchor="ctr"/>
+          <a:lstStyle/>
+          <a:p>
+            <a:pPr algn="ctr"/>
+            <a:r>
+              <a:rPr lang="en-US" altLang="ko-KR" sz="1400" dirty="0" smtClean="0"/>
+              <a:t>7a5459</a:t>
+            </a:r>
+            <a:endParaRPr lang="ko-KR" altLang="en-US" sz="1400" dirty="0"/>
+          </a:p>
+        </p:txBody>
+      </p:sp>
+      <p:cxnSp>
+        <p:nvCxnSpPr>
+          <p:cNvPr id="15" name="직선 연결선 14"/>
+          <p:cNvCxnSpPr>
+            <a:stCxn id="7" idx="3"/>
+            <a:endCxn id="12" idx="0"/>
+          </p:cNvCxnSpPr>
+          <p:nvPr/>
+        </p:nvCxnSpPr>
+        <p:spPr>
+          <a:xfrm>
+            <a:off x="7447942" y="1926357"/>
+            <a:ext cx="0" cy="360040"/>
+          </a:xfrm>
+          <a:prstGeom prst="line">
+            <a:avLst/>
+          </a:prstGeom>
+          <a:ln w="28575">
+            <a:solidFill>
+              <a:srgbClr val="FF0000"/>
+            </a:solidFill>
+          </a:ln>
+        </p:spPr>
+        <p:style>
+          <a:lnRef idx="1">
+            <a:schemeClr val="accent1"/>
+          </a:lnRef>
+          <a:fillRef idx="0">
+            <a:schemeClr val="accent1"/>
+          </a:fillRef>
+          <a:effectRef idx="0">
+            <a:schemeClr val="accent1"/>
+          </a:effectRef>
+          <a:fontRef idx="minor">
+            <a:schemeClr val="tx1"/>
+          </a:fontRef>
+        </p:style>
+      </p:cxnSp>
+      <p:sp>
+        <p:nvSpPr>
+          <p:cNvPr id="17" name="TextBox 16"/>
+          <p:cNvSpPr txBox="1"/>
+          <p:nvPr/>
+        </p:nvSpPr>
+        <p:spPr>
+          <a:xfrm>
+            <a:off x="6538217" y="5651136"/>
+            <a:ext cx="1872208" cy="338554"/>
+          </a:xfrm>
+          <a:prstGeom prst="rect">
+            <a:avLst/>
+          </a:prstGeom>
+          <a:noFill/>
+        </p:spPr>
+        <p:txBody>
+          <a:bodyPr wrap="square" rtlCol="0">
+            <a:spAutoFit/>
+          </a:bodyPr>
+          <a:lstStyle/>
+          <a:p>
+            <a:pPr algn="ctr"/>
+            <a:r>
+              <a:rPr lang="en-US" altLang="ko-KR" sz="1600" dirty="0" smtClean="0"/>
+              <a:t>&lt;</a:t>
+            </a:r>
+            <a:r>
+              <a:rPr lang="en-US" altLang="ko-KR" sz="1600" dirty="0" smtClean="0"/>
+              <a:t>HEAD&gt;74</a:t>
+            </a:r>
+            <a:r>
+              <a:rPr lang="en-US" altLang="ko-KR" sz="1600" dirty="0" smtClean="0"/>
+              <a:t>ec</a:t>
+            </a:r>
+            <a:r>
+              <a:rPr lang="en-US" altLang="ko-KR" sz="1600" dirty="0" smtClean="0"/>
+              <a:t>16</a:t>
+            </a:r>
+            <a:endParaRPr lang="ko-KR" altLang="en-US" sz="1600" dirty="0"/>
+          </a:p>
+        </p:txBody>
+      </p:sp>
+    </p:spTree>
+    <p:extLst>
+      <p:ext uri="{BB962C8B-B14F-4D97-AF65-F5344CB8AC3E}">
+        <p14:creationId xmlns:p14="http://schemas.microsoft.com/office/powerpoint/2010/main" val="2270475814"/>
+      </p:ext>
+    </p:extLst>
+  </p:cSld>
+  <p:clrMapOvr>
+    <a:masterClrMapping/>
+  </p:clrMapOvr>
+  <p:timing>
+    <p:tnLst>
+      <p:par>
+        <p:cTn id="1" dur="indefinite" restart="never" nodeType="tmRoot"/>
+      </p:par>
+    </p:tnLst>
+  </p:timing>
+</p:sld>
+</file>
+
+<file path=ppt/slides/slide29.xml><?xml version="1.0" encoding="utf-8"?>
+<p:sld xmlns:a="http://schemas.openxmlformats.org/drawingml/2006/main" xmlns:r="http://schemas.openxmlformats.org/officeDocument/2006/relationships" xmlns:p="http://schemas.openxmlformats.org/presentationml/2006/main">
+  <p:cSld>
+    <p:spTree>
+      <p:nvGrpSpPr>
+        <p:cNvPr id="1" name=""/>
+        <p:cNvGrpSpPr/>
+        <p:nvPr/>
+      </p:nvGrpSpPr>
+      <p:grpSpPr>
+        <a:xfrm>
+          <a:off x="0" y="0"/>
+          <a:ext cx="0" cy="0"/>
+          <a:chOff x="0" y="0"/>
+          <a:chExt cx="0" cy="0"/>
+        </a:xfrm>
+      </p:grpSpPr>
+      <p:sp>
+        <p:nvSpPr>
+          <p:cNvPr id="2" name="모서리가 둥근 직사각형 1"/>
+          <p:cNvSpPr/>
+          <p:nvPr/>
+        </p:nvSpPr>
+        <p:spPr>
+          <a:xfrm>
+            <a:off x="683568" y="1052736"/>
+            <a:ext cx="2520280" cy="4536504"/>
+          </a:xfrm>
+          <a:prstGeom prst="roundRect">
+            <a:avLst/>
+          </a:prstGeom>
+          <a:noFill/>
+        </p:spPr>
+        <p:style>
+          <a:lnRef idx="2">
+            <a:schemeClr val="accent1">
+              <a:shade val="50000"/>
+            </a:schemeClr>
+          </a:lnRef>
+          <a:fillRef idx="1">
+            <a:schemeClr val="accent1"/>
+          </a:fillRef>
+          <a:effectRef idx="0">
+            <a:schemeClr val="accent1"/>
+          </a:effectRef>
+          <a:fontRef idx="minor">
+            <a:schemeClr val="lt1"/>
+          </a:fontRef>
+        </p:style>
+        <p:txBody>
+          <a:bodyPr rtlCol="0" anchor="ctr"/>
+          <a:lstStyle/>
+          <a:p>
+            <a:pPr algn="ctr"/>
+            <a:endParaRPr lang="ko-KR" altLang="en-US"/>
+          </a:p>
+        </p:txBody>
+      </p:sp>
+      <p:sp>
+        <p:nvSpPr>
+          <p:cNvPr id="3" name="모서리가 둥근 직사각형 2"/>
+          <p:cNvSpPr/>
+          <p:nvPr/>
+        </p:nvSpPr>
+        <p:spPr>
+          <a:xfrm>
+            <a:off x="3438922" y="1052736"/>
+            <a:ext cx="2520280" cy="4536504"/>
+          </a:xfrm>
+          <a:prstGeom prst="roundRect">
+            <a:avLst/>
+          </a:prstGeom>
+          <a:noFill/>
+        </p:spPr>
+        <p:style>
+          <a:lnRef idx="2">
+            <a:schemeClr val="accent1">
+              <a:shade val="50000"/>
+            </a:schemeClr>
+          </a:lnRef>
+          <a:fillRef idx="1">
+            <a:schemeClr val="accent1"/>
+          </a:fillRef>
+          <a:effectRef idx="0">
+            <a:schemeClr val="accent1"/>
+          </a:effectRef>
+          <a:fontRef idx="minor">
+            <a:schemeClr val="lt1"/>
+          </a:fontRef>
+        </p:style>
+        <p:txBody>
+          <a:bodyPr rtlCol="0" anchor="ctr"/>
+          <a:lstStyle/>
+          <a:p>
+            <a:pPr algn="ctr"/>
+            <a:endParaRPr lang="ko-KR" altLang="en-US"/>
+          </a:p>
+        </p:txBody>
+      </p:sp>
+      <p:sp>
+        <p:nvSpPr>
+          <p:cNvPr id="4" name="TextBox 3"/>
+          <p:cNvSpPr txBox="1"/>
+          <p:nvPr/>
+        </p:nvSpPr>
+        <p:spPr>
+          <a:xfrm>
+            <a:off x="1007604" y="5651136"/>
+            <a:ext cx="1872208" cy="338554"/>
+          </a:xfrm>
+          <a:prstGeom prst="rect">
+            <a:avLst/>
+          </a:prstGeom>
+          <a:noFill/>
+        </p:spPr>
+        <p:txBody>
+          <a:bodyPr wrap="square" rtlCol="0">
+            <a:spAutoFit/>
+          </a:bodyPr>
+          <a:lstStyle/>
+          <a:p>
+            <a:pPr algn="ctr"/>
+            <a:r>
+              <a:rPr lang="en-US" altLang="ko-KR" sz="1600" dirty="0" smtClean="0"/>
+              <a:t>&lt;working tree&gt;</a:t>
+            </a:r>
+            <a:endParaRPr lang="ko-KR" altLang="en-US" sz="1600" dirty="0"/>
+          </a:p>
+        </p:txBody>
+      </p:sp>
+      <p:sp>
+        <p:nvSpPr>
+          <p:cNvPr id="5" name="TextBox 4"/>
+          <p:cNvSpPr txBox="1"/>
+          <p:nvPr/>
+        </p:nvSpPr>
+        <p:spPr>
+          <a:xfrm>
+            <a:off x="3743908" y="5651136"/>
+            <a:ext cx="1872208" cy="338554"/>
+          </a:xfrm>
+          <a:prstGeom prst="rect">
+            <a:avLst/>
+          </a:prstGeom>
+          <a:noFill/>
+        </p:spPr>
+        <p:txBody>
+          <a:bodyPr wrap="square" rtlCol="0">
+            <a:spAutoFit/>
+          </a:bodyPr>
+          <a:lstStyle/>
+          <a:p>
+            <a:pPr algn="ctr"/>
+            <a:r>
+              <a:rPr lang="en-US" altLang="ko-KR" sz="1600" dirty="0" smtClean="0"/>
+              <a:t>&lt;stage&gt;</a:t>
+            </a:r>
+            <a:endParaRPr lang="ko-KR" altLang="en-US" sz="1600" dirty="0"/>
+          </a:p>
+        </p:txBody>
+      </p:sp>
+      <p:sp>
+        <p:nvSpPr>
+          <p:cNvPr id="6" name="TextBox 5"/>
+          <p:cNvSpPr txBox="1"/>
+          <p:nvPr/>
+        </p:nvSpPr>
+        <p:spPr>
+          <a:xfrm>
+            <a:off x="6538217" y="5651136"/>
+            <a:ext cx="1872208" cy="338554"/>
+          </a:xfrm>
+          <a:prstGeom prst="rect">
+            <a:avLst/>
+          </a:prstGeom>
+          <a:noFill/>
+        </p:spPr>
+        <p:txBody>
+          <a:bodyPr wrap="square" rtlCol="0">
+            <a:spAutoFit/>
+          </a:bodyPr>
+          <a:lstStyle/>
+          <a:p>
+            <a:pPr algn="ctr"/>
+            <a:r>
+              <a:rPr lang="en-US" altLang="ko-KR" sz="1600" dirty="0" smtClean="0"/>
+              <a:t>&lt;</a:t>
+            </a:r>
+            <a:r>
+              <a:rPr lang="en-US" altLang="ko-KR" sz="1600" dirty="0" smtClean="0"/>
+              <a:t>HEAD&gt;74</a:t>
+            </a:r>
+            <a:r>
+              <a:rPr lang="en-US" altLang="ko-KR" sz="1600" dirty="0" smtClean="0"/>
+              <a:t>ec</a:t>
+            </a:r>
+            <a:r>
+              <a:rPr lang="en-US" altLang="ko-KR" sz="1600" dirty="0" smtClean="0"/>
+              <a:t>16</a:t>
+            </a:r>
+            <a:endParaRPr lang="ko-KR" altLang="en-US" sz="1600" dirty="0"/>
+          </a:p>
+        </p:txBody>
+      </p:sp>
+      <p:sp>
+        <p:nvSpPr>
+          <p:cNvPr id="8" name="모서리가 둥근 직사각형 7"/>
+          <p:cNvSpPr/>
+          <p:nvPr/>
+        </p:nvSpPr>
+        <p:spPr>
+          <a:xfrm>
+            <a:off x="1045704" y="1268760"/>
+            <a:ext cx="1800200" cy="504056"/>
+          </a:xfrm>
+          <a:prstGeom prst="roundRect">
+            <a:avLst/>
+          </a:prstGeom>
+        </p:spPr>
+        <p:style>
+          <a:lnRef idx="2">
+            <a:schemeClr val="accent1">
+              <a:shade val="50000"/>
+            </a:schemeClr>
+          </a:lnRef>
+          <a:fillRef idx="1">
+            <a:schemeClr val="accent1"/>
+          </a:fillRef>
+          <a:effectRef idx="0">
+            <a:schemeClr val="accent1"/>
+          </a:effectRef>
+          <a:fontRef idx="minor">
+            <a:schemeClr val="lt1"/>
+          </a:fontRef>
+        </p:style>
+        <p:txBody>
+          <a:bodyPr rtlCol="0" anchor="ctr"/>
+          <a:lstStyle/>
+          <a:p>
+            <a:pPr algn="ctr"/>
+            <a:r>
+              <a:rPr lang="en-US" altLang="ko-KR" sz="1600" dirty="0" smtClean="0"/>
+              <a:t>f3e6fa cat.txt</a:t>
+            </a:r>
+            <a:endParaRPr lang="ko-KR" altLang="en-US" sz="1600" dirty="0"/>
+          </a:p>
+        </p:txBody>
+      </p:sp>
+      <p:sp>
+        <p:nvSpPr>
+          <p:cNvPr id="9" name="직사각형 8"/>
+          <p:cNvSpPr/>
+          <p:nvPr/>
+        </p:nvSpPr>
+        <p:spPr>
+          <a:xfrm>
+            <a:off x="2394012" y="343689"/>
+            <a:ext cx="4572000" cy="276999"/>
+          </a:xfrm>
+          <a:prstGeom prst="rect">
+            <a:avLst/>
+          </a:prstGeom>
+          <a:ln>
+            <a:solidFill>
+              <a:schemeClr val="tx1"/>
+            </a:solidFill>
+          </a:ln>
+        </p:spPr>
+        <p:txBody>
+          <a:bodyPr>
+            <a:spAutoFit/>
+          </a:bodyPr>
+          <a:lstStyle/>
+          <a:p>
+            <a:pPr algn="ctr"/>
+            <a:r>
+              <a:rPr lang="en-US" altLang="ko-KR" sz="1200" dirty="0" err="1" smtClean="0"/>
+              <a:t>gi</a:t>
+            </a:r>
+            <a:r>
+              <a:rPr lang="en-US" altLang="ko-KR" sz="1200" dirty="0" err="1" smtClean="0"/>
+              <a:t>t</a:t>
+            </a:r>
+            <a:r>
+              <a:rPr lang="en-US" altLang="ko-KR" sz="1200" dirty="0" smtClean="0"/>
+              <a:t> add </a:t>
+            </a:r>
+            <a:r>
+              <a:rPr lang="ko-KR" altLang="en-US" sz="1200" dirty="0" smtClean="0"/>
+              <a:t>명령으로 파일을 스테이지에 추가한 후의 상태</a:t>
+            </a:r>
+            <a:endParaRPr lang="en-US" altLang="ko-KR" sz="1200" dirty="0" smtClean="0"/>
+          </a:p>
+        </p:txBody>
+      </p:sp>
+      <p:sp>
+        <p:nvSpPr>
+          <p:cNvPr id="11" name="모서리가 둥근 직사각형 10"/>
+          <p:cNvSpPr/>
+          <p:nvPr/>
+        </p:nvSpPr>
+        <p:spPr>
+          <a:xfrm>
+            <a:off x="6192180" y="1052736"/>
+            <a:ext cx="2520280" cy="4536504"/>
+          </a:xfrm>
+          <a:prstGeom prst="roundRect">
+            <a:avLst/>
+          </a:prstGeom>
+          <a:noFill/>
+        </p:spPr>
+        <p:style>
+          <a:lnRef idx="2">
+            <a:schemeClr val="accent1">
+              <a:shade val="50000"/>
+            </a:schemeClr>
+          </a:lnRef>
+          <a:fillRef idx="1">
+            <a:schemeClr val="accent1"/>
+          </a:fillRef>
+          <a:effectRef idx="0">
+            <a:schemeClr val="accent1"/>
+          </a:effectRef>
+          <a:fontRef idx="minor">
+            <a:schemeClr val="lt1"/>
+          </a:fontRef>
+        </p:style>
+        <p:txBody>
+          <a:bodyPr rtlCol="0" anchor="ctr"/>
+          <a:lstStyle/>
+          <a:p>
+            <a:pPr algn="ctr"/>
+            <a:endParaRPr lang="ko-KR" altLang="en-US"/>
+          </a:p>
+        </p:txBody>
+      </p:sp>
+      <p:sp>
+        <p:nvSpPr>
+          <p:cNvPr id="12" name="모서리가 둥근 직사각형 11"/>
+          <p:cNvSpPr/>
+          <p:nvPr/>
+        </p:nvSpPr>
+        <p:spPr>
+          <a:xfrm>
+            <a:off x="6588224" y="2276872"/>
+            <a:ext cx="1800200" cy="504056"/>
+          </a:xfrm>
+          <a:prstGeom prst="roundRect">
+            <a:avLst/>
+          </a:prstGeom>
+        </p:spPr>
+        <p:style>
+          <a:lnRef idx="2">
+            <a:schemeClr val="accent1">
+              <a:shade val="50000"/>
+            </a:schemeClr>
+          </a:lnRef>
+          <a:fillRef idx="1">
+            <a:schemeClr val="accent1"/>
+          </a:fillRef>
+          <a:effectRef idx="0">
+            <a:schemeClr val="accent1"/>
+          </a:effectRef>
+          <a:fontRef idx="minor">
+            <a:schemeClr val="lt1"/>
+          </a:fontRef>
+        </p:style>
+        <p:txBody>
+          <a:bodyPr rtlCol="0" anchor="ctr"/>
+          <a:lstStyle/>
+          <a:p>
+            <a:pPr algn="ctr"/>
+            <a:r>
+              <a:rPr lang="en-US" altLang="ko-KR" sz="1600" dirty="0" smtClean="0"/>
+              <a:t>ff5bda. cat.txt</a:t>
+            </a:r>
+            <a:endParaRPr lang="ko-KR" altLang="en-US" sz="1600" dirty="0"/>
+          </a:p>
+        </p:txBody>
+      </p:sp>
+      <p:sp>
+        <p:nvSpPr>
+          <p:cNvPr id="7" name="이등변 삼각형 6"/>
+          <p:cNvSpPr/>
+          <p:nvPr/>
+        </p:nvSpPr>
+        <p:spPr>
+          <a:xfrm>
+            <a:off x="6662067" y="1268760"/>
+            <a:ext cx="1652514" cy="648072"/>
+          </a:xfrm>
+          <a:prstGeom prst="triangle">
+            <a:avLst/>
+          </a:prstGeom>
+        </p:spPr>
+        <p:style>
+          <a:lnRef idx="2">
+            <a:schemeClr val="accent1">
+              <a:shade val="50000"/>
+            </a:schemeClr>
+          </a:lnRef>
+          <a:fillRef idx="1">
+            <a:schemeClr val="accent1"/>
+          </a:fillRef>
+          <a:effectRef idx="0">
+            <a:schemeClr val="accent1"/>
+          </a:effectRef>
+          <a:fontRef idx="minor">
+            <a:schemeClr val="lt1"/>
+          </a:fontRef>
+        </p:style>
+        <p:txBody>
+          <a:bodyPr rtlCol="0" anchor="ctr"/>
+          <a:lstStyle/>
+          <a:p>
+            <a:pPr algn="ctr"/>
+            <a:r>
+              <a:rPr lang="en-US" altLang="ko-KR" sz="1400" dirty="0" smtClean="0"/>
+              <a:t>7a5459</a:t>
+            </a:r>
+            <a:endParaRPr lang="ko-KR" altLang="en-US" sz="1400" dirty="0"/>
+          </a:p>
+        </p:txBody>
+      </p:sp>
+      <p:cxnSp>
+        <p:nvCxnSpPr>
+          <p:cNvPr id="15" name="직선 연결선 14"/>
+          <p:cNvCxnSpPr>
+            <a:stCxn id="7" idx="3"/>
+            <a:endCxn id="12" idx="0"/>
+          </p:cNvCxnSpPr>
+          <p:nvPr/>
+        </p:nvCxnSpPr>
+        <p:spPr>
+          <a:xfrm>
+            <a:off x="7488324" y="1916832"/>
+            <a:ext cx="0" cy="360040"/>
+          </a:xfrm>
+          <a:prstGeom prst="line">
+            <a:avLst/>
+          </a:prstGeom>
+          <a:ln w="28575">
+            <a:solidFill>
+              <a:srgbClr val="FF0000"/>
+            </a:solidFill>
+          </a:ln>
+        </p:spPr>
+        <p:style>
+          <a:lnRef idx="1">
+            <a:schemeClr val="accent1"/>
+          </a:lnRef>
+          <a:fillRef idx="0">
+            <a:schemeClr val="accent1"/>
+          </a:fillRef>
+          <a:effectRef idx="0">
+            <a:schemeClr val="accent1"/>
+          </a:effectRef>
+          <a:fontRef idx="minor">
+            <a:schemeClr val="tx1"/>
+          </a:fontRef>
+        </p:style>
+      </p:cxnSp>
+      <p:sp>
+        <p:nvSpPr>
+          <p:cNvPr id="17" name="모서리가 둥근 직사각형 16"/>
+          <p:cNvSpPr/>
+          <p:nvPr/>
+        </p:nvSpPr>
+        <p:spPr>
+          <a:xfrm>
+            <a:off x="3818012" y="1268760"/>
+            <a:ext cx="1800200" cy="504056"/>
+          </a:xfrm>
+          <a:prstGeom prst="roundRect">
+            <a:avLst/>
+          </a:prstGeom>
+        </p:spPr>
+        <p:style>
+          <a:lnRef idx="2">
+            <a:schemeClr val="accent1">
+              <a:shade val="50000"/>
+            </a:schemeClr>
+          </a:lnRef>
+          <a:fillRef idx="1">
+            <a:schemeClr val="accent1"/>
+          </a:fillRef>
+          <a:effectRef idx="0">
+            <a:schemeClr val="accent1"/>
+          </a:effectRef>
+          <a:fontRef idx="minor">
+            <a:schemeClr val="lt1"/>
+          </a:fontRef>
+        </p:style>
+        <p:txBody>
+          <a:bodyPr rtlCol="0" anchor="ctr"/>
+          <a:lstStyle/>
+          <a:p>
+            <a:pPr algn="ctr"/>
+            <a:r>
+              <a:rPr lang="en-US" altLang="ko-KR" sz="1600" dirty="0" smtClean="0"/>
+              <a:t>f3e6fa cat.txt</a:t>
+            </a:r>
+            <a:endParaRPr lang="ko-KR" altLang="en-US" sz="1600" dirty="0"/>
+          </a:p>
+        </p:txBody>
+      </p:sp>
+    </p:spTree>
+    <p:extLst>
+      <p:ext uri="{BB962C8B-B14F-4D97-AF65-F5344CB8AC3E}">
+        <p14:creationId xmlns:p14="http://schemas.microsoft.com/office/powerpoint/2010/main" val="2447909059"/>
+      </p:ext>
+    </p:extLst>
+  </p:cSld>
+  <p:clrMapOvr>
+    <a:masterClrMapping/>
+  </p:clrMapOvr>
+  <p:timing>
+    <p:tnLst>
+      <p:par>
+        <p:cTn id="1" dur="indefinite" restart="never" nodeType="tmRoot"/>
+      </p:par>
+    </p:tnLst>
+  </p:timing>
+</p:sld>
+</file>
+
 <file path=ppt/slides/slide3.xml><?xml version="1.0" encoding="utf-8"?>
 <p:sld xmlns:a="http://schemas.openxmlformats.org/drawingml/2006/main" xmlns:r="http://schemas.openxmlformats.org/officeDocument/2006/relationships" xmlns:p="http://schemas.openxmlformats.org/presentationml/2006/main">
   <p:cSld>
@@ -16291,6 +19269,625 @@
     <p:extLst>
       <p:ext uri="{BB962C8B-B14F-4D97-AF65-F5344CB8AC3E}">
         <p14:creationId xmlns:p14="http://schemas.microsoft.com/office/powerpoint/2010/main" val="1894709517"/>
+      </p:ext>
+    </p:extLst>
+  </p:cSld>
+  <p:clrMapOvr>
+    <a:masterClrMapping/>
+  </p:clrMapOvr>
+  <p:timing>
+    <p:tnLst>
+      <p:par>
+        <p:cTn id="1" dur="indefinite" restart="never" nodeType="tmRoot"/>
+      </p:par>
+    </p:tnLst>
+  </p:timing>
+</p:sld>
+</file>
+
+<file path=ppt/slides/slide30.xml><?xml version="1.0" encoding="utf-8"?>
+<p:sld xmlns:a="http://schemas.openxmlformats.org/drawingml/2006/main" xmlns:r="http://schemas.openxmlformats.org/officeDocument/2006/relationships" xmlns:p="http://schemas.openxmlformats.org/presentationml/2006/main">
+  <p:cSld>
+    <p:spTree>
+      <p:nvGrpSpPr>
+        <p:cNvPr id="1" name=""/>
+        <p:cNvGrpSpPr/>
+        <p:nvPr/>
+      </p:nvGrpSpPr>
+      <p:grpSpPr>
+        <a:xfrm>
+          <a:off x="0" y="0"/>
+          <a:ext cx="0" cy="0"/>
+          <a:chOff x="0" y="0"/>
+          <a:chExt cx="0" cy="0"/>
+        </a:xfrm>
+      </p:grpSpPr>
+      <p:sp>
+        <p:nvSpPr>
+          <p:cNvPr id="2" name="모서리가 둥근 직사각형 1"/>
+          <p:cNvSpPr/>
+          <p:nvPr/>
+        </p:nvSpPr>
+        <p:spPr>
+          <a:xfrm>
+            <a:off x="683568" y="1052736"/>
+            <a:ext cx="2520280" cy="4536504"/>
+          </a:xfrm>
+          <a:prstGeom prst="roundRect">
+            <a:avLst/>
+          </a:prstGeom>
+          <a:noFill/>
+        </p:spPr>
+        <p:style>
+          <a:lnRef idx="2">
+            <a:schemeClr val="accent1">
+              <a:shade val="50000"/>
+            </a:schemeClr>
+          </a:lnRef>
+          <a:fillRef idx="1">
+            <a:schemeClr val="accent1"/>
+          </a:fillRef>
+          <a:effectRef idx="0">
+            <a:schemeClr val="accent1"/>
+          </a:effectRef>
+          <a:fontRef idx="minor">
+            <a:schemeClr val="lt1"/>
+          </a:fontRef>
+        </p:style>
+        <p:txBody>
+          <a:bodyPr rtlCol="0" anchor="ctr"/>
+          <a:lstStyle/>
+          <a:p>
+            <a:pPr algn="ctr"/>
+            <a:endParaRPr lang="ko-KR" altLang="en-US"/>
+          </a:p>
+        </p:txBody>
+      </p:sp>
+      <p:sp>
+        <p:nvSpPr>
+          <p:cNvPr id="3" name="모서리가 둥근 직사각형 2"/>
+          <p:cNvSpPr/>
+          <p:nvPr/>
+        </p:nvSpPr>
+        <p:spPr>
+          <a:xfrm>
+            <a:off x="3438922" y="1052736"/>
+            <a:ext cx="2520280" cy="4536504"/>
+          </a:xfrm>
+          <a:prstGeom prst="roundRect">
+            <a:avLst/>
+          </a:prstGeom>
+          <a:noFill/>
+        </p:spPr>
+        <p:style>
+          <a:lnRef idx="2">
+            <a:schemeClr val="accent1">
+              <a:shade val="50000"/>
+            </a:schemeClr>
+          </a:lnRef>
+          <a:fillRef idx="1">
+            <a:schemeClr val="accent1"/>
+          </a:fillRef>
+          <a:effectRef idx="0">
+            <a:schemeClr val="accent1"/>
+          </a:effectRef>
+          <a:fontRef idx="minor">
+            <a:schemeClr val="lt1"/>
+          </a:fontRef>
+        </p:style>
+        <p:txBody>
+          <a:bodyPr rtlCol="0" anchor="ctr"/>
+          <a:lstStyle/>
+          <a:p>
+            <a:pPr algn="ctr"/>
+            <a:endParaRPr lang="ko-KR" altLang="en-US"/>
+          </a:p>
+        </p:txBody>
+      </p:sp>
+      <p:sp>
+        <p:nvSpPr>
+          <p:cNvPr id="4" name="TextBox 3"/>
+          <p:cNvSpPr txBox="1"/>
+          <p:nvPr/>
+        </p:nvSpPr>
+        <p:spPr>
+          <a:xfrm>
+            <a:off x="1007604" y="5651136"/>
+            <a:ext cx="1872208" cy="338554"/>
+          </a:xfrm>
+          <a:prstGeom prst="rect">
+            <a:avLst/>
+          </a:prstGeom>
+          <a:noFill/>
+        </p:spPr>
+        <p:txBody>
+          <a:bodyPr wrap="square" rtlCol="0">
+            <a:spAutoFit/>
+          </a:bodyPr>
+          <a:lstStyle/>
+          <a:p>
+            <a:pPr algn="ctr"/>
+            <a:r>
+              <a:rPr lang="en-US" altLang="ko-KR" sz="1600" dirty="0" smtClean="0"/>
+              <a:t>&lt;working tree&gt;</a:t>
+            </a:r>
+            <a:endParaRPr lang="ko-KR" altLang="en-US" sz="1600" dirty="0"/>
+          </a:p>
+        </p:txBody>
+      </p:sp>
+      <p:sp>
+        <p:nvSpPr>
+          <p:cNvPr id="5" name="TextBox 4"/>
+          <p:cNvSpPr txBox="1"/>
+          <p:nvPr/>
+        </p:nvSpPr>
+        <p:spPr>
+          <a:xfrm>
+            <a:off x="3743908" y="5651136"/>
+            <a:ext cx="1872208" cy="338554"/>
+          </a:xfrm>
+          <a:prstGeom prst="rect">
+            <a:avLst/>
+          </a:prstGeom>
+          <a:noFill/>
+        </p:spPr>
+        <p:txBody>
+          <a:bodyPr wrap="square" rtlCol="0">
+            <a:spAutoFit/>
+          </a:bodyPr>
+          <a:lstStyle/>
+          <a:p>
+            <a:pPr algn="ctr"/>
+            <a:r>
+              <a:rPr lang="en-US" altLang="ko-KR" sz="1600" dirty="0" smtClean="0"/>
+              <a:t>&lt;stage&gt;</a:t>
+            </a:r>
+            <a:endParaRPr lang="ko-KR" altLang="en-US" sz="1600" dirty="0"/>
+          </a:p>
+        </p:txBody>
+      </p:sp>
+      <p:sp>
+        <p:nvSpPr>
+          <p:cNvPr id="6" name="TextBox 5"/>
+          <p:cNvSpPr txBox="1"/>
+          <p:nvPr/>
+        </p:nvSpPr>
+        <p:spPr>
+          <a:xfrm>
+            <a:off x="6516216" y="1124744"/>
+            <a:ext cx="1872208" cy="338554"/>
+          </a:xfrm>
+          <a:prstGeom prst="rect">
+            <a:avLst/>
+          </a:prstGeom>
+          <a:noFill/>
+        </p:spPr>
+        <p:txBody>
+          <a:bodyPr wrap="square" rtlCol="0">
+            <a:spAutoFit/>
+          </a:bodyPr>
+          <a:lstStyle/>
+          <a:p>
+            <a:pPr algn="ctr"/>
+            <a:r>
+              <a:rPr lang="en-US" altLang="ko-KR" sz="1600" dirty="0" smtClean="0"/>
+              <a:t>&lt;</a:t>
+            </a:r>
+            <a:r>
+              <a:rPr lang="en-US" altLang="ko-KR" sz="1600" dirty="0" smtClean="0"/>
+              <a:t>HEAD&gt; 4b7ec39</a:t>
+            </a:r>
+            <a:endParaRPr lang="ko-KR" altLang="en-US" sz="1600" dirty="0"/>
+          </a:p>
+        </p:txBody>
+      </p:sp>
+      <p:sp>
+        <p:nvSpPr>
+          <p:cNvPr id="8" name="모서리가 둥근 직사각형 7"/>
+          <p:cNvSpPr/>
+          <p:nvPr/>
+        </p:nvSpPr>
+        <p:spPr>
+          <a:xfrm>
+            <a:off x="1045704" y="1268760"/>
+            <a:ext cx="1800200" cy="504056"/>
+          </a:xfrm>
+          <a:prstGeom prst="roundRect">
+            <a:avLst/>
+          </a:prstGeom>
+        </p:spPr>
+        <p:style>
+          <a:lnRef idx="2">
+            <a:schemeClr val="accent1">
+              <a:shade val="50000"/>
+            </a:schemeClr>
+          </a:lnRef>
+          <a:fillRef idx="1">
+            <a:schemeClr val="accent1"/>
+          </a:fillRef>
+          <a:effectRef idx="0">
+            <a:schemeClr val="accent1"/>
+          </a:effectRef>
+          <a:fontRef idx="minor">
+            <a:schemeClr val="lt1"/>
+          </a:fontRef>
+        </p:style>
+        <p:txBody>
+          <a:bodyPr rtlCol="0" anchor="ctr"/>
+          <a:lstStyle/>
+          <a:p>
+            <a:pPr algn="ctr"/>
+            <a:r>
+              <a:rPr lang="en-US" altLang="ko-KR" sz="1600" dirty="0" smtClean="0"/>
+              <a:t>f3e6fa cat.txt</a:t>
+            </a:r>
+            <a:endParaRPr lang="ko-KR" altLang="en-US" sz="1600" dirty="0"/>
+          </a:p>
+        </p:txBody>
+      </p:sp>
+      <p:sp>
+        <p:nvSpPr>
+          <p:cNvPr id="9" name="직사각형 8"/>
+          <p:cNvSpPr/>
+          <p:nvPr/>
+        </p:nvSpPr>
+        <p:spPr>
+          <a:xfrm>
+            <a:off x="2394012" y="343689"/>
+            <a:ext cx="4572000" cy="276999"/>
+          </a:xfrm>
+          <a:prstGeom prst="rect">
+            <a:avLst/>
+          </a:prstGeom>
+          <a:ln>
+            <a:solidFill>
+              <a:schemeClr val="tx1"/>
+            </a:solidFill>
+          </a:ln>
+        </p:spPr>
+        <p:txBody>
+          <a:bodyPr>
+            <a:spAutoFit/>
+          </a:bodyPr>
+          <a:lstStyle/>
+          <a:p>
+            <a:pPr algn="ctr"/>
+            <a:r>
+              <a:rPr lang="ko-KR" altLang="en-US" sz="1200" dirty="0" err="1" smtClean="0"/>
+              <a:t>커밋</a:t>
+            </a:r>
+            <a:r>
+              <a:rPr lang="ko-KR" altLang="en-US" sz="1200" dirty="0" smtClean="0"/>
+              <a:t> 추가 및 </a:t>
+            </a:r>
+            <a:r>
+              <a:rPr lang="en-US" altLang="ko-KR" sz="1200" dirty="0" smtClean="0"/>
+              <a:t>HEAD </a:t>
+            </a:r>
+            <a:r>
+              <a:rPr lang="ko-KR" altLang="en-US" sz="1200" dirty="0" smtClean="0"/>
+              <a:t>갱신까지 한 모습</a:t>
+            </a:r>
+            <a:endParaRPr lang="en-US" altLang="ko-KR" sz="1200" dirty="0" smtClean="0"/>
+          </a:p>
+        </p:txBody>
+      </p:sp>
+      <p:sp>
+        <p:nvSpPr>
+          <p:cNvPr id="11" name="모서리가 둥근 직사각형 10"/>
+          <p:cNvSpPr/>
+          <p:nvPr/>
+        </p:nvSpPr>
+        <p:spPr>
+          <a:xfrm>
+            <a:off x="6192180" y="1510045"/>
+            <a:ext cx="2520280" cy="2268252"/>
+          </a:xfrm>
+          <a:prstGeom prst="roundRect">
+            <a:avLst/>
+          </a:prstGeom>
+          <a:noFill/>
+        </p:spPr>
+        <p:style>
+          <a:lnRef idx="2">
+            <a:schemeClr val="accent1">
+              <a:shade val="50000"/>
+            </a:schemeClr>
+          </a:lnRef>
+          <a:fillRef idx="1">
+            <a:schemeClr val="accent1"/>
+          </a:fillRef>
+          <a:effectRef idx="0">
+            <a:schemeClr val="accent1"/>
+          </a:effectRef>
+          <a:fontRef idx="minor">
+            <a:schemeClr val="lt1"/>
+          </a:fontRef>
+        </p:style>
+        <p:txBody>
+          <a:bodyPr rtlCol="0" anchor="ctr"/>
+          <a:lstStyle/>
+          <a:p>
+            <a:pPr algn="ctr"/>
+            <a:endParaRPr lang="ko-KR" altLang="en-US"/>
+          </a:p>
+        </p:txBody>
+      </p:sp>
+      <p:sp>
+        <p:nvSpPr>
+          <p:cNvPr id="7" name="이등변 삼각형 6"/>
+          <p:cNvSpPr/>
+          <p:nvPr/>
+        </p:nvSpPr>
+        <p:spPr>
+          <a:xfrm>
+            <a:off x="6662067" y="1726069"/>
+            <a:ext cx="1652514" cy="648072"/>
+          </a:xfrm>
+          <a:prstGeom prst="triangle">
+            <a:avLst/>
+          </a:prstGeom>
+        </p:spPr>
+        <p:style>
+          <a:lnRef idx="2">
+            <a:schemeClr val="accent1">
+              <a:shade val="50000"/>
+            </a:schemeClr>
+          </a:lnRef>
+          <a:fillRef idx="1">
+            <a:schemeClr val="accent1"/>
+          </a:fillRef>
+          <a:effectRef idx="0">
+            <a:schemeClr val="accent1"/>
+          </a:effectRef>
+          <a:fontRef idx="minor">
+            <a:schemeClr val="lt1"/>
+          </a:fontRef>
+        </p:style>
+        <p:txBody>
+          <a:bodyPr rtlCol="0" anchor="ctr"/>
+          <a:lstStyle/>
+          <a:p>
+            <a:pPr algn="ctr"/>
+            <a:r>
+              <a:rPr lang="en-US" altLang="ko-KR" sz="1400" dirty="0" smtClean="0"/>
+              <a:t>4c2ded</a:t>
+            </a:r>
+            <a:endParaRPr lang="ko-KR" altLang="en-US" sz="1400" dirty="0"/>
+          </a:p>
+        </p:txBody>
+      </p:sp>
+      <p:cxnSp>
+        <p:nvCxnSpPr>
+          <p:cNvPr id="15" name="직선 연결선 14"/>
+          <p:cNvCxnSpPr>
+            <a:stCxn id="7" idx="3"/>
+          </p:cNvCxnSpPr>
+          <p:nvPr/>
+        </p:nvCxnSpPr>
+        <p:spPr>
+          <a:xfrm>
+            <a:off x="7488324" y="2374141"/>
+            <a:ext cx="0" cy="360040"/>
+          </a:xfrm>
+          <a:prstGeom prst="line">
+            <a:avLst/>
+          </a:prstGeom>
+          <a:ln w="28575">
+            <a:solidFill>
+              <a:srgbClr val="FF0000"/>
+            </a:solidFill>
+          </a:ln>
+        </p:spPr>
+        <p:style>
+          <a:lnRef idx="1">
+            <a:schemeClr val="accent1"/>
+          </a:lnRef>
+          <a:fillRef idx="0">
+            <a:schemeClr val="accent1"/>
+          </a:fillRef>
+          <a:effectRef idx="0">
+            <a:schemeClr val="accent1"/>
+          </a:effectRef>
+          <a:fontRef idx="minor">
+            <a:schemeClr val="tx1"/>
+          </a:fontRef>
+        </p:style>
+      </p:cxnSp>
+      <p:sp>
+        <p:nvSpPr>
+          <p:cNvPr id="17" name="모서리가 둥근 직사각형 16"/>
+          <p:cNvSpPr/>
+          <p:nvPr/>
+        </p:nvSpPr>
+        <p:spPr>
+          <a:xfrm>
+            <a:off x="3818012" y="1268760"/>
+            <a:ext cx="1800200" cy="504056"/>
+          </a:xfrm>
+          <a:prstGeom prst="roundRect">
+            <a:avLst/>
+          </a:prstGeom>
+        </p:spPr>
+        <p:style>
+          <a:lnRef idx="2">
+            <a:schemeClr val="accent1">
+              <a:shade val="50000"/>
+            </a:schemeClr>
+          </a:lnRef>
+          <a:fillRef idx="1">
+            <a:schemeClr val="accent1"/>
+          </a:fillRef>
+          <a:effectRef idx="0">
+            <a:schemeClr val="accent1"/>
+          </a:effectRef>
+          <a:fontRef idx="minor">
+            <a:schemeClr val="lt1"/>
+          </a:fontRef>
+        </p:style>
+        <p:txBody>
+          <a:bodyPr rtlCol="0" anchor="ctr"/>
+          <a:lstStyle/>
+          <a:p>
+            <a:pPr algn="ctr"/>
+            <a:r>
+              <a:rPr lang="en-US" altLang="ko-KR" sz="1600" dirty="0" smtClean="0"/>
+              <a:t>f3e6fa cat.txt</a:t>
+            </a:r>
+            <a:endParaRPr lang="ko-KR" altLang="en-US" sz="1600" dirty="0"/>
+          </a:p>
+        </p:txBody>
+      </p:sp>
+      <p:sp>
+        <p:nvSpPr>
+          <p:cNvPr id="16" name="모서리가 둥근 직사각형 15"/>
+          <p:cNvSpPr/>
+          <p:nvPr/>
+        </p:nvSpPr>
+        <p:spPr>
+          <a:xfrm>
+            <a:off x="6555171" y="4581128"/>
+            <a:ext cx="1800200" cy="504056"/>
+          </a:xfrm>
+          <a:prstGeom prst="roundRect">
+            <a:avLst/>
+          </a:prstGeom>
+        </p:spPr>
+        <p:style>
+          <a:lnRef idx="2">
+            <a:schemeClr val="accent1">
+              <a:shade val="50000"/>
+            </a:schemeClr>
+          </a:lnRef>
+          <a:fillRef idx="1">
+            <a:schemeClr val="accent1"/>
+          </a:fillRef>
+          <a:effectRef idx="0">
+            <a:schemeClr val="accent1"/>
+          </a:effectRef>
+          <a:fontRef idx="minor">
+            <a:schemeClr val="lt1"/>
+          </a:fontRef>
+        </p:style>
+        <p:txBody>
+          <a:bodyPr rtlCol="0" anchor="ctr"/>
+          <a:lstStyle/>
+          <a:p>
+            <a:pPr algn="ctr"/>
+            <a:r>
+              <a:rPr lang="en-US" altLang="ko-KR" sz="1600" dirty="0" smtClean="0"/>
+              <a:t>74ec16</a:t>
+            </a:r>
+            <a:br>
+              <a:rPr lang="en-US" altLang="ko-KR" sz="1600" dirty="0" smtClean="0"/>
+            </a:br>
+            <a:r>
+              <a:rPr lang="en-US" altLang="ko-KR" sz="1600" dirty="0" smtClean="0"/>
+              <a:t>(</a:t>
+            </a:r>
+            <a:r>
+              <a:rPr lang="ko-KR" altLang="en-US" sz="1600" dirty="0" smtClean="0"/>
+              <a:t>이전 </a:t>
+            </a:r>
+            <a:r>
+              <a:rPr lang="ko-KR" altLang="en-US" sz="1600" dirty="0" err="1" smtClean="0"/>
+              <a:t>커밋</a:t>
+            </a:r>
+            <a:r>
+              <a:rPr lang="en-US" altLang="ko-KR" sz="1600" dirty="0" smtClean="0"/>
+              <a:t>)</a:t>
+            </a:r>
+            <a:endParaRPr lang="ko-KR" altLang="en-US" sz="1600" dirty="0"/>
+          </a:p>
+        </p:txBody>
+      </p:sp>
+      <p:sp>
+        <p:nvSpPr>
+          <p:cNvPr id="18" name="모서리가 둥근 직사각형 17"/>
+          <p:cNvSpPr/>
+          <p:nvPr/>
+        </p:nvSpPr>
+        <p:spPr>
+          <a:xfrm>
+            <a:off x="6574221" y="2734181"/>
+            <a:ext cx="1800200" cy="504056"/>
+          </a:xfrm>
+          <a:prstGeom prst="roundRect">
+            <a:avLst/>
+          </a:prstGeom>
+        </p:spPr>
+        <p:style>
+          <a:lnRef idx="2">
+            <a:schemeClr val="accent1">
+              <a:shade val="50000"/>
+            </a:schemeClr>
+          </a:lnRef>
+          <a:fillRef idx="1">
+            <a:schemeClr val="accent1"/>
+          </a:fillRef>
+          <a:effectRef idx="0">
+            <a:schemeClr val="accent1"/>
+          </a:effectRef>
+          <a:fontRef idx="minor">
+            <a:schemeClr val="lt1"/>
+          </a:fontRef>
+        </p:style>
+        <p:txBody>
+          <a:bodyPr rtlCol="0" anchor="ctr"/>
+          <a:lstStyle/>
+          <a:p>
+            <a:pPr algn="ctr"/>
+            <a:r>
+              <a:rPr lang="en-US" altLang="ko-KR" sz="1600" dirty="0" smtClean="0"/>
+              <a:t>f3e6fa cat.txt</a:t>
+            </a:r>
+            <a:endParaRPr lang="ko-KR" altLang="en-US" sz="1600" dirty="0"/>
+          </a:p>
+        </p:txBody>
+      </p:sp>
+      <p:cxnSp>
+        <p:nvCxnSpPr>
+          <p:cNvPr id="19" name="직선 화살표 연결선 18"/>
+          <p:cNvCxnSpPr>
+            <a:stCxn id="11" idx="2"/>
+            <a:endCxn id="16" idx="0"/>
+          </p:cNvCxnSpPr>
+          <p:nvPr/>
+        </p:nvCxnSpPr>
+        <p:spPr>
+          <a:xfrm>
+            <a:off x="7452320" y="3778297"/>
+            <a:ext cx="2951" cy="802831"/>
+          </a:xfrm>
+          <a:prstGeom prst="straightConnector1">
+            <a:avLst/>
+          </a:prstGeom>
+          <a:ln w="38100">
+            <a:solidFill>
+              <a:srgbClr val="FF0000"/>
+            </a:solidFill>
+            <a:tailEnd type="arrow"/>
+          </a:ln>
+        </p:spPr>
+        <p:style>
+          <a:lnRef idx="1">
+            <a:schemeClr val="accent1"/>
+          </a:lnRef>
+          <a:fillRef idx="0">
+            <a:schemeClr val="accent1"/>
+          </a:fillRef>
+          <a:effectRef idx="0">
+            <a:schemeClr val="accent1"/>
+          </a:effectRef>
+          <a:fontRef idx="minor">
+            <a:schemeClr val="tx1"/>
+          </a:fontRef>
+        </p:style>
+      </p:cxnSp>
+    </p:spTree>
+    <p:extLst>
+      <p:ext uri="{BB962C8B-B14F-4D97-AF65-F5344CB8AC3E}">
+        <p14:creationId xmlns:p14="http://schemas.microsoft.com/office/powerpoint/2010/main" val="1025768250"/>
       </p:ext>
     </p:extLst>
   </p:cSld>
